--- a/Asynchronous Parallel Reactive - HELP!/Asynchronous Parallel Reactive Help - 16.9.pptx
+++ b/Asynchronous Parallel Reactive - HELP!/Asynchronous Parallel Reactive Help - 16.9.pptx
@@ -7,7 +7,7 @@
     <p:sldMasterId id="2147483695" r:id="rId3"/>
   </p:sldMasterIdLst>
   <p:notesMasterIdLst>
-    <p:notesMasterId r:id="rId44"/>
+    <p:notesMasterId r:id="rId45"/>
   </p:notesMasterIdLst>
   <p:sldIdLst>
     <p:sldId id="256" r:id="rId4"/>
@@ -21,12 +21,12 @@
     <p:sldId id="355" r:id="rId12"/>
     <p:sldId id="356" r:id="rId13"/>
     <p:sldId id="357" r:id="rId14"/>
-    <p:sldId id="362" r:id="rId15"/>
-    <p:sldId id="348" r:id="rId16"/>
-    <p:sldId id="349" r:id="rId17"/>
-    <p:sldId id="360" r:id="rId18"/>
-    <p:sldId id="358" r:id="rId19"/>
-    <p:sldId id="359" r:id="rId20"/>
+    <p:sldId id="348" r:id="rId15"/>
+    <p:sldId id="349" r:id="rId16"/>
+    <p:sldId id="360" r:id="rId17"/>
+    <p:sldId id="358" r:id="rId18"/>
+    <p:sldId id="359" r:id="rId19"/>
+    <p:sldId id="381" r:id="rId20"/>
     <p:sldId id="350" r:id="rId21"/>
     <p:sldId id="351" r:id="rId22"/>
     <p:sldId id="368" r:id="rId23"/>
@@ -41,15 +41,16 @@
     <p:sldId id="374" r:id="rId32"/>
     <p:sldId id="376" r:id="rId33"/>
     <p:sldId id="377" r:id="rId34"/>
-    <p:sldId id="378" r:id="rId35"/>
-    <p:sldId id="379" r:id="rId36"/>
-    <p:sldId id="380" r:id="rId37"/>
-    <p:sldId id="363" r:id="rId38"/>
-    <p:sldId id="367" r:id="rId39"/>
-    <p:sldId id="375" r:id="rId40"/>
-    <p:sldId id="364" r:id="rId41"/>
-    <p:sldId id="365" r:id="rId42"/>
-    <p:sldId id="274" r:id="rId43"/>
+    <p:sldId id="362" r:id="rId35"/>
+    <p:sldId id="378" r:id="rId36"/>
+    <p:sldId id="379" r:id="rId37"/>
+    <p:sldId id="380" r:id="rId38"/>
+    <p:sldId id="363" r:id="rId39"/>
+    <p:sldId id="367" r:id="rId40"/>
+    <p:sldId id="375" r:id="rId41"/>
+    <p:sldId id="364" r:id="rId42"/>
+    <p:sldId id="365" r:id="rId43"/>
+    <p:sldId id="274" r:id="rId44"/>
   </p:sldIdLst>
   <p:sldSz cx="12192000" cy="6858000"/>
   <p:notesSz cx="6858000" cy="9144000"/>
@@ -164,12 +165,12 @@
             <p14:sldId id="355"/>
             <p14:sldId id="356"/>
             <p14:sldId id="357"/>
-            <p14:sldId id="362"/>
             <p14:sldId id="348"/>
             <p14:sldId id="349"/>
             <p14:sldId id="360"/>
             <p14:sldId id="358"/>
             <p14:sldId id="359"/>
+            <p14:sldId id="381"/>
             <p14:sldId id="350"/>
             <p14:sldId id="351"/>
             <p14:sldId id="368"/>
@@ -184,6 +185,7 @@
             <p14:sldId id="374"/>
             <p14:sldId id="376"/>
             <p14:sldId id="377"/>
+            <p14:sldId id="362"/>
             <p14:sldId id="378"/>
             <p14:sldId id="379"/>
             <p14:sldId id="380"/>
@@ -286,7 +288,7 @@
           <a:p>
             <a:fld id="{574E8BCA-0B4F-4373-B78E-3D2899449797}" type="datetimeFigureOut">
               <a:rPr lang="en-US" smtClean="0"/>
-              <a:t>3/20/2014</a:t>
+              <a:t>7/15/2014</a:t>
             </a:fld>
             <a:endParaRPr lang="en-US" dirty="0"/>
           </a:p>
@@ -688,82 +690,38 @@
           <a:p>
             <a:r>
               <a:rPr lang="en-US" dirty="0" smtClean="0"/>
-              <a:t>A</a:t>
+              <a:t>Asynchronous is</a:t>
             </a:r>
             <a:r>
               <a:rPr lang="en-US" baseline="0" dirty="0" smtClean="0"/>
-              <a:t> Task completes exactly once, either successfully (with result) or error.</a:t>
-            </a:r>
-          </a:p>
-          <a:p>
-            <a:endParaRPr lang="en-US" dirty="0" smtClean="0"/>
-          </a:p>
-          <a:p>
-            <a:r>
-              <a:rPr lang="en-US" dirty="0" smtClean="0"/>
-              <a:t>When await is passed an incomplete task, it pauses the current method’s execution and returns an incomplete task.</a:t>
-            </a:r>
-          </a:p>
-          <a:p>
-            <a:r>
-              <a:rPr lang="en-US" dirty="0" smtClean="0"/>
-              <a:t>Pauses the </a:t>
-            </a:r>
-            <a:r>
-              <a:rPr lang="en-US" i="1" dirty="0" smtClean="0"/>
-              <a:t>method</a:t>
-            </a:r>
-            <a:r>
-              <a:rPr lang="en-US" dirty="0" smtClean="0"/>
-              <a:t>,</a:t>
+              <a:t> a form of concurrency </a:t>
+            </a:r>
+            <a:r>
+              <a:rPr lang="en-US" i="1" baseline="0" dirty="0" smtClean="0"/>
+              <a:t>without</a:t>
             </a:r>
             <a:r>
               <a:rPr lang="en-US" baseline="0" dirty="0" smtClean="0"/>
-              <a:t> not the </a:t>
+              <a:t> using threads.</a:t>
+            </a:r>
+          </a:p>
+          <a:p>
+            <a:endParaRPr lang="en-US" baseline="0" dirty="0" smtClean="0"/>
+          </a:p>
+          <a:p>
+            <a:r>
+              <a:rPr lang="en-US" baseline="0" dirty="0" smtClean="0"/>
+              <a:t>Instead, asynchronous code registers a callback/future as a “bookmark” and </a:t>
             </a:r>
             <a:r>
               <a:rPr lang="en-US" i="1" baseline="0" dirty="0" smtClean="0"/>
-              <a:t>thread</a:t>
+              <a:t>frees</a:t>
             </a:r>
             <a:r>
               <a:rPr lang="en-US" baseline="0" dirty="0" smtClean="0"/>
-              <a:t>.</a:t>
-            </a:r>
-          </a:p>
-          <a:p>
-            <a:r>
-              <a:rPr lang="en-US" baseline="0" dirty="0" smtClean="0"/>
-              <a:t>Later, when the task argument completes, it resumes executing the method (by default, in the same context, or on the thread pool if no context).</a:t>
-            </a:r>
-          </a:p>
-          <a:p>
-            <a:endParaRPr lang="en-US" dirty="0" smtClean="0"/>
-          </a:p>
-          <a:p>
-            <a:r>
-              <a:rPr lang="en-US" dirty="0" err="1" smtClean="0"/>
-              <a:t>Async</a:t>
-            </a:r>
-            <a:r>
-              <a:rPr lang="en-US" dirty="0" smtClean="0"/>
-              <a:t> is about </a:t>
-            </a:r>
-            <a:r>
-              <a:rPr lang="en-US" i="1" dirty="0" smtClean="0"/>
-              <a:t>freeing up </a:t>
-            </a:r>
-            <a:r>
-              <a:rPr lang="en-US" dirty="0" smtClean="0"/>
-              <a:t>the current thread, not using </a:t>
-            </a:r>
-            <a:r>
-              <a:rPr lang="en-US" i="1" dirty="0" smtClean="0"/>
-              <a:t>background</a:t>
-            </a:r>
-            <a:r>
-              <a:rPr lang="en-US" dirty="0" smtClean="0"/>
-              <a:t> threads.</a:t>
-            </a:r>
+              <a:t> the current thread to do other work.</a:t>
+            </a:r>
+            <a:endParaRPr lang="en-US" dirty="0"/>
           </a:p>
         </p:txBody>
       </p:sp>
@@ -793,7 +751,7 @@
     </p:spTree>
     <p:extLst>
       <p:ext uri="{BB962C8B-B14F-4D97-AF65-F5344CB8AC3E}">
-        <p14:creationId xmlns:p14="http://schemas.microsoft.com/office/powerpoint/2010/main" val="3911491607"/>
+        <p14:creationId xmlns:p14="http://schemas.microsoft.com/office/powerpoint/2010/main" val="3197589142"/>
       </p:ext>
     </p:extLst>
   </p:cSld>
@@ -849,36 +807,44 @@
           <a:p>
             <a:r>
               <a:rPr lang="en-US" dirty="0" smtClean="0"/>
-              <a:t>Asynchronous is</a:t>
+              <a:t>This is the ideal I/O scenario for .NET I/O that uses the standard IOCP/OVERLAPPED system.</a:t>
+            </a:r>
+          </a:p>
+          <a:p>
+            <a:endParaRPr lang="en-US" dirty="0" smtClean="0"/>
+          </a:p>
+          <a:p>
+            <a:r>
+              <a:rPr lang="en-US" dirty="0" smtClean="0"/>
+              <a:t>IRP</a:t>
             </a:r>
             <a:r>
               <a:rPr lang="en-US" baseline="0" dirty="0" smtClean="0"/>
-              <a:t> a form of concurrency </a:t>
-            </a:r>
-            <a:r>
-              <a:rPr lang="en-US" i="1" baseline="0" dirty="0" smtClean="0"/>
-              <a:t>without</a:t>
-            </a:r>
+              <a:t> = I/O Request Packet</a:t>
+            </a:r>
+          </a:p>
+          <a:p>
             <a:r>
               <a:rPr lang="en-US" baseline="0" dirty="0" smtClean="0"/>
-              <a:t> using threads.</a:t>
-            </a:r>
-          </a:p>
-          <a:p>
-            <a:endParaRPr lang="en-US" baseline="0" dirty="0" smtClean="0"/>
+              <a:t>ISR = Interrupt Service Request</a:t>
+            </a:r>
           </a:p>
           <a:p>
             <a:r>
               <a:rPr lang="en-US" baseline="0" dirty="0" smtClean="0"/>
-              <a:t>Instead, asynchronous code registers a callback/future as a “bookmark” and </a:t>
-            </a:r>
-            <a:r>
-              <a:rPr lang="en-US" i="1" baseline="0" dirty="0" smtClean="0"/>
-              <a:t>frees</a:t>
-            </a:r>
+              <a:t>DPC = Deferred Procedure Call</a:t>
+            </a:r>
+          </a:p>
+          <a:p>
             <a:r>
               <a:rPr lang="en-US" baseline="0" dirty="0" smtClean="0"/>
-              <a:t> the current thread to do other work.</a:t>
+              <a:t>APC = Asynchronous Procedure Call</a:t>
+            </a:r>
+          </a:p>
+          <a:p>
+            <a:r>
+              <a:rPr lang="en-US" baseline="0" dirty="0" smtClean="0"/>
+              <a:t>IOCP = I/O Completion Port</a:t>
             </a:r>
             <a:endParaRPr lang="en-US" dirty="0"/>
           </a:p>
@@ -910,7 +876,7 @@
     </p:spTree>
     <p:extLst>
       <p:ext uri="{BB962C8B-B14F-4D97-AF65-F5344CB8AC3E}">
-        <p14:creationId xmlns:p14="http://schemas.microsoft.com/office/powerpoint/2010/main" val="3197589142"/>
+        <p14:creationId xmlns:p14="http://schemas.microsoft.com/office/powerpoint/2010/main" val="856237927"/>
       </p:ext>
     </p:extLst>
   </p:cSld>
@@ -966,44 +932,48 @@
           <a:p>
             <a:r>
               <a:rPr lang="en-US" dirty="0" smtClean="0"/>
-              <a:t>This is the ideal I/O scenario for .NET I/O that uses the standard IOCP/OVERLAPPED system.</a:t>
-            </a:r>
-          </a:p>
-          <a:p>
-            <a:endParaRPr lang="en-US" dirty="0" smtClean="0"/>
-          </a:p>
-          <a:p>
-            <a:r>
-              <a:rPr lang="en-US" dirty="0" smtClean="0"/>
-              <a:t>IRP</a:t>
+              <a:t>For TPL </a:t>
+            </a:r>
+            <a:r>
+              <a:rPr lang="en-US" dirty="0" err="1" smtClean="0"/>
+              <a:t>devs</a:t>
+            </a:r>
+            <a:r>
+              <a:rPr lang="en-US" dirty="0" smtClean="0"/>
+              <a:t>: Task (as used by the TPL)</a:t>
             </a:r>
             <a:r>
               <a:rPr lang="en-US" baseline="0" dirty="0" smtClean="0"/>
-              <a:t> = I/O Request Packet</a:t>
-            </a:r>
-          </a:p>
-          <a:p>
+              <a:t> is completely different than Task (as used by </a:t>
+            </a:r>
+            <a:r>
+              <a:rPr lang="en-US" baseline="0" dirty="0" err="1" smtClean="0"/>
+              <a:t>async</a:t>
+            </a:r>
             <a:r>
               <a:rPr lang="en-US" baseline="0" dirty="0" smtClean="0"/>
-              <a:t>ISR = Interrupt Service Request</a:t>
-            </a:r>
-          </a:p>
-          <a:p>
+              <a:t>).</a:t>
+            </a:r>
+          </a:p>
+          <a:p>
+            <a:endParaRPr lang="en-US" baseline="0" dirty="0" smtClean="0"/>
+          </a:p>
+          <a:p>
+            <a:r>
+              <a:rPr lang="en-US" dirty="0" smtClean="0"/>
+              <a:t>For newbie </a:t>
+            </a:r>
+            <a:r>
+              <a:rPr lang="en-US" dirty="0" err="1" smtClean="0"/>
+              <a:t>devs</a:t>
+            </a:r>
+            <a:r>
+              <a:rPr lang="en-US" dirty="0" smtClean="0"/>
+              <a:t>: Task has a lot of baggage</a:t>
+            </a:r>
             <a:r>
               <a:rPr lang="en-US" baseline="0" dirty="0" smtClean="0"/>
-              <a:t>DPC = Deferred Procedure Call</a:t>
-            </a:r>
-          </a:p>
-          <a:p>
-            <a:r>
-              <a:rPr lang="en-US" baseline="0" dirty="0" smtClean="0"/>
-              <a:t>APC = Asynchronous Procedure Call</a:t>
-            </a:r>
-          </a:p>
-          <a:p>
-            <a:r>
-              <a:rPr lang="en-US" baseline="0" dirty="0" smtClean="0"/>
-              <a:t>IOCP = I/O Completion Port</a:t>
+              <a:t> from the TPL; most members should just not be used.</a:t>
             </a:r>
             <a:endParaRPr lang="en-US" dirty="0"/>
           </a:p>
@@ -1035,7 +1005,7 @@
     </p:spTree>
     <p:extLst>
       <p:ext uri="{BB962C8B-B14F-4D97-AF65-F5344CB8AC3E}">
-        <p14:creationId xmlns:p14="http://schemas.microsoft.com/office/powerpoint/2010/main" val="856237927"/>
+        <p14:creationId xmlns:p14="http://schemas.microsoft.com/office/powerpoint/2010/main" val="2734589216"/>
       </p:ext>
     </p:extLst>
   </p:cSld>
@@ -1848,11 +1818,7 @@
             </a:r>
             <a:r>
               <a:rPr lang="en-US" i="1" dirty="0" smtClean="0"/>
-              <a:t>at the same </a:t>
-            </a:r>
-            <a:r>
-              <a:rPr lang="en-US" i="1" dirty="0" smtClean="0"/>
-              <a:t>time</a:t>
+              <a:t>at the same time</a:t>
             </a:r>
             <a:r>
               <a:rPr lang="en-US" i="0" baseline="0" dirty="0" smtClean="0"/>
@@ -1862,7 +1828,6 @@
               <a:rPr lang="en-US" dirty="0" smtClean="0"/>
               <a:t>.</a:t>
             </a:r>
-            <a:endParaRPr lang="en-US" dirty="0" smtClean="0"/>
           </a:p>
           <a:p>
             <a:pPr marL="171450" indent="-171450">
@@ -1930,11 +1895,7 @@
             </a:pPr>
             <a:r>
               <a:rPr lang="en-US" baseline="0" dirty="0" smtClean="0"/>
-              <a:t>Multithreading and Parallelism are colored red because you usually don’t want them on ASP.NET</a:t>
-            </a:r>
-            <a:r>
-              <a:rPr lang="en-US" baseline="0" dirty="0" smtClean="0"/>
-              <a:t>.</a:t>
+              <a:t>Multithreading and Parallelism are colored red because you usually don’t want them on ASP.NET.</a:t>
             </a:r>
             <a:br>
               <a:rPr lang="en-US" baseline="0" dirty="0" smtClean="0"/>
@@ -2366,7 +2327,45 @@
           <a:p>
             <a:r>
               <a:rPr lang="en-US" dirty="0" smtClean="0"/>
-              <a:t>The Rx Scheduler abstraction is used in unit testing.</a:t>
+              <a:t>Observables are what events really should be:</a:t>
+            </a:r>
+          </a:p>
+          <a:p>
+            <a:pPr marL="171450" indent="-171450">
+              <a:buFont typeface="Arial" panose="020B0604020202020204" pitchFamily="34" charset="0"/>
+              <a:buChar char="•"/>
+            </a:pPr>
+            <a:r>
+              <a:rPr lang="en-US" dirty="0" smtClean="0"/>
+              <a:t>Clean,</a:t>
+            </a:r>
+            <a:r>
+              <a:rPr lang="en-US" baseline="0" dirty="0" smtClean="0"/>
+              <a:t> disposable subscriptions.</a:t>
+            </a:r>
+          </a:p>
+          <a:p>
+            <a:pPr marL="171450" indent="-171450">
+              <a:buFont typeface="Arial" panose="020B0604020202020204" pitchFamily="34" charset="0"/>
+              <a:buChar char="•"/>
+            </a:pPr>
+            <a:r>
+              <a:rPr lang="en-US" baseline="0" dirty="0" smtClean="0"/>
+              <a:t>Well-defined threading semantics (e.g., no EBAP necessary) including shutdown semantics (unsolvable problem for raw events).</a:t>
+            </a:r>
+            <a:endParaRPr lang="en-US" dirty="0" smtClean="0"/>
+          </a:p>
+          <a:p>
+            <a:endParaRPr lang="en-US" dirty="0" smtClean="0"/>
+          </a:p>
+          <a:p>
+            <a:r>
+              <a:rPr lang="en-US" dirty="0" smtClean="0"/>
+              <a:t>The </a:t>
+            </a:r>
+            <a:r>
+              <a:rPr lang="en-US" dirty="0" smtClean="0"/>
+              <a:t>Rx Scheduler abstraction is used in unit testing.</a:t>
             </a:r>
           </a:p>
           <a:p>
@@ -2464,7 +2463,32 @@
           <a:p>
             <a:r>
               <a:rPr lang="en-US" dirty="0" smtClean="0"/>
-              <a:t>Throttle: When an incoming event arrives, it resets the timeout window. When the timeout window expires, it publishes the last event value that arrived within the window.</a:t>
+              <a:t>Rx </a:t>
+            </a:r>
+            <a:r>
+              <a:rPr lang="en-US" i="1" dirty="0" smtClean="0"/>
+              <a:t>really</a:t>
+            </a:r>
+            <a:r>
+              <a:rPr lang="en-US" dirty="0" smtClean="0"/>
+              <a:t> shines when it comes to </a:t>
+            </a:r>
+            <a:r>
+              <a:rPr lang="en-US" i="1" dirty="0" smtClean="0"/>
+              <a:t>time!</a:t>
+            </a:r>
+          </a:p>
+          <a:p>
+            <a:endParaRPr lang="en-US" dirty="0" smtClean="0"/>
+          </a:p>
+          <a:p>
+            <a:r>
+              <a:rPr lang="en-US" dirty="0" smtClean="0"/>
+              <a:t>Throttle</a:t>
+            </a:r>
+            <a:r>
+              <a:rPr lang="en-US" dirty="0" smtClean="0"/>
+              <a:t>: When an incoming event arrives, it resets the timeout window. When the timeout window expires, it publishes the last event value that arrived within the window.</a:t>
             </a:r>
           </a:p>
           <a:p>
@@ -2558,6 +2582,18 @@
           <a:bodyPr/>
           <a:lstStyle/>
           <a:p>
+            <a:r>
+              <a:rPr lang="en-US" dirty="0" err="1" smtClean="0"/>
+              <a:t>cKcP</a:t>
+            </a:r>
+            <a:r>
+              <a:rPr lang="en-US" dirty="0" smtClean="0"/>
+              <a:t>, </a:t>
+            </a:r>
+            <a:r>
+              <a:rPr lang="en-US" dirty="0" err="1" smtClean="0"/>
+              <a:t>cKcN</a:t>
+            </a:r>
             <a:endParaRPr lang="en-US" dirty="0"/>
           </a:p>
         </p:txBody>
@@ -2588,7 +2624,7 @@
     </p:spTree>
     <p:extLst>
       <p:ext uri="{BB962C8B-B14F-4D97-AF65-F5344CB8AC3E}">
-        <p14:creationId xmlns:p14="http://schemas.microsoft.com/office/powerpoint/2010/main" val="1696150676"/>
+        <p14:creationId xmlns:p14="http://schemas.microsoft.com/office/powerpoint/2010/main" val="491771487"/>
       </p:ext>
     </p:extLst>
   </p:cSld>
@@ -2642,64 +2678,7 @@
           <a:bodyPr/>
           <a:lstStyle/>
           <a:p>
-            <a:pPr marL="171450" indent="-171450">
-              <a:buFont typeface="Arial" panose="020B0604020202020204" pitchFamily="34" charset="0"/>
-              <a:buChar char="•"/>
-            </a:pPr>
-            <a:r>
-              <a:rPr lang="en-US" dirty="0" smtClean="0"/>
-              <a:t>Is it</a:t>
-            </a:r>
-            <a:r>
-              <a:rPr lang="en-US" baseline="0" dirty="0" smtClean="0"/>
-              <a:t> CPU-bound (vs. I/O-bound or blocking)? Yes: Parallel.</a:t>
-            </a:r>
-          </a:p>
-          <a:p>
-            <a:pPr marL="628650" lvl="1" indent="-171450">
-              <a:buFont typeface="Arial" panose="020B0604020202020204" pitchFamily="34" charset="0"/>
-              <a:buChar char="•"/>
-            </a:pPr>
-            <a:r>
-              <a:rPr lang="en-US" baseline="0" dirty="0" smtClean="0"/>
-              <a:t>Or, if you want to treat it </a:t>
-            </a:r>
-            <a:r>
-              <a:rPr lang="en-US" i="1" baseline="0" dirty="0" smtClean="0"/>
-              <a:t>as</a:t>
-            </a:r>
-            <a:r>
-              <a:rPr lang="en-US" baseline="0" dirty="0" smtClean="0"/>
-              <a:t> asynchronous, then wrap it in </a:t>
-            </a:r>
-            <a:r>
-              <a:rPr lang="en-US" baseline="0" dirty="0" err="1" smtClean="0"/>
-              <a:t>Task.Run</a:t>
-            </a:r>
-            <a:r>
-              <a:rPr lang="en-US" baseline="0" dirty="0" smtClean="0"/>
-              <a:t>.</a:t>
-            </a:r>
-          </a:p>
-          <a:p>
-            <a:pPr marL="171450" indent="-171450">
-              <a:buFont typeface="Arial" panose="020B0604020202020204" pitchFamily="34" charset="0"/>
-              <a:buChar char="•"/>
-            </a:pPr>
-            <a:r>
-              <a:rPr lang="en-US" baseline="0" dirty="0" smtClean="0"/>
-              <a:t>Is it pull (start with completion) or push (subscribe and receive updates)? Pull: Asynchronous. Push: Reactive.</a:t>
-            </a:r>
-          </a:p>
-          <a:p>
-            <a:pPr marL="171450" indent="-171450">
-              <a:buFont typeface="Arial" panose="020B0604020202020204" pitchFamily="34" charset="0"/>
-              <a:buChar char="•"/>
-            </a:pPr>
-            <a:r>
-              <a:rPr lang="en-US" baseline="0" dirty="0" smtClean="0"/>
-              <a:t>Almost never do Multithreaded unless you’re doing Parallel.</a:t>
-            </a:r>
+            <a:endParaRPr lang="en-US" dirty="0"/>
           </a:p>
         </p:txBody>
       </p:sp>
@@ -2720,7 +2699,7 @@
           <a:p>
             <a:fld id="{94CE3395-F8FF-4336-B2AA-E15575B990E7}" type="slidenum">
               <a:rPr lang="en-US" smtClean="0"/>
-              <a:t>36</a:t>
+              <a:t>33</a:t>
             </a:fld>
             <a:endParaRPr lang="en-US" dirty="0"/>
           </a:p>
@@ -2729,7 +2708,7 @@
     </p:spTree>
     <p:extLst>
       <p:ext uri="{BB962C8B-B14F-4D97-AF65-F5344CB8AC3E}">
-        <p14:creationId xmlns:p14="http://schemas.microsoft.com/office/powerpoint/2010/main" val="3854500900"/>
+        <p14:creationId xmlns:p14="http://schemas.microsoft.com/office/powerpoint/2010/main" val="1696150676"/>
       </p:ext>
     </p:extLst>
   </p:cSld>
@@ -2783,24 +2762,61 @@
           <a:bodyPr/>
           <a:lstStyle/>
           <a:p>
-            <a:r>
-              <a:rPr lang="en-US" dirty="0" smtClean="0"/>
-              <a:t>The</a:t>
+            <a:pPr marL="171450" indent="-171450">
+              <a:buFont typeface="Arial" panose="020B0604020202020204" pitchFamily="34" charset="0"/>
+              <a:buChar char="•"/>
+            </a:pPr>
+            <a:r>
+              <a:rPr lang="en-US" dirty="0" smtClean="0"/>
+              <a:t>Is it</a:t>
             </a:r>
             <a:r>
               <a:rPr lang="en-US" baseline="0" dirty="0" smtClean="0"/>
-              <a:t> slides will be available for download tonight from my blog (blog.stephencleary.com).</a:t>
-            </a:r>
-          </a:p>
-          <a:p>
+              <a:t> CPU-bound (vs. I/O-bound or blocking)? Yes: </a:t>
+            </a:r>
+            <a:r>
+              <a:rPr lang="en-US" baseline="0" dirty="0" smtClean="0"/>
+              <a:t>Execute directly, </a:t>
+            </a:r>
+            <a:r>
+              <a:rPr lang="en-US" baseline="0" dirty="0" err="1" smtClean="0"/>
+              <a:t>Task.Run</a:t>
+            </a:r>
+            <a:r>
+              <a:rPr lang="en-US" baseline="0" dirty="0" smtClean="0"/>
+              <a:t>, or Parallel</a:t>
+            </a:r>
+            <a:r>
+              <a:rPr lang="en-US" baseline="0" dirty="0" smtClean="0"/>
+              <a:t>.</a:t>
+            </a:r>
+          </a:p>
+          <a:p>
+            <a:pPr marL="171450" indent="-171450">
+              <a:buFont typeface="Arial" panose="020B0604020202020204" pitchFamily="34" charset="0"/>
+              <a:buChar char="•"/>
+            </a:pPr>
+            <a:r>
+              <a:rPr lang="en-US" baseline="0" dirty="0" smtClean="0"/>
+              <a:t>Is </a:t>
+            </a:r>
+            <a:r>
+              <a:rPr lang="en-US" baseline="0" dirty="0" smtClean="0"/>
+              <a:t>it pull (start with </a:t>
+            </a:r>
+            <a:r>
+              <a:rPr lang="en-US" baseline="0" dirty="0" smtClean="0"/>
+              <a:t>completion, single result) </a:t>
+            </a:r>
+            <a:r>
+              <a:rPr lang="en-US" baseline="0" dirty="0" smtClean="0"/>
+              <a:t>or push (subscribe and receive updates)? Pull: Asynchronous. Push: Reactive</a:t>
+            </a:r>
+            <a:r>
+              <a:rPr lang="en-US" baseline="0" dirty="0" smtClean="0"/>
+              <a:t>.</a:t>
+            </a:r>
             <a:endParaRPr lang="en-US" baseline="0" dirty="0" smtClean="0"/>
-          </a:p>
-          <a:p>
-            <a:r>
-              <a:rPr lang="en-US" baseline="0" dirty="0" smtClean="0"/>
-              <a:t>Samples download includes both examples from my Parallel demo.</a:t>
-            </a:r>
-            <a:endParaRPr lang="en-US" dirty="0"/>
           </a:p>
         </p:txBody>
       </p:sp>
@@ -2821,7 +2837,7 @@
           <a:p>
             <a:fld id="{94CE3395-F8FF-4336-B2AA-E15575B990E7}" type="slidenum">
               <a:rPr lang="en-US" smtClean="0"/>
-              <a:t>38</a:t>
+              <a:t>37</a:t>
             </a:fld>
             <a:endParaRPr lang="en-US" dirty="0"/>
           </a:p>
@@ -2830,7 +2846,7 @@
     </p:spTree>
     <p:extLst>
       <p:ext uri="{BB962C8B-B14F-4D97-AF65-F5344CB8AC3E}">
-        <p14:creationId xmlns:p14="http://schemas.microsoft.com/office/powerpoint/2010/main" val="719321554"/>
+        <p14:creationId xmlns:p14="http://schemas.microsoft.com/office/powerpoint/2010/main" val="3854500900"/>
       </p:ext>
     </p:extLst>
   </p:cSld>
@@ -2886,15 +2902,20 @@
           <a:p>
             <a:r>
               <a:rPr lang="en-US" dirty="0" smtClean="0"/>
-              <a:t>My </a:t>
-            </a:r>
-            <a:r>
-              <a:rPr lang="en-US" dirty="0" err="1" smtClean="0"/>
-              <a:t>async</a:t>
-            </a:r>
-            <a:r>
-              <a:rPr lang="en-US" dirty="0" smtClean="0"/>
-              <a:t> intro contains links to other resources at the bottom.</a:t>
+              <a:t>The</a:t>
+            </a:r>
+            <a:r>
+              <a:rPr lang="en-US" baseline="0" dirty="0" smtClean="0"/>
+              <a:t> slides will be available for download tonight from my blog (blog.stephencleary.com).</a:t>
+            </a:r>
+          </a:p>
+          <a:p>
+            <a:endParaRPr lang="en-US" baseline="0" dirty="0" smtClean="0"/>
+          </a:p>
+          <a:p>
+            <a:r>
+              <a:rPr lang="en-US" baseline="0" dirty="0" smtClean="0"/>
+              <a:t>Samples download includes both examples from my Parallel demo.</a:t>
             </a:r>
             <a:endParaRPr lang="en-US" dirty="0"/>
           </a:p>
@@ -2926,7 +2947,7 @@
     </p:spTree>
     <p:extLst>
       <p:ext uri="{BB962C8B-B14F-4D97-AF65-F5344CB8AC3E}">
-        <p14:creationId xmlns:p14="http://schemas.microsoft.com/office/powerpoint/2010/main" val="2430811530"/>
+        <p14:creationId xmlns:p14="http://schemas.microsoft.com/office/powerpoint/2010/main" val="719321554"/>
       </p:ext>
     </p:extLst>
   </p:cSld>
@@ -2982,11 +3003,15 @@
           <a:p>
             <a:r>
               <a:rPr lang="en-US" dirty="0" smtClean="0"/>
-              <a:t>Resources are available</a:t>
-            </a:r>
-            <a:r>
-              <a:rPr lang="en-US" baseline="0" dirty="0" smtClean="0"/>
-              <a:t> at StephenCleary.com - slides, example code, etc.</a:t>
+              <a:t>My </a:t>
+            </a:r>
+            <a:r>
+              <a:rPr lang="en-US" dirty="0" err="1" smtClean="0"/>
+              <a:t>async</a:t>
+            </a:r>
+            <a:r>
+              <a:rPr lang="en-US" dirty="0" smtClean="0"/>
+              <a:t> intro contains links to other resources at the bottom.</a:t>
             </a:r>
             <a:endParaRPr lang="en-US" dirty="0"/>
           </a:p>
@@ -3018,7 +3043,7 @@
     </p:spTree>
     <p:extLst>
       <p:ext uri="{BB962C8B-B14F-4D97-AF65-F5344CB8AC3E}">
-        <p14:creationId xmlns:p14="http://schemas.microsoft.com/office/powerpoint/2010/main" val="1830998887"/>
+        <p14:creationId xmlns:p14="http://schemas.microsoft.com/office/powerpoint/2010/main" val="2430811530"/>
       </p:ext>
     </p:extLst>
   </p:cSld>
@@ -3144,7 +3169,24 @@
             </a:r>
             <a:r>
               <a:rPr lang="en-US" baseline="0" dirty="0" smtClean="0"/>
-              <a:t> need to.</a:t>
+              <a:t> need to</a:t>
+            </a:r>
+            <a:r>
+              <a:rPr lang="en-US" baseline="0" dirty="0" smtClean="0"/>
+              <a:t>.</a:t>
+            </a:r>
+          </a:p>
+          <a:p>
+            <a:endParaRPr lang="en-US" baseline="0" dirty="0" smtClean="0"/>
+          </a:p>
+          <a:p>
+            <a:r>
+              <a:rPr lang="en-US" baseline="0" dirty="0" err="1" smtClean="0"/>
+              <a:t>Task.Run</a:t>
+            </a:r>
+            <a:r>
+              <a:rPr lang="en-US" baseline="0" dirty="0" smtClean="0"/>
+              <a:t> – almost the only modern “multithreading” you need.</a:t>
             </a:r>
             <a:endParaRPr lang="en-US" dirty="0"/>
           </a:p>
@@ -3177,6 +3219,98 @@
     <p:extLst>
       <p:ext uri="{BB962C8B-B14F-4D97-AF65-F5344CB8AC3E}">
         <p14:creationId xmlns:p14="http://schemas.microsoft.com/office/powerpoint/2010/main" val="2659835034"/>
+      </p:ext>
+    </p:extLst>
+  </p:cSld>
+  <p:clrMapOvr>
+    <a:masterClrMapping/>
+  </p:clrMapOvr>
+</p:notes>
+</file>
+
+<file path=ppt/notesSlides/notesSlide30.xml><?xml version="1.0" encoding="utf-8"?>
+<p:notes xmlns:a="http://schemas.openxmlformats.org/drawingml/2006/main" xmlns:r="http://schemas.openxmlformats.org/officeDocument/2006/relationships" xmlns:p="http://schemas.openxmlformats.org/presentationml/2006/main">
+  <p:cSld>
+    <p:spTree>
+      <p:nvGrpSpPr>
+        <p:cNvPr id="1" name=""/>
+        <p:cNvGrpSpPr/>
+        <p:nvPr/>
+      </p:nvGrpSpPr>
+      <p:grpSpPr>
+        <a:xfrm>
+          <a:off x="0" y="0"/>
+          <a:ext cx="0" cy="0"/>
+          <a:chOff x="0" y="0"/>
+          <a:chExt cx="0" cy="0"/>
+        </a:xfrm>
+      </p:grpSpPr>
+      <p:sp>
+        <p:nvSpPr>
+          <p:cNvPr id="2" name="Slide Image Placeholder 1"/>
+          <p:cNvSpPr>
+            <a:spLocks noGrp="1" noRot="1" noChangeAspect="1"/>
+          </p:cNvSpPr>
+          <p:nvPr>
+            <p:ph type="sldImg"/>
+          </p:nvPr>
+        </p:nvSpPr>
+        <p:spPr/>
+      </p:sp>
+      <p:sp>
+        <p:nvSpPr>
+          <p:cNvPr id="3" name="Notes Placeholder 2"/>
+          <p:cNvSpPr>
+            <a:spLocks noGrp="1"/>
+          </p:cNvSpPr>
+          <p:nvPr>
+            <p:ph type="body" idx="1"/>
+          </p:nvPr>
+        </p:nvSpPr>
+        <p:spPr/>
+        <p:txBody>
+          <a:bodyPr/>
+          <a:lstStyle/>
+          <a:p>
+            <a:r>
+              <a:rPr lang="en-US" dirty="0" smtClean="0"/>
+              <a:t>Resources are available</a:t>
+            </a:r>
+            <a:r>
+              <a:rPr lang="en-US" baseline="0" dirty="0" smtClean="0"/>
+              <a:t> at StephenCleary.com - slides, example code, etc.</a:t>
+            </a:r>
+            <a:endParaRPr lang="en-US" dirty="0"/>
+          </a:p>
+        </p:txBody>
+      </p:sp>
+      <p:sp>
+        <p:nvSpPr>
+          <p:cNvPr id="4" name="Slide Number Placeholder 3"/>
+          <p:cNvSpPr>
+            <a:spLocks noGrp="1"/>
+          </p:cNvSpPr>
+          <p:nvPr>
+            <p:ph type="sldNum" sz="quarter" idx="10"/>
+          </p:nvPr>
+        </p:nvSpPr>
+        <p:spPr/>
+        <p:txBody>
+          <a:bodyPr/>
+          <a:lstStyle/>
+          <a:p>
+            <a:fld id="{94CE3395-F8FF-4336-B2AA-E15575B990E7}" type="slidenum">
+              <a:rPr lang="en-US" smtClean="0"/>
+              <a:t>41</a:t>
+            </a:fld>
+            <a:endParaRPr lang="en-US" dirty="0"/>
+          </a:p>
+        </p:txBody>
+      </p:sp>
+    </p:spTree>
+    <p:extLst>
+      <p:ext uri="{BB962C8B-B14F-4D97-AF65-F5344CB8AC3E}">
+        <p14:creationId xmlns:p14="http://schemas.microsoft.com/office/powerpoint/2010/main" val="1830998887"/>
       </p:ext>
     </p:extLst>
   </p:cSld>
@@ -3572,7 +3706,15 @@
             </a:r>
             <a:r>
               <a:rPr lang="en-US" dirty="0" smtClean="0"/>
-              <a:t> scenario where </a:t>
+              <a:t> </a:t>
+            </a:r>
+            <a:r>
+              <a:rPr lang="en-US" dirty="0" smtClean="0"/>
+              <a:t>modern scenario </a:t>
+            </a:r>
+            <a:r>
+              <a:rPr lang="en-US" dirty="0" smtClean="0"/>
+              <a:t>where </a:t>
             </a:r>
             <a:r>
               <a:rPr lang="en-US" baseline="0" dirty="0" err="1" smtClean="0"/>
@@ -3598,8 +3740,21 @@
             </a:r>
             <a:r>
               <a:rPr lang="en-US" baseline="0" dirty="0" smtClean="0"/>
-              <a:t> commonly misused on the Internet.</a:t>
-            </a:r>
+              <a:t> commonly misused on the </a:t>
+            </a:r>
+            <a:r>
+              <a:rPr lang="en-US" baseline="0" dirty="0" smtClean="0"/>
+              <a:t>Internet (most should use </a:t>
+            </a:r>
+            <a:r>
+              <a:rPr lang="en-US" baseline="0" dirty="0" err="1" smtClean="0"/>
+              <a:t>Task.Run</a:t>
+            </a:r>
+            <a:r>
+              <a:rPr lang="en-US" baseline="0" dirty="0" smtClean="0"/>
+              <a:t> instead).</a:t>
+            </a:r>
+            <a:endParaRPr lang="en-US" baseline="0" dirty="0" smtClean="0"/>
           </a:p>
           <a:p>
             <a:endParaRPr lang="en-US" baseline="0" dirty="0" smtClean="0"/>
@@ -3694,16 +3849,49 @@
           <a:lstStyle/>
           <a:p>
             <a:r>
+              <a:rPr lang="en-US" dirty="0" smtClean="0"/>
+              <a:t>Asynchronous processing is all the rage these days. </a:t>
+            </a:r>
+            <a:r>
               <a:rPr lang="en-US" dirty="0" err="1" smtClean="0"/>
-              <a:t>cKcP</a:t>
-            </a:r>
-            <a:r>
-              <a:rPr lang="en-US" dirty="0" smtClean="0"/>
-              <a:t>, </a:t>
-            </a:r>
+              <a:t>Async</a:t>
+            </a:r>
+            <a:r>
+              <a:rPr lang="en-US" dirty="0" smtClean="0"/>
+              <a:t>/await FTW</a:t>
+            </a:r>
+            <a:r>
+              <a:rPr lang="en-US" dirty="0" smtClean="0"/>
+              <a:t>!</a:t>
+            </a:r>
+          </a:p>
+          <a:p>
+            <a:endParaRPr lang="en-US" dirty="0" smtClean="0"/>
+          </a:p>
+          <a:p>
             <a:r>
               <a:rPr lang="en-US" dirty="0" err="1" smtClean="0"/>
-              <a:t>cKcN</a:t>
+              <a:t>Async</a:t>
+            </a:r>
+            <a:r>
+              <a:rPr lang="en-US" baseline="0" dirty="0" smtClean="0"/>
+              <a:t> excels at I/O, but you can </a:t>
+            </a:r>
+            <a:r>
+              <a:rPr lang="en-US" i="1" baseline="0" dirty="0" smtClean="0"/>
+              <a:t>treat</a:t>
+            </a:r>
+            <a:r>
+              <a:rPr lang="en-US" baseline="0" dirty="0" smtClean="0"/>
+              <a:t> anything as </a:t>
+            </a:r>
+            <a:r>
+              <a:rPr lang="en-US" baseline="0" dirty="0" err="1" smtClean="0"/>
+              <a:t>async</a:t>
+            </a:r>
+            <a:r>
+              <a:rPr lang="en-US" baseline="0" dirty="0" smtClean="0"/>
+              <a:t>.</a:t>
             </a:r>
             <a:endParaRPr lang="en-US" dirty="0"/>
           </a:p>
@@ -3726,7 +3914,7 @@
           <a:p>
             <a:fld id="{94CE3395-F8FF-4336-B2AA-E15575B990E7}" type="slidenum">
               <a:rPr lang="en-US" smtClean="0"/>
-              <a:t>12</a:t>
+              <a:t>13</a:t>
             </a:fld>
             <a:endParaRPr lang="en-US" dirty="0"/>
           </a:p>
@@ -3735,7 +3923,7 @@
     </p:spTree>
     <p:extLst>
       <p:ext uri="{BB962C8B-B14F-4D97-AF65-F5344CB8AC3E}">
-        <p14:creationId xmlns:p14="http://schemas.microsoft.com/office/powerpoint/2010/main" val="491771487"/>
+        <p14:creationId xmlns:p14="http://schemas.microsoft.com/office/powerpoint/2010/main" val="2170376327"/>
       </p:ext>
     </p:extLst>
   </p:cSld>
@@ -3791,17 +3979,82 @@
           <a:p>
             <a:r>
               <a:rPr lang="en-US" dirty="0" smtClean="0"/>
-              <a:t>Asynchronous processing is all the rage these days. </a:t>
-            </a:r>
+              <a:t>A</a:t>
+            </a:r>
+            <a:r>
+              <a:rPr lang="en-US" baseline="0" dirty="0" smtClean="0"/>
+              <a:t> Task completes exactly once, either successfully (with result) or error.</a:t>
+            </a:r>
+          </a:p>
+          <a:p>
+            <a:endParaRPr lang="en-US" dirty="0" smtClean="0"/>
+          </a:p>
+          <a:p>
+            <a:r>
+              <a:rPr lang="en-US" dirty="0" smtClean="0"/>
+              <a:t>When await is passed an incomplete task, it pauses the current method’s execution and returns an incomplete task.</a:t>
+            </a:r>
+          </a:p>
+          <a:p>
+            <a:r>
+              <a:rPr lang="en-US" dirty="0" smtClean="0"/>
+              <a:t>Pauses the </a:t>
+            </a:r>
+            <a:r>
+              <a:rPr lang="en-US" i="1" dirty="0" smtClean="0"/>
+              <a:t>method</a:t>
+            </a:r>
+            <a:r>
+              <a:rPr lang="en-US" dirty="0" smtClean="0"/>
+              <a:t>,</a:t>
+            </a:r>
+            <a:r>
+              <a:rPr lang="en-US" baseline="0" dirty="0" smtClean="0"/>
+              <a:t> not the </a:t>
+            </a:r>
+            <a:r>
+              <a:rPr lang="en-US" i="1" baseline="0" dirty="0" smtClean="0"/>
+              <a:t>thread</a:t>
+            </a:r>
+            <a:r>
+              <a:rPr lang="en-US" baseline="0" dirty="0" smtClean="0"/>
+              <a:t>.</a:t>
+            </a:r>
+          </a:p>
+          <a:p>
+            <a:r>
+              <a:rPr lang="en-US" baseline="0" dirty="0" smtClean="0"/>
+              <a:t>Later, when the task argument completes, it resumes executing the method (by default, in the same context, or on the thread pool if no context).</a:t>
+            </a:r>
+          </a:p>
+          <a:p>
+            <a:endParaRPr lang="en-US" dirty="0" smtClean="0"/>
+          </a:p>
+          <a:p>
             <a:r>
               <a:rPr lang="en-US" dirty="0" err="1" smtClean="0"/>
               <a:t>Async</a:t>
             </a:r>
             <a:r>
               <a:rPr lang="en-US" dirty="0" smtClean="0"/>
-              <a:t>/await FTW!</a:t>
-            </a:r>
-            <a:endParaRPr lang="en-US" dirty="0"/>
+              <a:t> is about </a:t>
+            </a:r>
+            <a:r>
+              <a:rPr lang="en-US" i="1" dirty="0" smtClean="0"/>
+              <a:t>freeing up </a:t>
+            </a:r>
+            <a:r>
+              <a:rPr lang="en-US" dirty="0" smtClean="0"/>
+              <a:t>the current thread, not using </a:t>
+            </a:r>
+            <a:r>
+              <a:rPr lang="en-US" i="1" dirty="0" smtClean="0"/>
+              <a:t>background</a:t>
+            </a:r>
+            <a:r>
+              <a:rPr lang="en-US" dirty="0" smtClean="0"/>
+              <a:t> threads.</a:t>
+            </a:r>
           </a:p>
         </p:txBody>
       </p:sp>
@@ -3831,7 +4084,7 @@
     </p:spTree>
     <p:extLst>
       <p:ext uri="{BB962C8B-B14F-4D97-AF65-F5344CB8AC3E}">
-        <p14:creationId xmlns:p14="http://schemas.microsoft.com/office/powerpoint/2010/main" val="2170376327"/>
+        <p14:creationId xmlns:p14="http://schemas.microsoft.com/office/powerpoint/2010/main" val="3911491607"/>
       </p:ext>
     </p:extLst>
   </p:cSld>
@@ -11863,12 +12116,8 @@
           <a:lstStyle/>
           <a:p>
             <a:r>
-              <a:rPr lang="en-US" dirty="0" err="1" smtClean="0"/>
-              <a:t>GRDevDay</a:t>
-            </a:r>
-            <a:r>
-              <a:rPr lang="en-US" dirty="0" smtClean="0"/>
-              <a:t> 2014</a:t>
+              <a:rPr lang="en-US" dirty="0" smtClean="0"/>
+              <a:t>NWNUG, 2014-07-15</a:t>
             </a:r>
             <a:endParaRPr lang="en-US" dirty="0"/>
           </a:p>
@@ -12273,131 +12522,6 @@
       </p:grpSpPr>
       <p:sp>
         <p:nvSpPr>
-          <p:cNvPr id="4" name="Title 3"/>
-          <p:cNvSpPr>
-            <a:spLocks noGrp="1"/>
-          </p:cNvSpPr>
-          <p:nvPr>
-            <p:ph type="title"/>
-          </p:nvPr>
-        </p:nvSpPr>
-        <p:spPr/>
-        <p:txBody>
-          <a:bodyPr/>
-          <a:lstStyle/>
-          <a:p>
-            <a:r>
-              <a:rPr lang="en-US" dirty="0" smtClean="0"/>
-              <a:t>Data Parallelism Demos</a:t>
-            </a:r>
-            <a:endParaRPr lang="en-US" dirty="0"/>
-          </a:p>
-        </p:txBody>
-      </p:sp>
-      <p:sp>
-        <p:nvSpPr>
-          <p:cNvPr id="5" name="Text Placeholder 4"/>
-          <p:cNvSpPr>
-            <a:spLocks noGrp="1"/>
-          </p:cNvSpPr>
-          <p:nvPr>
-            <p:ph type="body" sz="quarter" idx="12"/>
-          </p:nvPr>
-        </p:nvSpPr>
-        <p:spPr/>
-        <p:txBody>
-          <a:bodyPr/>
-          <a:lstStyle/>
-          <a:p>
-            <a:r>
-              <a:rPr lang="en-US" dirty="0" smtClean="0"/>
-              <a:t>So you won’t forget, Steve.</a:t>
-            </a:r>
-            <a:endParaRPr lang="en-US" dirty="0"/>
-          </a:p>
-        </p:txBody>
-      </p:sp>
-      <p:pic>
-        <p:nvPicPr>
-          <p:cNvPr id="6" name="Picture 5"/>
-          <p:cNvPicPr>
-            <a:picLocks noChangeAspect="1"/>
-          </p:cNvPicPr>
-          <p:nvPr/>
-        </p:nvPicPr>
-        <p:blipFill>
-          <a:blip r:embed="rId3">
-            <a:extLst>
-              <a:ext uri="{28A0092B-C50C-407E-A947-70E740481C1C}">
-                <a14:useLocalDpi xmlns:a14="http://schemas.microsoft.com/office/drawing/2010/main" val="0"/>
-              </a:ext>
-            </a:extLst>
-          </a:blip>
-          <a:stretch>
-            <a:fillRect/>
-          </a:stretch>
-        </p:blipFill>
-        <p:spPr>
-          <a:xfrm>
-            <a:off x="6211331" y="2535350"/>
-            <a:ext cx="5257675" cy="3507921"/>
-          </a:xfrm>
-          <a:prstGeom prst="rect">
-            <a:avLst/>
-          </a:prstGeom>
-        </p:spPr>
-      </p:pic>
-    </p:spTree>
-    <p:extLst>
-      <p:ext uri="{BB962C8B-B14F-4D97-AF65-F5344CB8AC3E}">
-        <p14:creationId xmlns:p14="http://schemas.microsoft.com/office/powerpoint/2010/main" val="3415530450"/>
-      </p:ext>
-    </p:extLst>
-  </p:cSld>
-  <p:clrMapOvr>
-    <a:masterClrMapping/>
-  </p:clrMapOvr>
-  <mc:AlternateContent xmlns:mc="http://schemas.openxmlformats.org/markup-compatibility/2006">
-    <mc:Choice xmlns:p14="http://schemas.microsoft.com/office/powerpoint/2010/main" Requires="p14">
-      <p:transition spd="med" p14:dur="700">
-        <p:fade/>
-      </p:transition>
-    </mc:Choice>
-    <mc:Fallback>
-      <p:transition spd="med">
-        <p:fade/>
-      </p:transition>
-    </mc:Fallback>
-  </mc:AlternateContent>
-  <p:timing>
-    <p:tnLst>
-      <p:par>
-        <p:cTn id="1" dur="indefinite" restart="never" nodeType="tmRoot"/>
-      </p:par>
-    </p:tnLst>
-  </p:timing>
-</p:sld>
-</file>
-
-<file path=ppt/slides/slide13.xml><?xml version="1.0" encoding="utf-8"?>
-<p:sld xmlns:a="http://schemas.openxmlformats.org/drawingml/2006/main" xmlns:r="http://schemas.openxmlformats.org/officeDocument/2006/relationships" xmlns:p="http://schemas.openxmlformats.org/presentationml/2006/main">
-  <p:cSld>
-    <p:spTree>
-      <p:nvGrpSpPr>
-        <p:cNvPr id="1" name=""/>
-        <p:cNvGrpSpPr/>
-        <p:nvPr/>
-      </p:nvGrpSpPr>
-      <p:grpSpPr>
-        <a:xfrm>
-          <a:off x="0" y="0"/>
-          <a:ext cx="0" cy="0"/>
-          <a:chOff x="0" y="0"/>
-          <a:chExt cx="0" cy="0"/>
-        </a:xfrm>
-      </p:grpSpPr>
-      <p:sp>
-        <p:nvSpPr>
           <p:cNvPr id="6" name="Title 5"/>
           <p:cNvSpPr>
             <a:spLocks noGrp="1"/>
@@ -12442,7 +12566,7 @@
 </p:sld>
 </file>
 
-<file path=ppt/slides/slide14.xml><?xml version="1.0" encoding="utf-8"?>
+<file path=ppt/slides/slide13.xml><?xml version="1.0" encoding="utf-8"?>
 <p:sld xmlns:a="http://schemas.openxmlformats.org/drawingml/2006/main" xmlns:r="http://schemas.openxmlformats.org/officeDocument/2006/relationships" xmlns:p="http://schemas.openxmlformats.org/presentationml/2006/main">
   <p:cSld>
     <p:spTree>
@@ -13037,7 +13161,7 @@
 </p:sld>
 </file>
 
-<file path=ppt/slides/slide15.xml><?xml version="1.0" encoding="utf-8"?>
+<file path=ppt/slides/slide14.xml><?xml version="1.0" encoding="utf-8"?>
 <p:sld xmlns:a="http://schemas.openxmlformats.org/drawingml/2006/main" xmlns:r="http://schemas.openxmlformats.org/officeDocument/2006/relationships" xmlns:p="http://schemas.openxmlformats.org/presentationml/2006/main">
   <p:cSld>
     <p:spTree>
@@ -13297,7 +13421,7 @@
 </p:sld>
 </file>
 
-<file path=ppt/slides/slide16.xml><?xml version="1.0" encoding="utf-8"?>
+<file path=ppt/slides/slide15.xml><?xml version="1.0" encoding="utf-8"?>
 <p:sld xmlns:a="http://schemas.openxmlformats.org/drawingml/2006/main" xmlns:r="http://schemas.openxmlformats.org/officeDocument/2006/relationships" xmlns:p="http://schemas.openxmlformats.org/presentationml/2006/main">
   <p:cSld>
     <p:spTree>
@@ -13430,11 +13554,6 @@
               </a:rPr>
               <a:t>Webster’s Dictionary (1828)</a:t>
             </a:r>
-            <a:endParaRPr lang="en-US" sz="2400" dirty="0" smtClean="0">
-              <a:solidFill>
-                <a:srgbClr val="000000"/>
-              </a:solidFill>
-            </a:endParaRPr>
           </a:p>
         </p:txBody>
       </p:sp>
@@ -13491,7 +13610,7 @@
 </p:sld>
 </file>
 
-<file path=ppt/slides/slide17.xml><?xml version="1.0" encoding="utf-8"?>
+<file path=ppt/slides/slide16.xml><?xml version="1.0" encoding="utf-8"?>
 <p:sld xmlns:a="http://schemas.openxmlformats.org/drawingml/2006/main" xmlns:r="http://schemas.openxmlformats.org/officeDocument/2006/relationships" xmlns:p="http://schemas.openxmlformats.org/presentationml/2006/main">
   <p:cSld>
     <p:spTree>
@@ -14653,6 +14772,149 @@
       <p:bldP spid="28" grpId="0" animBg="1"/>
       <p:bldP spid="29" grpId="0" animBg="1"/>
     </p:bldLst>
+  </p:timing>
+</p:sld>
+</file>
+
+<file path=ppt/slides/slide17.xml><?xml version="1.0" encoding="utf-8"?>
+<p:sld xmlns:a="http://schemas.openxmlformats.org/drawingml/2006/main" xmlns:r="http://schemas.openxmlformats.org/officeDocument/2006/relationships" xmlns:p="http://schemas.openxmlformats.org/presentationml/2006/main">
+  <p:cSld>
+    <p:spTree>
+      <p:nvGrpSpPr>
+        <p:cNvPr id="1" name=""/>
+        <p:cNvGrpSpPr/>
+        <p:nvPr/>
+      </p:nvGrpSpPr>
+      <p:grpSpPr>
+        <a:xfrm>
+          <a:off x="0" y="0"/>
+          <a:ext cx="0" cy="0"/>
+          <a:chOff x="0" y="0"/>
+          <a:chExt cx="0" cy="0"/>
+        </a:xfrm>
+      </p:grpSpPr>
+      <p:sp>
+        <p:nvSpPr>
+          <p:cNvPr id="2" name="Title 1"/>
+          <p:cNvSpPr>
+            <a:spLocks noGrp="1"/>
+          </p:cNvSpPr>
+          <p:nvPr>
+            <p:ph type="title"/>
+          </p:nvPr>
+        </p:nvSpPr>
+        <p:spPr/>
+        <p:txBody>
+          <a:bodyPr/>
+          <a:lstStyle/>
+          <a:p>
+            <a:r>
+              <a:rPr lang="en-US" dirty="0" smtClean="0"/>
+              <a:t>Task: The Great Confusion</a:t>
+            </a:r>
+            <a:endParaRPr lang="en-US" dirty="0"/>
+          </a:p>
+        </p:txBody>
+      </p:sp>
+      <p:sp>
+        <p:nvSpPr>
+          <p:cNvPr id="3" name="Text Placeholder 2"/>
+          <p:cNvSpPr>
+            <a:spLocks noGrp="1"/>
+          </p:cNvSpPr>
+          <p:nvPr>
+            <p:ph type="body" sz="quarter" idx="10"/>
+          </p:nvPr>
+        </p:nvSpPr>
+        <p:spPr>
+          <a:xfrm>
+            <a:off x="269239" y="1197322"/>
+            <a:ext cx="11653522" cy="4466287"/>
+          </a:xfrm>
+        </p:spPr>
+        <p:txBody>
+          <a:bodyPr/>
+          <a:lstStyle/>
+          <a:p>
+            <a:endParaRPr lang="en-US" dirty="0" smtClean="0"/>
+          </a:p>
+          <a:p>
+            <a:r>
+              <a:rPr lang="en-US" dirty="0" smtClean="0"/>
+              <a:t>Promise Tasks</a:t>
+            </a:r>
+          </a:p>
+          <a:p>
+            <a:pPr marL="457200" indent="-457200">
+              <a:buFont typeface="Arial" panose="020B0604020202020204" pitchFamily="34" charset="0"/>
+              <a:buChar char="•"/>
+            </a:pPr>
+            <a:r>
+              <a:rPr lang="en-US" dirty="0" smtClean="0"/>
+              <a:t>Primarily used by Asynchronous code.</a:t>
+            </a:r>
+          </a:p>
+          <a:p>
+            <a:pPr marL="457200" indent="-457200">
+              <a:buFont typeface="Arial" panose="020B0604020202020204" pitchFamily="34" charset="0"/>
+              <a:buChar char="•"/>
+            </a:pPr>
+            <a:r>
+              <a:rPr lang="en-US" dirty="0" smtClean="0"/>
+              <a:t>Represents an event or signal.</a:t>
+            </a:r>
+          </a:p>
+          <a:p>
+            <a:endParaRPr lang="en-US" dirty="0"/>
+          </a:p>
+          <a:p>
+            <a:r>
+              <a:rPr lang="en-US" dirty="0" smtClean="0"/>
+              <a:t>Delegate Tasks</a:t>
+            </a:r>
+          </a:p>
+          <a:p>
+            <a:pPr marL="457200" indent="-457200">
+              <a:buFont typeface="Arial" panose="020B0604020202020204" pitchFamily="34" charset="0"/>
+              <a:buChar char="•"/>
+            </a:pPr>
+            <a:r>
+              <a:rPr lang="en-US" dirty="0" smtClean="0"/>
+              <a:t>Primarily used by Parallel code.</a:t>
+            </a:r>
+          </a:p>
+          <a:p>
+            <a:pPr marL="457200" indent="-457200">
+              <a:buFont typeface="Arial" panose="020B0604020202020204" pitchFamily="34" charset="0"/>
+              <a:buChar char="•"/>
+            </a:pPr>
+            <a:r>
+              <a:rPr lang="en-US" dirty="0" smtClean="0"/>
+              <a:t>Has code (delegate) to run; is scheduled, etc.</a:t>
+            </a:r>
+            <a:endParaRPr lang="en-US" dirty="0"/>
+          </a:p>
+        </p:txBody>
+      </p:sp>
+    </p:spTree>
+    <p:extLst>
+      <p:ext uri="{BB962C8B-B14F-4D97-AF65-F5344CB8AC3E}">
+        <p14:creationId xmlns:p14="http://schemas.microsoft.com/office/powerpoint/2010/main" val="279718920"/>
+      </p:ext>
+    </p:extLst>
+  </p:cSld>
+  <p:clrMapOvr>
+    <a:masterClrMapping/>
+  </p:clrMapOvr>
+  <p:transition>
+    <p:fade/>
+  </p:transition>
+  <p:timing>
+    <p:tnLst>
+      <p:par>
+        <p:cTn id="1" dur="indefinite" restart="never" nodeType="tmRoot"/>
+      </p:par>
+    </p:tnLst>
   </p:timing>
 </p:sld>
 </file>
@@ -19161,6 +19423,131 @@
 </file>
 
 <file path=ppt/slides/slide32.xml><?xml version="1.0" encoding="utf-8"?>
+<p:sld xmlns:a="http://schemas.openxmlformats.org/drawingml/2006/main" xmlns:r="http://schemas.openxmlformats.org/officeDocument/2006/relationships" xmlns:p="http://schemas.openxmlformats.org/presentationml/2006/main">
+  <p:cSld>
+    <p:spTree>
+      <p:nvGrpSpPr>
+        <p:cNvPr id="1" name=""/>
+        <p:cNvGrpSpPr/>
+        <p:nvPr/>
+      </p:nvGrpSpPr>
+      <p:grpSpPr>
+        <a:xfrm>
+          <a:off x="0" y="0"/>
+          <a:ext cx="0" cy="0"/>
+          <a:chOff x="0" y="0"/>
+          <a:chExt cx="0" cy="0"/>
+        </a:xfrm>
+      </p:grpSpPr>
+      <p:sp>
+        <p:nvSpPr>
+          <p:cNvPr id="4" name="Title 3"/>
+          <p:cNvSpPr>
+            <a:spLocks noGrp="1"/>
+          </p:cNvSpPr>
+          <p:nvPr>
+            <p:ph type="title"/>
+          </p:nvPr>
+        </p:nvSpPr>
+        <p:spPr/>
+        <p:txBody>
+          <a:bodyPr/>
+          <a:lstStyle/>
+          <a:p>
+            <a:r>
+              <a:rPr lang="en-US" dirty="0" smtClean="0"/>
+              <a:t>Demos</a:t>
+            </a:r>
+            <a:endParaRPr lang="en-US" dirty="0"/>
+          </a:p>
+        </p:txBody>
+      </p:sp>
+      <p:sp>
+        <p:nvSpPr>
+          <p:cNvPr id="5" name="Text Placeholder 4"/>
+          <p:cNvSpPr>
+            <a:spLocks noGrp="1"/>
+          </p:cNvSpPr>
+          <p:nvPr>
+            <p:ph type="body" sz="quarter" idx="12"/>
+          </p:nvPr>
+        </p:nvSpPr>
+        <p:spPr/>
+        <p:txBody>
+          <a:bodyPr/>
+          <a:lstStyle/>
+          <a:p>
+            <a:r>
+              <a:rPr lang="en-US" dirty="0" smtClean="0"/>
+              <a:t>So you won’t forget, Steve.</a:t>
+            </a:r>
+            <a:endParaRPr lang="en-US" dirty="0"/>
+          </a:p>
+        </p:txBody>
+      </p:sp>
+      <p:pic>
+        <p:nvPicPr>
+          <p:cNvPr id="6" name="Picture 5"/>
+          <p:cNvPicPr>
+            <a:picLocks noChangeAspect="1"/>
+          </p:cNvPicPr>
+          <p:nvPr/>
+        </p:nvPicPr>
+        <p:blipFill>
+          <a:blip r:embed="rId3">
+            <a:extLst>
+              <a:ext uri="{28A0092B-C50C-407E-A947-70E740481C1C}">
+                <a14:useLocalDpi xmlns:a14="http://schemas.microsoft.com/office/drawing/2010/main" val="0"/>
+              </a:ext>
+            </a:extLst>
+          </a:blip>
+          <a:stretch>
+            <a:fillRect/>
+          </a:stretch>
+        </p:blipFill>
+        <p:spPr>
+          <a:xfrm>
+            <a:off x="6211331" y="2535350"/>
+            <a:ext cx="5257675" cy="3507921"/>
+          </a:xfrm>
+          <a:prstGeom prst="rect">
+            <a:avLst/>
+          </a:prstGeom>
+        </p:spPr>
+      </p:pic>
+    </p:spTree>
+    <p:extLst>
+      <p:ext uri="{BB962C8B-B14F-4D97-AF65-F5344CB8AC3E}">
+        <p14:creationId xmlns:p14="http://schemas.microsoft.com/office/powerpoint/2010/main" val="3415530450"/>
+      </p:ext>
+    </p:extLst>
+  </p:cSld>
+  <p:clrMapOvr>
+    <a:masterClrMapping/>
+  </p:clrMapOvr>
+  <mc:AlternateContent xmlns:mc="http://schemas.openxmlformats.org/markup-compatibility/2006" xmlns:p14="http://schemas.microsoft.com/office/powerpoint/2010/main">
+    <mc:Choice Requires="p14">
+      <p:transition spd="med" p14:dur="700">
+        <p:fade/>
+      </p:transition>
+    </mc:Choice>
+    <mc:Fallback xmlns="">
+      <p:transition spd="med">
+        <p:fade/>
+      </p:transition>
+    </mc:Fallback>
+  </mc:AlternateContent>
+  <p:timing>
+    <p:tnLst>
+      <p:par>
+        <p:cTn id="1" dur="indefinite" restart="never" nodeType="tmRoot"/>
+      </p:par>
+    </p:tnLst>
+  </p:timing>
+</p:sld>
+</file>
+
+<file path=ppt/slides/slide33.xml><?xml version="1.0" encoding="utf-8"?>
 <p:sld xmlns:a="http://schemas.openxmlformats.org/drawingml/2006/main" xmlns:r="http://schemas.openxmlformats.org/officeDocument/2006/relationships" xmlns:p="http://schemas.openxmlformats.org/presentationml/2006/main" show="0">
   <p:cSld>
     <p:spTree>
@@ -19253,7 +19640,7 @@
 </p:sld>
 </file>
 
-<file path=ppt/slides/slide33.xml><?xml version="1.0" encoding="utf-8"?>
+<file path=ppt/slides/slide34.xml><?xml version="1.0" encoding="utf-8"?>
 <p:sld xmlns:a="http://schemas.openxmlformats.org/drawingml/2006/main" xmlns:r="http://schemas.openxmlformats.org/officeDocument/2006/relationships" xmlns:p="http://schemas.openxmlformats.org/presentationml/2006/main" show="0">
   <p:cSld>
     <p:spTree>
@@ -19393,7 +19780,7 @@
 </p:sld>
 </file>
 
-<file path=ppt/slides/slide34.xml><?xml version="1.0" encoding="utf-8"?>
+<file path=ppt/slides/slide35.xml><?xml version="1.0" encoding="utf-8"?>
 <p:sld xmlns:a="http://schemas.openxmlformats.org/drawingml/2006/main" xmlns:r="http://schemas.openxmlformats.org/officeDocument/2006/relationships" xmlns:p="http://schemas.openxmlformats.org/presentationml/2006/main" show="0">
   <p:cSld>
     <p:spTree>
@@ -19611,7 +19998,7 @@
 </p:sld>
 </file>
 
-<file path=ppt/slides/slide35.xml><?xml version="1.0" encoding="utf-8"?>
+<file path=ppt/slides/slide36.xml><?xml version="1.0" encoding="utf-8"?>
 <p:sld xmlns:a="http://schemas.openxmlformats.org/drawingml/2006/main" xmlns:r="http://schemas.openxmlformats.org/officeDocument/2006/relationships" xmlns:p="http://schemas.openxmlformats.org/presentationml/2006/main">
   <p:cSld>
     <p:spTree>
@@ -19674,7 +20061,7 @@
 </p:sld>
 </file>
 
-<file path=ppt/slides/slide36.xml><?xml version="1.0" encoding="utf-8"?>
+<file path=ppt/slides/slide37.xml><?xml version="1.0" encoding="utf-8"?>
 <p:sld xmlns:a="http://schemas.openxmlformats.org/drawingml/2006/main" xmlns:r="http://schemas.openxmlformats.org/officeDocument/2006/relationships" xmlns:p="http://schemas.openxmlformats.org/presentationml/2006/main">
   <p:cSld>
     <p:spTree>
@@ -20269,7 +20656,7 @@
 </p:sld>
 </file>
 
-<file path=ppt/slides/slide37.xml><?xml version="1.0" encoding="utf-8"?>
+<file path=ppt/slides/slide38.xml><?xml version="1.0" encoding="utf-8"?>
 <p:sld xmlns:a="http://schemas.openxmlformats.org/drawingml/2006/main" xmlns:r="http://schemas.openxmlformats.org/officeDocument/2006/relationships" xmlns:p="http://schemas.openxmlformats.org/presentationml/2006/main">
   <p:cSld>
     <p:spTree>
@@ -20334,7 +20721,15 @@
           <a:p>
             <a:r>
               <a:rPr lang="en-US" dirty="0" smtClean="0"/>
-              <a:t>Parallel: all built-in to .NET 4.0 and higher, but not WP.</a:t>
+              <a:t>Parallel: all built-in to .NET 4.0 and higher, </a:t>
+            </a:r>
+            <a:r>
+              <a:rPr lang="en-US" strike="sngStrike" dirty="0" smtClean="0"/>
+              <a:t>but not WP</a:t>
+            </a:r>
+            <a:r>
+              <a:rPr lang="en-US" dirty="0" smtClean="0"/>
+              <a:t>.</a:t>
             </a:r>
           </a:p>
           <a:p>
@@ -20456,7 +20851,7 @@
 </p:sld>
 </file>
 
-<file path=ppt/slides/slide38.xml><?xml version="1.0" encoding="utf-8"?>
+<file path=ppt/slides/slide39.xml><?xml version="1.0" encoding="utf-8"?>
 <p:sld xmlns:a="http://schemas.openxmlformats.org/drawingml/2006/main" xmlns:r="http://schemas.openxmlformats.org/officeDocument/2006/relationships" xmlns:p="http://schemas.openxmlformats.org/presentationml/2006/main">
   <p:cSld>
     <p:spTree>
@@ -20670,187 +21065,6 @@
 </p:sld>
 </file>
 
-<file path=ppt/slides/slide39.xml><?xml version="1.0" encoding="utf-8"?>
-<p:sld xmlns:a="http://schemas.openxmlformats.org/drawingml/2006/main" xmlns:r="http://schemas.openxmlformats.org/officeDocument/2006/relationships" xmlns:p="http://schemas.openxmlformats.org/presentationml/2006/main">
-  <p:cSld>
-    <p:spTree>
-      <p:nvGrpSpPr>
-        <p:cNvPr id="1" name=""/>
-        <p:cNvGrpSpPr/>
-        <p:nvPr/>
-      </p:nvGrpSpPr>
-      <p:grpSpPr>
-        <a:xfrm>
-          <a:off x="0" y="0"/>
-          <a:ext cx="0" cy="0"/>
-          <a:chOff x="0" y="0"/>
-          <a:chExt cx="0" cy="0"/>
-        </a:xfrm>
-      </p:grpSpPr>
-      <p:sp>
-        <p:nvSpPr>
-          <p:cNvPr id="3" name="Title 2"/>
-          <p:cNvSpPr>
-            <a:spLocks noGrp="1"/>
-          </p:cNvSpPr>
-          <p:nvPr>
-            <p:ph type="title"/>
-          </p:nvPr>
-        </p:nvSpPr>
-        <p:spPr/>
-        <p:txBody>
-          <a:bodyPr/>
-          <a:lstStyle/>
-          <a:p>
-            <a:r>
-              <a:rPr lang="en-US" dirty="0" smtClean="0"/>
-              <a:t>Where do I go from here?</a:t>
-            </a:r>
-            <a:endParaRPr lang="en-US" dirty="0"/>
-          </a:p>
-        </p:txBody>
-      </p:sp>
-      <p:sp>
-        <p:nvSpPr>
-          <p:cNvPr id="4" name="Text Placeholder 3"/>
-          <p:cNvSpPr>
-            <a:spLocks noGrp="1"/>
-          </p:cNvSpPr>
-          <p:nvPr>
-            <p:ph type="body" sz="quarter" idx="10"/>
-          </p:nvPr>
-        </p:nvSpPr>
-        <p:spPr>
-          <a:xfrm>
-            <a:off x="269239" y="1197322"/>
-            <a:ext cx="11653522" cy="4715137"/>
-          </a:xfrm>
-        </p:spPr>
-        <p:txBody>
-          <a:bodyPr/>
-          <a:lstStyle/>
-          <a:p>
-            <a:endParaRPr lang="en-US" dirty="0" smtClean="0"/>
-          </a:p>
-          <a:p>
-            <a:r>
-              <a:rPr lang="en-US" dirty="0" smtClean="0"/>
-              <a:t>Asynchronous:</a:t>
-            </a:r>
-          </a:p>
-          <a:p>
-            <a:pPr marL="796926" lvl="1" indent="-457200">
-              <a:buFont typeface="Arial" panose="020B0604020202020204" pitchFamily="34" charset="0"/>
-              <a:buChar char="•"/>
-            </a:pPr>
-            <a:r>
-              <a:rPr lang="en-US" dirty="0">
-                <a:hlinkClick r:id="rId3"/>
-              </a:rPr>
-              <a:t>http://</a:t>
-            </a:r>
-            <a:r>
-              <a:rPr lang="en-US" dirty="0" smtClean="0">
-                <a:hlinkClick r:id="rId3"/>
-              </a:rPr>
-              <a:t>blog.stephencleary.com/2012/02/async-and-await.html</a:t>
-            </a:r>
-            <a:r>
-              <a:rPr lang="en-US" dirty="0" smtClean="0"/>
-              <a:t> </a:t>
-            </a:r>
-          </a:p>
-          <a:p>
-            <a:pPr marL="457200" indent="-457200">
-              <a:buFont typeface="Arial" panose="020B0604020202020204" pitchFamily="34" charset="0"/>
-              <a:buChar char="•"/>
-            </a:pPr>
-            <a:endParaRPr lang="en-US" dirty="0"/>
-          </a:p>
-          <a:p>
-            <a:r>
-              <a:rPr lang="en-US" dirty="0" smtClean="0"/>
-              <a:t>TPL Dataflow:</a:t>
-            </a:r>
-          </a:p>
-          <a:p>
-            <a:pPr marL="796926" lvl="1" indent="-457200">
-              <a:buFont typeface="Arial" panose="020B0604020202020204" pitchFamily="34" charset="0"/>
-              <a:buChar char="•"/>
-            </a:pPr>
-            <a:r>
-              <a:rPr lang="en-US" dirty="0">
-                <a:hlinkClick r:id="rId4"/>
-              </a:rPr>
-              <a:t>http://</a:t>
-            </a:r>
-            <a:r>
-              <a:rPr lang="en-US" dirty="0" smtClean="0">
-                <a:hlinkClick r:id="rId4"/>
-              </a:rPr>
-              <a:t>www.microsoft.com/en-us/download/details.aspx?id=14782</a:t>
-            </a:r>
-            <a:r>
-              <a:rPr lang="en-US" dirty="0" smtClean="0"/>
-              <a:t> </a:t>
-            </a:r>
-          </a:p>
-          <a:p>
-            <a:endParaRPr lang="en-US" dirty="0"/>
-          </a:p>
-          <a:p>
-            <a:r>
-              <a:rPr lang="en-US" dirty="0" smtClean="0"/>
-              <a:t>Reactive Extensions:</a:t>
-            </a:r>
-          </a:p>
-          <a:p>
-            <a:pPr marL="796926" lvl="1" indent="-457200">
-              <a:buFont typeface="Arial" panose="020B0604020202020204" pitchFamily="34" charset="0"/>
-              <a:buChar char="•"/>
-            </a:pPr>
-            <a:r>
-              <a:rPr lang="en-US" dirty="0">
-                <a:hlinkClick r:id="rId5"/>
-              </a:rPr>
-              <a:t>http://www.introtorx.com</a:t>
-            </a:r>
-            <a:r>
-              <a:rPr lang="en-US" dirty="0" smtClean="0">
-                <a:hlinkClick r:id="rId5"/>
-              </a:rPr>
-              <a:t>/</a:t>
-            </a:r>
-            <a:r>
-              <a:rPr lang="en-US" dirty="0" smtClean="0"/>
-              <a:t> (Lee Campbell)</a:t>
-            </a:r>
-          </a:p>
-        </p:txBody>
-      </p:sp>
-    </p:spTree>
-    <p:extLst>
-      <p:ext uri="{BB962C8B-B14F-4D97-AF65-F5344CB8AC3E}">
-        <p14:creationId xmlns:p14="http://schemas.microsoft.com/office/powerpoint/2010/main" val="1560678857"/>
-      </p:ext>
-    </p:extLst>
-  </p:cSld>
-  <p:clrMapOvr>
-    <a:masterClrMapping/>
-  </p:clrMapOvr>
-  <p:transition>
-    <p:fade/>
-  </p:transition>
-  <p:timing>
-    <p:tnLst>
-      <p:par>
-        <p:cTn id="1" dur="indefinite" restart="never" nodeType="tmRoot"/>
-      </p:par>
-    </p:tnLst>
-  </p:timing>
-</p:sld>
-</file>
-
 <file path=ppt/slides/slide4.xml><?xml version="1.0" encoding="utf-8"?>
 <p:sld xmlns:a="http://schemas.openxmlformats.org/drawingml/2006/main" xmlns:r="http://schemas.openxmlformats.org/officeDocument/2006/relationships" xmlns:p="http://schemas.openxmlformats.org/presentationml/2006/main">
   <p:cSld>
@@ -20933,6 +21147,187 @@
       </p:grpSpPr>
       <p:sp>
         <p:nvSpPr>
+          <p:cNvPr id="3" name="Title 2"/>
+          <p:cNvSpPr>
+            <a:spLocks noGrp="1"/>
+          </p:cNvSpPr>
+          <p:nvPr>
+            <p:ph type="title"/>
+          </p:nvPr>
+        </p:nvSpPr>
+        <p:spPr/>
+        <p:txBody>
+          <a:bodyPr/>
+          <a:lstStyle/>
+          <a:p>
+            <a:r>
+              <a:rPr lang="en-US" dirty="0" smtClean="0"/>
+              <a:t>Where do I go from here?</a:t>
+            </a:r>
+            <a:endParaRPr lang="en-US" dirty="0"/>
+          </a:p>
+        </p:txBody>
+      </p:sp>
+      <p:sp>
+        <p:nvSpPr>
+          <p:cNvPr id="4" name="Text Placeholder 3"/>
+          <p:cNvSpPr>
+            <a:spLocks noGrp="1"/>
+          </p:cNvSpPr>
+          <p:nvPr>
+            <p:ph type="body" sz="quarter" idx="10"/>
+          </p:nvPr>
+        </p:nvSpPr>
+        <p:spPr>
+          <a:xfrm>
+            <a:off x="269239" y="1197322"/>
+            <a:ext cx="11653522" cy="4715137"/>
+          </a:xfrm>
+        </p:spPr>
+        <p:txBody>
+          <a:bodyPr/>
+          <a:lstStyle/>
+          <a:p>
+            <a:endParaRPr lang="en-US" dirty="0" smtClean="0"/>
+          </a:p>
+          <a:p>
+            <a:r>
+              <a:rPr lang="en-US" dirty="0" smtClean="0"/>
+              <a:t>Asynchronous:</a:t>
+            </a:r>
+          </a:p>
+          <a:p>
+            <a:pPr marL="796926" lvl="1" indent="-457200">
+              <a:buFont typeface="Arial" panose="020B0604020202020204" pitchFamily="34" charset="0"/>
+              <a:buChar char="•"/>
+            </a:pPr>
+            <a:r>
+              <a:rPr lang="en-US" dirty="0">
+                <a:hlinkClick r:id="rId3"/>
+              </a:rPr>
+              <a:t>http://</a:t>
+            </a:r>
+            <a:r>
+              <a:rPr lang="en-US" dirty="0" smtClean="0">
+                <a:hlinkClick r:id="rId3"/>
+              </a:rPr>
+              <a:t>blog.stephencleary.com/2012/02/async-and-await.html</a:t>
+            </a:r>
+            <a:r>
+              <a:rPr lang="en-US" dirty="0" smtClean="0"/>
+              <a:t> </a:t>
+            </a:r>
+          </a:p>
+          <a:p>
+            <a:pPr marL="457200" indent="-457200">
+              <a:buFont typeface="Arial" panose="020B0604020202020204" pitchFamily="34" charset="0"/>
+              <a:buChar char="•"/>
+            </a:pPr>
+            <a:endParaRPr lang="en-US" dirty="0"/>
+          </a:p>
+          <a:p>
+            <a:r>
+              <a:rPr lang="en-US" dirty="0" smtClean="0"/>
+              <a:t>TPL Dataflow:</a:t>
+            </a:r>
+          </a:p>
+          <a:p>
+            <a:pPr marL="796926" lvl="1" indent="-457200">
+              <a:buFont typeface="Arial" panose="020B0604020202020204" pitchFamily="34" charset="0"/>
+              <a:buChar char="•"/>
+            </a:pPr>
+            <a:r>
+              <a:rPr lang="en-US" dirty="0">
+                <a:hlinkClick r:id="rId4"/>
+              </a:rPr>
+              <a:t>http://</a:t>
+            </a:r>
+            <a:r>
+              <a:rPr lang="en-US" dirty="0" smtClean="0">
+                <a:hlinkClick r:id="rId4"/>
+              </a:rPr>
+              <a:t>www.microsoft.com/en-us/download/details.aspx?id=14782</a:t>
+            </a:r>
+            <a:r>
+              <a:rPr lang="en-US" dirty="0" smtClean="0"/>
+              <a:t> </a:t>
+            </a:r>
+          </a:p>
+          <a:p>
+            <a:endParaRPr lang="en-US" dirty="0"/>
+          </a:p>
+          <a:p>
+            <a:r>
+              <a:rPr lang="en-US" dirty="0" smtClean="0"/>
+              <a:t>Reactive Extensions:</a:t>
+            </a:r>
+          </a:p>
+          <a:p>
+            <a:pPr marL="796926" lvl="1" indent="-457200">
+              <a:buFont typeface="Arial" panose="020B0604020202020204" pitchFamily="34" charset="0"/>
+              <a:buChar char="•"/>
+            </a:pPr>
+            <a:r>
+              <a:rPr lang="en-US" dirty="0">
+                <a:hlinkClick r:id="rId5"/>
+              </a:rPr>
+              <a:t>http://www.introtorx.com</a:t>
+            </a:r>
+            <a:r>
+              <a:rPr lang="en-US" dirty="0" smtClean="0">
+                <a:hlinkClick r:id="rId5"/>
+              </a:rPr>
+              <a:t>/</a:t>
+            </a:r>
+            <a:r>
+              <a:rPr lang="en-US" dirty="0" smtClean="0"/>
+              <a:t> (Lee Campbell)</a:t>
+            </a:r>
+          </a:p>
+        </p:txBody>
+      </p:sp>
+    </p:spTree>
+    <p:extLst>
+      <p:ext uri="{BB962C8B-B14F-4D97-AF65-F5344CB8AC3E}">
+        <p14:creationId xmlns:p14="http://schemas.microsoft.com/office/powerpoint/2010/main" val="1560678857"/>
+      </p:ext>
+    </p:extLst>
+  </p:cSld>
+  <p:clrMapOvr>
+    <a:masterClrMapping/>
+  </p:clrMapOvr>
+  <p:transition>
+    <p:fade/>
+  </p:transition>
+  <p:timing>
+    <p:tnLst>
+      <p:par>
+        <p:cTn id="1" dur="indefinite" restart="never" nodeType="tmRoot"/>
+      </p:par>
+    </p:tnLst>
+  </p:timing>
+</p:sld>
+</file>
+
+<file path=ppt/slides/slide41.xml><?xml version="1.0" encoding="utf-8"?>
+<p:sld xmlns:a="http://schemas.openxmlformats.org/drawingml/2006/main" xmlns:r="http://schemas.openxmlformats.org/officeDocument/2006/relationships" xmlns:p="http://schemas.openxmlformats.org/presentationml/2006/main">
+  <p:cSld>
+    <p:spTree>
+      <p:nvGrpSpPr>
+        <p:cNvPr id="1" name=""/>
+        <p:cNvGrpSpPr/>
+        <p:nvPr/>
+      </p:nvGrpSpPr>
+      <p:grpSpPr>
+        <a:xfrm>
+          <a:off x="0" y="0"/>
+          <a:ext cx="0" cy="0"/>
+          <a:chOff x="0" y="0"/>
+          <a:chExt cx="0" cy="0"/>
+        </a:xfrm>
+      </p:grpSpPr>
+      <p:sp>
+        <p:nvSpPr>
           <p:cNvPr id="4" name="Title 3"/>
           <p:cNvSpPr>
             <a:spLocks noGrp="1"/>
@@ -21030,19 +21425,6 @@
               </a:rPr>
               <a:t>Go forth and be awesome!</a:t>
             </a:r>
-            <a:endParaRPr lang="en-US" sz="2400" i="1" dirty="0" smtClean="0">
-              <a:gradFill>
-                <a:gsLst>
-                  <a:gs pos="2917">
-                    <a:schemeClr val="tx1"/>
-                  </a:gs>
-                  <a:gs pos="30000">
-                    <a:schemeClr val="tx1"/>
-                  </a:gs>
-                </a:gsLst>
-                <a:lin ang="5400000" scaled="0"/>
-              </a:gradFill>
-            </a:endParaRPr>
           </a:p>
         </p:txBody>
       </p:sp>
@@ -21116,11 +21498,6 @@
               </a:rPr>
               <a:t>; used with permission</a:t>
             </a:r>
-            <a:endParaRPr lang="en-US" sz="1200" dirty="0" smtClean="0">
-              <a:solidFill>
-                <a:schemeClr val="accent4"/>
-              </a:solidFill>
-            </a:endParaRPr>
           </a:p>
         </p:txBody>
       </p:sp>
@@ -22719,11 +23096,6 @@
               </a:rPr>
               <a:t>X</a:t>
             </a:r>
-            <a:endParaRPr lang="en-US" sz="20000" dirty="0" smtClean="0">
-              <a:solidFill>
-                <a:srgbClr val="FF0000"/>
-              </a:solidFill>
-            </a:endParaRPr>
           </a:p>
         </p:txBody>
       </p:sp>

--- a/Asynchronous Parallel Reactive - HELP!/Asynchronous Parallel Reactive Help - 16.9.pptx
+++ b/Asynchronous Parallel Reactive - HELP!/Asynchronous Parallel Reactive Help - 16.9.pptx
@@ -7,7 +7,7 @@
     <p:sldMasterId id="2147483695" r:id="rId3"/>
   </p:sldMasterIdLst>
   <p:notesMasterIdLst>
-    <p:notesMasterId r:id="rId45"/>
+    <p:notesMasterId r:id="rId52"/>
   </p:notesMasterIdLst>
   <p:sldIdLst>
     <p:sldId id="256" r:id="rId4"/>
@@ -24,33 +24,40 @@
     <p:sldId id="348" r:id="rId15"/>
     <p:sldId id="349" r:id="rId16"/>
     <p:sldId id="360" r:id="rId17"/>
-    <p:sldId id="358" r:id="rId18"/>
-    <p:sldId id="359" r:id="rId19"/>
-    <p:sldId id="381" r:id="rId20"/>
-    <p:sldId id="350" r:id="rId21"/>
-    <p:sldId id="351" r:id="rId22"/>
-    <p:sldId id="368" r:id="rId23"/>
-    <p:sldId id="371" r:id="rId24"/>
-    <p:sldId id="369" r:id="rId25"/>
-    <p:sldId id="370" r:id="rId26"/>
-    <p:sldId id="352" r:id="rId27"/>
-    <p:sldId id="353" r:id="rId28"/>
-    <p:sldId id="361" r:id="rId29"/>
-    <p:sldId id="372" r:id="rId30"/>
-    <p:sldId id="373" r:id="rId31"/>
-    <p:sldId id="374" r:id="rId32"/>
-    <p:sldId id="376" r:id="rId33"/>
-    <p:sldId id="377" r:id="rId34"/>
-    <p:sldId id="362" r:id="rId35"/>
-    <p:sldId id="378" r:id="rId36"/>
-    <p:sldId id="379" r:id="rId37"/>
-    <p:sldId id="380" r:id="rId38"/>
-    <p:sldId id="363" r:id="rId39"/>
-    <p:sldId id="367" r:id="rId40"/>
-    <p:sldId id="375" r:id="rId41"/>
-    <p:sldId id="364" r:id="rId42"/>
-    <p:sldId id="365" r:id="rId43"/>
-    <p:sldId id="274" r:id="rId44"/>
+    <p:sldId id="382" r:id="rId18"/>
+    <p:sldId id="383" r:id="rId19"/>
+    <p:sldId id="384" r:id="rId20"/>
+    <p:sldId id="385" r:id="rId21"/>
+    <p:sldId id="386" r:id="rId22"/>
+    <p:sldId id="387" r:id="rId23"/>
+    <p:sldId id="388" r:id="rId24"/>
+    <p:sldId id="358" r:id="rId25"/>
+    <p:sldId id="359" r:id="rId26"/>
+    <p:sldId id="381" r:id="rId27"/>
+    <p:sldId id="350" r:id="rId28"/>
+    <p:sldId id="351" r:id="rId29"/>
+    <p:sldId id="368" r:id="rId30"/>
+    <p:sldId id="371" r:id="rId31"/>
+    <p:sldId id="369" r:id="rId32"/>
+    <p:sldId id="370" r:id="rId33"/>
+    <p:sldId id="352" r:id="rId34"/>
+    <p:sldId id="353" r:id="rId35"/>
+    <p:sldId id="361" r:id="rId36"/>
+    <p:sldId id="372" r:id="rId37"/>
+    <p:sldId id="373" r:id="rId38"/>
+    <p:sldId id="374" r:id="rId39"/>
+    <p:sldId id="376" r:id="rId40"/>
+    <p:sldId id="377" r:id="rId41"/>
+    <p:sldId id="362" r:id="rId42"/>
+    <p:sldId id="378" r:id="rId43"/>
+    <p:sldId id="379" r:id="rId44"/>
+    <p:sldId id="380" r:id="rId45"/>
+    <p:sldId id="363" r:id="rId46"/>
+    <p:sldId id="367" r:id="rId47"/>
+    <p:sldId id="375" r:id="rId48"/>
+    <p:sldId id="364" r:id="rId49"/>
+    <p:sldId id="365" r:id="rId50"/>
+    <p:sldId id="274" r:id="rId51"/>
   </p:sldIdLst>
   <p:sldSz cx="12192000" cy="6858000"/>
   <p:notesSz cx="6858000" cy="9144000"/>
@@ -168,6 +175,13 @@
             <p14:sldId id="348"/>
             <p14:sldId id="349"/>
             <p14:sldId id="360"/>
+            <p14:sldId id="382"/>
+            <p14:sldId id="383"/>
+            <p14:sldId id="384"/>
+            <p14:sldId id="385"/>
+            <p14:sldId id="386"/>
+            <p14:sldId id="387"/>
+            <p14:sldId id="388"/>
             <p14:sldId id="358"/>
             <p14:sldId id="359"/>
             <p14:sldId id="381"/>
@@ -288,7 +302,7 @@
           <a:p>
             <a:fld id="{574E8BCA-0B4F-4373-B78E-3D2899449797}" type="datetimeFigureOut">
               <a:rPr lang="en-US" smtClean="0"/>
-              <a:t>7/15/2014</a:t>
+              <a:t>9/11/2014</a:t>
             </a:fld>
             <a:endParaRPr lang="en-US" dirty="0"/>
           </a:p>
@@ -600,11 +614,7 @@
           <a:bodyPr/>
           <a:lstStyle/>
           <a:p>
-            <a:pPr marL="171450" indent="-171450">
-              <a:buFont typeface="Arial" panose="020B0604020202020204" pitchFamily="34" charset="0"/>
-              <a:buChar char="•"/>
-            </a:pPr>
-            <a:endParaRPr lang="en-US" baseline="0" dirty="0" smtClean="0"/>
+            <a:endParaRPr lang="en-US" dirty="0"/>
           </a:p>
         </p:txBody>
       </p:sp>
@@ -625,7 +635,7 @@
           <a:p>
             <a:fld id="{94CE3395-F8FF-4336-B2AA-E15575B990E7}" type="slidenum">
               <a:rPr lang="en-US" smtClean="0"/>
-              <a:t>4</a:t>
+              <a:t>1</a:t>
             </a:fld>
             <a:endParaRPr lang="en-US" dirty="0"/>
           </a:p>
@@ -634,7 +644,7 @@
     </p:spTree>
     <p:extLst>
       <p:ext uri="{BB962C8B-B14F-4D97-AF65-F5344CB8AC3E}">
-        <p14:creationId xmlns:p14="http://schemas.microsoft.com/office/powerpoint/2010/main" val="2082955127"/>
+        <p14:creationId xmlns:p14="http://schemas.microsoft.com/office/powerpoint/2010/main" val="1776504503"/>
       </p:ext>
     </p:extLst>
   </p:cSld>
@@ -690,38 +700,82 @@
           <a:p>
             <a:r>
               <a:rPr lang="en-US" dirty="0" smtClean="0"/>
-              <a:t>Asynchronous is</a:t>
+              <a:t>A</a:t>
             </a:r>
             <a:r>
               <a:rPr lang="en-US" baseline="0" dirty="0" smtClean="0"/>
-              <a:t> a form of concurrency </a:t>
+              <a:t> Task completes exactly once, either successfully (with result) or error.</a:t>
+            </a:r>
+          </a:p>
+          <a:p>
+            <a:endParaRPr lang="en-US" dirty="0" smtClean="0"/>
+          </a:p>
+          <a:p>
+            <a:r>
+              <a:rPr lang="en-US" dirty="0" smtClean="0"/>
+              <a:t>When await is passed an incomplete task, it pauses the current method’s execution and returns an incomplete task.</a:t>
+            </a:r>
+          </a:p>
+          <a:p>
+            <a:r>
+              <a:rPr lang="en-US" dirty="0" smtClean="0"/>
+              <a:t>Pauses the </a:t>
+            </a:r>
+            <a:r>
+              <a:rPr lang="en-US" i="1" dirty="0" smtClean="0"/>
+              <a:t>method</a:t>
+            </a:r>
+            <a:r>
+              <a:rPr lang="en-US" dirty="0" smtClean="0"/>
+              <a:t>,</a:t>
+            </a:r>
+            <a:r>
+              <a:rPr lang="en-US" baseline="0" dirty="0" smtClean="0"/>
+              <a:t> not the </a:t>
             </a:r>
             <a:r>
               <a:rPr lang="en-US" i="1" baseline="0" dirty="0" smtClean="0"/>
-              <a:t>without</a:t>
+              <a:t>thread</a:t>
             </a:r>
             <a:r>
               <a:rPr lang="en-US" baseline="0" dirty="0" smtClean="0"/>
-              <a:t> using threads.</a:t>
-            </a:r>
-          </a:p>
-          <a:p>
-            <a:endParaRPr lang="en-US" baseline="0" dirty="0" smtClean="0"/>
+              <a:t>.</a:t>
+            </a:r>
           </a:p>
           <a:p>
             <a:r>
               <a:rPr lang="en-US" baseline="0" dirty="0" smtClean="0"/>
-              <a:t>Instead, asynchronous code registers a callback/future as a “bookmark” and </a:t>
-            </a:r>
-            <a:r>
-              <a:rPr lang="en-US" i="1" baseline="0" dirty="0" smtClean="0"/>
-              <a:t>frees</a:t>
-            </a:r>
-            <a:r>
-              <a:rPr lang="en-US" baseline="0" dirty="0" smtClean="0"/>
-              <a:t> the current thread to do other work.</a:t>
-            </a:r>
-            <a:endParaRPr lang="en-US" dirty="0"/>
+              <a:t>Later, when the task argument completes, it resumes executing the method (by default, in the same context, or on the thread pool if no context).</a:t>
+            </a:r>
+          </a:p>
+          <a:p>
+            <a:endParaRPr lang="en-US" dirty="0" smtClean="0"/>
+          </a:p>
+          <a:p>
+            <a:r>
+              <a:rPr lang="en-US" dirty="0" err="1" smtClean="0"/>
+              <a:t>Async</a:t>
+            </a:r>
+            <a:r>
+              <a:rPr lang="en-US" dirty="0" smtClean="0"/>
+              <a:t> is about </a:t>
+            </a:r>
+            <a:r>
+              <a:rPr lang="en-US" i="1" dirty="0" smtClean="0"/>
+              <a:t>freeing up </a:t>
+            </a:r>
+            <a:r>
+              <a:rPr lang="en-US" dirty="0" smtClean="0"/>
+              <a:t>the current thread, not using </a:t>
+            </a:r>
+            <a:r>
+              <a:rPr lang="en-US" i="1" dirty="0" smtClean="0"/>
+              <a:t>background</a:t>
+            </a:r>
+            <a:r>
+              <a:rPr lang="en-US" dirty="0" smtClean="0"/>
+              <a:t> threads.</a:t>
+            </a:r>
           </a:p>
         </p:txBody>
       </p:sp>
@@ -742,7 +796,7 @@
           <a:p>
             <a:fld id="{94CE3395-F8FF-4336-B2AA-E15575B990E7}" type="slidenum">
               <a:rPr lang="en-US" smtClean="0"/>
-              <a:t>15</a:t>
+              <a:t>14</a:t>
             </a:fld>
             <a:endParaRPr lang="en-US" dirty="0"/>
           </a:p>
@@ -751,7 +805,7 @@
     </p:spTree>
     <p:extLst>
       <p:ext uri="{BB962C8B-B14F-4D97-AF65-F5344CB8AC3E}">
-        <p14:creationId xmlns:p14="http://schemas.microsoft.com/office/powerpoint/2010/main" val="3197589142"/>
+        <p14:creationId xmlns:p14="http://schemas.microsoft.com/office/powerpoint/2010/main" val="3911491607"/>
       </p:ext>
     </p:extLst>
   </p:cSld>
@@ -807,44 +861,19 @@
           <a:p>
             <a:r>
               <a:rPr lang="en-US" dirty="0" smtClean="0"/>
-              <a:t>This is the ideal I/O scenario for .NET I/O that uses the standard IOCP/OVERLAPPED system.</a:t>
-            </a:r>
-          </a:p>
-          <a:p>
-            <a:endParaRPr lang="en-US" dirty="0" smtClean="0"/>
-          </a:p>
-          <a:p>
-            <a:r>
-              <a:rPr lang="en-US" dirty="0" smtClean="0"/>
-              <a:t>IRP</a:t>
+              <a:t>Let’s dive right in. This is the</a:t>
             </a:r>
             <a:r>
               <a:rPr lang="en-US" baseline="0" dirty="0" smtClean="0"/>
-              <a:t> = I/O Request Packet</a:t>
-            </a:r>
-          </a:p>
-          <a:p>
+              <a:t> real syntax for the </a:t>
+            </a:r>
+            <a:r>
+              <a:rPr lang="en-US" baseline="0" dirty="0" err="1" smtClean="0"/>
+              <a:t>async</a:t>
+            </a:r>
             <a:r>
               <a:rPr lang="en-US" baseline="0" dirty="0" smtClean="0"/>
-              <a:t>ISR = Interrupt Service Request</a:t>
-            </a:r>
-          </a:p>
-          <a:p>
-            <a:r>
-              <a:rPr lang="en-US" baseline="0" dirty="0" smtClean="0"/>
-              <a:t>DPC = Deferred Procedure Call</a:t>
-            </a:r>
-          </a:p>
-          <a:p>
-            <a:r>
-              <a:rPr lang="en-US" baseline="0" dirty="0" smtClean="0"/>
-              <a:t>APC = Asynchronous Procedure Call</a:t>
-            </a:r>
-          </a:p>
-          <a:p>
-            <a:r>
-              <a:rPr lang="en-US" baseline="0" dirty="0" smtClean="0"/>
-              <a:t>IOCP = I/O Completion Port</a:t>
+              <a:t> and await keywords.</a:t>
             </a:r>
             <a:endParaRPr lang="en-US" dirty="0"/>
           </a:p>
@@ -867,7 +896,7 @@
           <a:p>
             <a:fld id="{94CE3395-F8FF-4336-B2AA-E15575B990E7}" type="slidenum">
               <a:rPr lang="en-US" smtClean="0"/>
-              <a:t>16</a:t>
+              <a:t>15</a:t>
             </a:fld>
             <a:endParaRPr lang="en-US" dirty="0"/>
           </a:p>
@@ -876,7 +905,7 @@
     </p:spTree>
     <p:extLst>
       <p:ext uri="{BB962C8B-B14F-4D97-AF65-F5344CB8AC3E}">
-        <p14:creationId xmlns:p14="http://schemas.microsoft.com/office/powerpoint/2010/main" val="856237927"/>
+        <p14:creationId xmlns:p14="http://schemas.microsoft.com/office/powerpoint/2010/main" val="355530448"/>
       </p:ext>
     </p:extLst>
   </p:cSld>
@@ -930,21 +959,50 @@
           <a:bodyPr/>
           <a:lstStyle/>
           <a:p>
+            <a:pPr marL="171450" indent="-171450">
+              <a:buFont typeface="Arial" panose="020B0604020202020204" pitchFamily="34" charset="0"/>
+              <a:buChar char="•"/>
+            </a:pPr>
             <a:r>
               <a:rPr lang="en-US" dirty="0" smtClean="0"/>
-              <a:t>For TPL </a:t>
+              <a:t>The </a:t>
             </a:r>
             <a:r>
               <a:rPr lang="en-US" dirty="0" err="1" smtClean="0"/>
-              <a:t>devs</a:t>
+              <a:t>async</a:t>
             </a:r>
             <a:r>
               <a:rPr lang="en-US" dirty="0" smtClean="0"/>
-              <a:t>: Task (as used by the TPL)</a:t>
+              <a:t> keyword can only be applied to a method.</a:t>
+            </a:r>
+          </a:p>
+          <a:p>
+            <a:pPr marL="171450" indent="-171450">
+              <a:buFont typeface="Arial" panose="020B0604020202020204" pitchFamily="34" charset="0"/>
+              <a:buChar char="•"/>
+            </a:pPr>
+            <a:r>
+              <a:rPr lang="en-US" dirty="0" smtClean="0"/>
+              <a:t>Details of the transformation are</a:t>
             </a:r>
             <a:r>
               <a:rPr lang="en-US" baseline="0" dirty="0" smtClean="0"/>
-              <a:t> is completely different than Task (as used by </a:t>
+              <a:t> not important; just be aware that there is a transformation going on.</a:t>
+            </a:r>
+            <a:endParaRPr lang="en-US" dirty="0" smtClean="0"/>
+          </a:p>
+          <a:p>
+            <a:pPr marL="171450" indent="-171450">
+              <a:buFont typeface="Arial" panose="020B0604020202020204" pitchFamily="34" charset="0"/>
+              <a:buChar char="•"/>
+            </a:pPr>
+            <a:r>
+              <a:rPr lang="en-US" dirty="0" smtClean="0"/>
+              <a:t>An</a:t>
+            </a:r>
+            <a:r>
+              <a:rPr lang="en-US" baseline="0" dirty="0" smtClean="0"/>
+              <a:t> </a:t>
             </a:r>
             <a:r>
               <a:rPr lang="en-US" baseline="0" dirty="0" err="1" smtClean="0"/>
@@ -952,30 +1010,35 @@
             </a:r>
             <a:r>
               <a:rPr lang="en-US" baseline="0" dirty="0" smtClean="0"/>
-              <a:t>).</a:t>
-            </a:r>
-          </a:p>
-          <a:p>
-            <a:endParaRPr lang="en-US" baseline="0" dirty="0" smtClean="0"/>
-          </a:p>
-          <a:p>
-            <a:r>
-              <a:rPr lang="en-US" dirty="0" smtClean="0"/>
-              <a:t>For newbie </a:t>
-            </a:r>
-            <a:r>
-              <a:rPr lang="en-US" dirty="0" err="1" smtClean="0"/>
-              <a:t>devs</a:t>
-            </a:r>
-            <a:r>
-              <a:rPr lang="en-US" dirty="0" smtClean="0"/>
-              <a:t>: Task has a lot of baggage</a:t>
+              <a:t> method does </a:t>
+            </a:r>
+            <a:r>
+              <a:rPr lang="en-US" i="1" baseline="0" dirty="0" smtClean="0"/>
+              <a:t>not</a:t>
             </a:r>
             <a:r>
               <a:rPr lang="en-US" baseline="0" dirty="0" smtClean="0"/>
-              <a:t> from the TPL; most members should just not be used.</a:t>
-            </a:r>
-            <a:endParaRPr lang="en-US" dirty="0"/>
+              <a:t> mean it runs on a thread pool thread.</a:t>
+            </a:r>
+          </a:p>
+          <a:p>
+            <a:pPr marL="171450" indent="-171450">
+              <a:buFont typeface="Arial" panose="020B0604020202020204" pitchFamily="34" charset="0"/>
+              <a:buChar char="•"/>
+            </a:pPr>
+            <a:r>
+              <a:rPr lang="en-US" baseline="0" dirty="0" smtClean="0"/>
+              <a:t>When you call an </a:t>
+            </a:r>
+            <a:r>
+              <a:rPr lang="en-US" baseline="0" dirty="0" err="1" smtClean="0"/>
+              <a:t>async</a:t>
+            </a:r>
+            <a:r>
+              <a:rPr lang="en-US" baseline="0" dirty="0" smtClean="0"/>
+              <a:t> method, it starts executing synchronously.</a:t>
+            </a:r>
+            <a:endParaRPr lang="en-US" dirty="0" smtClean="0"/>
           </a:p>
         </p:txBody>
       </p:sp>
@@ -996,7 +1059,7 @@
           <a:p>
             <a:fld id="{94CE3395-F8FF-4336-B2AA-E15575B990E7}" type="slidenum">
               <a:rPr lang="en-US" smtClean="0"/>
-              <a:t>17</a:t>
+              <a:t>16</a:t>
             </a:fld>
             <a:endParaRPr lang="en-US" dirty="0"/>
           </a:p>
@@ -1005,7 +1068,7 @@
     </p:spTree>
     <p:extLst>
       <p:ext uri="{BB962C8B-B14F-4D97-AF65-F5344CB8AC3E}">
-        <p14:creationId xmlns:p14="http://schemas.microsoft.com/office/powerpoint/2010/main" val="2734589216"/>
+        <p14:creationId xmlns:p14="http://schemas.microsoft.com/office/powerpoint/2010/main" val="4107232748"/>
       </p:ext>
     </p:extLst>
   </p:cSld>
@@ -1059,48 +1122,166 @@
           <a:bodyPr/>
           <a:lstStyle/>
           <a:p>
+            <a:pPr marL="171450" indent="-171450">
+              <a:buFont typeface="Arial" panose="020B0604020202020204" pitchFamily="34" charset="0"/>
+              <a:buChar char="•"/>
+            </a:pPr>
             <a:r>
               <a:rPr lang="en-US" dirty="0" smtClean="0"/>
-              <a:t>Dataflow doesn’t really fit into this slide. IT GOES EVERYWHERE!</a:t>
-            </a:r>
-          </a:p>
-          <a:p>
+              <a:t>“Await” is like a unary operator; it takes a single argument (like a cast).</a:t>
+            </a:r>
+          </a:p>
+          <a:p>
+            <a:pPr marL="171450" indent="-171450">
+              <a:buFont typeface="Arial" panose="020B0604020202020204" pitchFamily="34" charset="0"/>
+              <a:buChar char="•"/>
+            </a:pPr>
+            <a:r>
+              <a:rPr lang="en-US" dirty="0" smtClean="0"/>
+              <a:t>This argument</a:t>
+            </a:r>
+            <a:r>
+              <a:rPr lang="en-US" baseline="0" dirty="0" smtClean="0"/>
+              <a:t> is an “</a:t>
+            </a:r>
+            <a:r>
+              <a:rPr lang="en-US" baseline="0" dirty="0" err="1" smtClean="0"/>
+              <a:t>awaitable</a:t>
+            </a:r>
+            <a:r>
+              <a:rPr lang="en-US" baseline="0" dirty="0" smtClean="0"/>
+              <a:t>”. I won’t get into the specifics, but an “</a:t>
+            </a:r>
+            <a:r>
+              <a:rPr lang="en-US" baseline="0" dirty="0" err="1" smtClean="0"/>
+              <a:t>awaitable</a:t>
+            </a:r>
+            <a:r>
+              <a:rPr lang="en-US" baseline="0" dirty="0" smtClean="0"/>
+              <a:t>” is a type that matches a certain pattern (similar to how </a:t>
+            </a:r>
+            <a:r>
+              <a:rPr lang="en-US" baseline="0" dirty="0" err="1" smtClean="0"/>
+              <a:t>foreach</a:t>
+            </a:r>
+            <a:r>
+              <a:rPr lang="en-US" baseline="0" dirty="0" smtClean="0"/>
+              <a:t> works).</a:t>
+            </a:r>
             <a:endParaRPr lang="en-US" dirty="0" smtClean="0"/>
           </a:p>
           <a:p>
+            <a:pPr marL="171450" indent="-171450">
+              <a:buFont typeface="Arial" panose="020B0604020202020204" pitchFamily="34" charset="0"/>
+              <a:buChar char="•"/>
+            </a:pPr>
+            <a:r>
+              <a:rPr lang="en-US" dirty="0" smtClean="0"/>
+              <a:t>An “</a:t>
+            </a:r>
             <a:r>
               <a:rPr lang="en-US" dirty="0" err="1" smtClean="0"/>
-              <a:t>Dataflow’s</a:t>
+              <a:t>awaitable</a:t>
             </a:r>
             <a:r>
               <a:rPr lang="en-US" dirty="0" smtClean="0"/>
-              <a:t> all like “hey, I’m Reactive</a:t>
+              <a:t>” represents</a:t>
             </a:r>
             <a:r>
               <a:rPr lang="en-US" baseline="0" dirty="0" smtClean="0"/>
-              <a:t> and Asynchronous and Multithreaded and Parallel! </a:t>
+              <a:t> an asynchronous operation. In this talk, all our “</a:t>
             </a:r>
             <a:r>
               <a:rPr lang="en-US" baseline="0" dirty="0" err="1" smtClean="0"/>
-              <a:t>Whaaat</a:t>
+              <a:t>awaitables</a:t>
             </a:r>
             <a:r>
               <a:rPr lang="en-US" baseline="0" dirty="0" smtClean="0"/>
-              <a:t>?”</a:t>
-            </a:r>
-            <a:endParaRPr lang="en-US" dirty="0" smtClean="0"/>
-          </a:p>
-          <a:p>
-            <a:endParaRPr lang="en-US" dirty="0" smtClean="0"/>
-          </a:p>
-          <a:p>
-            <a:r>
-              <a:rPr lang="en-US" dirty="0" smtClean="0"/>
-              <a:t>That means it’s got tons of buttons and crazy options for doing practically anything.</a:t>
-            </a:r>
+              <a:t>” are Task objects.</a:t>
+            </a:r>
+          </a:p>
+          <a:p>
+            <a:pPr marL="171450" indent="-171450">
+              <a:buFont typeface="Arial" panose="020B0604020202020204" pitchFamily="34" charset="0"/>
+              <a:buChar char="•"/>
+            </a:pPr>
             <a:r>
               <a:rPr lang="en-US" baseline="0" dirty="0" smtClean="0"/>
-              <a:t> And it also goes really fast.</a:t>
+              <a:t>Technically, you don’t “await” a method; you call the method and then “await” the Task it returns. But “await a method” and “</a:t>
+            </a:r>
+            <a:r>
+              <a:rPr lang="en-US" baseline="0" dirty="0" err="1" smtClean="0"/>
+              <a:t>awaitable</a:t>
+            </a:r>
+            <a:r>
+              <a:rPr lang="en-US" baseline="0" dirty="0" smtClean="0"/>
+              <a:t> method” are common phrases.</a:t>
+            </a:r>
+          </a:p>
+          <a:p>
+            <a:pPr marL="171450" lvl="0" indent="-171450">
+              <a:buFont typeface="Arial" panose="020B0604020202020204" pitchFamily="34" charset="0"/>
+              <a:buChar char="•"/>
+            </a:pPr>
+            <a:r>
+              <a:rPr lang="en-US" baseline="0" dirty="0" smtClean="0"/>
+              <a:t>- Another method can await the task returned from </a:t>
+            </a:r>
+            <a:r>
+              <a:rPr lang="en-US" baseline="0" dirty="0" err="1" smtClean="0"/>
+              <a:t>DoNothingAsync</a:t>
+            </a:r>
+            <a:r>
+              <a:rPr lang="en-US" baseline="0" dirty="0" smtClean="0"/>
+              <a:t>, not b/c the method is </a:t>
+            </a:r>
+            <a:r>
+              <a:rPr lang="en-US" baseline="0" dirty="0" err="1" smtClean="0"/>
+              <a:t>async</a:t>
+            </a:r>
+            <a:r>
+              <a:rPr lang="en-US" baseline="0" dirty="0" smtClean="0"/>
+              <a:t>, but b/c it returns a Task.</a:t>
+            </a:r>
+          </a:p>
+          <a:p>
+            <a:pPr marL="171450" indent="-171450">
+              <a:buFont typeface="Arial" panose="020B0604020202020204" pitchFamily="34" charset="0"/>
+              <a:buChar char="•"/>
+            </a:pPr>
+            <a:r>
+              <a:rPr lang="en-US" baseline="0" dirty="0" err="1" smtClean="0"/>
+              <a:t>Async</a:t>
+            </a:r>
+            <a:r>
+              <a:rPr lang="en-US" baseline="0" dirty="0" smtClean="0"/>
+              <a:t> methods start synchronously; so this method will (synchronously) call </a:t>
+            </a:r>
+            <a:r>
+              <a:rPr lang="en-US" baseline="0" dirty="0" err="1" smtClean="0"/>
+              <a:t>Task.Delay</a:t>
+            </a:r>
+            <a:r>
+              <a:rPr lang="en-US" baseline="0" dirty="0" smtClean="0"/>
+              <a:t> and </a:t>
+            </a:r>
+            <a:r>
+              <a:rPr lang="en-US" i="1" baseline="0" dirty="0" smtClean="0"/>
+              <a:t>then</a:t>
+            </a:r>
+            <a:r>
+              <a:rPr lang="en-US" baseline="0" dirty="0" smtClean="0"/>
+              <a:t> await.</a:t>
+            </a:r>
+          </a:p>
+          <a:p>
+            <a:pPr marL="171450" indent="-171450">
+              <a:buFont typeface="Arial" panose="020B0604020202020204" pitchFamily="34" charset="0"/>
+              <a:buChar char="•"/>
+            </a:pPr>
+            <a:r>
+              <a:rPr lang="en-US" baseline="0" dirty="0" smtClean="0"/>
+              <a:t>Await is where things can start to get asynchronous.</a:t>
             </a:r>
             <a:endParaRPr lang="en-US" dirty="0" smtClean="0"/>
           </a:p>
@@ -1123,7 +1304,7 @@
           <a:p>
             <a:fld id="{94CE3395-F8FF-4336-B2AA-E15575B990E7}" type="slidenum">
               <a:rPr lang="en-US" smtClean="0"/>
-              <a:t>19</a:t>
+              <a:t>17</a:t>
             </a:fld>
             <a:endParaRPr lang="en-US" dirty="0"/>
           </a:p>
@@ -1132,7 +1313,7 @@
     </p:spTree>
     <p:extLst>
       <p:ext uri="{BB962C8B-B14F-4D97-AF65-F5344CB8AC3E}">
-        <p14:creationId xmlns:p14="http://schemas.microsoft.com/office/powerpoint/2010/main" val="3836008063"/>
+        <p14:creationId xmlns:p14="http://schemas.microsoft.com/office/powerpoint/2010/main" val="1018811057"/>
       </p:ext>
     </p:extLst>
   </p:cSld>
@@ -1186,7 +1367,55 @@
           <a:bodyPr/>
           <a:lstStyle/>
           <a:p>
-            <a:endParaRPr lang="en-US" dirty="0"/>
+            <a:pPr marL="171450" indent="-171450">
+              <a:buFont typeface="Arial" panose="020B0604020202020204" pitchFamily="34" charset="0"/>
+              <a:buChar char="•"/>
+            </a:pPr>
+            <a:r>
+              <a:rPr lang="en-US" dirty="0" smtClean="0"/>
+              <a:t>The “registering” is saying, “when</a:t>
+            </a:r>
+            <a:r>
+              <a:rPr lang="en-US" baseline="0" dirty="0" smtClean="0"/>
+              <a:t> you complete, please </a:t>
+            </a:r>
+            <a:r>
+              <a:rPr lang="en-US" i="1" baseline="0" dirty="0" smtClean="0"/>
+              <a:t>resume</a:t>
+            </a:r>
+            <a:r>
+              <a:rPr lang="en-US" baseline="0" dirty="0" smtClean="0"/>
+              <a:t> this method”.</a:t>
+            </a:r>
+          </a:p>
+          <a:p>
+            <a:pPr marL="171450" indent="-171450">
+              <a:buFont typeface="Arial" panose="020B0604020202020204" pitchFamily="34" charset="0"/>
+              <a:buChar char="•"/>
+            </a:pPr>
+            <a:r>
+              <a:rPr lang="en-US" baseline="0" dirty="0" smtClean="0"/>
+              <a:t>When </a:t>
+            </a:r>
+            <a:r>
+              <a:rPr lang="en-US" baseline="0" dirty="0" err="1" smtClean="0"/>
+              <a:t>DoNothingAsync</a:t>
+            </a:r>
+            <a:r>
+              <a:rPr lang="en-US" baseline="0" dirty="0" smtClean="0"/>
+              <a:t> returns, it returns an incomplete Task.</a:t>
+            </a:r>
+          </a:p>
+          <a:p>
+            <a:pPr marL="171450" indent="-171450">
+              <a:buFont typeface="Arial" panose="020B0604020202020204" pitchFamily="34" charset="0"/>
+              <a:buChar char="•"/>
+            </a:pPr>
+            <a:r>
+              <a:rPr lang="en-US" baseline="0" dirty="0" smtClean="0"/>
+              <a:t>The returned Task represents this method; when this method completes, it will complete the Task.</a:t>
+            </a:r>
+            <a:endParaRPr lang="en-US" dirty="0" smtClean="0"/>
           </a:p>
         </p:txBody>
       </p:sp>
@@ -1207,7 +1436,7 @@
           <a:p>
             <a:fld id="{94CE3395-F8FF-4336-B2AA-E15575B990E7}" type="slidenum">
               <a:rPr lang="en-US" smtClean="0"/>
-              <a:t>20</a:t>
+              <a:t>18</a:t>
             </a:fld>
             <a:endParaRPr lang="en-US" dirty="0"/>
           </a:p>
@@ -1216,7 +1445,7 @@
     </p:spTree>
     <p:extLst>
       <p:ext uri="{BB962C8B-B14F-4D97-AF65-F5344CB8AC3E}">
-        <p14:creationId xmlns:p14="http://schemas.microsoft.com/office/powerpoint/2010/main" val="2373687549"/>
+        <p14:creationId xmlns:p14="http://schemas.microsoft.com/office/powerpoint/2010/main" val="3883181917"/>
       </p:ext>
     </p:extLst>
   </p:cSld>
@@ -1272,13 +1501,73 @@
           <a:p>
             <a:r>
               <a:rPr lang="en-US" dirty="0" smtClean="0"/>
-              <a:t>Blocks</a:t>
+              <a:t>In ASP.NET the “context” is the request context</a:t>
             </a:r>
             <a:r>
               <a:rPr lang="en-US" baseline="0" dirty="0" smtClean="0"/>
-              <a:t> are very independent by default.</a:t>
-            </a:r>
-            <a:endParaRPr lang="en-US" dirty="0"/>
+              <a:t> (</a:t>
+            </a:r>
+            <a:r>
+              <a:rPr lang="en-US" baseline="0" dirty="0" err="1" smtClean="0"/>
+              <a:t>HttpContext.Current</a:t>
+            </a:r>
+            <a:r>
+              <a:rPr lang="en-US" baseline="0" dirty="0" smtClean="0"/>
+              <a:t>, identity, and culture).</a:t>
+            </a:r>
+          </a:p>
+          <a:p>
+            <a:pPr marL="171450" indent="-171450">
+              <a:buFontTx/>
+              <a:buChar char="-"/>
+            </a:pPr>
+            <a:r>
+              <a:rPr lang="en-US" baseline="0" dirty="0" smtClean="0"/>
+              <a:t>In this example, if you have the request context before the await, then you’ll have it after the await.</a:t>
+            </a:r>
+          </a:p>
+          <a:p>
+            <a:pPr marL="171450" indent="-171450">
+              <a:buFontTx/>
+              <a:buChar char="-"/>
+            </a:pPr>
+            <a:r>
+              <a:rPr lang="en-US" baseline="0" dirty="0" smtClean="0"/>
+              <a:t>Request context only allows one thread at a time.</a:t>
+            </a:r>
+          </a:p>
+          <a:p>
+            <a:pPr marL="171450" indent="-171450">
+              <a:buFontTx/>
+              <a:buChar char="-"/>
+            </a:pPr>
+            <a:endParaRPr lang="en-US" baseline="0" dirty="0" smtClean="0"/>
+          </a:p>
+          <a:p>
+            <a:pPr marL="0" indent="0">
+              <a:buFont typeface="Arial" panose="020B0604020202020204" pitchFamily="34" charset="0"/>
+              <a:buNone/>
+            </a:pPr>
+            <a:r>
+              <a:rPr lang="en-US" dirty="0" smtClean="0"/>
+              <a:t>Technically: </a:t>
+            </a:r>
+            <a:r>
+              <a:rPr lang="en-US" dirty="0" err="1" smtClean="0"/>
+              <a:t>SynchronizationContext.Current</a:t>
+            </a:r>
+            <a:r>
+              <a:rPr lang="en-US" dirty="0" smtClean="0"/>
+              <a:t> or </a:t>
+            </a:r>
+            <a:r>
+              <a:rPr lang="en-US" dirty="0" err="1" smtClean="0"/>
+              <a:t>TaskScheduler.Current</a:t>
+            </a:r>
+            <a:r>
+              <a:rPr lang="en-US" dirty="0" smtClean="0"/>
+              <a:t>.</a:t>
+            </a:r>
           </a:p>
         </p:txBody>
       </p:sp>
@@ -1299,7 +1588,7 @@
           <a:p>
             <a:fld id="{94CE3395-F8FF-4336-B2AA-E15575B990E7}" type="slidenum">
               <a:rPr lang="en-US" smtClean="0"/>
-              <a:t>21</a:t>
+              <a:t>19</a:t>
             </a:fld>
             <a:endParaRPr lang="en-US" dirty="0"/>
           </a:p>
@@ -1308,7 +1597,7 @@
     </p:spTree>
     <p:extLst>
       <p:ext uri="{BB962C8B-B14F-4D97-AF65-F5344CB8AC3E}">
-        <p14:creationId xmlns:p14="http://schemas.microsoft.com/office/powerpoint/2010/main" val="572396235"/>
+        <p14:creationId xmlns:p14="http://schemas.microsoft.com/office/powerpoint/2010/main" val="2995463229"/>
       </p:ext>
     </p:extLst>
   </p:cSld>
@@ -1362,21 +1651,91 @@
           <a:bodyPr/>
           <a:lstStyle/>
           <a:p>
+            <a:pPr marL="171450" indent="-171450">
+              <a:buFont typeface="Arial" panose="020B0604020202020204" pitchFamily="34" charset="0"/>
+              <a:buChar char="•"/>
+            </a:pPr>
             <a:r>
               <a:rPr lang="en-US" dirty="0" smtClean="0"/>
-              <a:t>“Fork” blocks include </a:t>
-            </a:r>
-            <a:r>
-              <a:rPr lang="en-US" dirty="0" err="1" smtClean="0"/>
-              <a:t>BroadcastBlock</a:t>
+              <a:t>An</a:t>
             </a:r>
             <a:r>
               <a:rPr lang="en-US" baseline="0" dirty="0" smtClean="0"/>
-              <a:t> and </a:t>
+              <a:t> </a:t>
             </a:r>
             <a:r>
               <a:rPr lang="en-US" baseline="0" dirty="0" err="1" smtClean="0"/>
-              <a:t>WriteOnceBlock</a:t>
+              <a:t>async</a:t>
+            </a:r>
+            <a:r>
+              <a:rPr lang="en-US" baseline="0" dirty="0" smtClean="0"/>
+              <a:t> method may return Task or Task&lt;T&gt; (or void).</a:t>
+            </a:r>
+          </a:p>
+          <a:p>
+            <a:pPr marL="171450" indent="-171450">
+              <a:buFont typeface="Arial" panose="020B0604020202020204" pitchFamily="34" charset="0"/>
+              <a:buChar char="•"/>
+            </a:pPr>
+            <a:r>
+              <a:rPr lang="en-US" baseline="0" dirty="0" smtClean="0"/>
+              <a:t>Use </a:t>
+            </a:r>
+            <a:r>
+              <a:rPr lang="en-US" baseline="0" dirty="0" err="1" smtClean="0"/>
+              <a:t>async</a:t>
+            </a:r>
+            <a:r>
+              <a:rPr lang="en-US" baseline="0" dirty="0" smtClean="0"/>
+              <a:t> Task if you have nothing to return.</a:t>
+            </a:r>
+          </a:p>
+          <a:p>
+            <a:pPr marL="171450" indent="-171450">
+              <a:buFont typeface="Arial" panose="020B0604020202020204" pitchFamily="34" charset="0"/>
+              <a:buChar char="•"/>
+            </a:pPr>
+            <a:r>
+              <a:rPr lang="en-US" baseline="0" dirty="0" smtClean="0"/>
+              <a:t>Use </a:t>
+            </a:r>
+            <a:r>
+              <a:rPr lang="en-US" baseline="0" dirty="0" err="1" smtClean="0"/>
+              <a:t>async</a:t>
+            </a:r>
+            <a:r>
+              <a:rPr lang="en-US" baseline="0" dirty="0" smtClean="0"/>
+              <a:t> Task&lt;T&gt; if you have a return value.</a:t>
+            </a:r>
+          </a:p>
+          <a:p>
+            <a:pPr marL="171450" indent="-171450">
+              <a:buFont typeface="Arial" panose="020B0604020202020204" pitchFamily="34" charset="0"/>
+              <a:buChar char="•"/>
+            </a:pPr>
+            <a:r>
+              <a:rPr lang="en-US" baseline="0" dirty="0" smtClean="0"/>
+              <a:t>- Note that the return type is </a:t>
+            </a:r>
+            <a:r>
+              <a:rPr lang="en-US" baseline="0" dirty="0" err="1" smtClean="0"/>
+              <a:t>int</a:t>
+            </a:r>
+            <a:r>
+              <a:rPr lang="en-US" baseline="0" dirty="0" smtClean="0"/>
+              <a:t> while the method return type is Task&lt;</a:t>
+            </a:r>
+            <a:r>
+              <a:rPr lang="en-US" baseline="0" dirty="0" err="1" smtClean="0"/>
+              <a:t>int</a:t>
+            </a:r>
+            <a:r>
+              <a:rPr lang="en-US" baseline="0" dirty="0" smtClean="0"/>
+              <a:t>&gt;. You don’t return a task object directly if the method is marked </a:t>
+            </a:r>
+            <a:r>
+              <a:rPr lang="en-US" baseline="0" dirty="0" err="1" smtClean="0"/>
+              <a:t>async</a:t>
             </a:r>
             <a:r>
               <a:rPr lang="en-US" baseline="0" dirty="0" smtClean="0"/>
@@ -1384,35 +1743,22 @@
             </a:r>
           </a:p>
           <a:p>
+            <a:pPr marL="171450" indent="-171450">
+              <a:buFont typeface="Arial" panose="020B0604020202020204" pitchFamily="34" charset="0"/>
+              <a:buChar char="•"/>
+            </a:pPr>
             <a:r>
               <a:rPr lang="en-US" baseline="0" dirty="0" smtClean="0"/>
-              <a:t>“Join” blocks include </a:t>
+              <a:t>Avoid </a:t>
             </a:r>
             <a:r>
               <a:rPr lang="en-US" baseline="0" dirty="0" err="1" smtClean="0"/>
-              <a:t>BatchBlock</a:t>
+              <a:t>async</a:t>
             </a:r>
             <a:r>
               <a:rPr lang="en-US" baseline="0" dirty="0" smtClean="0"/>
-              <a:t>, </a:t>
-            </a:r>
-            <a:r>
-              <a:rPr lang="en-US" baseline="0" dirty="0" err="1" smtClean="0"/>
-              <a:t>JoinBlock</a:t>
-            </a:r>
-            <a:r>
-              <a:rPr lang="en-US" baseline="0" dirty="0" smtClean="0"/>
-              <a:t>, </a:t>
-            </a:r>
-            <a:r>
-              <a:rPr lang="en-US" baseline="0" dirty="0" err="1" smtClean="0"/>
-              <a:t>BatchedJoinBlock</a:t>
-            </a:r>
-            <a:r>
-              <a:rPr lang="en-US" baseline="0" dirty="0" smtClean="0"/>
-              <a:t>.</a:t>
-            </a:r>
-            <a:endParaRPr lang="en-US" dirty="0"/>
+              <a:t> void.</a:t>
+            </a:r>
           </a:p>
         </p:txBody>
       </p:sp>
@@ -1433,7 +1779,7 @@
           <a:p>
             <a:fld id="{94CE3395-F8FF-4336-B2AA-E15575B990E7}" type="slidenum">
               <a:rPr lang="en-US" smtClean="0"/>
-              <a:t>22</a:t>
+              <a:t>20</a:t>
             </a:fld>
             <a:endParaRPr lang="en-US" dirty="0"/>
           </a:p>
@@ -1442,7 +1788,7 @@
     </p:spTree>
     <p:extLst>
       <p:ext uri="{BB962C8B-B14F-4D97-AF65-F5344CB8AC3E}">
-        <p14:creationId xmlns:p14="http://schemas.microsoft.com/office/powerpoint/2010/main" val="1214782443"/>
+        <p14:creationId xmlns:p14="http://schemas.microsoft.com/office/powerpoint/2010/main" val="4007266988"/>
       </p:ext>
     </p:extLst>
   </p:cSld>
@@ -1496,46 +1842,7 @@
           <a:bodyPr/>
           <a:lstStyle/>
           <a:p>
-            <a:r>
-              <a:rPr lang="en-US" dirty="0" smtClean="0"/>
-              <a:t>Call Complete() on the </a:t>
-            </a:r>
-            <a:r>
-              <a:rPr lang="en-US" i="1" dirty="0" smtClean="0"/>
-              <a:t>first input </a:t>
-            </a:r>
-            <a:r>
-              <a:rPr lang="en-US" dirty="0" smtClean="0"/>
-              <a:t>block when you’re done sending data.</a:t>
-            </a:r>
-          </a:p>
-          <a:p>
-            <a:r>
-              <a:rPr lang="en-US" dirty="0" smtClean="0"/>
-              <a:t>Wait for the</a:t>
-            </a:r>
-            <a:r>
-              <a:rPr lang="en-US" baseline="0" dirty="0" smtClean="0"/>
-              <a:t> Completion task on the </a:t>
-            </a:r>
-            <a:r>
-              <a:rPr lang="en-US" i="1" baseline="0" dirty="0" smtClean="0"/>
-              <a:t>last output </a:t>
-            </a:r>
-            <a:r>
-              <a:rPr lang="en-US" baseline="0" dirty="0" smtClean="0"/>
-              <a:t>block to ensure it’s all done.</a:t>
-            </a:r>
-          </a:p>
-          <a:p>
             <a:endParaRPr lang="en-US" baseline="0" dirty="0" smtClean="0"/>
-          </a:p>
-          <a:p>
-            <a:r>
-              <a:rPr lang="en-US" b="1" baseline="0" dirty="0" smtClean="0"/>
-              <a:t>Another demo!</a:t>
-            </a:r>
-            <a:endParaRPr lang="en-US" b="1" dirty="0"/>
           </a:p>
         </p:txBody>
       </p:sp>
@@ -1556,7 +1863,7 @@
           <a:p>
             <a:fld id="{94CE3395-F8FF-4336-B2AA-E15575B990E7}" type="slidenum">
               <a:rPr lang="en-US" smtClean="0"/>
-              <a:t>23</a:t>
+              <a:t>21</a:t>
             </a:fld>
             <a:endParaRPr lang="en-US" dirty="0"/>
           </a:p>
@@ -1565,7 +1872,7 @@
     </p:spTree>
     <p:extLst>
       <p:ext uri="{BB962C8B-B14F-4D97-AF65-F5344CB8AC3E}">
-        <p14:creationId xmlns:p14="http://schemas.microsoft.com/office/powerpoint/2010/main" val="1980140171"/>
+        <p14:creationId xmlns:p14="http://schemas.microsoft.com/office/powerpoint/2010/main" val="1734430040"/>
       </p:ext>
     </p:extLst>
   </p:cSld>
@@ -1619,6 +1926,39 @@
           <a:bodyPr/>
           <a:lstStyle/>
           <a:p>
+            <a:r>
+              <a:rPr lang="en-US" dirty="0" smtClean="0"/>
+              <a:t>Asynchronous is</a:t>
+            </a:r>
+            <a:r>
+              <a:rPr lang="en-US" baseline="0" dirty="0" smtClean="0"/>
+              <a:t> a form of concurrency </a:t>
+            </a:r>
+            <a:r>
+              <a:rPr lang="en-US" i="1" baseline="0" dirty="0" smtClean="0"/>
+              <a:t>without</a:t>
+            </a:r>
+            <a:r>
+              <a:rPr lang="en-US" baseline="0" dirty="0" smtClean="0"/>
+              <a:t> using threads.</a:t>
+            </a:r>
+          </a:p>
+          <a:p>
+            <a:endParaRPr lang="en-US" baseline="0" dirty="0" smtClean="0"/>
+          </a:p>
+          <a:p>
+            <a:r>
+              <a:rPr lang="en-US" baseline="0" dirty="0" smtClean="0"/>
+              <a:t>Instead, asynchronous code registers a callback/future as a “bookmark” and </a:t>
+            </a:r>
+            <a:r>
+              <a:rPr lang="en-US" i="1" baseline="0" dirty="0" smtClean="0"/>
+              <a:t>frees</a:t>
+            </a:r>
+            <a:r>
+              <a:rPr lang="en-US" baseline="0" dirty="0" smtClean="0"/>
+              <a:t> the current thread to do other work.</a:t>
+            </a:r>
             <a:endParaRPr lang="en-US" dirty="0"/>
           </a:p>
         </p:txBody>
@@ -1640,7 +1980,7 @@
           <a:p>
             <a:fld id="{94CE3395-F8FF-4336-B2AA-E15575B990E7}" type="slidenum">
               <a:rPr lang="en-US" smtClean="0"/>
-              <a:t>25</a:t>
+              <a:t>22</a:t>
             </a:fld>
             <a:endParaRPr lang="en-US" dirty="0"/>
           </a:p>
@@ -1649,7 +1989,7 @@
     </p:spTree>
     <p:extLst>
       <p:ext uri="{BB962C8B-B14F-4D97-AF65-F5344CB8AC3E}">
-        <p14:creationId xmlns:p14="http://schemas.microsoft.com/office/powerpoint/2010/main" val="603719157"/>
+        <p14:creationId xmlns:p14="http://schemas.microsoft.com/office/powerpoint/2010/main" val="3197589142"/>
       </p:ext>
     </p:extLst>
   </p:cSld>
@@ -1705,11 +2045,44 @@
           <a:p>
             <a:r>
               <a:rPr lang="en-US" dirty="0" smtClean="0"/>
-              <a:t>Feels like an uphill</a:t>
+              <a:t>This is the ideal I/O scenario for .NET I/O that uses the standard IOCP/OVERLAPPED system.</a:t>
+            </a:r>
+          </a:p>
+          <a:p>
+            <a:endParaRPr lang="en-US" dirty="0" smtClean="0"/>
+          </a:p>
+          <a:p>
+            <a:r>
+              <a:rPr lang="en-US" dirty="0" smtClean="0"/>
+              <a:t>IRP</a:t>
             </a:r>
             <a:r>
               <a:rPr lang="en-US" baseline="0" dirty="0" smtClean="0"/>
-              <a:t> climb.</a:t>
+              <a:t> = I/O Request Packet</a:t>
+            </a:r>
+          </a:p>
+          <a:p>
+            <a:r>
+              <a:rPr lang="en-US" baseline="0" dirty="0" smtClean="0"/>
+              <a:t>ISR = Interrupt Service Request</a:t>
+            </a:r>
+          </a:p>
+          <a:p>
+            <a:r>
+              <a:rPr lang="en-US" baseline="0" dirty="0" smtClean="0"/>
+              <a:t>DPC = Deferred Procedure Call</a:t>
+            </a:r>
+          </a:p>
+          <a:p>
+            <a:r>
+              <a:rPr lang="en-US" baseline="0" dirty="0" smtClean="0"/>
+              <a:t>APC = Asynchronous Procedure Call</a:t>
+            </a:r>
+          </a:p>
+          <a:p>
+            <a:r>
+              <a:rPr lang="en-US" baseline="0" dirty="0" smtClean="0"/>
+              <a:t>IOCP = I/O Completion Port</a:t>
             </a:r>
             <a:endParaRPr lang="en-US" dirty="0"/>
           </a:p>
@@ -1732,7 +2105,7 @@
           <a:p>
             <a:fld id="{94CE3395-F8FF-4336-B2AA-E15575B990E7}" type="slidenum">
               <a:rPr lang="en-US" smtClean="0"/>
-              <a:t>26</a:t>
+              <a:t>23</a:t>
             </a:fld>
             <a:endParaRPr lang="en-US" dirty="0"/>
           </a:p>
@@ -1741,7 +2114,7 @@
     </p:spTree>
     <p:extLst>
       <p:ext uri="{BB962C8B-B14F-4D97-AF65-F5344CB8AC3E}">
-        <p14:creationId xmlns:p14="http://schemas.microsoft.com/office/powerpoint/2010/main" val="2287262343"/>
+        <p14:creationId xmlns:p14="http://schemas.microsoft.com/office/powerpoint/2010/main" val="856237927"/>
       </p:ext>
     </p:extLst>
   </p:cSld>
@@ -1795,116 +2168,11 @@
           <a:bodyPr/>
           <a:lstStyle/>
           <a:p>
-            <a:r>
-              <a:rPr lang="en-US" dirty="0" smtClean="0"/>
-              <a:t>This slide</a:t>
-            </a:r>
-            <a:r>
-              <a:rPr lang="en-US" baseline="0" dirty="0" smtClean="0"/>
-              <a:t> is mostly about terminology, and there’s no definite standard or consensus yet.</a:t>
-            </a:r>
-          </a:p>
-          <a:p>
-            <a:endParaRPr lang="en-US" dirty="0" smtClean="0"/>
-          </a:p>
-          <a:p>
             <a:pPr marL="171450" indent="-171450">
               <a:buFont typeface="Arial" panose="020B0604020202020204" pitchFamily="34" charset="0"/>
               <a:buChar char="•"/>
             </a:pPr>
-            <a:r>
-              <a:rPr lang="en-US" dirty="0" smtClean="0"/>
-              <a:t>I prefer to use the term “concurrency” for multiple things happening </a:t>
-            </a:r>
-            <a:r>
-              <a:rPr lang="en-US" i="1" dirty="0" smtClean="0"/>
-              <a:t>at the same time</a:t>
-            </a:r>
-            <a:r>
-              <a:rPr lang="en-US" i="0" baseline="0" dirty="0" smtClean="0"/>
-              <a:t> (e.g., DB/UI, ASP.NET server requests)</a:t>
-            </a:r>
-            <a:r>
-              <a:rPr lang="en-US" dirty="0" smtClean="0"/>
-              <a:t>.</a:t>
-            </a:r>
-          </a:p>
-          <a:p>
-            <a:pPr marL="171450" indent="-171450">
-              <a:buFont typeface="Arial" panose="020B0604020202020204" pitchFamily="34" charset="0"/>
-              <a:buChar char="•"/>
-            </a:pPr>
-            <a:r>
-              <a:rPr lang="en-US" dirty="0" smtClean="0"/>
-              <a:t>Multithreading</a:t>
-            </a:r>
-            <a:r>
-              <a:rPr lang="en-US" baseline="0" dirty="0" smtClean="0"/>
-              <a:t> is one way to get concurrency; e.g., ASP.NET will handle multiple requests on different threads by default.</a:t>
-            </a:r>
-            <a:endParaRPr lang="en-US" dirty="0" smtClean="0"/>
-          </a:p>
-          <a:p>
-            <a:pPr marL="171450" indent="-171450">
-              <a:buFont typeface="Arial" panose="020B0604020202020204" pitchFamily="34" charset="0"/>
-              <a:buChar char="•"/>
-            </a:pPr>
-            <a:r>
-              <a:rPr lang="en-US" dirty="0" smtClean="0"/>
-              <a:t>“Parallelism” is parallel</a:t>
-            </a:r>
-            <a:r>
-              <a:rPr lang="en-US" baseline="0" dirty="0" smtClean="0"/>
-              <a:t> processing, one type of multithreading. E.g.,</a:t>
-            </a:r>
-            <a:r>
-              <a:rPr lang="en-US" dirty="0" smtClean="0"/>
-              <a:t> Parallel LINQ and the Parallel Task Library.</a:t>
-            </a:r>
-          </a:p>
-          <a:p>
-            <a:pPr marL="171450" indent="-171450">
-              <a:buFont typeface="Arial" panose="020B0604020202020204" pitchFamily="34" charset="0"/>
-              <a:buChar char="•"/>
-            </a:pPr>
-            <a:r>
-              <a:rPr lang="en-US" dirty="0" err="1" smtClean="0"/>
-              <a:t>Asynchronicity</a:t>
-            </a:r>
-            <a:r>
-              <a:rPr lang="en-US" dirty="0" smtClean="0"/>
-              <a:t> is a</a:t>
-            </a:r>
-            <a:r>
-              <a:rPr lang="en-US" baseline="0" dirty="0" smtClean="0"/>
-              <a:t> way to get concurrency </a:t>
-            </a:r>
-            <a:r>
-              <a:rPr lang="en-US" i="1" baseline="0" dirty="0" smtClean="0"/>
-              <a:t>without</a:t>
-            </a:r>
-            <a:r>
-              <a:rPr lang="en-US" baseline="0" dirty="0" smtClean="0"/>
-              <a:t> multithreading. “There is no thread”.</a:t>
-            </a:r>
-          </a:p>
-          <a:p>
-            <a:pPr marL="171450" indent="-171450">
-              <a:buFont typeface="Arial" panose="020B0604020202020204" pitchFamily="34" charset="0"/>
-              <a:buChar char="•"/>
-            </a:pPr>
-            <a:r>
-              <a:rPr lang="en-US" baseline="0" dirty="0" smtClean="0"/>
-              <a:t>Multithreading and Parallelism are colored red because you usually don’t want them on ASP.NET.</a:t>
-            </a:r>
-            <a:br>
-              <a:rPr lang="en-US" baseline="0" dirty="0" smtClean="0"/>
-            </a:br>
-            <a:r>
-              <a:rPr lang="en-US" baseline="0" dirty="0" smtClean="0"/>
-              <a:t>Instead, embrace the parallelism already provided by the platform (ASP.NET).</a:t>
-            </a:r>
-            <a:endParaRPr lang="en-US" dirty="0"/>
+            <a:endParaRPr lang="en-US" baseline="0" dirty="0" smtClean="0"/>
           </a:p>
         </p:txBody>
       </p:sp>
@@ -1925,7 +2193,7 @@
           <a:p>
             <a:fld id="{94CE3395-F8FF-4336-B2AA-E15575B990E7}" type="slidenum">
               <a:rPr lang="en-US" smtClean="0"/>
-              <a:t>5</a:t>
+              <a:t>4</a:t>
             </a:fld>
             <a:endParaRPr lang="en-US" dirty="0"/>
           </a:p>
@@ -1934,7 +2202,7 @@
     </p:spTree>
     <p:extLst>
       <p:ext uri="{BB962C8B-B14F-4D97-AF65-F5344CB8AC3E}">
-        <p14:creationId xmlns:p14="http://schemas.microsoft.com/office/powerpoint/2010/main" val="1147060992"/>
+        <p14:creationId xmlns:p14="http://schemas.microsoft.com/office/powerpoint/2010/main" val="2082955127"/>
       </p:ext>
     </p:extLst>
   </p:cSld>
@@ -1990,53 +2258,48 @@
           <a:p>
             <a:r>
               <a:rPr lang="en-US" dirty="0" smtClean="0"/>
-              <a:t>Rx treats events as a </a:t>
-            </a:r>
-            <a:r>
-              <a:rPr lang="en-US" i="1" dirty="0" smtClean="0"/>
-              <a:t>data</a:t>
+              <a:t>For TPL </a:t>
+            </a:r>
+            <a:r>
+              <a:rPr lang="en-US" dirty="0" err="1" smtClean="0"/>
+              <a:t>devs</a:t>
             </a:r>
             <a:r>
               <a:rPr lang="en-US" dirty="0" smtClean="0"/>
-              <a:t> source.</a:t>
-            </a:r>
-          </a:p>
-          <a:p>
-            <a:endParaRPr lang="en-US" dirty="0" smtClean="0"/>
+              <a:t>: Task (as used by the TPL)</a:t>
+            </a:r>
+            <a:r>
+              <a:rPr lang="en-US" baseline="0" dirty="0" smtClean="0"/>
+              <a:t> is completely different than Task (as used by </a:t>
+            </a:r>
+            <a:r>
+              <a:rPr lang="en-US" baseline="0" dirty="0" err="1" smtClean="0"/>
+              <a:t>async</a:t>
+            </a:r>
+            <a:r>
+              <a:rPr lang="en-US" baseline="0" dirty="0" smtClean="0"/>
+              <a:t>).</a:t>
+            </a:r>
+          </a:p>
+          <a:p>
+            <a:endParaRPr lang="en-US" baseline="0" dirty="0" smtClean="0"/>
           </a:p>
           <a:p>
             <a:r>
               <a:rPr lang="en-US" dirty="0" smtClean="0"/>
-              <a:t>The standard</a:t>
+              <a:t>For newbie </a:t>
+            </a:r>
+            <a:r>
+              <a:rPr lang="en-US" dirty="0" err="1" smtClean="0"/>
+              <a:t>devs</a:t>
+            </a:r>
+            <a:r>
+              <a:rPr lang="en-US" dirty="0" smtClean="0"/>
+              <a:t>: Task has a lot of baggage</a:t>
             </a:r>
             <a:r>
               <a:rPr lang="en-US" baseline="0" dirty="0" smtClean="0"/>
-              <a:t> </a:t>
-            </a:r>
-            <a:r>
-              <a:rPr lang="en-US" baseline="0" dirty="0" err="1" smtClean="0"/>
-              <a:t>IEnumerable</a:t>
-            </a:r>
-            <a:r>
-              <a:rPr lang="en-US" baseline="0" dirty="0" smtClean="0"/>
-              <a:t> is a Pull system; the </a:t>
-            </a:r>
-            <a:r>
-              <a:rPr lang="en-US" baseline="0" dirty="0" err="1" smtClean="0"/>
-              <a:t>foreach</a:t>
-            </a:r>
-            <a:r>
-              <a:rPr lang="en-US" baseline="0" dirty="0" smtClean="0"/>
-              <a:t> loop pulls each data item out of the sequence.</a:t>
-            </a:r>
-          </a:p>
-          <a:p>
-            <a:endParaRPr lang="en-US" baseline="0" dirty="0" smtClean="0"/>
-          </a:p>
-          <a:p>
-            <a:r>
-              <a:rPr lang="en-US" baseline="0" dirty="0" smtClean="0"/>
-              <a:t>Observables are a Push system; the system reacts to the data items as they arrive.</a:t>
+              <a:t> from the TPL; most members should just not be used.</a:t>
             </a:r>
             <a:endParaRPr lang="en-US" dirty="0"/>
           </a:p>
@@ -2059,7 +2322,7 @@
           <a:p>
             <a:fld id="{94CE3395-F8FF-4336-B2AA-E15575B990E7}" type="slidenum">
               <a:rPr lang="en-US" smtClean="0"/>
-              <a:t>27</a:t>
+              <a:t>24</a:t>
             </a:fld>
             <a:endParaRPr lang="en-US" dirty="0"/>
           </a:p>
@@ -2068,7 +2331,7 @@
     </p:spTree>
     <p:extLst>
       <p:ext uri="{BB962C8B-B14F-4D97-AF65-F5344CB8AC3E}">
-        <p14:creationId xmlns:p14="http://schemas.microsoft.com/office/powerpoint/2010/main" val="2270392975"/>
+        <p14:creationId xmlns:p14="http://schemas.microsoft.com/office/powerpoint/2010/main" val="2734589216"/>
       </p:ext>
     </p:extLst>
   </p:cSld>
@@ -2124,7 +2387,7 @@
           <a:p>
             <a:r>
               <a:rPr lang="en-US" dirty="0" smtClean="0"/>
-              <a:t>Cold sequences are like an HTTP request; the subscription causes the request to be sent.</a:t>
+              <a:t>Dataflow doesn’t really fit into this slide. IT GOES EVERYWHERE!</a:t>
             </a:r>
           </a:p>
           <a:p>
@@ -2132,14 +2395,40 @@
           </a:p>
           <a:p>
             <a:r>
+              <a:rPr lang="en-US" dirty="0" err="1" smtClean="0"/>
+              <a:t>Dataflow’s</a:t>
+            </a:r>
+            <a:r>
               <a:rPr lang="en-US" dirty="0" smtClean="0"/>
-              <a:t>Hot</a:t>
+              <a:t> all like “hey, I’m Reactive</a:t>
             </a:r>
             <a:r>
               <a:rPr lang="en-US" baseline="0" dirty="0" smtClean="0"/>
-              <a:t> sequences are like mouse movements; they are always going on, even if no one is subscribed.</a:t>
-            </a:r>
-            <a:endParaRPr lang="en-US" dirty="0"/>
+              <a:t> and Asynchronous and Multithreaded and Parallel! </a:t>
+            </a:r>
+            <a:r>
+              <a:rPr lang="en-US" baseline="0" dirty="0" err="1" smtClean="0"/>
+              <a:t>Whaaat</a:t>
+            </a:r>
+            <a:r>
+              <a:rPr lang="en-US" baseline="0" dirty="0" smtClean="0"/>
+              <a:t>?”</a:t>
+            </a:r>
+            <a:endParaRPr lang="en-US" dirty="0" smtClean="0"/>
+          </a:p>
+          <a:p>
+            <a:endParaRPr lang="en-US" dirty="0" smtClean="0"/>
+          </a:p>
+          <a:p>
+            <a:r>
+              <a:rPr lang="en-US" dirty="0" smtClean="0"/>
+              <a:t>That means it’s got tons of buttons and crazy options for doing practically anything.</a:t>
+            </a:r>
+            <a:r>
+              <a:rPr lang="en-US" baseline="0" dirty="0" smtClean="0"/>
+              <a:t> And it also goes really fast.</a:t>
+            </a:r>
+            <a:endParaRPr lang="en-US" dirty="0" smtClean="0"/>
           </a:p>
         </p:txBody>
       </p:sp>
@@ -2160,7 +2449,7 @@
           <a:p>
             <a:fld id="{94CE3395-F8FF-4336-B2AA-E15575B990E7}" type="slidenum">
               <a:rPr lang="en-US" smtClean="0"/>
-              <a:t>28</a:t>
+              <a:t>26</a:t>
             </a:fld>
             <a:endParaRPr lang="en-US" dirty="0"/>
           </a:p>
@@ -2169,7 +2458,7 @@
     </p:spTree>
     <p:extLst>
       <p:ext uri="{BB962C8B-B14F-4D97-AF65-F5344CB8AC3E}">
-        <p14:creationId xmlns:p14="http://schemas.microsoft.com/office/powerpoint/2010/main" val="2556313944"/>
+        <p14:creationId xmlns:p14="http://schemas.microsoft.com/office/powerpoint/2010/main" val="3836008063"/>
       </p:ext>
     </p:extLst>
   </p:cSld>
@@ -2223,25 +2512,7 @@
           <a:bodyPr/>
           <a:lstStyle/>
           <a:p>
-            <a:r>
-              <a:rPr lang="en-US" b="0" dirty="0" smtClean="0"/>
-              <a:t>Standard LINQ operators such as Where and</a:t>
-            </a:r>
-            <a:r>
-              <a:rPr lang="en-US" b="0" baseline="0" dirty="0" smtClean="0"/>
-              <a:t> Select work as expected.</a:t>
-            </a:r>
-            <a:endParaRPr lang="en-US" b="0" dirty="0" smtClean="0"/>
-          </a:p>
-          <a:p>
-            <a:endParaRPr lang="en-US" b="1" dirty="0" smtClean="0"/>
-          </a:p>
-          <a:p>
-            <a:r>
-              <a:rPr lang="en-US" b="1" dirty="0" smtClean="0"/>
-              <a:t>Also as a demo!</a:t>
-            </a:r>
-            <a:endParaRPr lang="en-US" b="1" dirty="0"/>
+            <a:endParaRPr lang="en-US" dirty="0"/>
           </a:p>
         </p:txBody>
       </p:sp>
@@ -2262,7 +2533,7 @@
           <a:p>
             <a:fld id="{94CE3395-F8FF-4336-B2AA-E15575B990E7}" type="slidenum">
               <a:rPr lang="en-US" smtClean="0"/>
-              <a:t>29</a:t>
+              <a:t>27</a:t>
             </a:fld>
             <a:endParaRPr lang="en-US" dirty="0"/>
           </a:p>
@@ -2271,7 +2542,7 @@
     </p:spTree>
     <p:extLst>
       <p:ext uri="{BB962C8B-B14F-4D97-AF65-F5344CB8AC3E}">
-        <p14:creationId xmlns:p14="http://schemas.microsoft.com/office/powerpoint/2010/main" val="2185074788"/>
+        <p14:creationId xmlns:p14="http://schemas.microsoft.com/office/powerpoint/2010/main" val="2373687549"/>
       </p:ext>
     </p:extLst>
   </p:cSld>
@@ -2327,55 +2598,11 @@
           <a:p>
             <a:r>
               <a:rPr lang="en-US" dirty="0" smtClean="0"/>
-              <a:t>Observables are what events really should be:</a:t>
-            </a:r>
-          </a:p>
-          <a:p>
-            <a:pPr marL="171450" indent="-171450">
-              <a:buFont typeface="Arial" panose="020B0604020202020204" pitchFamily="34" charset="0"/>
-              <a:buChar char="•"/>
-            </a:pPr>
-            <a:r>
-              <a:rPr lang="en-US" dirty="0" smtClean="0"/>
-              <a:t>Clean,</a:t>
+              <a:t>Blocks</a:t>
             </a:r>
             <a:r>
               <a:rPr lang="en-US" baseline="0" dirty="0" smtClean="0"/>
-              <a:t> disposable subscriptions.</a:t>
-            </a:r>
-          </a:p>
-          <a:p>
-            <a:pPr marL="171450" indent="-171450">
-              <a:buFont typeface="Arial" panose="020B0604020202020204" pitchFamily="34" charset="0"/>
-              <a:buChar char="•"/>
-            </a:pPr>
-            <a:r>
-              <a:rPr lang="en-US" baseline="0" dirty="0" smtClean="0"/>
-              <a:t>Well-defined threading semantics (e.g., no EBAP necessary) including shutdown semantics (unsolvable problem for raw events).</a:t>
-            </a:r>
-            <a:endParaRPr lang="en-US" dirty="0" smtClean="0"/>
-          </a:p>
-          <a:p>
-            <a:endParaRPr lang="en-US" dirty="0" smtClean="0"/>
-          </a:p>
-          <a:p>
-            <a:r>
-              <a:rPr lang="en-US" dirty="0" smtClean="0"/>
-              <a:t>The </a:t>
-            </a:r>
-            <a:r>
-              <a:rPr lang="en-US" dirty="0" smtClean="0"/>
-              <a:t>Rx Scheduler abstraction is used in unit testing.</a:t>
-            </a:r>
-          </a:p>
-          <a:p>
-            <a:r>
-              <a:rPr lang="en-US" dirty="0" smtClean="0"/>
-              <a:t>All of Rx was designed to be unit testable.</a:t>
-            </a:r>
-            <a:r>
-              <a:rPr lang="en-US" baseline="0" dirty="0" smtClean="0"/>
-              <a:t> Testing FTW!</a:t>
+              <a:t> are very independent by default.</a:t>
             </a:r>
             <a:endParaRPr lang="en-US" dirty="0"/>
           </a:p>
@@ -2398,7 +2625,7 @@
           <a:p>
             <a:fld id="{94CE3395-F8FF-4336-B2AA-E15575B990E7}" type="slidenum">
               <a:rPr lang="en-US" smtClean="0"/>
-              <a:t>30</a:t>
+              <a:t>28</a:t>
             </a:fld>
             <a:endParaRPr lang="en-US" dirty="0"/>
           </a:p>
@@ -2407,7 +2634,7 @@
     </p:spTree>
     <p:extLst>
       <p:ext uri="{BB962C8B-B14F-4D97-AF65-F5344CB8AC3E}">
-        <p14:creationId xmlns:p14="http://schemas.microsoft.com/office/powerpoint/2010/main" val="194457369"/>
+        <p14:creationId xmlns:p14="http://schemas.microsoft.com/office/powerpoint/2010/main" val="572396235"/>
       </p:ext>
     </p:extLst>
   </p:cSld>
@@ -2463,42 +2690,55 @@
           <a:p>
             <a:r>
               <a:rPr lang="en-US" dirty="0" smtClean="0"/>
-              <a:t>Rx </a:t>
-            </a:r>
-            <a:r>
-              <a:rPr lang="en-US" i="1" dirty="0" smtClean="0"/>
-              <a:t>really</a:t>
-            </a:r>
-            <a:r>
-              <a:rPr lang="en-US" dirty="0" smtClean="0"/>
-              <a:t> shines when it comes to </a:t>
-            </a:r>
-            <a:r>
-              <a:rPr lang="en-US" i="1" dirty="0" smtClean="0"/>
-              <a:t>time!</a:t>
-            </a:r>
-          </a:p>
-          <a:p>
-            <a:endParaRPr lang="en-US" dirty="0" smtClean="0"/>
-          </a:p>
-          <a:p>
-            <a:r>
-              <a:rPr lang="en-US" dirty="0" smtClean="0"/>
-              <a:t>Throttle</a:t>
-            </a:r>
-            <a:r>
-              <a:rPr lang="en-US" dirty="0" smtClean="0"/>
-              <a:t>: When an incoming event arrives, it resets the timeout window. When the timeout window expires, it publishes the last event value that arrived within the window.</a:t>
-            </a:r>
-          </a:p>
-          <a:p>
-            <a:endParaRPr lang="en-US" dirty="0" smtClean="0"/>
-          </a:p>
-          <a:p>
-            <a:r>
-              <a:rPr lang="en-US" dirty="0" smtClean="0"/>
-              <a:t>Sample: Establishes a timeout period, and publishes the most recent value within that window each time the timeout expires. If there were no values received within the sample period, then no results are published for that period.</a:t>
-            </a:r>
+              <a:t>“Fork” blocks include </a:t>
+            </a:r>
+            <a:r>
+              <a:rPr lang="en-US" dirty="0" err="1" smtClean="0"/>
+              <a:t>BroadcastBlock</a:t>
+            </a:r>
+            <a:r>
+              <a:rPr lang="en-US" baseline="0" dirty="0" smtClean="0"/>
+              <a:t> and </a:t>
+            </a:r>
+            <a:r>
+              <a:rPr lang="en-US" baseline="0" dirty="0" err="1" smtClean="0"/>
+              <a:t>WriteOnceBlock</a:t>
+            </a:r>
+            <a:r>
+              <a:rPr lang="en-US" baseline="0" dirty="0" smtClean="0"/>
+              <a:t>.</a:t>
+            </a:r>
+          </a:p>
+          <a:p>
+            <a:r>
+              <a:rPr lang="en-US" baseline="0" dirty="0" smtClean="0"/>
+              <a:t>“Join” blocks include </a:t>
+            </a:r>
+            <a:r>
+              <a:rPr lang="en-US" baseline="0" dirty="0" err="1" smtClean="0"/>
+              <a:t>BatchBlock</a:t>
+            </a:r>
+            <a:r>
+              <a:rPr lang="en-US" baseline="0" dirty="0" smtClean="0"/>
+              <a:t>, </a:t>
+            </a:r>
+            <a:r>
+              <a:rPr lang="en-US" baseline="0" dirty="0" err="1" smtClean="0"/>
+              <a:t>JoinBlock</a:t>
+            </a:r>
+            <a:r>
+              <a:rPr lang="en-US" baseline="0" dirty="0" smtClean="0"/>
+              <a:t>, </a:t>
+            </a:r>
+            <a:r>
+              <a:rPr lang="en-US" baseline="0" dirty="0" err="1" smtClean="0"/>
+              <a:t>BatchedJoinBlock</a:t>
+            </a:r>
+            <a:r>
+              <a:rPr lang="en-US" baseline="0" dirty="0" smtClean="0"/>
+              <a:t>.</a:t>
+            </a:r>
+            <a:endParaRPr lang="en-US" dirty="0"/>
           </a:p>
         </p:txBody>
       </p:sp>
@@ -2519,7 +2759,7 @@
           <a:p>
             <a:fld id="{94CE3395-F8FF-4336-B2AA-E15575B990E7}" type="slidenum">
               <a:rPr lang="en-US" smtClean="0"/>
-              <a:t>31</a:t>
+              <a:t>29</a:t>
             </a:fld>
             <a:endParaRPr lang="en-US" dirty="0"/>
           </a:p>
@@ -2528,7 +2768,7 @@
     </p:spTree>
     <p:extLst>
       <p:ext uri="{BB962C8B-B14F-4D97-AF65-F5344CB8AC3E}">
-        <p14:creationId xmlns:p14="http://schemas.microsoft.com/office/powerpoint/2010/main" val="3149371432"/>
+        <p14:creationId xmlns:p14="http://schemas.microsoft.com/office/powerpoint/2010/main" val="1214782443"/>
       </p:ext>
     </p:extLst>
   </p:cSld>
@@ -2583,18 +2823,45 @@
           <a:lstStyle/>
           <a:p>
             <a:r>
-              <a:rPr lang="en-US" dirty="0" err="1" smtClean="0"/>
-              <a:t>cKcP</a:t>
-            </a:r>
-            <a:r>
               <a:rPr lang="en-US" dirty="0" smtClean="0"/>
-              <a:t>, </a:t>
-            </a:r>
-            <a:r>
-              <a:rPr lang="en-US" dirty="0" err="1" smtClean="0"/>
-              <a:t>cKcN</a:t>
-            </a:r>
-            <a:endParaRPr lang="en-US" dirty="0"/>
+              <a:t>Call Complete() on the </a:t>
+            </a:r>
+            <a:r>
+              <a:rPr lang="en-US" i="1" dirty="0" smtClean="0"/>
+              <a:t>first input </a:t>
+            </a:r>
+            <a:r>
+              <a:rPr lang="en-US" dirty="0" smtClean="0"/>
+              <a:t>block when you’re done sending data.</a:t>
+            </a:r>
+          </a:p>
+          <a:p>
+            <a:r>
+              <a:rPr lang="en-US" dirty="0" smtClean="0"/>
+              <a:t>Wait for the</a:t>
+            </a:r>
+            <a:r>
+              <a:rPr lang="en-US" baseline="0" dirty="0" smtClean="0"/>
+              <a:t> Completion task on the </a:t>
+            </a:r>
+            <a:r>
+              <a:rPr lang="en-US" i="1" baseline="0" dirty="0" smtClean="0"/>
+              <a:t>last output </a:t>
+            </a:r>
+            <a:r>
+              <a:rPr lang="en-US" baseline="0" dirty="0" smtClean="0"/>
+              <a:t>block to ensure it’s all done.</a:t>
+            </a:r>
+          </a:p>
+          <a:p>
+            <a:endParaRPr lang="en-US" baseline="0" dirty="0" smtClean="0"/>
+          </a:p>
+          <a:p>
+            <a:r>
+              <a:rPr lang="en-US" b="1" baseline="0" dirty="0" smtClean="0"/>
+              <a:t>Another demo!</a:t>
+            </a:r>
+            <a:endParaRPr lang="en-US" b="1" dirty="0"/>
           </a:p>
         </p:txBody>
       </p:sp>
@@ -2615,7 +2882,7 @@
           <a:p>
             <a:fld id="{94CE3395-F8FF-4336-B2AA-E15575B990E7}" type="slidenum">
               <a:rPr lang="en-US" smtClean="0"/>
-              <a:t>32</a:t>
+              <a:t>30</a:t>
             </a:fld>
             <a:endParaRPr lang="en-US" dirty="0"/>
           </a:p>
@@ -2624,7 +2891,7 @@
     </p:spTree>
     <p:extLst>
       <p:ext uri="{BB962C8B-B14F-4D97-AF65-F5344CB8AC3E}">
-        <p14:creationId xmlns:p14="http://schemas.microsoft.com/office/powerpoint/2010/main" val="491771487"/>
+        <p14:creationId xmlns:p14="http://schemas.microsoft.com/office/powerpoint/2010/main" val="1980140171"/>
       </p:ext>
     </p:extLst>
   </p:cSld>
@@ -2699,7 +2966,7 @@
           <a:p>
             <a:fld id="{94CE3395-F8FF-4336-B2AA-E15575B990E7}" type="slidenum">
               <a:rPr lang="en-US" smtClean="0"/>
-              <a:t>33</a:t>
+              <a:t>32</a:t>
             </a:fld>
             <a:endParaRPr lang="en-US" dirty="0"/>
           </a:p>
@@ -2708,7 +2975,7 @@
     </p:spTree>
     <p:extLst>
       <p:ext uri="{BB962C8B-B14F-4D97-AF65-F5344CB8AC3E}">
-        <p14:creationId xmlns:p14="http://schemas.microsoft.com/office/powerpoint/2010/main" val="1696150676"/>
+        <p14:creationId xmlns:p14="http://schemas.microsoft.com/office/powerpoint/2010/main" val="603719157"/>
       </p:ext>
     </p:extLst>
   </p:cSld>
@@ -2762,61 +3029,15 @@
           <a:bodyPr/>
           <a:lstStyle/>
           <a:p>
-            <a:pPr marL="171450" indent="-171450">
-              <a:buFont typeface="Arial" panose="020B0604020202020204" pitchFamily="34" charset="0"/>
-              <a:buChar char="•"/>
-            </a:pPr>
             <a:r>
               <a:rPr lang="en-US" dirty="0" smtClean="0"/>
-              <a:t>Is it</a:t>
+              <a:t>Feels like an uphill</a:t>
             </a:r>
             <a:r>
               <a:rPr lang="en-US" baseline="0" dirty="0" smtClean="0"/>
-              <a:t> CPU-bound (vs. I/O-bound or blocking)? Yes: </a:t>
-            </a:r>
-            <a:r>
-              <a:rPr lang="en-US" baseline="0" dirty="0" smtClean="0"/>
-              <a:t>Execute directly, </a:t>
-            </a:r>
-            <a:r>
-              <a:rPr lang="en-US" baseline="0" dirty="0" err="1" smtClean="0"/>
-              <a:t>Task.Run</a:t>
-            </a:r>
-            <a:r>
-              <a:rPr lang="en-US" baseline="0" dirty="0" smtClean="0"/>
-              <a:t>, or Parallel</a:t>
-            </a:r>
-            <a:r>
-              <a:rPr lang="en-US" baseline="0" dirty="0" smtClean="0"/>
-              <a:t>.</a:t>
-            </a:r>
-          </a:p>
-          <a:p>
-            <a:pPr marL="171450" indent="-171450">
-              <a:buFont typeface="Arial" panose="020B0604020202020204" pitchFamily="34" charset="0"/>
-              <a:buChar char="•"/>
-            </a:pPr>
-            <a:r>
-              <a:rPr lang="en-US" baseline="0" dirty="0" smtClean="0"/>
-              <a:t>Is </a:t>
-            </a:r>
-            <a:r>
-              <a:rPr lang="en-US" baseline="0" dirty="0" smtClean="0"/>
-              <a:t>it pull (start with </a:t>
-            </a:r>
-            <a:r>
-              <a:rPr lang="en-US" baseline="0" dirty="0" smtClean="0"/>
-              <a:t>completion, single result) </a:t>
-            </a:r>
-            <a:r>
-              <a:rPr lang="en-US" baseline="0" dirty="0" smtClean="0"/>
-              <a:t>or push (subscribe and receive updates)? Pull: Asynchronous. Push: Reactive</a:t>
-            </a:r>
-            <a:r>
-              <a:rPr lang="en-US" baseline="0" dirty="0" smtClean="0"/>
-              <a:t>.</a:t>
-            </a:r>
-            <a:endParaRPr lang="en-US" baseline="0" dirty="0" smtClean="0"/>
+              <a:t> climb.</a:t>
+            </a:r>
+            <a:endParaRPr lang="en-US" dirty="0"/>
           </a:p>
         </p:txBody>
       </p:sp>
@@ -2837,7 +3058,7 @@
           <a:p>
             <a:fld id="{94CE3395-F8FF-4336-B2AA-E15575B990E7}" type="slidenum">
               <a:rPr lang="en-US" smtClean="0"/>
-              <a:t>37</a:t>
+              <a:t>33</a:t>
             </a:fld>
             <a:endParaRPr lang="en-US" dirty="0"/>
           </a:p>
@@ -2846,7 +3067,7 @@
     </p:spTree>
     <p:extLst>
       <p:ext uri="{BB962C8B-B14F-4D97-AF65-F5344CB8AC3E}">
-        <p14:creationId xmlns:p14="http://schemas.microsoft.com/office/powerpoint/2010/main" val="3854500900"/>
+        <p14:creationId xmlns:p14="http://schemas.microsoft.com/office/powerpoint/2010/main" val="2287262343"/>
       </p:ext>
     </p:extLst>
   </p:cSld>
@@ -2902,11 +3123,44 @@
           <a:p>
             <a:r>
               <a:rPr lang="en-US" dirty="0" smtClean="0"/>
-              <a:t>The</a:t>
+              <a:t>Rx treats events as a </a:t>
+            </a:r>
+            <a:r>
+              <a:rPr lang="en-US" i="1" dirty="0" smtClean="0"/>
+              <a:t>data</a:t>
+            </a:r>
+            <a:r>
+              <a:rPr lang="en-US" dirty="0" smtClean="0"/>
+              <a:t> source.</a:t>
+            </a:r>
+          </a:p>
+          <a:p>
+            <a:endParaRPr lang="en-US" dirty="0" smtClean="0"/>
+          </a:p>
+          <a:p>
+            <a:r>
+              <a:rPr lang="en-US" dirty="0" smtClean="0"/>
+              <a:t>The standard</a:t>
             </a:r>
             <a:r>
               <a:rPr lang="en-US" baseline="0" dirty="0" smtClean="0"/>
-              <a:t> slides will be available for download tonight from my blog (blog.stephencleary.com).</a:t>
+              <a:t> </a:t>
+            </a:r>
+            <a:r>
+              <a:rPr lang="en-US" baseline="0" dirty="0" err="1" smtClean="0"/>
+              <a:t>IEnumerable</a:t>
+            </a:r>
+            <a:r>
+              <a:rPr lang="en-US" baseline="0" dirty="0" smtClean="0"/>
+              <a:t> is a Pull system; the </a:t>
+            </a:r>
+            <a:r>
+              <a:rPr lang="en-US" baseline="0" dirty="0" err="1" smtClean="0"/>
+              <a:t>foreach</a:t>
+            </a:r>
+            <a:r>
+              <a:rPr lang="en-US" baseline="0" dirty="0" smtClean="0"/>
+              <a:t> loop pulls each data item out of the sequence.</a:t>
             </a:r>
           </a:p>
           <a:p>
@@ -2915,7 +3169,7 @@
           <a:p>
             <a:r>
               <a:rPr lang="en-US" baseline="0" dirty="0" smtClean="0"/>
-              <a:t>Samples download includes both examples from my Parallel demo.</a:t>
+              <a:t>Observables are a Push system; the system reacts to the data items as they arrive.</a:t>
             </a:r>
             <a:endParaRPr lang="en-US" dirty="0"/>
           </a:p>
@@ -2938,7 +3192,7 @@
           <a:p>
             <a:fld id="{94CE3395-F8FF-4336-B2AA-E15575B990E7}" type="slidenum">
               <a:rPr lang="en-US" smtClean="0"/>
-              <a:t>39</a:t>
+              <a:t>34</a:t>
             </a:fld>
             <a:endParaRPr lang="en-US" dirty="0"/>
           </a:p>
@@ -2947,7 +3201,7 @@
     </p:spTree>
     <p:extLst>
       <p:ext uri="{BB962C8B-B14F-4D97-AF65-F5344CB8AC3E}">
-        <p14:creationId xmlns:p14="http://schemas.microsoft.com/office/powerpoint/2010/main" val="719321554"/>
+        <p14:creationId xmlns:p14="http://schemas.microsoft.com/office/powerpoint/2010/main" val="2270392975"/>
       </p:ext>
     </p:extLst>
   </p:cSld>
@@ -3003,15 +3257,20 @@
           <a:p>
             <a:r>
               <a:rPr lang="en-US" dirty="0" smtClean="0"/>
-              <a:t>My </a:t>
-            </a:r>
-            <a:r>
-              <a:rPr lang="en-US" dirty="0" err="1" smtClean="0"/>
-              <a:t>async</a:t>
-            </a:r>
+              <a:t>Cold sequences are like an HTTP request; the subscription causes the request to be sent.</a:t>
+            </a:r>
+          </a:p>
+          <a:p>
+            <a:endParaRPr lang="en-US" dirty="0" smtClean="0"/>
+          </a:p>
+          <a:p>
             <a:r>
               <a:rPr lang="en-US" dirty="0" smtClean="0"/>
-              <a:t> intro contains links to other resources at the bottom.</a:t>
+              <a:t>Hot</a:t>
+            </a:r>
+            <a:r>
+              <a:rPr lang="en-US" baseline="0" dirty="0" smtClean="0"/>
+              <a:t> sequences are like mouse movements; they are always going on, even if no one is subscribed.</a:t>
             </a:r>
             <a:endParaRPr lang="en-US" dirty="0"/>
           </a:p>
@@ -3034,7 +3293,7 @@
           <a:p>
             <a:fld id="{94CE3395-F8FF-4336-B2AA-E15575B990E7}" type="slidenum">
               <a:rPr lang="en-US" smtClean="0"/>
-              <a:t>40</a:t>
+              <a:t>35</a:t>
             </a:fld>
             <a:endParaRPr lang="en-US" dirty="0"/>
           </a:p>
@@ -3043,7 +3302,7 @@
     </p:spTree>
     <p:extLst>
       <p:ext uri="{BB962C8B-B14F-4D97-AF65-F5344CB8AC3E}">
-        <p14:creationId xmlns:p14="http://schemas.microsoft.com/office/powerpoint/2010/main" val="2430811530"/>
+        <p14:creationId xmlns:p14="http://schemas.microsoft.com/office/powerpoint/2010/main" val="2556313944"/>
       </p:ext>
     </p:extLst>
   </p:cSld>
@@ -3099,94 +3358,112 @@
           <a:p>
             <a:r>
               <a:rPr lang="en-US" dirty="0" smtClean="0"/>
-              <a:t>Think in terms of tasks,</a:t>
+              <a:t>This slide</a:t>
             </a:r>
             <a:r>
               <a:rPr lang="en-US" baseline="0" dirty="0" smtClean="0"/>
-              <a:t> not threads. You have one (or many) tasks you need to do.</a:t>
-            </a:r>
-          </a:p>
-          <a:p>
-            <a:endParaRPr lang="en-US" baseline="0" dirty="0" smtClean="0"/>
-          </a:p>
-          <a:p>
+              <a:t> is mostly about terminology, and there’s no definite standard or consensus yet.</a:t>
+            </a:r>
+          </a:p>
+          <a:p>
+            <a:endParaRPr lang="en-US" dirty="0" smtClean="0"/>
+          </a:p>
+          <a:p>
+            <a:pPr marL="171450" indent="-171450">
+              <a:buFont typeface="Arial" panose="020B0604020202020204" pitchFamily="34" charset="0"/>
+              <a:buChar char="•"/>
+            </a:pPr>
+            <a:r>
+              <a:rPr lang="en-US" dirty="0" smtClean="0"/>
+              <a:t>I prefer to use the term “concurrency” for multiple things happening </a:t>
+            </a:r>
+            <a:r>
+              <a:rPr lang="en-US" i="1" dirty="0" smtClean="0"/>
+              <a:t>at the same time</a:t>
+            </a:r>
+            <a:r>
+              <a:rPr lang="en-US" i="0" baseline="0" dirty="0" smtClean="0"/>
+              <a:t> (e.g., DB/UI, ASP.NET server requests)</a:t>
+            </a:r>
+            <a:r>
+              <a:rPr lang="en-US" dirty="0" smtClean="0"/>
+              <a:t>.</a:t>
+            </a:r>
+          </a:p>
+          <a:p>
+            <a:pPr marL="171450" indent="-171450">
+              <a:buFont typeface="Arial" panose="020B0604020202020204" pitchFamily="34" charset="0"/>
+              <a:buChar char="•"/>
+            </a:pPr>
+            <a:r>
+              <a:rPr lang="en-US" dirty="0" smtClean="0"/>
+              <a:t>Multithreading</a:t>
+            </a:r>
             <a:r>
               <a:rPr lang="en-US" baseline="0" dirty="0" smtClean="0"/>
-              <a:t>The </a:t>
-            </a:r>
-            <a:r>
-              <a:rPr lang="en-US" baseline="0" dirty="0" err="1" smtClean="0"/>
-              <a:t>ThreadPool</a:t>
+              <a:t> is one way to get concurrency; e.g., ASP.NET will handle multiple requests on different threads by default.</a:t>
+            </a:r>
+            <a:endParaRPr lang="en-US" dirty="0" smtClean="0"/>
+          </a:p>
+          <a:p>
+            <a:pPr marL="171450" indent="-171450">
+              <a:buFont typeface="Arial" panose="020B0604020202020204" pitchFamily="34" charset="0"/>
+              <a:buChar char="•"/>
+            </a:pPr>
+            <a:r>
+              <a:rPr lang="en-US" dirty="0" smtClean="0"/>
+              <a:t>“Parallelism” is parallel</a:t>
             </a:r>
             <a:r>
               <a:rPr lang="en-US" baseline="0" dirty="0" smtClean="0"/>
-              <a:t> will inject (or remove) threads as necessary, and it has work-stealing queues, heuristics to maximize cache hits per processor, and all kinds of stuff like that.</a:t>
-            </a:r>
-          </a:p>
-          <a:p>
-            <a:endParaRPr lang="en-US" baseline="0" dirty="0" smtClean="0"/>
-          </a:p>
-          <a:p>
+              <a:t> processing, one type of multithreading. E.g.,</a:t>
+            </a:r>
+            <a:r>
+              <a:rPr lang="en-US" dirty="0" smtClean="0"/>
+              <a:t> Parallel LINQ and the Parallel Task Library.</a:t>
+            </a:r>
+          </a:p>
+          <a:p>
+            <a:pPr marL="171450" indent="-171450">
+              <a:buFont typeface="Arial" panose="020B0604020202020204" pitchFamily="34" charset="0"/>
+              <a:buChar char="•"/>
+            </a:pPr>
+            <a:r>
+              <a:rPr lang="en-US" dirty="0" err="1" smtClean="0"/>
+              <a:t>Asynchronicity</a:t>
+            </a:r>
+            <a:r>
+              <a:rPr lang="en-US" dirty="0" smtClean="0"/>
+              <a:t> is a</a:t>
+            </a:r>
             <a:r>
               <a:rPr lang="en-US" baseline="0" dirty="0" smtClean="0"/>
-              <a:t>I have seen five custom thread pools. None of them were necessary, or even as good as the one built-in.</a:t>
+              <a:t> way to get concurrency </a:t>
+            </a:r>
+            <a:r>
+              <a:rPr lang="en-US" i="1" baseline="0" dirty="0" smtClean="0"/>
+              <a:t>without</a:t>
+            </a:r>
+            <a:r>
+              <a:rPr lang="en-US" baseline="0" dirty="0" smtClean="0"/>
+              <a:t> multithreading. “There is no thread”.</a:t>
+            </a:r>
+          </a:p>
+          <a:p>
+            <a:pPr marL="171450" indent="-171450">
+              <a:buFont typeface="Arial" panose="020B0604020202020204" pitchFamily="34" charset="0"/>
+              <a:buChar char="•"/>
+            </a:pPr>
+            <a:r>
+              <a:rPr lang="en-US" baseline="0" dirty="0" smtClean="0"/>
+              <a:t>Multithreading and Parallelism are colored red because you usually don’t want them on ASP.NET.</a:t>
             </a:r>
             <a:br>
               <a:rPr lang="en-US" baseline="0" dirty="0" smtClean="0"/>
             </a:br>
             <a:r>
               <a:rPr lang="en-US" baseline="0" dirty="0" smtClean="0"/>
-              <a:t>Unless your company is in the </a:t>
-            </a:r>
-            <a:r>
-              <a:rPr lang="en-US" i="1" baseline="0" dirty="0" smtClean="0"/>
-              <a:t>business</a:t>
-            </a:r>
-            <a:r>
-              <a:rPr lang="en-US" baseline="0" dirty="0" smtClean="0"/>
-              <a:t> of selling thread pool libraries as a </a:t>
-            </a:r>
-            <a:r>
-              <a:rPr lang="en-US" i="1" baseline="0" dirty="0" smtClean="0"/>
-              <a:t>product</a:t>
-            </a:r>
-            <a:r>
-              <a:rPr lang="en-US" baseline="0" dirty="0" smtClean="0"/>
-              <a:t>, you shouldn’t be writing one.</a:t>
-            </a:r>
-          </a:p>
-          <a:p>
-            <a:endParaRPr lang="en-US" baseline="0" dirty="0" smtClean="0"/>
-          </a:p>
-          <a:p>
-            <a:r>
-              <a:rPr lang="en-US" baseline="0" dirty="0" smtClean="0"/>
-              <a:t>Just TRUST the awesomeness of the built-in thread pool; have faith that it will work. You can always tweak it if you </a:t>
-            </a:r>
-            <a:r>
-              <a:rPr lang="en-US" i="1" baseline="0" dirty="0" smtClean="0"/>
-              <a:t>really</a:t>
-            </a:r>
-            <a:r>
-              <a:rPr lang="en-US" baseline="0" dirty="0" smtClean="0"/>
-              <a:t> need to</a:t>
-            </a:r>
-            <a:r>
-              <a:rPr lang="en-US" baseline="0" dirty="0" smtClean="0"/>
-              <a:t>.</a:t>
-            </a:r>
-          </a:p>
-          <a:p>
-            <a:endParaRPr lang="en-US" baseline="0" dirty="0" smtClean="0"/>
-          </a:p>
-          <a:p>
-            <a:r>
-              <a:rPr lang="en-US" baseline="0" dirty="0" err="1" smtClean="0"/>
-              <a:t>Task.Run</a:t>
-            </a:r>
-            <a:r>
-              <a:rPr lang="en-US" baseline="0" dirty="0" smtClean="0"/>
-              <a:t> – almost the only modern “multithreading” you need.</a:t>
+              <a:t>Instead, embrace the parallelism already provided by the platform (ASP.NET).</a:t>
             </a:r>
             <a:endParaRPr lang="en-US" dirty="0"/>
           </a:p>
@@ -3209,7 +3486,7 @@
           <a:p>
             <a:fld id="{94CE3395-F8FF-4336-B2AA-E15575B990E7}" type="slidenum">
               <a:rPr lang="en-US" smtClean="0"/>
-              <a:t>7</a:t>
+              <a:t>5</a:t>
             </a:fld>
             <a:endParaRPr lang="en-US" dirty="0"/>
           </a:p>
@@ -3218,7 +3495,7 @@
     </p:spTree>
     <p:extLst>
       <p:ext uri="{BB962C8B-B14F-4D97-AF65-F5344CB8AC3E}">
-        <p14:creationId xmlns:p14="http://schemas.microsoft.com/office/powerpoint/2010/main" val="2659835034"/>
+        <p14:creationId xmlns:p14="http://schemas.microsoft.com/office/powerpoint/2010/main" val="1147060992"/>
       </p:ext>
     </p:extLst>
   </p:cSld>
@@ -3273,14 +3550,24 @@
           <a:lstStyle/>
           <a:p>
             <a:r>
-              <a:rPr lang="en-US" dirty="0" smtClean="0"/>
-              <a:t>Resources are available</a:t>
-            </a:r>
-            <a:r>
-              <a:rPr lang="en-US" baseline="0" dirty="0" smtClean="0"/>
-              <a:t> at StephenCleary.com - slides, example code, etc.</a:t>
-            </a:r>
-            <a:endParaRPr lang="en-US" dirty="0"/>
+              <a:rPr lang="en-US" b="0" dirty="0" smtClean="0"/>
+              <a:t>Standard LINQ operators such as Where and</a:t>
+            </a:r>
+            <a:r>
+              <a:rPr lang="en-US" b="0" baseline="0" dirty="0" smtClean="0"/>
+              <a:t> Select work as expected.</a:t>
+            </a:r>
+            <a:endParaRPr lang="en-US" b="0" dirty="0" smtClean="0"/>
+          </a:p>
+          <a:p>
+            <a:endParaRPr lang="en-US" b="1" dirty="0" smtClean="0"/>
+          </a:p>
+          <a:p>
+            <a:r>
+              <a:rPr lang="en-US" b="1" dirty="0" smtClean="0"/>
+              <a:t>Also as a demo!</a:t>
+            </a:r>
+            <a:endParaRPr lang="en-US" b="1" dirty="0"/>
           </a:p>
         </p:txBody>
       </p:sp>
@@ -3301,7 +3588,838 @@
           <a:p>
             <a:fld id="{94CE3395-F8FF-4336-B2AA-E15575B990E7}" type="slidenum">
               <a:rPr lang="en-US" smtClean="0"/>
-              <a:t>41</a:t>
+              <a:t>36</a:t>
+            </a:fld>
+            <a:endParaRPr lang="en-US" dirty="0"/>
+          </a:p>
+        </p:txBody>
+      </p:sp>
+    </p:spTree>
+    <p:extLst>
+      <p:ext uri="{BB962C8B-B14F-4D97-AF65-F5344CB8AC3E}">
+        <p14:creationId xmlns:p14="http://schemas.microsoft.com/office/powerpoint/2010/main" val="2185074788"/>
+      </p:ext>
+    </p:extLst>
+  </p:cSld>
+  <p:clrMapOvr>
+    <a:masterClrMapping/>
+  </p:clrMapOvr>
+</p:notes>
+</file>
+
+<file path=ppt/notesSlides/notesSlide31.xml><?xml version="1.0" encoding="utf-8"?>
+<p:notes xmlns:a="http://schemas.openxmlformats.org/drawingml/2006/main" xmlns:r="http://schemas.openxmlformats.org/officeDocument/2006/relationships" xmlns:p="http://schemas.openxmlformats.org/presentationml/2006/main">
+  <p:cSld>
+    <p:spTree>
+      <p:nvGrpSpPr>
+        <p:cNvPr id="1" name=""/>
+        <p:cNvGrpSpPr/>
+        <p:nvPr/>
+      </p:nvGrpSpPr>
+      <p:grpSpPr>
+        <a:xfrm>
+          <a:off x="0" y="0"/>
+          <a:ext cx="0" cy="0"/>
+          <a:chOff x="0" y="0"/>
+          <a:chExt cx="0" cy="0"/>
+        </a:xfrm>
+      </p:grpSpPr>
+      <p:sp>
+        <p:nvSpPr>
+          <p:cNvPr id="2" name="Slide Image Placeholder 1"/>
+          <p:cNvSpPr>
+            <a:spLocks noGrp="1" noRot="1" noChangeAspect="1"/>
+          </p:cNvSpPr>
+          <p:nvPr>
+            <p:ph type="sldImg"/>
+          </p:nvPr>
+        </p:nvSpPr>
+        <p:spPr/>
+      </p:sp>
+      <p:sp>
+        <p:nvSpPr>
+          <p:cNvPr id="3" name="Notes Placeholder 2"/>
+          <p:cNvSpPr>
+            <a:spLocks noGrp="1"/>
+          </p:cNvSpPr>
+          <p:nvPr>
+            <p:ph type="body" idx="1"/>
+          </p:nvPr>
+        </p:nvSpPr>
+        <p:spPr/>
+        <p:txBody>
+          <a:bodyPr/>
+          <a:lstStyle/>
+          <a:p>
+            <a:r>
+              <a:rPr lang="en-US" dirty="0" smtClean="0"/>
+              <a:t>Observables are what events really should be:</a:t>
+            </a:r>
+          </a:p>
+          <a:p>
+            <a:pPr marL="171450" indent="-171450">
+              <a:buFont typeface="Arial" panose="020B0604020202020204" pitchFamily="34" charset="0"/>
+              <a:buChar char="•"/>
+            </a:pPr>
+            <a:r>
+              <a:rPr lang="en-US" dirty="0" smtClean="0"/>
+              <a:t>Clean,</a:t>
+            </a:r>
+            <a:r>
+              <a:rPr lang="en-US" baseline="0" dirty="0" smtClean="0"/>
+              <a:t> disposable subscriptions.</a:t>
+            </a:r>
+          </a:p>
+          <a:p>
+            <a:pPr marL="171450" indent="-171450">
+              <a:buFont typeface="Arial" panose="020B0604020202020204" pitchFamily="34" charset="0"/>
+              <a:buChar char="•"/>
+            </a:pPr>
+            <a:r>
+              <a:rPr lang="en-US" baseline="0" dirty="0" smtClean="0"/>
+              <a:t>Well-defined threading semantics (e.g., no EBAP necessary) including shutdown semantics (unsolvable problem for raw events).</a:t>
+            </a:r>
+            <a:endParaRPr lang="en-US" dirty="0" smtClean="0"/>
+          </a:p>
+          <a:p>
+            <a:endParaRPr lang="en-US" dirty="0" smtClean="0"/>
+          </a:p>
+          <a:p>
+            <a:r>
+              <a:rPr lang="en-US" dirty="0" smtClean="0"/>
+              <a:t>The Rx Scheduler abstraction is used in unit testing.</a:t>
+            </a:r>
+          </a:p>
+          <a:p>
+            <a:r>
+              <a:rPr lang="en-US" dirty="0" smtClean="0"/>
+              <a:t>All of Rx was designed to be unit testable.</a:t>
+            </a:r>
+            <a:r>
+              <a:rPr lang="en-US" baseline="0" dirty="0" smtClean="0"/>
+              <a:t> Testing FTW!</a:t>
+            </a:r>
+            <a:endParaRPr lang="en-US" dirty="0"/>
+          </a:p>
+        </p:txBody>
+      </p:sp>
+      <p:sp>
+        <p:nvSpPr>
+          <p:cNvPr id="4" name="Slide Number Placeholder 3"/>
+          <p:cNvSpPr>
+            <a:spLocks noGrp="1"/>
+          </p:cNvSpPr>
+          <p:nvPr>
+            <p:ph type="sldNum" sz="quarter" idx="10"/>
+          </p:nvPr>
+        </p:nvSpPr>
+        <p:spPr/>
+        <p:txBody>
+          <a:bodyPr/>
+          <a:lstStyle/>
+          <a:p>
+            <a:fld id="{94CE3395-F8FF-4336-B2AA-E15575B990E7}" type="slidenum">
+              <a:rPr lang="en-US" smtClean="0"/>
+              <a:t>37</a:t>
+            </a:fld>
+            <a:endParaRPr lang="en-US" dirty="0"/>
+          </a:p>
+        </p:txBody>
+      </p:sp>
+    </p:spTree>
+    <p:extLst>
+      <p:ext uri="{BB962C8B-B14F-4D97-AF65-F5344CB8AC3E}">
+        <p14:creationId xmlns:p14="http://schemas.microsoft.com/office/powerpoint/2010/main" val="194457369"/>
+      </p:ext>
+    </p:extLst>
+  </p:cSld>
+  <p:clrMapOvr>
+    <a:masterClrMapping/>
+  </p:clrMapOvr>
+</p:notes>
+</file>
+
+<file path=ppt/notesSlides/notesSlide32.xml><?xml version="1.0" encoding="utf-8"?>
+<p:notes xmlns:a="http://schemas.openxmlformats.org/drawingml/2006/main" xmlns:r="http://schemas.openxmlformats.org/officeDocument/2006/relationships" xmlns:p="http://schemas.openxmlformats.org/presentationml/2006/main">
+  <p:cSld>
+    <p:spTree>
+      <p:nvGrpSpPr>
+        <p:cNvPr id="1" name=""/>
+        <p:cNvGrpSpPr/>
+        <p:nvPr/>
+      </p:nvGrpSpPr>
+      <p:grpSpPr>
+        <a:xfrm>
+          <a:off x="0" y="0"/>
+          <a:ext cx="0" cy="0"/>
+          <a:chOff x="0" y="0"/>
+          <a:chExt cx="0" cy="0"/>
+        </a:xfrm>
+      </p:grpSpPr>
+      <p:sp>
+        <p:nvSpPr>
+          <p:cNvPr id="2" name="Slide Image Placeholder 1"/>
+          <p:cNvSpPr>
+            <a:spLocks noGrp="1" noRot="1" noChangeAspect="1"/>
+          </p:cNvSpPr>
+          <p:nvPr>
+            <p:ph type="sldImg"/>
+          </p:nvPr>
+        </p:nvSpPr>
+        <p:spPr/>
+      </p:sp>
+      <p:sp>
+        <p:nvSpPr>
+          <p:cNvPr id="3" name="Notes Placeholder 2"/>
+          <p:cNvSpPr>
+            <a:spLocks noGrp="1"/>
+          </p:cNvSpPr>
+          <p:nvPr>
+            <p:ph type="body" idx="1"/>
+          </p:nvPr>
+        </p:nvSpPr>
+        <p:spPr/>
+        <p:txBody>
+          <a:bodyPr/>
+          <a:lstStyle/>
+          <a:p>
+            <a:r>
+              <a:rPr lang="en-US" dirty="0" smtClean="0"/>
+              <a:t>Rx </a:t>
+            </a:r>
+            <a:r>
+              <a:rPr lang="en-US" i="1" dirty="0" smtClean="0"/>
+              <a:t>really</a:t>
+            </a:r>
+            <a:r>
+              <a:rPr lang="en-US" dirty="0" smtClean="0"/>
+              <a:t> shines when it comes to </a:t>
+            </a:r>
+            <a:r>
+              <a:rPr lang="en-US" i="1" dirty="0" smtClean="0"/>
+              <a:t>time!</a:t>
+            </a:r>
+          </a:p>
+          <a:p>
+            <a:endParaRPr lang="en-US" dirty="0" smtClean="0"/>
+          </a:p>
+          <a:p>
+            <a:r>
+              <a:rPr lang="en-US" dirty="0" smtClean="0"/>
+              <a:t>Throttle: When an incoming event arrives, it resets the timeout window. When the timeout window expires, it publishes the last event value that arrived within the window.</a:t>
+            </a:r>
+          </a:p>
+          <a:p>
+            <a:endParaRPr lang="en-US" dirty="0" smtClean="0"/>
+          </a:p>
+          <a:p>
+            <a:r>
+              <a:rPr lang="en-US" dirty="0" smtClean="0"/>
+              <a:t>Sample: Establishes a timeout period, and publishes the most recent value within that window each time the timeout expires. If there were no values received within the sample period, then no results are published for that period.</a:t>
+            </a:r>
+          </a:p>
+        </p:txBody>
+      </p:sp>
+      <p:sp>
+        <p:nvSpPr>
+          <p:cNvPr id="4" name="Slide Number Placeholder 3"/>
+          <p:cNvSpPr>
+            <a:spLocks noGrp="1"/>
+          </p:cNvSpPr>
+          <p:nvPr>
+            <p:ph type="sldNum" sz="quarter" idx="10"/>
+          </p:nvPr>
+        </p:nvSpPr>
+        <p:spPr/>
+        <p:txBody>
+          <a:bodyPr/>
+          <a:lstStyle/>
+          <a:p>
+            <a:fld id="{94CE3395-F8FF-4336-B2AA-E15575B990E7}" type="slidenum">
+              <a:rPr lang="en-US" smtClean="0"/>
+              <a:t>38</a:t>
+            </a:fld>
+            <a:endParaRPr lang="en-US" dirty="0"/>
+          </a:p>
+        </p:txBody>
+      </p:sp>
+    </p:spTree>
+    <p:extLst>
+      <p:ext uri="{BB962C8B-B14F-4D97-AF65-F5344CB8AC3E}">
+        <p14:creationId xmlns:p14="http://schemas.microsoft.com/office/powerpoint/2010/main" val="3149371432"/>
+      </p:ext>
+    </p:extLst>
+  </p:cSld>
+  <p:clrMapOvr>
+    <a:masterClrMapping/>
+  </p:clrMapOvr>
+</p:notes>
+</file>
+
+<file path=ppt/notesSlides/notesSlide33.xml><?xml version="1.0" encoding="utf-8"?>
+<p:notes xmlns:a="http://schemas.openxmlformats.org/drawingml/2006/main" xmlns:r="http://schemas.openxmlformats.org/officeDocument/2006/relationships" xmlns:p="http://schemas.openxmlformats.org/presentationml/2006/main">
+  <p:cSld>
+    <p:spTree>
+      <p:nvGrpSpPr>
+        <p:cNvPr id="1" name=""/>
+        <p:cNvGrpSpPr/>
+        <p:nvPr/>
+      </p:nvGrpSpPr>
+      <p:grpSpPr>
+        <a:xfrm>
+          <a:off x="0" y="0"/>
+          <a:ext cx="0" cy="0"/>
+          <a:chOff x="0" y="0"/>
+          <a:chExt cx="0" cy="0"/>
+        </a:xfrm>
+      </p:grpSpPr>
+      <p:sp>
+        <p:nvSpPr>
+          <p:cNvPr id="2" name="Slide Image Placeholder 1"/>
+          <p:cNvSpPr>
+            <a:spLocks noGrp="1" noRot="1" noChangeAspect="1"/>
+          </p:cNvSpPr>
+          <p:nvPr>
+            <p:ph type="sldImg"/>
+          </p:nvPr>
+        </p:nvSpPr>
+        <p:spPr/>
+      </p:sp>
+      <p:sp>
+        <p:nvSpPr>
+          <p:cNvPr id="3" name="Notes Placeholder 2"/>
+          <p:cNvSpPr>
+            <a:spLocks noGrp="1"/>
+          </p:cNvSpPr>
+          <p:nvPr>
+            <p:ph type="body" idx="1"/>
+          </p:nvPr>
+        </p:nvSpPr>
+        <p:spPr/>
+        <p:txBody>
+          <a:bodyPr/>
+          <a:lstStyle/>
+          <a:p>
+            <a:r>
+              <a:rPr lang="en-US" dirty="0" err="1" smtClean="0"/>
+              <a:t>cKcP</a:t>
+            </a:r>
+            <a:r>
+              <a:rPr lang="en-US" dirty="0" smtClean="0"/>
+              <a:t>, </a:t>
+            </a:r>
+            <a:r>
+              <a:rPr lang="en-US" dirty="0" err="1" smtClean="0"/>
+              <a:t>cKcN</a:t>
+            </a:r>
+            <a:endParaRPr lang="en-US" dirty="0"/>
+          </a:p>
+        </p:txBody>
+      </p:sp>
+      <p:sp>
+        <p:nvSpPr>
+          <p:cNvPr id="4" name="Slide Number Placeholder 3"/>
+          <p:cNvSpPr>
+            <a:spLocks noGrp="1"/>
+          </p:cNvSpPr>
+          <p:nvPr>
+            <p:ph type="sldNum" sz="quarter" idx="10"/>
+          </p:nvPr>
+        </p:nvSpPr>
+        <p:spPr/>
+        <p:txBody>
+          <a:bodyPr/>
+          <a:lstStyle/>
+          <a:p>
+            <a:fld id="{94CE3395-F8FF-4336-B2AA-E15575B990E7}" type="slidenum">
+              <a:rPr lang="en-US" smtClean="0"/>
+              <a:t>39</a:t>
+            </a:fld>
+            <a:endParaRPr lang="en-US" dirty="0"/>
+          </a:p>
+        </p:txBody>
+      </p:sp>
+    </p:spTree>
+    <p:extLst>
+      <p:ext uri="{BB962C8B-B14F-4D97-AF65-F5344CB8AC3E}">
+        <p14:creationId xmlns:p14="http://schemas.microsoft.com/office/powerpoint/2010/main" val="491771487"/>
+      </p:ext>
+    </p:extLst>
+  </p:cSld>
+  <p:clrMapOvr>
+    <a:masterClrMapping/>
+  </p:clrMapOvr>
+</p:notes>
+</file>
+
+<file path=ppt/notesSlides/notesSlide34.xml><?xml version="1.0" encoding="utf-8"?>
+<p:notes xmlns:a="http://schemas.openxmlformats.org/drawingml/2006/main" xmlns:r="http://schemas.openxmlformats.org/officeDocument/2006/relationships" xmlns:p="http://schemas.openxmlformats.org/presentationml/2006/main">
+  <p:cSld>
+    <p:spTree>
+      <p:nvGrpSpPr>
+        <p:cNvPr id="1" name=""/>
+        <p:cNvGrpSpPr/>
+        <p:nvPr/>
+      </p:nvGrpSpPr>
+      <p:grpSpPr>
+        <a:xfrm>
+          <a:off x="0" y="0"/>
+          <a:ext cx="0" cy="0"/>
+          <a:chOff x="0" y="0"/>
+          <a:chExt cx="0" cy="0"/>
+        </a:xfrm>
+      </p:grpSpPr>
+      <p:sp>
+        <p:nvSpPr>
+          <p:cNvPr id="2" name="Slide Image Placeholder 1"/>
+          <p:cNvSpPr>
+            <a:spLocks noGrp="1" noRot="1" noChangeAspect="1"/>
+          </p:cNvSpPr>
+          <p:nvPr>
+            <p:ph type="sldImg"/>
+          </p:nvPr>
+        </p:nvSpPr>
+        <p:spPr/>
+      </p:sp>
+      <p:sp>
+        <p:nvSpPr>
+          <p:cNvPr id="3" name="Notes Placeholder 2"/>
+          <p:cNvSpPr>
+            <a:spLocks noGrp="1"/>
+          </p:cNvSpPr>
+          <p:nvPr>
+            <p:ph type="body" idx="1"/>
+          </p:nvPr>
+        </p:nvSpPr>
+        <p:spPr/>
+        <p:txBody>
+          <a:bodyPr/>
+          <a:lstStyle/>
+          <a:p>
+            <a:endParaRPr lang="en-US" dirty="0"/>
+          </a:p>
+        </p:txBody>
+      </p:sp>
+      <p:sp>
+        <p:nvSpPr>
+          <p:cNvPr id="4" name="Slide Number Placeholder 3"/>
+          <p:cNvSpPr>
+            <a:spLocks noGrp="1"/>
+          </p:cNvSpPr>
+          <p:nvPr>
+            <p:ph type="sldNum" sz="quarter" idx="10"/>
+          </p:nvPr>
+        </p:nvSpPr>
+        <p:spPr/>
+        <p:txBody>
+          <a:bodyPr/>
+          <a:lstStyle/>
+          <a:p>
+            <a:fld id="{94CE3395-F8FF-4336-B2AA-E15575B990E7}" type="slidenum">
+              <a:rPr lang="en-US" smtClean="0"/>
+              <a:t>40</a:t>
+            </a:fld>
+            <a:endParaRPr lang="en-US" dirty="0"/>
+          </a:p>
+        </p:txBody>
+      </p:sp>
+    </p:spTree>
+    <p:extLst>
+      <p:ext uri="{BB962C8B-B14F-4D97-AF65-F5344CB8AC3E}">
+        <p14:creationId xmlns:p14="http://schemas.microsoft.com/office/powerpoint/2010/main" val="1696150676"/>
+      </p:ext>
+    </p:extLst>
+  </p:cSld>
+  <p:clrMapOvr>
+    <a:masterClrMapping/>
+  </p:clrMapOvr>
+</p:notes>
+</file>
+
+<file path=ppt/notesSlides/notesSlide35.xml><?xml version="1.0" encoding="utf-8"?>
+<p:notes xmlns:a="http://schemas.openxmlformats.org/drawingml/2006/main" xmlns:r="http://schemas.openxmlformats.org/officeDocument/2006/relationships" xmlns:p="http://schemas.openxmlformats.org/presentationml/2006/main">
+  <p:cSld>
+    <p:spTree>
+      <p:nvGrpSpPr>
+        <p:cNvPr id="1" name=""/>
+        <p:cNvGrpSpPr/>
+        <p:nvPr/>
+      </p:nvGrpSpPr>
+      <p:grpSpPr>
+        <a:xfrm>
+          <a:off x="0" y="0"/>
+          <a:ext cx="0" cy="0"/>
+          <a:chOff x="0" y="0"/>
+          <a:chExt cx="0" cy="0"/>
+        </a:xfrm>
+      </p:grpSpPr>
+      <p:sp>
+        <p:nvSpPr>
+          <p:cNvPr id="2" name="Slide Image Placeholder 1"/>
+          <p:cNvSpPr>
+            <a:spLocks noGrp="1" noRot="1" noChangeAspect="1"/>
+          </p:cNvSpPr>
+          <p:nvPr>
+            <p:ph type="sldImg"/>
+          </p:nvPr>
+        </p:nvSpPr>
+        <p:spPr/>
+      </p:sp>
+      <p:sp>
+        <p:nvSpPr>
+          <p:cNvPr id="3" name="Notes Placeholder 2"/>
+          <p:cNvSpPr>
+            <a:spLocks noGrp="1"/>
+          </p:cNvSpPr>
+          <p:nvPr>
+            <p:ph type="body" idx="1"/>
+          </p:nvPr>
+        </p:nvSpPr>
+        <p:spPr/>
+        <p:txBody>
+          <a:bodyPr/>
+          <a:lstStyle/>
+          <a:p>
+            <a:pPr marL="171450" indent="-171450">
+              <a:buFont typeface="Arial" panose="020B0604020202020204" pitchFamily="34" charset="0"/>
+              <a:buChar char="•"/>
+            </a:pPr>
+            <a:r>
+              <a:rPr lang="en-US" dirty="0" smtClean="0"/>
+              <a:t>Is it</a:t>
+            </a:r>
+            <a:r>
+              <a:rPr lang="en-US" baseline="0" dirty="0" smtClean="0"/>
+              <a:t> CPU-bound (vs. I/O-bound or blocking)? Yes: Execute directly, </a:t>
+            </a:r>
+            <a:r>
+              <a:rPr lang="en-US" baseline="0" dirty="0" err="1" smtClean="0"/>
+              <a:t>Task.Run</a:t>
+            </a:r>
+            <a:r>
+              <a:rPr lang="en-US" baseline="0" dirty="0" smtClean="0"/>
+              <a:t>, or Parallel.</a:t>
+            </a:r>
+          </a:p>
+          <a:p>
+            <a:pPr marL="171450" indent="-171450">
+              <a:buFont typeface="Arial" panose="020B0604020202020204" pitchFamily="34" charset="0"/>
+              <a:buChar char="•"/>
+            </a:pPr>
+            <a:r>
+              <a:rPr lang="en-US" baseline="0" dirty="0" smtClean="0"/>
+              <a:t>Is it pull (start with completion, single result) or push (subscribe and receive updates)? Pull: Asynchronous. Push: Reactive.</a:t>
+            </a:r>
+          </a:p>
+        </p:txBody>
+      </p:sp>
+      <p:sp>
+        <p:nvSpPr>
+          <p:cNvPr id="4" name="Slide Number Placeholder 3"/>
+          <p:cNvSpPr>
+            <a:spLocks noGrp="1"/>
+          </p:cNvSpPr>
+          <p:nvPr>
+            <p:ph type="sldNum" sz="quarter" idx="10"/>
+          </p:nvPr>
+        </p:nvSpPr>
+        <p:spPr/>
+        <p:txBody>
+          <a:bodyPr/>
+          <a:lstStyle/>
+          <a:p>
+            <a:fld id="{94CE3395-F8FF-4336-B2AA-E15575B990E7}" type="slidenum">
+              <a:rPr lang="en-US" smtClean="0"/>
+              <a:t>44</a:t>
+            </a:fld>
+            <a:endParaRPr lang="en-US" dirty="0"/>
+          </a:p>
+        </p:txBody>
+      </p:sp>
+    </p:spTree>
+    <p:extLst>
+      <p:ext uri="{BB962C8B-B14F-4D97-AF65-F5344CB8AC3E}">
+        <p14:creationId xmlns:p14="http://schemas.microsoft.com/office/powerpoint/2010/main" val="3854500900"/>
+      </p:ext>
+    </p:extLst>
+  </p:cSld>
+  <p:clrMapOvr>
+    <a:masterClrMapping/>
+  </p:clrMapOvr>
+</p:notes>
+</file>
+
+<file path=ppt/notesSlides/notesSlide36.xml><?xml version="1.0" encoding="utf-8"?>
+<p:notes xmlns:a="http://schemas.openxmlformats.org/drawingml/2006/main" xmlns:r="http://schemas.openxmlformats.org/officeDocument/2006/relationships" xmlns:p="http://schemas.openxmlformats.org/presentationml/2006/main">
+  <p:cSld>
+    <p:spTree>
+      <p:nvGrpSpPr>
+        <p:cNvPr id="1" name=""/>
+        <p:cNvGrpSpPr/>
+        <p:nvPr/>
+      </p:nvGrpSpPr>
+      <p:grpSpPr>
+        <a:xfrm>
+          <a:off x="0" y="0"/>
+          <a:ext cx="0" cy="0"/>
+          <a:chOff x="0" y="0"/>
+          <a:chExt cx="0" cy="0"/>
+        </a:xfrm>
+      </p:grpSpPr>
+      <p:sp>
+        <p:nvSpPr>
+          <p:cNvPr id="2" name="Slide Image Placeholder 1"/>
+          <p:cNvSpPr>
+            <a:spLocks noGrp="1" noRot="1" noChangeAspect="1"/>
+          </p:cNvSpPr>
+          <p:nvPr>
+            <p:ph type="sldImg"/>
+          </p:nvPr>
+        </p:nvSpPr>
+        <p:spPr/>
+      </p:sp>
+      <p:sp>
+        <p:nvSpPr>
+          <p:cNvPr id="3" name="Notes Placeholder 2"/>
+          <p:cNvSpPr>
+            <a:spLocks noGrp="1"/>
+          </p:cNvSpPr>
+          <p:nvPr>
+            <p:ph type="body" idx="1"/>
+          </p:nvPr>
+        </p:nvSpPr>
+        <p:spPr/>
+        <p:txBody>
+          <a:bodyPr/>
+          <a:lstStyle/>
+          <a:p>
+            <a:r>
+              <a:rPr lang="en-US" dirty="0" smtClean="0"/>
+              <a:t>The</a:t>
+            </a:r>
+            <a:r>
+              <a:rPr lang="en-US" baseline="0" dirty="0" smtClean="0"/>
+              <a:t> slides will be available for download tonight from my blog (blog.stephencleary.com).</a:t>
+            </a:r>
+          </a:p>
+          <a:p>
+            <a:endParaRPr lang="en-US" baseline="0" dirty="0" smtClean="0"/>
+          </a:p>
+          <a:p>
+            <a:r>
+              <a:rPr lang="en-US" baseline="0" dirty="0" smtClean="0"/>
+              <a:t>Samples download includes both examples from my Parallel demo.</a:t>
+            </a:r>
+            <a:endParaRPr lang="en-US" dirty="0"/>
+          </a:p>
+        </p:txBody>
+      </p:sp>
+      <p:sp>
+        <p:nvSpPr>
+          <p:cNvPr id="4" name="Slide Number Placeholder 3"/>
+          <p:cNvSpPr>
+            <a:spLocks noGrp="1"/>
+          </p:cNvSpPr>
+          <p:nvPr>
+            <p:ph type="sldNum" sz="quarter" idx="10"/>
+          </p:nvPr>
+        </p:nvSpPr>
+        <p:spPr/>
+        <p:txBody>
+          <a:bodyPr/>
+          <a:lstStyle/>
+          <a:p>
+            <a:fld id="{94CE3395-F8FF-4336-B2AA-E15575B990E7}" type="slidenum">
+              <a:rPr lang="en-US" smtClean="0"/>
+              <a:t>46</a:t>
+            </a:fld>
+            <a:endParaRPr lang="en-US" dirty="0"/>
+          </a:p>
+        </p:txBody>
+      </p:sp>
+    </p:spTree>
+    <p:extLst>
+      <p:ext uri="{BB962C8B-B14F-4D97-AF65-F5344CB8AC3E}">
+        <p14:creationId xmlns:p14="http://schemas.microsoft.com/office/powerpoint/2010/main" val="719321554"/>
+      </p:ext>
+    </p:extLst>
+  </p:cSld>
+  <p:clrMapOvr>
+    <a:masterClrMapping/>
+  </p:clrMapOvr>
+</p:notes>
+</file>
+
+<file path=ppt/notesSlides/notesSlide37.xml><?xml version="1.0" encoding="utf-8"?>
+<p:notes xmlns:a="http://schemas.openxmlformats.org/drawingml/2006/main" xmlns:r="http://schemas.openxmlformats.org/officeDocument/2006/relationships" xmlns:p="http://schemas.openxmlformats.org/presentationml/2006/main">
+  <p:cSld>
+    <p:spTree>
+      <p:nvGrpSpPr>
+        <p:cNvPr id="1" name=""/>
+        <p:cNvGrpSpPr/>
+        <p:nvPr/>
+      </p:nvGrpSpPr>
+      <p:grpSpPr>
+        <a:xfrm>
+          <a:off x="0" y="0"/>
+          <a:ext cx="0" cy="0"/>
+          <a:chOff x="0" y="0"/>
+          <a:chExt cx="0" cy="0"/>
+        </a:xfrm>
+      </p:grpSpPr>
+      <p:sp>
+        <p:nvSpPr>
+          <p:cNvPr id="2" name="Slide Image Placeholder 1"/>
+          <p:cNvSpPr>
+            <a:spLocks noGrp="1" noRot="1" noChangeAspect="1"/>
+          </p:cNvSpPr>
+          <p:nvPr>
+            <p:ph type="sldImg"/>
+          </p:nvPr>
+        </p:nvSpPr>
+        <p:spPr/>
+      </p:sp>
+      <p:sp>
+        <p:nvSpPr>
+          <p:cNvPr id="3" name="Notes Placeholder 2"/>
+          <p:cNvSpPr>
+            <a:spLocks noGrp="1"/>
+          </p:cNvSpPr>
+          <p:nvPr>
+            <p:ph type="body" idx="1"/>
+          </p:nvPr>
+        </p:nvSpPr>
+        <p:spPr/>
+        <p:txBody>
+          <a:bodyPr/>
+          <a:lstStyle/>
+          <a:p>
+            <a:r>
+              <a:rPr lang="en-US" dirty="0" smtClean="0"/>
+              <a:t>My </a:t>
+            </a:r>
+            <a:r>
+              <a:rPr lang="en-US" dirty="0" err="1" smtClean="0"/>
+              <a:t>async</a:t>
+            </a:r>
+            <a:r>
+              <a:rPr lang="en-US" dirty="0" smtClean="0"/>
+              <a:t> intro contains links to other resources at the bottom.</a:t>
+            </a:r>
+            <a:endParaRPr lang="en-US" dirty="0"/>
+          </a:p>
+        </p:txBody>
+      </p:sp>
+      <p:sp>
+        <p:nvSpPr>
+          <p:cNvPr id="4" name="Slide Number Placeholder 3"/>
+          <p:cNvSpPr>
+            <a:spLocks noGrp="1"/>
+          </p:cNvSpPr>
+          <p:nvPr>
+            <p:ph type="sldNum" sz="quarter" idx="10"/>
+          </p:nvPr>
+        </p:nvSpPr>
+        <p:spPr/>
+        <p:txBody>
+          <a:bodyPr/>
+          <a:lstStyle/>
+          <a:p>
+            <a:fld id="{94CE3395-F8FF-4336-B2AA-E15575B990E7}" type="slidenum">
+              <a:rPr lang="en-US" smtClean="0"/>
+              <a:t>47</a:t>
+            </a:fld>
+            <a:endParaRPr lang="en-US" dirty="0"/>
+          </a:p>
+        </p:txBody>
+      </p:sp>
+    </p:spTree>
+    <p:extLst>
+      <p:ext uri="{BB962C8B-B14F-4D97-AF65-F5344CB8AC3E}">
+        <p14:creationId xmlns:p14="http://schemas.microsoft.com/office/powerpoint/2010/main" val="2430811530"/>
+      </p:ext>
+    </p:extLst>
+  </p:cSld>
+  <p:clrMapOvr>
+    <a:masterClrMapping/>
+  </p:clrMapOvr>
+</p:notes>
+</file>
+
+<file path=ppt/notesSlides/notesSlide38.xml><?xml version="1.0" encoding="utf-8"?>
+<p:notes xmlns:a="http://schemas.openxmlformats.org/drawingml/2006/main" xmlns:r="http://schemas.openxmlformats.org/officeDocument/2006/relationships" xmlns:p="http://schemas.openxmlformats.org/presentationml/2006/main">
+  <p:cSld>
+    <p:spTree>
+      <p:nvGrpSpPr>
+        <p:cNvPr id="1" name=""/>
+        <p:cNvGrpSpPr/>
+        <p:nvPr/>
+      </p:nvGrpSpPr>
+      <p:grpSpPr>
+        <a:xfrm>
+          <a:off x="0" y="0"/>
+          <a:ext cx="0" cy="0"/>
+          <a:chOff x="0" y="0"/>
+          <a:chExt cx="0" cy="0"/>
+        </a:xfrm>
+      </p:grpSpPr>
+      <p:sp>
+        <p:nvSpPr>
+          <p:cNvPr id="2" name="Slide Image Placeholder 1"/>
+          <p:cNvSpPr>
+            <a:spLocks noGrp="1" noRot="1" noChangeAspect="1"/>
+          </p:cNvSpPr>
+          <p:nvPr>
+            <p:ph type="sldImg"/>
+          </p:nvPr>
+        </p:nvSpPr>
+        <p:spPr/>
+      </p:sp>
+      <p:sp>
+        <p:nvSpPr>
+          <p:cNvPr id="3" name="Notes Placeholder 2"/>
+          <p:cNvSpPr>
+            <a:spLocks noGrp="1"/>
+          </p:cNvSpPr>
+          <p:nvPr>
+            <p:ph type="body" idx="1"/>
+          </p:nvPr>
+        </p:nvSpPr>
+        <p:spPr/>
+        <p:txBody>
+          <a:bodyPr/>
+          <a:lstStyle/>
+          <a:p>
+            <a:r>
+              <a:rPr lang="en-US" dirty="0" smtClean="0"/>
+              <a:t>Resources are available</a:t>
+            </a:r>
+            <a:r>
+              <a:rPr lang="en-US" baseline="0" dirty="0" smtClean="0"/>
+              <a:t> at StephenCleary.com - slides, example code, etc.</a:t>
+            </a:r>
+            <a:endParaRPr lang="en-US" dirty="0"/>
+          </a:p>
+        </p:txBody>
+      </p:sp>
+      <p:sp>
+        <p:nvSpPr>
+          <p:cNvPr id="4" name="Slide Number Placeholder 3"/>
+          <p:cNvSpPr>
+            <a:spLocks noGrp="1"/>
+          </p:cNvSpPr>
+          <p:nvPr>
+            <p:ph type="sldNum" sz="quarter" idx="10"/>
+          </p:nvPr>
+        </p:nvSpPr>
+        <p:spPr/>
+        <p:txBody>
+          <a:bodyPr/>
+          <a:lstStyle/>
+          <a:p>
+            <a:fld id="{94CE3395-F8FF-4336-B2AA-E15575B990E7}" type="slidenum">
+              <a:rPr lang="en-US" smtClean="0"/>
+              <a:t>48</a:t>
             </a:fld>
             <a:endParaRPr lang="en-US" dirty="0"/>
           </a:p>
@@ -3366,19 +4484,60 @@
           <a:p>
             <a:r>
               <a:rPr lang="en-US" dirty="0" smtClean="0"/>
-              <a:t>Parallel programming is a way to abstract even further and – if possible – let a</a:t>
+              <a:t>Think in terms of tasks,</a:t>
             </a:r>
             <a:r>
               <a:rPr lang="en-US" baseline="0" dirty="0" smtClean="0"/>
-              <a:t> library create the </a:t>
+              <a:t> not threads. You have one (or many) tasks you need to do.</a:t>
+            </a:r>
+          </a:p>
+          <a:p>
+            <a:endParaRPr lang="en-US" baseline="0" dirty="0" smtClean="0"/>
+          </a:p>
+          <a:p>
+            <a:r>
+              <a:rPr lang="en-US" baseline="0" dirty="0" smtClean="0"/>
+              <a:t>The </a:t>
+            </a:r>
+            <a:r>
+              <a:rPr lang="en-US" baseline="0" dirty="0" err="1" smtClean="0"/>
+              <a:t>ThreadPool</a:t>
+            </a:r>
+            <a:r>
+              <a:rPr lang="en-US" baseline="0" dirty="0" smtClean="0"/>
+              <a:t> will inject (or remove) threads as necessary, and it has work-stealing queues, heuristics to maximize cache hits per processor, and all kinds of stuff like that.</a:t>
+            </a:r>
+          </a:p>
+          <a:p>
+            <a:endParaRPr lang="en-US" baseline="0" dirty="0" smtClean="0"/>
+          </a:p>
+          <a:p>
+            <a:r>
+              <a:rPr lang="en-US" baseline="0" dirty="0" smtClean="0"/>
+              <a:t>I have seen five custom thread pools. None of them were necessary, or even as good as the one built-in.</a:t>
+            </a:r>
+            <a:br>
+              <a:rPr lang="en-US" baseline="0" dirty="0" smtClean="0"/>
+            </a:br>
+            <a:r>
+              <a:rPr lang="en-US" baseline="0" dirty="0" smtClean="0"/>
+              <a:t>Unless your company is in the </a:t>
             </a:r>
             <a:r>
               <a:rPr lang="en-US" i="1" baseline="0" dirty="0" smtClean="0"/>
-              <a:t>tasks</a:t>
+              <a:t>business</a:t>
             </a:r>
             <a:r>
               <a:rPr lang="en-US" baseline="0" dirty="0" smtClean="0"/>
-              <a:t> for you.</a:t>
+              <a:t> of selling thread pool libraries as a </a:t>
+            </a:r>
+            <a:r>
+              <a:rPr lang="en-US" i="1" baseline="0" dirty="0" smtClean="0"/>
+              <a:t>product</a:t>
+            </a:r>
+            <a:r>
+              <a:rPr lang="en-US" baseline="0" dirty="0" smtClean="0"/>
+              <a:t>, you shouldn’t be writing one.</a:t>
             </a:r>
           </a:p>
           <a:p>
@@ -3387,7 +4546,15 @@
           <a:p>
             <a:r>
               <a:rPr lang="en-US" baseline="0" dirty="0" smtClean="0"/>
-              <a:t>All operations should be Independent (as much as possible). Refactor to remove shared data. Use locks as a last resort.</a:t>
+              <a:t>Just TRUST the awesomeness of the built-in thread pool; have faith that it will work. You can always tweak it if you </a:t>
+            </a:r>
+            <a:r>
+              <a:rPr lang="en-US" i="1" baseline="0" dirty="0" smtClean="0"/>
+              <a:t>really</a:t>
+            </a:r>
+            <a:r>
+              <a:rPr lang="en-US" baseline="0" dirty="0" smtClean="0"/>
+              <a:t> need to.</a:t>
             </a:r>
           </a:p>
           <a:p>
@@ -3395,8 +4562,12 @@
           </a:p>
           <a:p>
             <a:r>
+              <a:rPr lang="en-US" baseline="0" dirty="0" err="1" smtClean="0"/>
+              <a:t>Task.Run</a:t>
+            </a:r>
+            <a:r>
               <a:rPr lang="en-US" baseline="0" dirty="0" smtClean="0"/>
-              <a:t>You could consider Dynamic Parallelism as a form of Task Parallelism.</a:t>
+              <a:t> – almost the only modern “multithreading” you need.</a:t>
             </a:r>
             <a:endParaRPr lang="en-US" dirty="0"/>
           </a:p>
@@ -3419,7 +4590,7 @@
           <a:p>
             <a:fld id="{94CE3395-F8FF-4336-B2AA-E15575B990E7}" type="slidenum">
               <a:rPr lang="en-US" smtClean="0"/>
-              <a:t>8</a:t>
+              <a:t>7</a:t>
             </a:fld>
             <a:endParaRPr lang="en-US" dirty="0"/>
           </a:p>
@@ -3428,7 +4599,7 @@
     </p:spTree>
     <p:extLst>
       <p:ext uri="{BB962C8B-B14F-4D97-AF65-F5344CB8AC3E}">
-        <p14:creationId xmlns:p14="http://schemas.microsoft.com/office/powerpoint/2010/main" val="3008028892"/>
+        <p14:creationId xmlns:p14="http://schemas.microsoft.com/office/powerpoint/2010/main" val="2659835034"/>
       </p:ext>
     </p:extLst>
   </p:cSld>
@@ -3484,11 +4655,19 @@
           <a:p>
             <a:r>
               <a:rPr lang="en-US" dirty="0" smtClean="0"/>
-              <a:t>The vast majority of Parallel code</a:t>
+              <a:t>Parallel programming is a way to abstract even further and – if possible – let a</a:t>
             </a:r>
             <a:r>
               <a:rPr lang="en-US" baseline="0" dirty="0" smtClean="0"/>
-              <a:t> will use Data Parallelism.</a:t>
+              <a:t> library create the </a:t>
+            </a:r>
+            <a:r>
+              <a:rPr lang="en-US" i="1" baseline="0" dirty="0" smtClean="0"/>
+              <a:t>tasks</a:t>
+            </a:r>
+            <a:r>
+              <a:rPr lang="en-US" baseline="0" dirty="0" smtClean="0"/>
+              <a:t> for you.</a:t>
             </a:r>
           </a:p>
           <a:p>
@@ -3497,15 +4676,16 @@
           <a:p>
             <a:r>
               <a:rPr lang="en-US" baseline="0" dirty="0" smtClean="0"/>
-              <a:t>Stop will stop executing a loop. Break will stop executing a loop </a:t>
-            </a:r>
-            <a:r>
-              <a:rPr lang="en-US" i="1" baseline="0" dirty="0" smtClean="0"/>
-              <a:t>after</a:t>
-            </a:r>
+              <a:t>All operations should be Independent (as much as possible). Refactor to remove shared data. Use locks as a last resort.</a:t>
+            </a:r>
+          </a:p>
+          <a:p>
+            <a:endParaRPr lang="en-US" baseline="0" dirty="0" smtClean="0"/>
+          </a:p>
+          <a:p>
             <a:r>
               <a:rPr lang="en-US" baseline="0" dirty="0" smtClean="0"/>
-              <a:t> all “earlier” data has been processed.</a:t>
+              <a:t>You could consider Dynamic Parallelism as a form of Task Parallelism.</a:t>
             </a:r>
             <a:endParaRPr lang="en-US" dirty="0"/>
           </a:p>
@@ -3528,7 +4708,7 @@
           <a:p>
             <a:fld id="{94CE3395-F8FF-4336-B2AA-E15575B990E7}" type="slidenum">
               <a:rPr lang="en-US" smtClean="0"/>
-              <a:t>9</a:t>
+              <a:t>8</a:t>
             </a:fld>
             <a:endParaRPr lang="en-US" dirty="0"/>
           </a:p>
@@ -3537,7 +4717,7 @@
     </p:spTree>
     <p:extLst>
       <p:ext uri="{BB962C8B-B14F-4D97-AF65-F5344CB8AC3E}">
-        <p14:creationId xmlns:p14="http://schemas.microsoft.com/office/powerpoint/2010/main" val="3228160664"/>
+        <p14:creationId xmlns:p14="http://schemas.microsoft.com/office/powerpoint/2010/main" val="3008028892"/>
       </p:ext>
     </p:extLst>
   </p:cSld>
@@ -3593,11 +4773,11 @@
           <a:p>
             <a:r>
               <a:rPr lang="en-US" dirty="0" smtClean="0"/>
-              <a:t>f1/f2 can be,</a:t>
+              <a:t>The vast majority of Parallel code</a:t>
             </a:r>
             <a:r>
               <a:rPr lang="en-US" baseline="0" dirty="0" smtClean="0"/>
-              <a:t> say “process the left branch of the binary tree” and “process the right branch of the binary tree”.</a:t>
+              <a:t> will use Data Parallelism.</a:t>
             </a:r>
           </a:p>
           <a:p>
@@ -3605,12 +4785,16 @@
           </a:p>
           <a:p>
             <a:r>
-              <a:rPr lang="en-US" baseline="0" dirty="0" err="1" smtClean="0"/>
-              <a:t>Parallel.Invoke</a:t>
-            </a:r>
-            <a:r>
               <a:rPr lang="en-US" baseline="0" dirty="0" smtClean="0"/>
-              <a:t> can take any number of delegates.</a:t>
+              <a:t>Stop will stop executing a loop. Break will stop executing a loop </a:t>
+            </a:r>
+            <a:r>
+              <a:rPr lang="en-US" i="1" baseline="0" dirty="0" smtClean="0"/>
+              <a:t>after</a:t>
+            </a:r>
+            <a:r>
+              <a:rPr lang="en-US" baseline="0" dirty="0" smtClean="0"/>
+              <a:t> all “earlier” data has been processed.</a:t>
             </a:r>
             <a:endParaRPr lang="en-US" dirty="0"/>
           </a:p>
@@ -3633,7 +4817,7 @@
           <a:p>
             <a:fld id="{94CE3395-F8FF-4336-B2AA-E15575B990E7}" type="slidenum">
               <a:rPr lang="en-US" smtClean="0"/>
-              <a:t>10</a:t>
+              <a:t>9</a:t>
             </a:fld>
             <a:endParaRPr lang="en-US" dirty="0"/>
           </a:p>
@@ -3642,7 +4826,7 @@
     </p:spTree>
     <p:extLst>
       <p:ext uri="{BB962C8B-B14F-4D97-AF65-F5344CB8AC3E}">
-        <p14:creationId xmlns:p14="http://schemas.microsoft.com/office/powerpoint/2010/main" val="1953325863"/>
+        <p14:creationId xmlns:p14="http://schemas.microsoft.com/office/powerpoint/2010/main" val="3228160664"/>
       </p:ext>
     </p:extLst>
   </p:cSld>
@@ -3698,71 +4882,24 @@
           <a:p>
             <a:r>
               <a:rPr lang="en-US" dirty="0" smtClean="0"/>
-              <a:t>This is the </a:t>
-            </a:r>
-            <a:r>
-              <a:rPr lang="en-US" i="1" dirty="0" smtClean="0"/>
-              <a:t>only</a:t>
-            </a:r>
-            <a:r>
-              <a:rPr lang="en-US" dirty="0" smtClean="0"/>
-              <a:t> </a:t>
-            </a:r>
-            <a:r>
-              <a:rPr lang="en-US" dirty="0" smtClean="0"/>
-              <a:t>modern scenario </a:t>
-            </a:r>
-            <a:r>
-              <a:rPr lang="en-US" dirty="0" smtClean="0"/>
-              <a:t>where </a:t>
-            </a:r>
+              <a:t>f1/f2 can be,</a:t>
+            </a:r>
+            <a:r>
+              <a:rPr lang="en-US" baseline="0" dirty="0" smtClean="0"/>
+              <a:t> say “process the left branch of the binary tree” and “process the right branch of the binary tree”.</a:t>
+            </a:r>
+          </a:p>
+          <a:p>
+            <a:endParaRPr lang="en-US" baseline="0" dirty="0" smtClean="0"/>
+          </a:p>
+          <a:p>
             <a:r>
               <a:rPr lang="en-US" baseline="0" dirty="0" err="1" smtClean="0"/>
-              <a:t>Task.Factory.StartNew</a:t>
+              <a:t>Parallel.Invoke</a:t>
             </a:r>
             <a:r>
               <a:rPr lang="en-US" baseline="0" dirty="0" smtClean="0"/>
-              <a:t> should be used.</a:t>
-            </a:r>
-          </a:p>
-          <a:p>
-            <a:r>
-              <a:rPr lang="en-US" baseline="0" dirty="0" err="1" smtClean="0"/>
-              <a:t>StartNew</a:t>
-            </a:r>
-            <a:r>
-              <a:rPr lang="en-US" baseline="0" dirty="0" smtClean="0"/>
-              <a:t> is </a:t>
-            </a:r>
-            <a:r>
-              <a:rPr lang="en-US" i="1" baseline="0" dirty="0" smtClean="0"/>
-              <a:t>very</a:t>
-            </a:r>
-            <a:r>
-              <a:rPr lang="en-US" baseline="0" dirty="0" smtClean="0"/>
-              <a:t> commonly misused on the </a:t>
-            </a:r>
-            <a:r>
-              <a:rPr lang="en-US" baseline="0" dirty="0" smtClean="0"/>
-              <a:t>Internet (most should use </a:t>
-            </a:r>
-            <a:r>
-              <a:rPr lang="en-US" baseline="0" dirty="0" err="1" smtClean="0"/>
-              <a:t>Task.Run</a:t>
-            </a:r>
-            <a:r>
-              <a:rPr lang="en-US" baseline="0" dirty="0" smtClean="0"/>
-              <a:t> instead).</a:t>
-            </a:r>
-            <a:endParaRPr lang="en-US" baseline="0" dirty="0" smtClean="0"/>
-          </a:p>
-          <a:p>
-            <a:endParaRPr lang="en-US" baseline="0" dirty="0" smtClean="0"/>
-          </a:p>
-          <a:p>
-            <a:r>
-              <a:rPr lang="en-US" baseline="0" dirty="0" smtClean="0"/>
-              <a:t>E.g., doing some action for every node of an unbalanced tree or graph.</a:t>
+              <a:t> can take any number of delegates.</a:t>
             </a:r>
             <a:endParaRPr lang="en-US" dirty="0"/>
           </a:p>
@@ -3785,7 +4922,7 @@
           <a:p>
             <a:fld id="{94CE3395-F8FF-4336-B2AA-E15575B990E7}" type="slidenum">
               <a:rPr lang="en-US" smtClean="0"/>
-              <a:t>11</a:t>
+              <a:t>10</a:t>
             </a:fld>
             <a:endParaRPr lang="en-US" dirty="0"/>
           </a:p>
@@ -3794,7 +4931,7 @@
     </p:spTree>
     <p:extLst>
       <p:ext uri="{BB962C8B-B14F-4D97-AF65-F5344CB8AC3E}">
-        <p14:creationId xmlns:p14="http://schemas.microsoft.com/office/powerpoint/2010/main" val="2982294277"/>
+        <p14:creationId xmlns:p14="http://schemas.microsoft.com/office/powerpoint/2010/main" val="1953325863"/>
       </p:ext>
     </p:extLst>
   </p:cSld>
@@ -3850,48 +4987,58 @@
           <a:p>
             <a:r>
               <a:rPr lang="en-US" dirty="0" smtClean="0"/>
-              <a:t>Asynchronous processing is all the rage these days. </a:t>
-            </a:r>
-            <a:r>
-              <a:rPr lang="en-US" dirty="0" err="1" smtClean="0"/>
-              <a:t>Async</a:t>
+              <a:t>This is the </a:t>
+            </a:r>
+            <a:r>
+              <a:rPr lang="en-US" i="1" dirty="0" smtClean="0"/>
+              <a:t>only</a:t>
             </a:r>
             <a:r>
               <a:rPr lang="en-US" dirty="0" smtClean="0"/>
-              <a:t>/await FTW</a:t>
-            </a:r>
-            <a:r>
-              <a:rPr lang="en-US" dirty="0" smtClean="0"/>
-              <a:t>!</a:t>
-            </a:r>
-          </a:p>
-          <a:p>
-            <a:endParaRPr lang="en-US" dirty="0" smtClean="0"/>
-          </a:p>
-          <a:p>
-            <a:r>
-              <a:rPr lang="en-US" dirty="0" err="1" smtClean="0"/>
-              <a:t>Async</a:t>
+              <a:t> modern scenario where </a:t>
+            </a:r>
+            <a:r>
+              <a:rPr lang="en-US" baseline="0" dirty="0" err="1" smtClean="0"/>
+              <a:t>Task.Factory.StartNew</a:t>
             </a:r>
             <a:r>
               <a:rPr lang="en-US" baseline="0" dirty="0" smtClean="0"/>
-              <a:t> excels at I/O, but you can </a:t>
+              <a:t> should be used.</a:t>
+            </a:r>
+          </a:p>
+          <a:p>
+            <a:r>
+              <a:rPr lang="en-US" baseline="0" dirty="0" err="1" smtClean="0"/>
+              <a:t>StartNew</a:t>
+            </a:r>
+            <a:r>
+              <a:rPr lang="en-US" baseline="0" dirty="0" smtClean="0"/>
+              <a:t> is </a:t>
             </a:r>
             <a:r>
               <a:rPr lang="en-US" i="1" baseline="0" dirty="0" smtClean="0"/>
-              <a:t>treat</a:t>
+              <a:t>very</a:t>
             </a:r>
             <a:r>
               <a:rPr lang="en-US" baseline="0" dirty="0" smtClean="0"/>
-              <a:t> anything as </a:t>
+              <a:t> commonly misused on the Internet (most should use </a:t>
             </a:r>
             <a:r>
               <a:rPr lang="en-US" baseline="0" dirty="0" err="1" smtClean="0"/>
-              <a:t>async</a:t>
+              <a:t>Task.Run</a:t>
             </a:r>
             <a:r>
               <a:rPr lang="en-US" baseline="0" dirty="0" smtClean="0"/>
-              <a:t>.</a:t>
+              <a:t> instead).</a:t>
+            </a:r>
+          </a:p>
+          <a:p>
+            <a:endParaRPr lang="en-US" baseline="0" dirty="0" smtClean="0"/>
+          </a:p>
+          <a:p>
+            <a:r>
+              <a:rPr lang="en-US" baseline="0" dirty="0" smtClean="0"/>
+              <a:t>E.g., doing some action for every node of an unbalanced tree or graph.</a:t>
             </a:r>
             <a:endParaRPr lang="en-US" dirty="0"/>
           </a:p>
@@ -3914,7 +5061,7 @@
           <a:p>
             <a:fld id="{94CE3395-F8FF-4336-B2AA-E15575B990E7}" type="slidenum">
               <a:rPr lang="en-US" smtClean="0"/>
-              <a:t>13</a:t>
+              <a:t>11</a:t>
             </a:fld>
             <a:endParaRPr lang="en-US" dirty="0"/>
           </a:p>
@@ -3923,7 +5070,7 @@
     </p:spTree>
     <p:extLst>
       <p:ext uri="{BB962C8B-B14F-4D97-AF65-F5344CB8AC3E}">
-        <p14:creationId xmlns:p14="http://schemas.microsoft.com/office/powerpoint/2010/main" val="2170376327"/>
+        <p14:creationId xmlns:p14="http://schemas.microsoft.com/office/powerpoint/2010/main" val="2982294277"/>
       </p:ext>
     </p:extLst>
   </p:cSld>
@@ -3979,82 +5126,46 @@
           <a:p>
             <a:r>
               <a:rPr lang="en-US" dirty="0" smtClean="0"/>
-              <a:t>A</a:t>
+              <a:t>Asynchronous processing is all the rage these days. </a:t>
+            </a:r>
+            <a:r>
+              <a:rPr lang="en-US" dirty="0" err="1" smtClean="0"/>
+              <a:t>Async</a:t>
+            </a:r>
+            <a:r>
+              <a:rPr lang="en-US" dirty="0" smtClean="0"/>
+              <a:t>/await FTW!</a:t>
+            </a:r>
+          </a:p>
+          <a:p>
+            <a:endParaRPr lang="en-US" dirty="0" smtClean="0"/>
+          </a:p>
+          <a:p>
+            <a:r>
+              <a:rPr lang="en-US" dirty="0" err="1" smtClean="0"/>
+              <a:t>Async</a:t>
             </a:r>
             <a:r>
               <a:rPr lang="en-US" baseline="0" dirty="0" smtClean="0"/>
-              <a:t> Task completes exactly once, either successfully (with result) or error.</a:t>
-            </a:r>
-          </a:p>
-          <a:p>
-            <a:endParaRPr lang="en-US" dirty="0" smtClean="0"/>
-          </a:p>
-          <a:p>
-            <a:r>
-              <a:rPr lang="en-US" dirty="0" smtClean="0"/>
-              <a:t>When await is passed an incomplete task, it pauses the current method’s execution and returns an incomplete task.</a:t>
-            </a:r>
-          </a:p>
-          <a:p>
-            <a:r>
-              <a:rPr lang="en-US" dirty="0" smtClean="0"/>
-              <a:t>Pauses the </a:t>
-            </a:r>
-            <a:r>
-              <a:rPr lang="en-US" i="1" dirty="0" smtClean="0"/>
-              <a:t>method</a:t>
-            </a:r>
-            <a:r>
-              <a:rPr lang="en-US" dirty="0" smtClean="0"/>
-              <a:t>,</a:t>
+              <a:t> excels at I/O, but you can </a:t>
+            </a:r>
+            <a:r>
+              <a:rPr lang="en-US" i="1" baseline="0" dirty="0" smtClean="0"/>
+              <a:t>treat</a:t>
             </a:r>
             <a:r>
               <a:rPr lang="en-US" baseline="0" dirty="0" smtClean="0"/>
-              <a:t> not the </a:t>
-            </a:r>
-            <a:r>
-              <a:rPr lang="en-US" i="1" baseline="0" dirty="0" smtClean="0"/>
-              <a:t>thread</a:t>
+              <a:t> anything as </a:t>
+            </a:r>
+            <a:r>
+              <a:rPr lang="en-US" baseline="0" dirty="0" err="1" smtClean="0"/>
+              <a:t>async</a:t>
             </a:r>
             <a:r>
               <a:rPr lang="en-US" baseline="0" dirty="0" smtClean="0"/>
               <a:t>.</a:t>
             </a:r>
-          </a:p>
-          <a:p>
-            <a:r>
-              <a:rPr lang="en-US" baseline="0" dirty="0" smtClean="0"/>
-              <a:t>Later, when the task argument completes, it resumes executing the method (by default, in the same context, or on the thread pool if no context).</a:t>
-            </a:r>
-          </a:p>
-          <a:p>
-            <a:endParaRPr lang="en-US" dirty="0" smtClean="0"/>
-          </a:p>
-          <a:p>
-            <a:r>
-              <a:rPr lang="en-US" dirty="0" err="1" smtClean="0"/>
-              <a:t>Async</a:t>
-            </a:r>
-            <a:r>
-              <a:rPr lang="en-US" dirty="0" smtClean="0"/>
-              <a:t> is about </a:t>
-            </a:r>
-            <a:r>
-              <a:rPr lang="en-US" i="1" dirty="0" smtClean="0"/>
-              <a:t>freeing up </a:t>
-            </a:r>
-            <a:r>
-              <a:rPr lang="en-US" dirty="0" smtClean="0"/>
-              <a:t>the current thread, not using </a:t>
-            </a:r>
-            <a:r>
-              <a:rPr lang="en-US" i="1" dirty="0" smtClean="0"/>
-              <a:t>background</a:t>
-            </a:r>
-            <a:r>
-              <a:rPr lang="en-US" dirty="0" smtClean="0"/>
-              <a:t> threads.</a:t>
-            </a:r>
+            <a:endParaRPr lang="en-US" dirty="0"/>
           </a:p>
         </p:txBody>
       </p:sp>
@@ -4075,7 +5186,7 @@
           <a:p>
             <a:fld id="{94CE3395-F8FF-4336-B2AA-E15575B990E7}" type="slidenum">
               <a:rPr lang="en-US" smtClean="0"/>
-              <a:t>14</a:t>
+              <a:t>13</a:t>
             </a:fld>
             <a:endParaRPr lang="en-US" dirty="0"/>
           </a:p>
@@ -4084,7 +5195,7 @@
     </p:spTree>
     <p:extLst>
       <p:ext uri="{BB962C8B-B14F-4D97-AF65-F5344CB8AC3E}">
-        <p14:creationId xmlns:p14="http://schemas.microsoft.com/office/powerpoint/2010/main" val="3911491607"/>
+        <p14:creationId xmlns:p14="http://schemas.microsoft.com/office/powerpoint/2010/main" val="2170376327"/>
       </p:ext>
     </p:extLst>
   </p:cSld>
@@ -12117,9 +13228,8 @@
           <a:p>
             <a:r>
               <a:rPr lang="en-US" dirty="0" smtClean="0"/>
-              <a:t>NWNUG, 2014-07-15</a:t>
-            </a:r>
-            <a:endParaRPr lang="en-US" dirty="0"/>
+              <a:t>AADNUG, 2014-09-10</a:t>
+            </a:r>
           </a:p>
         </p:txBody>
       </p:sp>
@@ -12155,7 +13265,7 @@
           <p:nvPr/>
         </p:nvPicPr>
         <p:blipFill>
-          <a:blip r:embed="rId2">
+          <a:blip r:embed="rId3">
             <a:extLst>
               <a:ext uri="{28A0092B-C50C-407E-A947-70E740481C1C}">
                 <a14:useLocalDpi xmlns:a14="http://schemas.microsoft.com/office/drawing/2010/main" val="0"/>
@@ -13162,7 +14272,7 @@
 </file>
 
 <file path=ppt/slides/slide14.xml><?xml version="1.0" encoding="utf-8"?>
-<p:sld xmlns:a="http://schemas.openxmlformats.org/drawingml/2006/main" xmlns:r="http://schemas.openxmlformats.org/officeDocument/2006/relationships" xmlns:p="http://schemas.openxmlformats.org/presentationml/2006/main">
+<p:sld xmlns:a="http://schemas.openxmlformats.org/drawingml/2006/main" xmlns:r="http://schemas.openxmlformats.org/officeDocument/2006/relationships" xmlns:p="http://schemas.openxmlformats.org/presentationml/2006/main" show="0">
   <p:cSld>
     <p:spTree>
       <p:nvGrpSpPr>
@@ -13422,6 +14532,4447 @@
 </file>
 
 <file path=ppt/slides/slide15.xml><?xml version="1.0" encoding="utf-8"?>
+<p:sld xmlns:a="http://schemas.openxmlformats.org/drawingml/2006/main" xmlns:r="http://schemas.openxmlformats.org/officeDocument/2006/relationships" xmlns:p="http://schemas.openxmlformats.org/presentationml/2006/main">
+  <p:cSld>
+    <p:spTree>
+      <p:nvGrpSpPr>
+        <p:cNvPr id="1" name=""/>
+        <p:cNvGrpSpPr/>
+        <p:nvPr/>
+      </p:nvGrpSpPr>
+      <p:grpSpPr>
+        <a:xfrm>
+          <a:off x="0" y="0"/>
+          <a:ext cx="0" cy="0"/>
+          <a:chOff x="0" y="0"/>
+          <a:chExt cx="0" cy="0"/>
+        </a:xfrm>
+      </p:grpSpPr>
+      <p:sp>
+        <p:nvSpPr>
+          <p:cNvPr id="2" name="Title 1"/>
+          <p:cNvSpPr>
+            <a:spLocks noGrp="1"/>
+          </p:cNvSpPr>
+          <p:nvPr>
+            <p:ph type="title"/>
+          </p:nvPr>
+        </p:nvSpPr>
+        <p:spPr/>
+        <p:txBody>
+          <a:bodyPr/>
+          <a:lstStyle/>
+          <a:p>
+            <a:r>
+              <a:rPr lang="en-US" dirty="0" smtClean="0"/>
+              <a:t>Introduction to </a:t>
+            </a:r>
+            <a:r>
+              <a:rPr lang="en-US" dirty="0" err="1" smtClean="0"/>
+              <a:t>Async</a:t>
+            </a:r>
+            <a:endParaRPr lang="en-US" dirty="0"/>
+          </a:p>
+        </p:txBody>
+      </p:sp>
+      <p:sp>
+        <p:nvSpPr>
+          <p:cNvPr id="3" name="Text Placeholder 2"/>
+          <p:cNvSpPr>
+            <a:spLocks noGrp="1"/>
+          </p:cNvSpPr>
+          <p:nvPr>
+            <p:ph type="body" sz="quarter" idx="10"/>
+          </p:nvPr>
+        </p:nvSpPr>
+        <p:spPr>
+          <a:xfrm>
+            <a:off x="269239" y="1197322"/>
+            <a:ext cx="11653522" cy="2468368"/>
+          </a:xfrm>
+        </p:spPr>
+        <p:txBody>
+          <a:bodyPr/>
+          <a:lstStyle/>
+          <a:p>
+            <a:r>
+              <a:rPr lang="en-US" sz="2800" dirty="0" err="1">
+                <a:solidFill>
+                  <a:schemeClr val="accent1"/>
+                </a:solidFill>
+                <a:latin typeface="Consolas" panose="020B0609020204030204" pitchFamily="49" charset="0"/>
+                <a:cs typeface="Consolas" panose="020B0609020204030204" pitchFamily="49" charset="0"/>
+              </a:rPr>
+              <a:t>async</a:t>
+            </a:r>
+            <a:r>
+              <a:rPr lang="en-US" sz="2800" dirty="0">
+                <a:solidFill>
+                  <a:schemeClr val="accent1"/>
+                </a:solidFill>
+                <a:latin typeface="Consolas" panose="020B0609020204030204" pitchFamily="49" charset="0"/>
+                <a:cs typeface="Consolas" panose="020B0609020204030204" pitchFamily="49" charset="0"/>
+              </a:rPr>
+              <a:t> </a:t>
+            </a:r>
+            <a:r>
+              <a:rPr lang="en-US" sz="2800" dirty="0">
+                <a:solidFill>
+                  <a:schemeClr val="tx2"/>
+                </a:solidFill>
+                <a:latin typeface="Consolas" panose="020B0609020204030204" pitchFamily="49" charset="0"/>
+                <a:cs typeface="Consolas" panose="020B0609020204030204" pitchFamily="49" charset="0"/>
+              </a:rPr>
+              <a:t>Task </a:t>
+            </a:r>
+            <a:r>
+              <a:rPr lang="en-US" sz="2800" dirty="0" err="1" smtClean="0">
+                <a:latin typeface="Consolas" panose="020B0609020204030204" pitchFamily="49" charset="0"/>
+                <a:cs typeface="Consolas" panose="020B0609020204030204" pitchFamily="49" charset="0"/>
+              </a:rPr>
+              <a:t>DoNothingAsync</a:t>
+            </a:r>
+            <a:r>
+              <a:rPr lang="en-US" sz="2800" dirty="0">
+                <a:latin typeface="Consolas" panose="020B0609020204030204" pitchFamily="49" charset="0"/>
+                <a:cs typeface="Consolas" panose="020B0609020204030204" pitchFamily="49" charset="0"/>
+              </a:rPr>
+              <a:t>()</a:t>
+            </a:r>
+          </a:p>
+          <a:p>
+            <a:r>
+              <a:rPr lang="en-US" sz="2800" dirty="0" smtClean="0">
+                <a:latin typeface="Consolas" panose="020B0609020204030204" pitchFamily="49" charset="0"/>
+                <a:cs typeface="Consolas" panose="020B0609020204030204" pitchFamily="49" charset="0"/>
+              </a:rPr>
+              <a:t>{</a:t>
+            </a:r>
+          </a:p>
+          <a:p>
+            <a:r>
+              <a:rPr lang="en-US" sz="2800" dirty="0">
+                <a:latin typeface="Consolas" panose="020B0609020204030204" pitchFamily="49" charset="0"/>
+                <a:cs typeface="Consolas" panose="020B0609020204030204" pitchFamily="49" charset="0"/>
+              </a:rPr>
+              <a:t>  </a:t>
+            </a:r>
+            <a:r>
+              <a:rPr lang="en-US" sz="2800" dirty="0">
+                <a:solidFill>
+                  <a:schemeClr val="accent2"/>
+                </a:solidFill>
+                <a:latin typeface="Consolas" panose="020B0609020204030204" pitchFamily="49" charset="0"/>
+                <a:cs typeface="Consolas" panose="020B0609020204030204" pitchFamily="49" charset="0"/>
+              </a:rPr>
+              <a:t>// In the Real World, we would actually do something...</a:t>
+            </a:r>
+          </a:p>
+          <a:p>
+            <a:r>
+              <a:rPr lang="en-US" sz="2800" dirty="0">
+                <a:latin typeface="Consolas" panose="020B0609020204030204" pitchFamily="49" charset="0"/>
+                <a:cs typeface="Consolas" panose="020B0609020204030204" pitchFamily="49" charset="0"/>
+              </a:rPr>
+              <a:t>  </a:t>
+            </a:r>
+            <a:r>
+              <a:rPr lang="en-US" sz="2800" dirty="0">
+                <a:solidFill>
+                  <a:schemeClr val="accent1"/>
+                </a:solidFill>
+                <a:latin typeface="Consolas" panose="020B0609020204030204" pitchFamily="49" charset="0"/>
+                <a:cs typeface="Consolas" panose="020B0609020204030204" pitchFamily="49" charset="0"/>
+              </a:rPr>
+              <a:t>await</a:t>
+            </a:r>
+            <a:r>
+              <a:rPr lang="en-US" sz="2800" dirty="0">
+                <a:latin typeface="Consolas" panose="020B0609020204030204" pitchFamily="49" charset="0"/>
+                <a:cs typeface="Consolas" panose="020B0609020204030204" pitchFamily="49" charset="0"/>
+              </a:rPr>
+              <a:t> </a:t>
+            </a:r>
+            <a:r>
+              <a:rPr lang="en-US" sz="2800" dirty="0" err="1" smtClean="0">
+                <a:solidFill>
+                  <a:schemeClr val="tx2"/>
+                </a:solidFill>
+                <a:latin typeface="Consolas" panose="020B0609020204030204" pitchFamily="49" charset="0"/>
+                <a:cs typeface="Consolas" panose="020B0609020204030204" pitchFamily="49" charset="0"/>
+              </a:rPr>
+              <a:t>Task</a:t>
+            </a:r>
+            <a:r>
+              <a:rPr lang="en-US" sz="2800" dirty="0" err="1" smtClean="0">
+                <a:latin typeface="Consolas" panose="020B0609020204030204" pitchFamily="49" charset="0"/>
+                <a:cs typeface="Consolas" panose="020B0609020204030204" pitchFamily="49" charset="0"/>
+              </a:rPr>
+              <a:t>.Delay</a:t>
+            </a:r>
+            <a:r>
+              <a:rPr lang="en-US" sz="2800" dirty="0" smtClean="0">
+                <a:latin typeface="Consolas" panose="020B0609020204030204" pitchFamily="49" charset="0"/>
+                <a:cs typeface="Consolas" panose="020B0609020204030204" pitchFamily="49" charset="0"/>
+              </a:rPr>
+              <a:t>(100);</a:t>
+            </a:r>
+            <a:endParaRPr lang="en-US" sz="2800" dirty="0">
+              <a:latin typeface="Consolas" panose="020B0609020204030204" pitchFamily="49" charset="0"/>
+              <a:cs typeface="Consolas" panose="020B0609020204030204" pitchFamily="49" charset="0"/>
+            </a:endParaRPr>
+          </a:p>
+          <a:p>
+            <a:r>
+              <a:rPr lang="en-US" sz="2800" dirty="0" smtClean="0">
+                <a:latin typeface="Consolas" panose="020B0609020204030204" pitchFamily="49" charset="0"/>
+                <a:cs typeface="Consolas" panose="020B0609020204030204" pitchFamily="49" charset="0"/>
+              </a:rPr>
+              <a:t>}</a:t>
+            </a:r>
+            <a:endParaRPr lang="en-US" sz="2800" dirty="0">
+              <a:latin typeface="Consolas" panose="020B0609020204030204" pitchFamily="49" charset="0"/>
+              <a:cs typeface="Consolas" panose="020B0609020204030204" pitchFamily="49" charset="0"/>
+            </a:endParaRPr>
+          </a:p>
+        </p:txBody>
+      </p:sp>
+    </p:spTree>
+    <p:extLst>
+      <p:ext uri="{BB962C8B-B14F-4D97-AF65-F5344CB8AC3E}">
+        <p14:creationId xmlns:p14="http://schemas.microsoft.com/office/powerpoint/2010/main" val="2724203931"/>
+      </p:ext>
+    </p:extLst>
+  </p:cSld>
+  <p:clrMapOvr>
+    <a:masterClrMapping/>
+  </p:clrMapOvr>
+  <p:transition>
+    <p:fade/>
+  </p:transition>
+  <p:timing>
+    <p:tnLst>
+      <p:par>
+        <p:cTn id="1" dur="indefinite" restart="never" nodeType="tmRoot"/>
+      </p:par>
+    </p:tnLst>
+  </p:timing>
+</p:sld>
+</file>
+
+<file path=ppt/slides/slide16.xml><?xml version="1.0" encoding="utf-8"?>
+<p:sld xmlns:a="http://schemas.openxmlformats.org/drawingml/2006/main" xmlns:r="http://schemas.openxmlformats.org/officeDocument/2006/relationships" xmlns:p="http://schemas.openxmlformats.org/presentationml/2006/main">
+  <p:cSld>
+    <p:spTree>
+      <p:nvGrpSpPr>
+        <p:cNvPr id="1" name=""/>
+        <p:cNvGrpSpPr/>
+        <p:nvPr/>
+      </p:nvGrpSpPr>
+      <p:grpSpPr>
+        <a:xfrm>
+          <a:off x="0" y="0"/>
+          <a:ext cx="0" cy="0"/>
+          <a:chOff x="0" y="0"/>
+          <a:chExt cx="0" cy="0"/>
+        </a:xfrm>
+      </p:grpSpPr>
+      <p:sp>
+        <p:nvSpPr>
+          <p:cNvPr id="2" name="Title 1"/>
+          <p:cNvSpPr>
+            <a:spLocks noGrp="1"/>
+          </p:cNvSpPr>
+          <p:nvPr>
+            <p:ph type="title"/>
+          </p:nvPr>
+        </p:nvSpPr>
+        <p:spPr/>
+        <p:txBody>
+          <a:bodyPr/>
+          <a:lstStyle/>
+          <a:p>
+            <a:r>
+              <a:rPr lang="en-US" dirty="0" smtClean="0"/>
+              <a:t>Introduction to </a:t>
+            </a:r>
+            <a:r>
+              <a:rPr lang="en-US" dirty="0" err="1" smtClean="0"/>
+              <a:t>Async</a:t>
+            </a:r>
+            <a:endParaRPr lang="en-US" dirty="0"/>
+          </a:p>
+        </p:txBody>
+      </p:sp>
+      <p:sp>
+        <p:nvSpPr>
+          <p:cNvPr id="3" name="Text Placeholder 2"/>
+          <p:cNvSpPr>
+            <a:spLocks noGrp="1"/>
+          </p:cNvSpPr>
+          <p:nvPr>
+            <p:ph type="body" sz="quarter" idx="10"/>
+          </p:nvPr>
+        </p:nvSpPr>
+        <p:spPr>
+          <a:xfrm>
+            <a:off x="269239" y="1197322"/>
+            <a:ext cx="11653522" cy="2468368"/>
+          </a:xfrm>
+        </p:spPr>
+        <p:txBody>
+          <a:bodyPr/>
+          <a:lstStyle/>
+          <a:p>
+            <a:r>
+              <a:rPr lang="en-US" sz="2800" dirty="0" err="1">
+                <a:solidFill>
+                  <a:schemeClr val="accent1"/>
+                </a:solidFill>
+                <a:latin typeface="Consolas" panose="020B0609020204030204" pitchFamily="49" charset="0"/>
+                <a:cs typeface="Consolas" panose="020B0609020204030204" pitchFamily="49" charset="0"/>
+              </a:rPr>
+              <a:t>async</a:t>
+            </a:r>
+            <a:r>
+              <a:rPr lang="en-US" sz="2800" dirty="0">
+                <a:solidFill>
+                  <a:schemeClr val="accent1"/>
+                </a:solidFill>
+                <a:latin typeface="Consolas" panose="020B0609020204030204" pitchFamily="49" charset="0"/>
+                <a:cs typeface="Consolas" panose="020B0609020204030204" pitchFamily="49" charset="0"/>
+              </a:rPr>
+              <a:t> </a:t>
+            </a:r>
+            <a:r>
+              <a:rPr lang="en-US" sz="2800" dirty="0">
+                <a:solidFill>
+                  <a:schemeClr val="tx2"/>
+                </a:solidFill>
+                <a:latin typeface="Consolas" panose="020B0609020204030204" pitchFamily="49" charset="0"/>
+                <a:cs typeface="Consolas" panose="020B0609020204030204" pitchFamily="49" charset="0"/>
+              </a:rPr>
+              <a:t>Task </a:t>
+            </a:r>
+            <a:r>
+              <a:rPr lang="en-US" sz="2800" dirty="0" err="1" smtClean="0">
+                <a:latin typeface="Consolas" panose="020B0609020204030204" pitchFamily="49" charset="0"/>
+                <a:cs typeface="Consolas" panose="020B0609020204030204" pitchFamily="49" charset="0"/>
+              </a:rPr>
+              <a:t>DoNothingAsync</a:t>
+            </a:r>
+            <a:r>
+              <a:rPr lang="en-US" sz="2800" dirty="0">
+                <a:latin typeface="Consolas" panose="020B0609020204030204" pitchFamily="49" charset="0"/>
+                <a:cs typeface="Consolas" panose="020B0609020204030204" pitchFamily="49" charset="0"/>
+              </a:rPr>
+              <a:t>()</a:t>
+            </a:r>
+          </a:p>
+          <a:p>
+            <a:r>
+              <a:rPr lang="en-US" sz="2800" dirty="0" smtClean="0">
+                <a:latin typeface="Consolas" panose="020B0609020204030204" pitchFamily="49" charset="0"/>
+                <a:cs typeface="Consolas" panose="020B0609020204030204" pitchFamily="49" charset="0"/>
+              </a:rPr>
+              <a:t>{</a:t>
+            </a:r>
+          </a:p>
+          <a:p>
+            <a:r>
+              <a:rPr lang="en-US" sz="2800" dirty="0">
+                <a:latin typeface="Consolas" panose="020B0609020204030204" pitchFamily="49" charset="0"/>
+                <a:cs typeface="Consolas" panose="020B0609020204030204" pitchFamily="49" charset="0"/>
+              </a:rPr>
+              <a:t>  </a:t>
+            </a:r>
+            <a:r>
+              <a:rPr lang="en-US" sz="2800" dirty="0">
+                <a:solidFill>
+                  <a:schemeClr val="accent2"/>
+                </a:solidFill>
+                <a:latin typeface="Consolas" panose="020B0609020204030204" pitchFamily="49" charset="0"/>
+                <a:cs typeface="Consolas" panose="020B0609020204030204" pitchFamily="49" charset="0"/>
+              </a:rPr>
+              <a:t>// In the Real World, we would actually do something...</a:t>
+            </a:r>
+          </a:p>
+          <a:p>
+            <a:r>
+              <a:rPr lang="en-US" sz="2800" dirty="0">
+                <a:latin typeface="Consolas" panose="020B0609020204030204" pitchFamily="49" charset="0"/>
+                <a:cs typeface="Consolas" panose="020B0609020204030204" pitchFamily="49" charset="0"/>
+              </a:rPr>
+              <a:t>  </a:t>
+            </a:r>
+            <a:r>
+              <a:rPr lang="en-US" sz="2800" dirty="0">
+                <a:solidFill>
+                  <a:schemeClr val="accent1"/>
+                </a:solidFill>
+                <a:latin typeface="Consolas" panose="020B0609020204030204" pitchFamily="49" charset="0"/>
+                <a:cs typeface="Consolas" panose="020B0609020204030204" pitchFamily="49" charset="0"/>
+              </a:rPr>
+              <a:t>await</a:t>
+            </a:r>
+            <a:r>
+              <a:rPr lang="en-US" sz="2800" dirty="0">
+                <a:latin typeface="Consolas" panose="020B0609020204030204" pitchFamily="49" charset="0"/>
+                <a:cs typeface="Consolas" panose="020B0609020204030204" pitchFamily="49" charset="0"/>
+              </a:rPr>
+              <a:t> </a:t>
+            </a:r>
+            <a:r>
+              <a:rPr lang="en-US" sz="2800" dirty="0" err="1" smtClean="0">
+                <a:solidFill>
+                  <a:schemeClr val="tx2"/>
+                </a:solidFill>
+                <a:latin typeface="Consolas" panose="020B0609020204030204" pitchFamily="49" charset="0"/>
+                <a:cs typeface="Consolas" panose="020B0609020204030204" pitchFamily="49" charset="0"/>
+              </a:rPr>
+              <a:t>Task</a:t>
+            </a:r>
+            <a:r>
+              <a:rPr lang="en-US" sz="2800" dirty="0" err="1" smtClean="0">
+                <a:latin typeface="Consolas" panose="020B0609020204030204" pitchFamily="49" charset="0"/>
+                <a:cs typeface="Consolas" panose="020B0609020204030204" pitchFamily="49" charset="0"/>
+              </a:rPr>
+              <a:t>.Delay</a:t>
+            </a:r>
+            <a:r>
+              <a:rPr lang="en-US" sz="2800" dirty="0" smtClean="0">
+                <a:latin typeface="Consolas" panose="020B0609020204030204" pitchFamily="49" charset="0"/>
+                <a:cs typeface="Consolas" panose="020B0609020204030204" pitchFamily="49" charset="0"/>
+              </a:rPr>
+              <a:t>(100);</a:t>
+            </a:r>
+            <a:endParaRPr lang="en-US" sz="2800" dirty="0">
+              <a:latin typeface="Consolas" panose="020B0609020204030204" pitchFamily="49" charset="0"/>
+              <a:cs typeface="Consolas" panose="020B0609020204030204" pitchFamily="49" charset="0"/>
+            </a:endParaRPr>
+          </a:p>
+          <a:p>
+            <a:r>
+              <a:rPr lang="en-US" sz="2800" dirty="0" smtClean="0">
+                <a:latin typeface="Consolas" panose="020B0609020204030204" pitchFamily="49" charset="0"/>
+                <a:cs typeface="Consolas" panose="020B0609020204030204" pitchFamily="49" charset="0"/>
+              </a:rPr>
+              <a:t>}</a:t>
+            </a:r>
+            <a:endParaRPr lang="en-US" sz="2800" dirty="0">
+              <a:latin typeface="Consolas" panose="020B0609020204030204" pitchFamily="49" charset="0"/>
+              <a:cs typeface="Consolas" panose="020B0609020204030204" pitchFamily="49" charset="0"/>
+            </a:endParaRPr>
+          </a:p>
+        </p:txBody>
+      </p:sp>
+      <p:sp>
+        <p:nvSpPr>
+          <p:cNvPr id="6" name="Text Placeholder 2"/>
+          <p:cNvSpPr txBox="1">
+            <a:spLocks/>
+          </p:cNvSpPr>
+          <p:nvPr/>
+        </p:nvSpPr>
+        <p:spPr>
+          <a:xfrm>
+            <a:off x="269239" y="3665690"/>
+            <a:ext cx="11653522" cy="2524537"/>
+          </a:xfrm>
+          <a:prstGeom prst="rect">
+            <a:avLst/>
+          </a:prstGeom>
+        </p:spPr>
+        <p:txBody>
+          <a:bodyPr vert="horz" wrap="square" lIns="146304" tIns="91440" rIns="146304" bIns="91440" rtlCol="0">
+            <a:spAutoFit/>
+          </a:bodyPr>
+          <a:lstStyle>
+            <a:lvl1pPr marL="0" marR="0" indent="0" algn="l" defTabSz="914367" rtl="0" eaLnBrk="1" fontAlgn="auto" latinLnBrk="0" hangingPunct="1">
+              <a:lnSpc>
+                <a:spcPct val="90000"/>
+              </a:lnSpc>
+              <a:spcBef>
+                <a:spcPct val="20000"/>
+              </a:spcBef>
+              <a:spcAft>
+                <a:spcPts val="0"/>
+              </a:spcAft>
+              <a:buClrTx/>
+              <a:buSzPct val="90000"/>
+              <a:buFont typeface="Arial" pitchFamily="34" charset="0"/>
+              <a:buNone/>
+              <a:tabLst/>
+              <a:defRPr sz="3235" kern="1200" spc="0" baseline="0">
+                <a:gradFill>
+                  <a:gsLst>
+                    <a:gs pos="1250">
+                      <a:srgbClr val="000000"/>
+                    </a:gs>
+                    <a:gs pos="100000">
+                      <a:srgbClr val="000000"/>
+                    </a:gs>
+                  </a:gsLst>
+                  <a:lin ang="5400000" scaled="0"/>
+                </a:gradFill>
+                <a:latin typeface="Segoe UI" pitchFamily="34" charset="0"/>
+                <a:ea typeface="+mn-ea"/>
+                <a:cs typeface="Segoe UI" pitchFamily="34" charset="0"/>
+              </a:defRPr>
+            </a:lvl1pPr>
+            <a:lvl2pPr marL="339726" marR="0" indent="0" algn="l" defTabSz="914367" rtl="0" eaLnBrk="1" fontAlgn="auto" latinLnBrk="0" hangingPunct="1">
+              <a:lnSpc>
+                <a:spcPct val="90000"/>
+              </a:lnSpc>
+              <a:spcBef>
+                <a:spcPct val="20000"/>
+              </a:spcBef>
+              <a:spcAft>
+                <a:spcPts val="0"/>
+              </a:spcAft>
+              <a:buClrTx/>
+              <a:buSzPct val="90000"/>
+              <a:buFont typeface="Arial" pitchFamily="34" charset="0"/>
+              <a:buNone/>
+              <a:tabLst/>
+              <a:defRPr sz="2353" kern="1200" spc="0" baseline="0">
+                <a:gradFill>
+                  <a:gsLst>
+                    <a:gs pos="1250">
+                      <a:srgbClr val="000000"/>
+                    </a:gs>
+                    <a:gs pos="100000">
+                      <a:srgbClr val="000000"/>
+                    </a:gs>
+                  </a:gsLst>
+                  <a:lin ang="5400000" scaled="0"/>
+                </a:gradFill>
+                <a:latin typeface="Segoe UI" pitchFamily="34" charset="0"/>
+                <a:ea typeface="+mn-ea"/>
+                <a:cs typeface="Segoe UI" pitchFamily="34" charset="0"/>
+              </a:defRPr>
+            </a:lvl2pPr>
+            <a:lvl3pPr marL="573090" marR="0" indent="0" algn="l" defTabSz="914367" rtl="0" eaLnBrk="1" fontAlgn="auto" latinLnBrk="0" hangingPunct="1">
+              <a:lnSpc>
+                <a:spcPct val="90000"/>
+              </a:lnSpc>
+              <a:spcBef>
+                <a:spcPct val="20000"/>
+              </a:spcBef>
+              <a:spcAft>
+                <a:spcPts val="0"/>
+              </a:spcAft>
+              <a:buClrTx/>
+              <a:buSzPct val="90000"/>
+              <a:buFont typeface="Arial" pitchFamily="34" charset="0"/>
+              <a:buNone/>
+              <a:tabLst/>
+              <a:defRPr sz="1961" kern="1200" spc="0" baseline="0">
+                <a:gradFill>
+                  <a:gsLst>
+                    <a:gs pos="1250">
+                      <a:srgbClr val="000000"/>
+                    </a:gs>
+                    <a:gs pos="100000">
+                      <a:srgbClr val="000000"/>
+                    </a:gs>
+                  </a:gsLst>
+                  <a:lin ang="5400000" scaled="0"/>
+                </a:gradFill>
+                <a:latin typeface="Segoe UI" pitchFamily="34" charset="0"/>
+                <a:ea typeface="+mn-ea"/>
+                <a:cs typeface="Segoe UI" pitchFamily="34" charset="0"/>
+              </a:defRPr>
+            </a:lvl3pPr>
+            <a:lvl4pPr marL="798516" marR="0" indent="0" algn="l" defTabSz="914367" rtl="0" eaLnBrk="1" fontAlgn="auto" latinLnBrk="0" hangingPunct="1">
+              <a:lnSpc>
+                <a:spcPct val="90000"/>
+              </a:lnSpc>
+              <a:spcBef>
+                <a:spcPct val="20000"/>
+              </a:spcBef>
+              <a:spcAft>
+                <a:spcPts val="0"/>
+              </a:spcAft>
+              <a:buClrTx/>
+              <a:buSzPct val="90000"/>
+              <a:buFont typeface="Arial" pitchFamily="34" charset="0"/>
+              <a:buNone/>
+              <a:tabLst/>
+              <a:defRPr sz="1765" kern="1200" spc="0" baseline="0">
+                <a:gradFill>
+                  <a:gsLst>
+                    <a:gs pos="1250">
+                      <a:srgbClr val="000000"/>
+                    </a:gs>
+                    <a:gs pos="100000">
+                      <a:srgbClr val="000000"/>
+                    </a:gs>
+                  </a:gsLst>
+                  <a:lin ang="5400000" scaled="0"/>
+                </a:gradFill>
+                <a:latin typeface="Segoe UI" pitchFamily="34" charset="0"/>
+                <a:ea typeface="+mn-ea"/>
+                <a:cs typeface="Segoe UI" pitchFamily="34" charset="0"/>
+              </a:defRPr>
+            </a:lvl4pPr>
+            <a:lvl5pPr marL="1030292" marR="0" indent="0" algn="l" defTabSz="914367" rtl="0" eaLnBrk="1" fontAlgn="auto" latinLnBrk="0" hangingPunct="1">
+              <a:lnSpc>
+                <a:spcPct val="90000"/>
+              </a:lnSpc>
+              <a:spcBef>
+                <a:spcPct val="20000"/>
+              </a:spcBef>
+              <a:spcAft>
+                <a:spcPts val="0"/>
+              </a:spcAft>
+              <a:buClrTx/>
+              <a:buSzPct val="90000"/>
+              <a:buFont typeface="Arial" pitchFamily="34" charset="0"/>
+              <a:buNone/>
+              <a:tabLst/>
+              <a:defRPr sz="1765" kern="1200" spc="0" baseline="0">
+                <a:gradFill>
+                  <a:gsLst>
+                    <a:gs pos="1250">
+                      <a:srgbClr val="000000"/>
+                    </a:gs>
+                    <a:gs pos="100000">
+                      <a:srgbClr val="000000"/>
+                    </a:gs>
+                  </a:gsLst>
+                  <a:lin ang="5400000" scaled="0"/>
+                </a:gradFill>
+                <a:latin typeface="Segoe UI" pitchFamily="34" charset="0"/>
+                <a:ea typeface="+mn-ea"/>
+                <a:cs typeface="Segoe UI" pitchFamily="34" charset="0"/>
+              </a:defRPr>
+            </a:lvl5pPr>
+            <a:lvl6pPr marL="2514509" indent="-228592" algn="l" defTabSz="914367" rtl="0" eaLnBrk="1" latinLnBrk="0" hangingPunct="1">
+              <a:spcBef>
+                <a:spcPct val="20000"/>
+              </a:spcBef>
+              <a:buFont typeface="Arial" pitchFamily="34" charset="0"/>
+              <a:buChar char="•"/>
+              <a:defRPr sz="1961" kern="1200">
+                <a:solidFill>
+                  <a:schemeClr val="tx1"/>
+                </a:solidFill>
+                <a:latin typeface="+mn-lt"/>
+                <a:ea typeface="+mn-ea"/>
+                <a:cs typeface="+mn-cs"/>
+              </a:defRPr>
+            </a:lvl6pPr>
+            <a:lvl7pPr marL="2971693" indent="-228592" algn="l" defTabSz="914367" rtl="0" eaLnBrk="1" latinLnBrk="0" hangingPunct="1">
+              <a:spcBef>
+                <a:spcPct val="20000"/>
+              </a:spcBef>
+              <a:buFont typeface="Arial" pitchFamily="34" charset="0"/>
+              <a:buChar char="•"/>
+              <a:defRPr sz="1961" kern="1200">
+                <a:solidFill>
+                  <a:schemeClr val="tx1"/>
+                </a:solidFill>
+                <a:latin typeface="+mn-lt"/>
+                <a:ea typeface="+mn-ea"/>
+                <a:cs typeface="+mn-cs"/>
+              </a:defRPr>
+            </a:lvl7pPr>
+            <a:lvl8pPr marL="3428877" indent="-228592" algn="l" defTabSz="914367" rtl="0" eaLnBrk="1" latinLnBrk="0" hangingPunct="1">
+              <a:spcBef>
+                <a:spcPct val="20000"/>
+              </a:spcBef>
+              <a:buFont typeface="Arial" pitchFamily="34" charset="0"/>
+              <a:buChar char="•"/>
+              <a:defRPr sz="1961" kern="1200">
+                <a:solidFill>
+                  <a:schemeClr val="tx1"/>
+                </a:solidFill>
+                <a:latin typeface="+mn-lt"/>
+                <a:ea typeface="+mn-ea"/>
+                <a:cs typeface="+mn-cs"/>
+              </a:defRPr>
+            </a:lvl8pPr>
+            <a:lvl9pPr marL="3886061" indent="-228592" algn="l" defTabSz="914367" rtl="0" eaLnBrk="1" latinLnBrk="0" hangingPunct="1">
+              <a:spcBef>
+                <a:spcPct val="20000"/>
+              </a:spcBef>
+              <a:buFont typeface="Arial" pitchFamily="34" charset="0"/>
+              <a:buChar char="•"/>
+              <a:defRPr sz="1961" kern="1200">
+                <a:solidFill>
+                  <a:schemeClr val="tx1"/>
+                </a:solidFill>
+                <a:latin typeface="+mn-lt"/>
+                <a:ea typeface="+mn-ea"/>
+                <a:cs typeface="+mn-cs"/>
+              </a:defRPr>
+            </a:lvl9pPr>
+          </a:lstStyle>
+          <a:p>
+            <a:pPr marL="457200" indent="-457200">
+              <a:buFont typeface="Arial" panose="020B0604020202020204" pitchFamily="34" charset="0"/>
+              <a:buChar char="•"/>
+            </a:pPr>
+            <a:r>
+              <a:rPr lang="en-US" dirty="0" smtClean="0"/>
+              <a:t>The </a:t>
+            </a:r>
+            <a:r>
+              <a:rPr lang="en-US" dirty="0" err="1" smtClean="0">
+                <a:solidFill>
+                  <a:schemeClr val="bg2"/>
+                </a:solidFill>
+                <a:latin typeface="Consolas" panose="020B0609020204030204" pitchFamily="49" charset="0"/>
+                <a:cs typeface="Consolas" panose="020B0609020204030204" pitchFamily="49" charset="0"/>
+              </a:rPr>
+              <a:t>async</a:t>
+            </a:r>
+            <a:r>
+              <a:rPr lang="en-US" dirty="0" smtClean="0">
+                <a:solidFill>
+                  <a:schemeClr val="bg2"/>
+                </a:solidFill>
+              </a:rPr>
+              <a:t> </a:t>
+            </a:r>
+            <a:r>
+              <a:rPr lang="en-US" dirty="0" smtClean="0"/>
+              <a:t>keyword:</a:t>
+            </a:r>
+          </a:p>
+          <a:p>
+            <a:pPr marL="796926" lvl="1" indent="-457200">
+              <a:buFont typeface="Arial" panose="020B0604020202020204" pitchFamily="34" charset="0"/>
+              <a:buChar char="•"/>
+            </a:pPr>
+            <a:r>
+              <a:rPr lang="en-US" dirty="0" smtClean="0"/>
+              <a:t>Enables the </a:t>
+            </a:r>
+            <a:r>
+              <a:rPr lang="en-US" dirty="0" smtClean="0">
+                <a:solidFill>
+                  <a:schemeClr val="bg2"/>
+                </a:solidFill>
+                <a:latin typeface="Consolas" panose="020B0609020204030204" pitchFamily="49" charset="0"/>
+                <a:cs typeface="Consolas" panose="020B0609020204030204" pitchFamily="49" charset="0"/>
+              </a:rPr>
+              <a:t>await</a:t>
+            </a:r>
+            <a:r>
+              <a:rPr lang="en-US" dirty="0" smtClean="0">
+                <a:solidFill>
+                  <a:schemeClr val="bg2"/>
+                </a:solidFill>
+              </a:rPr>
+              <a:t> </a:t>
+            </a:r>
+            <a:r>
+              <a:rPr lang="en-US" dirty="0" smtClean="0"/>
+              <a:t>keyword for that method.</a:t>
+            </a:r>
+          </a:p>
+          <a:p>
+            <a:pPr marL="796926" lvl="1" indent="-457200">
+              <a:buFont typeface="Arial" panose="020B0604020202020204" pitchFamily="34" charset="0"/>
+              <a:buChar char="•"/>
+            </a:pPr>
+            <a:r>
+              <a:rPr lang="en-US" dirty="0" smtClean="0"/>
+              <a:t>Transforms the method into a state machine, very similar to the </a:t>
+            </a:r>
+            <a:r>
+              <a:rPr lang="en-US" dirty="0" smtClean="0">
+                <a:solidFill>
+                  <a:schemeClr val="bg2"/>
+                </a:solidFill>
+                <a:latin typeface="Consolas" panose="020B0609020204030204" pitchFamily="49" charset="0"/>
+                <a:cs typeface="Consolas" panose="020B0609020204030204" pitchFamily="49" charset="0"/>
+              </a:rPr>
+              <a:t>yield</a:t>
+            </a:r>
+            <a:r>
+              <a:rPr lang="en-US" dirty="0" smtClean="0">
+                <a:solidFill>
+                  <a:schemeClr val="bg2"/>
+                </a:solidFill>
+              </a:rPr>
+              <a:t> </a:t>
+            </a:r>
+            <a:r>
+              <a:rPr lang="en-US" dirty="0" smtClean="0"/>
+              <a:t>keyword.</a:t>
+            </a:r>
+          </a:p>
+          <a:p>
+            <a:pPr marL="457200" indent="-457200">
+              <a:buFont typeface="Arial" panose="020B0604020202020204" pitchFamily="34" charset="0"/>
+              <a:buChar char="•"/>
+            </a:pPr>
+            <a:endParaRPr lang="en-US" dirty="0" smtClean="0"/>
+          </a:p>
+          <a:p>
+            <a:pPr marL="457200" indent="-457200">
+              <a:buFont typeface="Arial" panose="020B0604020202020204" pitchFamily="34" charset="0"/>
+              <a:buChar char="•"/>
+            </a:pPr>
+            <a:r>
+              <a:rPr lang="en-US" dirty="0" smtClean="0"/>
+              <a:t>That’s it.</a:t>
+            </a:r>
+          </a:p>
+        </p:txBody>
+      </p:sp>
+    </p:spTree>
+    <p:extLst>
+      <p:ext uri="{BB962C8B-B14F-4D97-AF65-F5344CB8AC3E}">
+        <p14:creationId xmlns:p14="http://schemas.microsoft.com/office/powerpoint/2010/main" val="3515790946"/>
+      </p:ext>
+    </p:extLst>
+  </p:cSld>
+  <p:clrMapOvr>
+    <a:masterClrMapping/>
+  </p:clrMapOvr>
+  <p:transition>
+    <p:fade/>
+  </p:transition>
+  <p:timing>
+    <p:tnLst>
+      <p:par>
+        <p:cTn id="1" dur="indefinite" restart="never" nodeType="tmRoot"/>
+      </p:par>
+    </p:tnLst>
+  </p:timing>
+</p:sld>
+</file>
+
+<file path=ppt/slides/slide17.xml><?xml version="1.0" encoding="utf-8"?>
+<p:sld xmlns:a="http://schemas.openxmlformats.org/drawingml/2006/main" xmlns:r="http://schemas.openxmlformats.org/officeDocument/2006/relationships" xmlns:p="http://schemas.openxmlformats.org/presentationml/2006/main">
+  <p:cSld>
+    <p:spTree>
+      <p:nvGrpSpPr>
+        <p:cNvPr id="1" name=""/>
+        <p:cNvGrpSpPr/>
+        <p:nvPr/>
+      </p:nvGrpSpPr>
+      <p:grpSpPr>
+        <a:xfrm>
+          <a:off x="0" y="0"/>
+          <a:ext cx="0" cy="0"/>
+          <a:chOff x="0" y="0"/>
+          <a:chExt cx="0" cy="0"/>
+        </a:xfrm>
+      </p:grpSpPr>
+      <p:sp>
+        <p:nvSpPr>
+          <p:cNvPr id="2" name="Title 1"/>
+          <p:cNvSpPr>
+            <a:spLocks noGrp="1"/>
+          </p:cNvSpPr>
+          <p:nvPr>
+            <p:ph type="title"/>
+          </p:nvPr>
+        </p:nvSpPr>
+        <p:spPr/>
+        <p:txBody>
+          <a:bodyPr/>
+          <a:lstStyle/>
+          <a:p>
+            <a:r>
+              <a:rPr lang="en-US" dirty="0" smtClean="0"/>
+              <a:t>Introduction to </a:t>
+            </a:r>
+            <a:r>
+              <a:rPr lang="en-US" dirty="0" err="1" smtClean="0"/>
+              <a:t>Async</a:t>
+            </a:r>
+            <a:endParaRPr lang="en-US" dirty="0"/>
+          </a:p>
+        </p:txBody>
+      </p:sp>
+      <p:sp>
+        <p:nvSpPr>
+          <p:cNvPr id="3" name="Text Placeholder 2"/>
+          <p:cNvSpPr>
+            <a:spLocks noGrp="1"/>
+          </p:cNvSpPr>
+          <p:nvPr>
+            <p:ph type="body" sz="quarter" idx="10"/>
+          </p:nvPr>
+        </p:nvSpPr>
+        <p:spPr>
+          <a:xfrm>
+            <a:off x="269239" y="1197322"/>
+            <a:ext cx="11653522" cy="2468368"/>
+          </a:xfrm>
+        </p:spPr>
+        <p:txBody>
+          <a:bodyPr/>
+          <a:lstStyle/>
+          <a:p>
+            <a:r>
+              <a:rPr lang="en-US" sz="2800" dirty="0" err="1">
+                <a:solidFill>
+                  <a:schemeClr val="accent1"/>
+                </a:solidFill>
+                <a:latin typeface="Consolas" panose="020B0609020204030204" pitchFamily="49" charset="0"/>
+                <a:cs typeface="Consolas" panose="020B0609020204030204" pitchFamily="49" charset="0"/>
+              </a:rPr>
+              <a:t>async</a:t>
+            </a:r>
+            <a:r>
+              <a:rPr lang="en-US" sz="2800" dirty="0">
+                <a:solidFill>
+                  <a:schemeClr val="accent1"/>
+                </a:solidFill>
+                <a:latin typeface="Consolas" panose="020B0609020204030204" pitchFamily="49" charset="0"/>
+                <a:cs typeface="Consolas" panose="020B0609020204030204" pitchFamily="49" charset="0"/>
+              </a:rPr>
+              <a:t> </a:t>
+            </a:r>
+            <a:r>
+              <a:rPr lang="en-US" sz="2800" dirty="0">
+                <a:solidFill>
+                  <a:schemeClr val="tx2"/>
+                </a:solidFill>
+                <a:latin typeface="Consolas" panose="020B0609020204030204" pitchFamily="49" charset="0"/>
+                <a:cs typeface="Consolas" panose="020B0609020204030204" pitchFamily="49" charset="0"/>
+              </a:rPr>
+              <a:t>Task </a:t>
+            </a:r>
+            <a:r>
+              <a:rPr lang="en-US" sz="2800" dirty="0" err="1" smtClean="0">
+                <a:latin typeface="Consolas" panose="020B0609020204030204" pitchFamily="49" charset="0"/>
+                <a:cs typeface="Consolas" panose="020B0609020204030204" pitchFamily="49" charset="0"/>
+              </a:rPr>
+              <a:t>DoNothingAsync</a:t>
+            </a:r>
+            <a:r>
+              <a:rPr lang="en-US" sz="2800" dirty="0">
+                <a:latin typeface="Consolas" panose="020B0609020204030204" pitchFamily="49" charset="0"/>
+                <a:cs typeface="Consolas" panose="020B0609020204030204" pitchFamily="49" charset="0"/>
+              </a:rPr>
+              <a:t>()</a:t>
+            </a:r>
+          </a:p>
+          <a:p>
+            <a:r>
+              <a:rPr lang="en-US" sz="2800" dirty="0" smtClean="0">
+                <a:latin typeface="Consolas" panose="020B0609020204030204" pitchFamily="49" charset="0"/>
+                <a:cs typeface="Consolas" panose="020B0609020204030204" pitchFamily="49" charset="0"/>
+              </a:rPr>
+              <a:t>{</a:t>
+            </a:r>
+          </a:p>
+          <a:p>
+            <a:r>
+              <a:rPr lang="en-US" sz="2800" dirty="0">
+                <a:latin typeface="Consolas" panose="020B0609020204030204" pitchFamily="49" charset="0"/>
+                <a:cs typeface="Consolas" panose="020B0609020204030204" pitchFamily="49" charset="0"/>
+              </a:rPr>
+              <a:t>  </a:t>
+            </a:r>
+            <a:r>
+              <a:rPr lang="en-US" sz="2800" dirty="0">
+                <a:solidFill>
+                  <a:schemeClr val="accent2"/>
+                </a:solidFill>
+                <a:latin typeface="Consolas" panose="020B0609020204030204" pitchFamily="49" charset="0"/>
+                <a:cs typeface="Consolas" panose="020B0609020204030204" pitchFamily="49" charset="0"/>
+              </a:rPr>
+              <a:t>// In the Real World, we would actually do something...</a:t>
+            </a:r>
+          </a:p>
+          <a:p>
+            <a:r>
+              <a:rPr lang="en-US" sz="2800" dirty="0">
+                <a:latin typeface="Consolas" panose="020B0609020204030204" pitchFamily="49" charset="0"/>
+                <a:cs typeface="Consolas" panose="020B0609020204030204" pitchFamily="49" charset="0"/>
+              </a:rPr>
+              <a:t>  </a:t>
+            </a:r>
+            <a:r>
+              <a:rPr lang="en-US" sz="2800" dirty="0">
+                <a:solidFill>
+                  <a:schemeClr val="accent1"/>
+                </a:solidFill>
+                <a:latin typeface="Consolas" panose="020B0609020204030204" pitchFamily="49" charset="0"/>
+                <a:cs typeface="Consolas" panose="020B0609020204030204" pitchFamily="49" charset="0"/>
+              </a:rPr>
+              <a:t>await</a:t>
+            </a:r>
+            <a:r>
+              <a:rPr lang="en-US" sz="2800" dirty="0">
+                <a:latin typeface="Consolas" panose="020B0609020204030204" pitchFamily="49" charset="0"/>
+                <a:cs typeface="Consolas" panose="020B0609020204030204" pitchFamily="49" charset="0"/>
+              </a:rPr>
+              <a:t> </a:t>
+            </a:r>
+            <a:r>
+              <a:rPr lang="en-US" sz="2800" dirty="0" err="1" smtClean="0">
+                <a:solidFill>
+                  <a:schemeClr val="tx2"/>
+                </a:solidFill>
+                <a:latin typeface="Consolas" panose="020B0609020204030204" pitchFamily="49" charset="0"/>
+                <a:cs typeface="Consolas" panose="020B0609020204030204" pitchFamily="49" charset="0"/>
+              </a:rPr>
+              <a:t>Task</a:t>
+            </a:r>
+            <a:r>
+              <a:rPr lang="en-US" sz="2800" dirty="0" err="1" smtClean="0">
+                <a:latin typeface="Consolas" panose="020B0609020204030204" pitchFamily="49" charset="0"/>
+                <a:cs typeface="Consolas" panose="020B0609020204030204" pitchFamily="49" charset="0"/>
+              </a:rPr>
+              <a:t>.Delay</a:t>
+            </a:r>
+            <a:r>
+              <a:rPr lang="en-US" sz="2800" dirty="0" smtClean="0">
+                <a:latin typeface="Consolas" panose="020B0609020204030204" pitchFamily="49" charset="0"/>
+                <a:cs typeface="Consolas" panose="020B0609020204030204" pitchFamily="49" charset="0"/>
+              </a:rPr>
+              <a:t>(100);</a:t>
+            </a:r>
+            <a:endParaRPr lang="en-US" sz="2800" dirty="0">
+              <a:latin typeface="Consolas" panose="020B0609020204030204" pitchFamily="49" charset="0"/>
+              <a:cs typeface="Consolas" panose="020B0609020204030204" pitchFamily="49" charset="0"/>
+            </a:endParaRPr>
+          </a:p>
+          <a:p>
+            <a:r>
+              <a:rPr lang="en-US" sz="2800" dirty="0" smtClean="0">
+                <a:latin typeface="Consolas" panose="020B0609020204030204" pitchFamily="49" charset="0"/>
+                <a:cs typeface="Consolas" panose="020B0609020204030204" pitchFamily="49" charset="0"/>
+              </a:rPr>
+              <a:t>}</a:t>
+            </a:r>
+            <a:endParaRPr lang="en-US" sz="2800" dirty="0">
+              <a:latin typeface="Consolas" panose="020B0609020204030204" pitchFamily="49" charset="0"/>
+              <a:cs typeface="Consolas" panose="020B0609020204030204" pitchFamily="49" charset="0"/>
+            </a:endParaRPr>
+          </a:p>
+        </p:txBody>
+      </p:sp>
+      <p:sp>
+        <p:nvSpPr>
+          <p:cNvPr id="6" name="Text Placeholder 2"/>
+          <p:cNvSpPr txBox="1">
+            <a:spLocks/>
+          </p:cNvSpPr>
+          <p:nvPr/>
+        </p:nvSpPr>
+        <p:spPr>
+          <a:xfrm>
+            <a:off x="269239" y="3958361"/>
+            <a:ext cx="11653522" cy="2283574"/>
+          </a:xfrm>
+          <a:prstGeom prst="rect">
+            <a:avLst/>
+          </a:prstGeom>
+        </p:spPr>
+        <p:txBody>
+          <a:bodyPr vert="horz" wrap="square" lIns="146304" tIns="91440" rIns="146304" bIns="91440" rtlCol="0">
+            <a:spAutoFit/>
+          </a:bodyPr>
+          <a:lstStyle>
+            <a:lvl1pPr marL="0" marR="0" indent="0" algn="l" defTabSz="914367" rtl="0" eaLnBrk="1" fontAlgn="auto" latinLnBrk="0" hangingPunct="1">
+              <a:lnSpc>
+                <a:spcPct val="90000"/>
+              </a:lnSpc>
+              <a:spcBef>
+                <a:spcPct val="20000"/>
+              </a:spcBef>
+              <a:spcAft>
+                <a:spcPts val="0"/>
+              </a:spcAft>
+              <a:buClrTx/>
+              <a:buSzPct val="90000"/>
+              <a:buFont typeface="Arial" pitchFamily="34" charset="0"/>
+              <a:buNone/>
+              <a:tabLst/>
+              <a:defRPr sz="3235" kern="1200" spc="0" baseline="0">
+                <a:gradFill>
+                  <a:gsLst>
+                    <a:gs pos="1250">
+                      <a:srgbClr val="000000"/>
+                    </a:gs>
+                    <a:gs pos="100000">
+                      <a:srgbClr val="000000"/>
+                    </a:gs>
+                  </a:gsLst>
+                  <a:lin ang="5400000" scaled="0"/>
+                </a:gradFill>
+                <a:latin typeface="Segoe UI" pitchFamily="34" charset="0"/>
+                <a:ea typeface="+mn-ea"/>
+                <a:cs typeface="Segoe UI" pitchFamily="34" charset="0"/>
+              </a:defRPr>
+            </a:lvl1pPr>
+            <a:lvl2pPr marL="339726" marR="0" indent="0" algn="l" defTabSz="914367" rtl="0" eaLnBrk="1" fontAlgn="auto" latinLnBrk="0" hangingPunct="1">
+              <a:lnSpc>
+                <a:spcPct val="90000"/>
+              </a:lnSpc>
+              <a:spcBef>
+                <a:spcPct val="20000"/>
+              </a:spcBef>
+              <a:spcAft>
+                <a:spcPts val="0"/>
+              </a:spcAft>
+              <a:buClrTx/>
+              <a:buSzPct val="90000"/>
+              <a:buFont typeface="Arial" pitchFamily="34" charset="0"/>
+              <a:buNone/>
+              <a:tabLst/>
+              <a:defRPr sz="2353" kern="1200" spc="0" baseline="0">
+                <a:gradFill>
+                  <a:gsLst>
+                    <a:gs pos="1250">
+                      <a:srgbClr val="000000"/>
+                    </a:gs>
+                    <a:gs pos="100000">
+                      <a:srgbClr val="000000"/>
+                    </a:gs>
+                  </a:gsLst>
+                  <a:lin ang="5400000" scaled="0"/>
+                </a:gradFill>
+                <a:latin typeface="Segoe UI" pitchFamily="34" charset="0"/>
+                <a:ea typeface="+mn-ea"/>
+                <a:cs typeface="Segoe UI" pitchFamily="34" charset="0"/>
+              </a:defRPr>
+            </a:lvl2pPr>
+            <a:lvl3pPr marL="573090" marR="0" indent="0" algn="l" defTabSz="914367" rtl="0" eaLnBrk="1" fontAlgn="auto" latinLnBrk="0" hangingPunct="1">
+              <a:lnSpc>
+                <a:spcPct val="90000"/>
+              </a:lnSpc>
+              <a:spcBef>
+                <a:spcPct val="20000"/>
+              </a:spcBef>
+              <a:spcAft>
+                <a:spcPts val="0"/>
+              </a:spcAft>
+              <a:buClrTx/>
+              <a:buSzPct val="90000"/>
+              <a:buFont typeface="Arial" pitchFamily="34" charset="0"/>
+              <a:buNone/>
+              <a:tabLst/>
+              <a:defRPr sz="1961" kern="1200" spc="0" baseline="0">
+                <a:gradFill>
+                  <a:gsLst>
+                    <a:gs pos="1250">
+                      <a:srgbClr val="000000"/>
+                    </a:gs>
+                    <a:gs pos="100000">
+                      <a:srgbClr val="000000"/>
+                    </a:gs>
+                  </a:gsLst>
+                  <a:lin ang="5400000" scaled="0"/>
+                </a:gradFill>
+                <a:latin typeface="Segoe UI" pitchFamily="34" charset="0"/>
+                <a:ea typeface="+mn-ea"/>
+                <a:cs typeface="Segoe UI" pitchFamily="34" charset="0"/>
+              </a:defRPr>
+            </a:lvl3pPr>
+            <a:lvl4pPr marL="798516" marR="0" indent="0" algn="l" defTabSz="914367" rtl="0" eaLnBrk="1" fontAlgn="auto" latinLnBrk="0" hangingPunct="1">
+              <a:lnSpc>
+                <a:spcPct val="90000"/>
+              </a:lnSpc>
+              <a:spcBef>
+                <a:spcPct val="20000"/>
+              </a:spcBef>
+              <a:spcAft>
+                <a:spcPts val="0"/>
+              </a:spcAft>
+              <a:buClrTx/>
+              <a:buSzPct val="90000"/>
+              <a:buFont typeface="Arial" pitchFamily="34" charset="0"/>
+              <a:buNone/>
+              <a:tabLst/>
+              <a:defRPr sz="1765" kern="1200" spc="0" baseline="0">
+                <a:gradFill>
+                  <a:gsLst>
+                    <a:gs pos="1250">
+                      <a:srgbClr val="000000"/>
+                    </a:gs>
+                    <a:gs pos="100000">
+                      <a:srgbClr val="000000"/>
+                    </a:gs>
+                  </a:gsLst>
+                  <a:lin ang="5400000" scaled="0"/>
+                </a:gradFill>
+                <a:latin typeface="Segoe UI" pitchFamily="34" charset="0"/>
+                <a:ea typeface="+mn-ea"/>
+                <a:cs typeface="Segoe UI" pitchFamily="34" charset="0"/>
+              </a:defRPr>
+            </a:lvl4pPr>
+            <a:lvl5pPr marL="1030292" marR="0" indent="0" algn="l" defTabSz="914367" rtl="0" eaLnBrk="1" fontAlgn="auto" latinLnBrk="0" hangingPunct="1">
+              <a:lnSpc>
+                <a:spcPct val="90000"/>
+              </a:lnSpc>
+              <a:spcBef>
+                <a:spcPct val="20000"/>
+              </a:spcBef>
+              <a:spcAft>
+                <a:spcPts val="0"/>
+              </a:spcAft>
+              <a:buClrTx/>
+              <a:buSzPct val="90000"/>
+              <a:buFont typeface="Arial" pitchFamily="34" charset="0"/>
+              <a:buNone/>
+              <a:tabLst/>
+              <a:defRPr sz="1765" kern="1200" spc="0" baseline="0">
+                <a:gradFill>
+                  <a:gsLst>
+                    <a:gs pos="1250">
+                      <a:srgbClr val="000000"/>
+                    </a:gs>
+                    <a:gs pos="100000">
+                      <a:srgbClr val="000000"/>
+                    </a:gs>
+                  </a:gsLst>
+                  <a:lin ang="5400000" scaled="0"/>
+                </a:gradFill>
+                <a:latin typeface="Segoe UI" pitchFamily="34" charset="0"/>
+                <a:ea typeface="+mn-ea"/>
+                <a:cs typeface="Segoe UI" pitchFamily="34" charset="0"/>
+              </a:defRPr>
+            </a:lvl5pPr>
+            <a:lvl6pPr marL="2514509" indent="-228592" algn="l" defTabSz="914367" rtl="0" eaLnBrk="1" latinLnBrk="0" hangingPunct="1">
+              <a:spcBef>
+                <a:spcPct val="20000"/>
+              </a:spcBef>
+              <a:buFont typeface="Arial" pitchFamily="34" charset="0"/>
+              <a:buChar char="•"/>
+              <a:defRPr sz="1961" kern="1200">
+                <a:solidFill>
+                  <a:schemeClr val="tx1"/>
+                </a:solidFill>
+                <a:latin typeface="+mn-lt"/>
+                <a:ea typeface="+mn-ea"/>
+                <a:cs typeface="+mn-cs"/>
+              </a:defRPr>
+            </a:lvl6pPr>
+            <a:lvl7pPr marL="2971693" indent="-228592" algn="l" defTabSz="914367" rtl="0" eaLnBrk="1" latinLnBrk="0" hangingPunct="1">
+              <a:spcBef>
+                <a:spcPct val="20000"/>
+              </a:spcBef>
+              <a:buFont typeface="Arial" pitchFamily="34" charset="0"/>
+              <a:buChar char="•"/>
+              <a:defRPr sz="1961" kern="1200">
+                <a:solidFill>
+                  <a:schemeClr val="tx1"/>
+                </a:solidFill>
+                <a:latin typeface="+mn-lt"/>
+                <a:ea typeface="+mn-ea"/>
+                <a:cs typeface="+mn-cs"/>
+              </a:defRPr>
+            </a:lvl7pPr>
+            <a:lvl8pPr marL="3428877" indent="-228592" algn="l" defTabSz="914367" rtl="0" eaLnBrk="1" latinLnBrk="0" hangingPunct="1">
+              <a:spcBef>
+                <a:spcPct val="20000"/>
+              </a:spcBef>
+              <a:buFont typeface="Arial" pitchFamily="34" charset="0"/>
+              <a:buChar char="•"/>
+              <a:defRPr sz="1961" kern="1200">
+                <a:solidFill>
+                  <a:schemeClr val="tx1"/>
+                </a:solidFill>
+                <a:latin typeface="+mn-lt"/>
+                <a:ea typeface="+mn-ea"/>
+                <a:cs typeface="+mn-cs"/>
+              </a:defRPr>
+            </a:lvl8pPr>
+            <a:lvl9pPr marL="3886061" indent="-228592" algn="l" defTabSz="914367" rtl="0" eaLnBrk="1" latinLnBrk="0" hangingPunct="1">
+              <a:spcBef>
+                <a:spcPct val="20000"/>
+              </a:spcBef>
+              <a:buFont typeface="Arial" pitchFamily="34" charset="0"/>
+              <a:buChar char="•"/>
+              <a:defRPr sz="1961" kern="1200">
+                <a:solidFill>
+                  <a:schemeClr val="tx1"/>
+                </a:solidFill>
+                <a:latin typeface="+mn-lt"/>
+                <a:ea typeface="+mn-ea"/>
+                <a:cs typeface="+mn-cs"/>
+              </a:defRPr>
+            </a:lvl9pPr>
+          </a:lstStyle>
+          <a:p>
+            <a:r>
+              <a:rPr lang="en-US" dirty="0" smtClean="0">
+                <a:solidFill>
+                  <a:schemeClr val="bg2"/>
+                </a:solidFill>
+                <a:latin typeface="Consolas" panose="020B0609020204030204" pitchFamily="49" charset="0"/>
+                <a:cs typeface="Consolas" panose="020B0609020204030204" pitchFamily="49" charset="0"/>
+              </a:rPr>
+              <a:t>await</a:t>
+            </a:r>
+            <a:endParaRPr lang="en-US" dirty="0" smtClean="0"/>
+          </a:p>
+          <a:p>
+            <a:pPr marL="457200" indent="-457200">
+              <a:buFont typeface="Arial" panose="020B0604020202020204" pitchFamily="34" charset="0"/>
+              <a:buChar char="•"/>
+            </a:pPr>
+            <a:r>
+              <a:rPr lang="en-US" dirty="0" smtClean="0"/>
+              <a:t>Takes a single argument.</a:t>
+            </a:r>
+          </a:p>
+          <a:p>
+            <a:pPr marL="457200" indent="-457200">
+              <a:buFont typeface="Arial" panose="020B0604020202020204" pitchFamily="34" charset="0"/>
+              <a:buChar char="•"/>
+            </a:pPr>
+            <a:r>
+              <a:rPr lang="en-US" dirty="0" smtClean="0"/>
+              <a:t>“</a:t>
+            </a:r>
+            <a:r>
+              <a:rPr lang="en-US" dirty="0" err="1" smtClean="0"/>
+              <a:t>Awaitable</a:t>
+            </a:r>
+            <a:r>
+              <a:rPr lang="en-US" dirty="0" smtClean="0"/>
+              <a:t>”</a:t>
+            </a:r>
+          </a:p>
+          <a:p>
+            <a:pPr marL="457200" indent="-457200">
+              <a:buFont typeface="Arial" panose="020B0604020202020204" pitchFamily="34" charset="0"/>
+              <a:buChar char="•"/>
+            </a:pPr>
+            <a:r>
+              <a:rPr lang="en-US" dirty="0" smtClean="0"/>
+              <a:t>Usually a </a:t>
+            </a:r>
+            <a:r>
+              <a:rPr lang="en-US" sz="3232" dirty="0">
+                <a:solidFill>
+                  <a:schemeClr val="tx2"/>
+                </a:solidFill>
+                <a:latin typeface="Consolas" panose="020B0609020204030204" pitchFamily="49" charset="0"/>
+                <a:cs typeface="Consolas" panose="020B0609020204030204" pitchFamily="49" charset="0"/>
+              </a:rPr>
+              <a:t>Task</a:t>
+            </a:r>
+            <a:r>
+              <a:rPr lang="en-US" sz="3282" dirty="0">
+                <a:solidFill>
+                  <a:schemeClr val="tx2"/>
+                </a:solidFill>
+                <a:latin typeface="Consolas" panose="020B0609020204030204" pitchFamily="49" charset="0"/>
+                <a:cs typeface="Consolas" panose="020B0609020204030204" pitchFamily="49" charset="0"/>
+              </a:rPr>
+              <a:t> </a:t>
+            </a:r>
+            <a:r>
+              <a:rPr lang="en-US" dirty="0" smtClean="0"/>
+              <a:t>or </a:t>
+            </a:r>
+            <a:r>
+              <a:rPr lang="en-US" sz="3282" dirty="0" smtClean="0">
+                <a:solidFill>
+                  <a:schemeClr val="tx2"/>
+                </a:solidFill>
+                <a:latin typeface="Consolas" panose="020B0609020204030204" pitchFamily="49" charset="0"/>
+                <a:cs typeface="Consolas" panose="020B0609020204030204" pitchFamily="49" charset="0"/>
+              </a:rPr>
+              <a:t>Task</a:t>
+            </a:r>
+            <a:r>
+              <a:rPr lang="en-US" dirty="0" smtClean="0">
+                <a:latin typeface="Consolas" panose="020B0609020204030204" pitchFamily="49" charset="0"/>
+                <a:cs typeface="Consolas" panose="020B0609020204030204" pitchFamily="49" charset="0"/>
+              </a:rPr>
+              <a:t>&lt;T&gt;</a:t>
+            </a:r>
+            <a:r>
+              <a:rPr lang="en-US" dirty="0" smtClean="0"/>
+              <a:t>.</a:t>
+            </a:r>
+          </a:p>
+        </p:txBody>
+      </p:sp>
+      <p:sp>
+        <p:nvSpPr>
+          <p:cNvPr id="7" name="Text Placeholder 2"/>
+          <p:cNvSpPr txBox="1">
+            <a:spLocks/>
+          </p:cNvSpPr>
+          <p:nvPr/>
+        </p:nvSpPr>
+        <p:spPr>
+          <a:xfrm>
+            <a:off x="6096000" y="2958023"/>
+            <a:ext cx="5641703" cy="2142125"/>
+          </a:xfrm>
+          <a:prstGeom prst="rect">
+            <a:avLst/>
+          </a:prstGeom>
+          <a:ln>
+            <a:solidFill>
+              <a:schemeClr val="accent1"/>
+            </a:solidFill>
+          </a:ln>
+        </p:spPr>
+        <p:txBody>
+          <a:bodyPr vert="horz" wrap="square" lIns="146304" tIns="91440" rIns="146304" bIns="91440" rtlCol="0">
+            <a:spAutoFit/>
+          </a:bodyPr>
+          <a:lstStyle>
+            <a:lvl1pPr marL="0" marR="0" indent="0" algn="l" defTabSz="914367" rtl="0" eaLnBrk="1" fontAlgn="auto" latinLnBrk="0" hangingPunct="1">
+              <a:lnSpc>
+                <a:spcPct val="90000"/>
+              </a:lnSpc>
+              <a:spcBef>
+                <a:spcPct val="20000"/>
+              </a:spcBef>
+              <a:spcAft>
+                <a:spcPts val="0"/>
+              </a:spcAft>
+              <a:buClrTx/>
+              <a:buSzPct val="90000"/>
+              <a:buFont typeface="Arial" pitchFamily="34" charset="0"/>
+              <a:buNone/>
+              <a:tabLst/>
+              <a:defRPr sz="3235" kern="1200" spc="0" baseline="0">
+                <a:gradFill>
+                  <a:gsLst>
+                    <a:gs pos="1250">
+                      <a:srgbClr val="000000"/>
+                    </a:gs>
+                    <a:gs pos="100000">
+                      <a:srgbClr val="000000"/>
+                    </a:gs>
+                  </a:gsLst>
+                  <a:lin ang="5400000" scaled="0"/>
+                </a:gradFill>
+                <a:latin typeface="Segoe UI" pitchFamily="34" charset="0"/>
+                <a:ea typeface="+mn-ea"/>
+                <a:cs typeface="Segoe UI" pitchFamily="34" charset="0"/>
+              </a:defRPr>
+            </a:lvl1pPr>
+            <a:lvl2pPr marL="339726" marR="0" indent="0" algn="l" defTabSz="914367" rtl="0" eaLnBrk="1" fontAlgn="auto" latinLnBrk="0" hangingPunct="1">
+              <a:lnSpc>
+                <a:spcPct val="90000"/>
+              </a:lnSpc>
+              <a:spcBef>
+                <a:spcPct val="20000"/>
+              </a:spcBef>
+              <a:spcAft>
+                <a:spcPts val="0"/>
+              </a:spcAft>
+              <a:buClrTx/>
+              <a:buSzPct val="90000"/>
+              <a:buFont typeface="Arial" pitchFamily="34" charset="0"/>
+              <a:buNone/>
+              <a:tabLst/>
+              <a:defRPr sz="2353" kern="1200" spc="0" baseline="0">
+                <a:gradFill>
+                  <a:gsLst>
+                    <a:gs pos="1250">
+                      <a:srgbClr val="000000"/>
+                    </a:gs>
+                    <a:gs pos="100000">
+                      <a:srgbClr val="000000"/>
+                    </a:gs>
+                  </a:gsLst>
+                  <a:lin ang="5400000" scaled="0"/>
+                </a:gradFill>
+                <a:latin typeface="Segoe UI" pitchFamily="34" charset="0"/>
+                <a:ea typeface="+mn-ea"/>
+                <a:cs typeface="Segoe UI" pitchFamily="34" charset="0"/>
+              </a:defRPr>
+            </a:lvl2pPr>
+            <a:lvl3pPr marL="573090" marR="0" indent="0" algn="l" defTabSz="914367" rtl="0" eaLnBrk="1" fontAlgn="auto" latinLnBrk="0" hangingPunct="1">
+              <a:lnSpc>
+                <a:spcPct val="90000"/>
+              </a:lnSpc>
+              <a:spcBef>
+                <a:spcPct val="20000"/>
+              </a:spcBef>
+              <a:spcAft>
+                <a:spcPts val="0"/>
+              </a:spcAft>
+              <a:buClrTx/>
+              <a:buSzPct val="90000"/>
+              <a:buFont typeface="Arial" pitchFamily="34" charset="0"/>
+              <a:buNone/>
+              <a:tabLst/>
+              <a:defRPr sz="1961" kern="1200" spc="0" baseline="0">
+                <a:gradFill>
+                  <a:gsLst>
+                    <a:gs pos="1250">
+                      <a:srgbClr val="000000"/>
+                    </a:gs>
+                    <a:gs pos="100000">
+                      <a:srgbClr val="000000"/>
+                    </a:gs>
+                  </a:gsLst>
+                  <a:lin ang="5400000" scaled="0"/>
+                </a:gradFill>
+                <a:latin typeface="Segoe UI" pitchFamily="34" charset="0"/>
+                <a:ea typeface="+mn-ea"/>
+                <a:cs typeface="Segoe UI" pitchFamily="34" charset="0"/>
+              </a:defRPr>
+            </a:lvl3pPr>
+            <a:lvl4pPr marL="798516" marR="0" indent="0" algn="l" defTabSz="914367" rtl="0" eaLnBrk="1" fontAlgn="auto" latinLnBrk="0" hangingPunct="1">
+              <a:lnSpc>
+                <a:spcPct val="90000"/>
+              </a:lnSpc>
+              <a:spcBef>
+                <a:spcPct val="20000"/>
+              </a:spcBef>
+              <a:spcAft>
+                <a:spcPts val="0"/>
+              </a:spcAft>
+              <a:buClrTx/>
+              <a:buSzPct val="90000"/>
+              <a:buFont typeface="Arial" pitchFamily="34" charset="0"/>
+              <a:buNone/>
+              <a:tabLst/>
+              <a:defRPr sz="1765" kern="1200" spc="0" baseline="0">
+                <a:gradFill>
+                  <a:gsLst>
+                    <a:gs pos="1250">
+                      <a:srgbClr val="000000"/>
+                    </a:gs>
+                    <a:gs pos="100000">
+                      <a:srgbClr val="000000"/>
+                    </a:gs>
+                  </a:gsLst>
+                  <a:lin ang="5400000" scaled="0"/>
+                </a:gradFill>
+                <a:latin typeface="Segoe UI" pitchFamily="34" charset="0"/>
+                <a:ea typeface="+mn-ea"/>
+                <a:cs typeface="Segoe UI" pitchFamily="34" charset="0"/>
+              </a:defRPr>
+            </a:lvl4pPr>
+            <a:lvl5pPr marL="1030292" marR="0" indent="0" algn="l" defTabSz="914367" rtl="0" eaLnBrk="1" fontAlgn="auto" latinLnBrk="0" hangingPunct="1">
+              <a:lnSpc>
+                <a:spcPct val="90000"/>
+              </a:lnSpc>
+              <a:spcBef>
+                <a:spcPct val="20000"/>
+              </a:spcBef>
+              <a:spcAft>
+                <a:spcPts val="0"/>
+              </a:spcAft>
+              <a:buClrTx/>
+              <a:buSzPct val="90000"/>
+              <a:buFont typeface="Arial" pitchFamily="34" charset="0"/>
+              <a:buNone/>
+              <a:tabLst/>
+              <a:defRPr sz="1765" kern="1200" spc="0" baseline="0">
+                <a:gradFill>
+                  <a:gsLst>
+                    <a:gs pos="1250">
+                      <a:srgbClr val="000000"/>
+                    </a:gs>
+                    <a:gs pos="100000">
+                      <a:srgbClr val="000000"/>
+                    </a:gs>
+                  </a:gsLst>
+                  <a:lin ang="5400000" scaled="0"/>
+                </a:gradFill>
+                <a:latin typeface="Segoe UI" pitchFamily="34" charset="0"/>
+                <a:ea typeface="+mn-ea"/>
+                <a:cs typeface="Segoe UI" pitchFamily="34" charset="0"/>
+              </a:defRPr>
+            </a:lvl5pPr>
+            <a:lvl6pPr marL="2514509" indent="-228592" algn="l" defTabSz="914367" rtl="0" eaLnBrk="1" latinLnBrk="0" hangingPunct="1">
+              <a:spcBef>
+                <a:spcPct val="20000"/>
+              </a:spcBef>
+              <a:buFont typeface="Arial" pitchFamily="34" charset="0"/>
+              <a:buChar char="•"/>
+              <a:defRPr sz="1961" kern="1200">
+                <a:solidFill>
+                  <a:schemeClr val="tx1"/>
+                </a:solidFill>
+                <a:latin typeface="+mn-lt"/>
+                <a:ea typeface="+mn-ea"/>
+                <a:cs typeface="+mn-cs"/>
+              </a:defRPr>
+            </a:lvl6pPr>
+            <a:lvl7pPr marL="2971693" indent="-228592" algn="l" defTabSz="914367" rtl="0" eaLnBrk="1" latinLnBrk="0" hangingPunct="1">
+              <a:spcBef>
+                <a:spcPct val="20000"/>
+              </a:spcBef>
+              <a:buFont typeface="Arial" pitchFamily="34" charset="0"/>
+              <a:buChar char="•"/>
+              <a:defRPr sz="1961" kern="1200">
+                <a:solidFill>
+                  <a:schemeClr val="tx1"/>
+                </a:solidFill>
+                <a:latin typeface="+mn-lt"/>
+                <a:ea typeface="+mn-ea"/>
+                <a:cs typeface="+mn-cs"/>
+              </a:defRPr>
+            </a:lvl7pPr>
+            <a:lvl8pPr marL="3428877" indent="-228592" algn="l" defTabSz="914367" rtl="0" eaLnBrk="1" latinLnBrk="0" hangingPunct="1">
+              <a:spcBef>
+                <a:spcPct val="20000"/>
+              </a:spcBef>
+              <a:buFont typeface="Arial" pitchFamily="34" charset="0"/>
+              <a:buChar char="•"/>
+              <a:defRPr sz="1961" kern="1200">
+                <a:solidFill>
+                  <a:schemeClr val="tx1"/>
+                </a:solidFill>
+                <a:latin typeface="+mn-lt"/>
+                <a:ea typeface="+mn-ea"/>
+                <a:cs typeface="+mn-cs"/>
+              </a:defRPr>
+            </a:lvl8pPr>
+            <a:lvl9pPr marL="3886061" indent="-228592" algn="l" defTabSz="914367" rtl="0" eaLnBrk="1" latinLnBrk="0" hangingPunct="1">
+              <a:spcBef>
+                <a:spcPct val="20000"/>
+              </a:spcBef>
+              <a:buFont typeface="Arial" pitchFamily="34" charset="0"/>
+              <a:buChar char="•"/>
+              <a:defRPr sz="1961" kern="1200">
+                <a:solidFill>
+                  <a:schemeClr val="tx1"/>
+                </a:solidFill>
+                <a:latin typeface="+mn-lt"/>
+                <a:ea typeface="+mn-ea"/>
+                <a:cs typeface="+mn-cs"/>
+              </a:defRPr>
+            </a:lvl9pPr>
+          </a:lstStyle>
+          <a:p>
+            <a:r>
+              <a:rPr lang="en-US" sz="2400" dirty="0" err="1" smtClean="0">
+                <a:solidFill>
+                  <a:schemeClr val="accent1"/>
+                </a:solidFill>
+                <a:latin typeface="Consolas" panose="020B0609020204030204" pitchFamily="49" charset="0"/>
+                <a:cs typeface="Consolas" panose="020B0609020204030204" pitchFamily="49" charset="0"/>
+              </a:rPr>
+              <a:t>async</a:t>
+            </a:r>
+            <a:r>
+              <a:rPr lang="en-US" sz="2400" dirty="0" smtClean="0">
+                <a:solidFill>
+                  <a:schemeClr val="accent1"/>
+                </a:solidFill>
+                <a:latin typeface="Consolas" panose="020B0609020204030204" pitchFamily="49" charset="0"/>
+                <a:cs typeface="Consolas" panose="020B0609020204030204" pitchFamily="49" charset="0"/>
+              </a:rPr>
+              <a:t> </a:t>
+            </a:r>
+            <a:r>
+              <a:rPr lang="en-US" sz="2400" dirty="0">
+                <a:solidFill>
+                  <a:schemeClr val="tx2"/>
+                </a:solidFill>
+                <a:latin typeface="Consolas" panose="020B0609020204030204" pitchFamily="49" charset="0"/>
+                <a:cs typeface="Consolas" panose="020B0609020204030204" pitchFamily="49" charset="0"/>
+              </a:rPr>
+              <a:t>Task </a:t>
+            </a:r>
+            <a:r>
+              <a:rPr lang="en-US" sz="2400" dirty="0" err="1">
+                <a:latin typeface="Consolas" panose="020B0609020204030204" pitchFamily="49" charset="0"/>
+                <a:cs typeface="Consolas" panose="020B0609020204030204" pitchFamily="49" charset="0"/>
+              </a:rPr>
+              <a:t>DoNothingAsync</a:t>
+            </a:r>
+            <a:r>
+              <a:rPr lang="en-US" sz="2400" dirty="0">
+                <a:latin typeface="Consolas" panose="020B0609020204030204" pitchFamily="49" charset="0"/>
+                <a:cs typeface="Consolas" panose="020B0609020204030204" pitchFamily="49" charset="0"/>
+              </a:rPr>
+              <a:t>()</a:t>
+            </a:r>
+          </a:p>
+          <a:p>
+            <a:r>
+              <a:rPr lang="en-US" sz="2400" dirty="0">
+                <a:latin typeface="Consolas" panose="020B0609020204030204" pitchFamily="49" charset="0"/>
+                <a:cs typeface="Consolas" panose="020B0609020204030204" pitchFamily="49" charset="0"/>
+              </a:rPr>
+              <a:t>{</a:t>
+            </a:r>
+          </a:p>
+          <a:p>
+            <a:r>
+              <a:rPr lang="en-US" sz="2400" dirty="0">
+                <a:latin typeface="Consolas" panose="020B0609020204030204" pitchFamily="49" charset="0"/>
+                <a:cs typeface="Consolas" panose="020B0609020204030204" pitchFamily="49" charset="0"/>
+              </a:rPr>
+              <a:t>  </a:t>
+            </a:r>
+            <a:r>
+              <a:rPr lang="en-US" sz="2400" dirty="0">
+                <a:solidFill>
+                  <a:schemeClr val="tx2"/>
+                </a:solidFill>
+                <a:latin typeface="Consolas" panose="020B0609020204030204" pitchFamily="49" charset="0"/>
+                <a:cs typeface="Consolas" panose="020B0609020204030204" pitchFamily="49" charset="0"/>
+              </a:rPr>
+              <a:t>Task</a:t>
+            </a:r>
+            <a:r>
+              <a:rPr lang="en-US" sz="2400" dirty="0" smtClean="0">
+                <a:solidFill>
+                  <a:schemeClr val="bg2"/>
+                </a:solidFill>
+                <a:latin typeface="Consolas" panose="020B0609020204030204" pitchFamily="49" charset="0"/>
+                <a:cs typeface="Consolas" panose="020B0609020204030204" pitchFamily="49" charset="0"/>
+              </a:rPr>
+              <a:t> </a:t>
+            </a:r>
+            <a:r>
+              <a:rPr lang="en-US" sz="2400" dirty="0" smtClean="0">
+                <a:latin typeface="Consolas" panose="020B0609020204030204" pitchFamily="49" charset="0"/>
+                <a:cs typeface="Consolas" panose="020B0609020204030204" pitchFamily="49" charset="0"/>
+              </a:rPr>
+              <a:t>delay = </a:t>
+            </a:r>
+            <a:r>
+              <a:rPr lang="en-US" sz="2400" dirty="0" err="1">
+                <a:solidFill>
+                  <a:schemeClr val="tx2"/>
+                </a:solidFill>
+                <a:latin typeface="Consolas" panose="020B0609020204030204" pitchFamily="49" charset="0"/>
+                <a:cs typeface="Consolas" panose="020B0609020204030204" pitchFamily="49" charset="0"/>
+              </a:rPr>
+              <a:t>Task</a:t>
+            </a:r>
+            <a:r>
+              <a:rPr lang="en-US" sz="2400" dirty="0" err="1">
+                <a:latin typeface="Consolas" panose="020B0609020204030204" pitchFamily="49" charset="0"/>
+                <a:cs typeface="Consolas" panose="020B0609020204030204" pitchFamily="49" charset="0"/>
+              </a:rPr>
+              <a:t>.Delay</a:t>
+            </a:r>
+            <a:r>
+              <a:rPr lang="en-US" sz="2400" dirty="0">
+                <a:latin typeface="Consolas" panose="020B0609020204030204" pitchFamily="49" charset="0"/>
+                <a:cs typeface="Consolas" panose="020B0609020204030204" pitchFamily="49" charset="0"/>
+              </a:rPr>
+              <a:t>(100</a:t>
+            </a:r>
+            <a:r>
+              <a:rPr lang="en-US" sz="2400" dirty="0" smtClean="0">
+                <a:latin typeface="Consolas" panose="020B0609020204030204" pitchFamily="49" charset="0"/>
+                <a:cs typeface="Consolas" panose="020B0609020204030204" pitchFamily="49" charset="0"/>
+              </a:rPr>
+              <a:t>);</a:t>
+            </a:r>
+            <a:endParaRPr lang="en-US" sz="2400" dirty="0">
+              <a:solidFill>
+                <a:schemeClr val="accent2"/>
+              </a:solidFill>
+              <a:latin typeface="Consolas" panose="020B0609020204030204" pitchFamily="49" charset="0"/>
+              <a:cs typeface="Consolas" panose="020B0609020204030204" pitchFamily="49" charset="0"/>
+            </a:endParaRPr>
+          </a:p>
+          <a:p>
+            <a:r>
+              <a:rPr lang="en-US" sz="2400" dirty="0">
+                <a:latin typeface="Consolas" panose="020B0609020204030204" pitchFamily="49" charset="0"/>
+                <a:cs typeface="Consolas" panose="020B0609020204030204" pitchFamily="49" charset="0"/>
+              </a:rPr>
+              <a:t>  </a:t>
+            </a:r>
+            <a:r>
+              <a:rPr lang="en-US" sz="2400" dirty="0" smtClean="0">
+                <a:solidFill>
+                  <a:schemeClr val="accent1"/>
+                </a:solidFill>
+                <a:latin typeface="Consolas" panose="020B0609020204030204" pitchFamily="49" charset="0"/>
+                <a:cs typeface="Consolas" panose="020B0609020204030204" pitchFamily="49" charset="0"/>
+              </a:rPr>
+              <a:t>await</a:t>
+            </a:r>
+            <a:r>
+              <a:rPr lang="en-US" sz="2400" dirty="0" smtClean="0">
+                <a:latin typeface="Consolas" panose="020B0609020204030204" pitchFamily="49" charset="0"/>
+                <a:cs typeface="Consolas" panose="020B0609020204030204" pitchFamily="49" charset="0"/>
+              </a:rPr>
+              <a:t> delay;</a:t>
+            </a:r>
+            <a:endParaRPr lang="en-US" sz="2400" dirty="0">
+              <a:latin typeface="Consolas" panose="020B0609020204030204" pitchFamily="49" charset="0"/>
+              <a:cs typeface="Consolas" panose="020B0609020204030204" pitchFamily="49" charset="0"/>
+            </a:endParaRPr>
+          </a:p>
+          <a:p>
+            <a:r>
+              <a:rPr lang="en-US" sz="2400" dirty="0" smtClean="0">
+                <a:latin typeface="Consolas" panose="020B0609020204030204" pitchFamily="49" charset="0"/>
+                <a:cs typeface="Consolas" panose="020B0609020204030204" pitchFamily="49" charset="0"/>
+              </a:rPr>
+              <a:t>}</a:t>
+            </a:r>
+            <a:endParaRPr lang="en-US" sz="2400" dirty="0">
+              <a:latin typeface="Consolas" panose="020B0609020204030204" pitchFamily="49" charset="0"/>
+              <a:cs typeface="Consolas" panose="020B0609020204030204" pitchFamily="49" charset="0"/>
+            </a:endParaRPr>
+          </a:p>
+        </p:txBody>
+      </p:sp>
+    </p:spTree>
+    <p:extLst>
+      <p:ext uri="{BB962C8B-B14F-4D97-AF65-F5344CB8AC3E}">
+        <p14:creationId xmlns:p14="http://schemas.microsoft.com/office/powerpoint/2010/main" val="2140633476"/>
+      </p:ext>
+    </p:extLst>
+  </p:cSld>
+  <p:clrMapOvr>
+    <a:masterClrMapping/>
+  </p:clrMapOvr>
+  <p:transition>
+    <p:fade/>
+  </p:transition>
+  <p:timing>
+    <p:tnLst>
+      <p:par>
+        <p:cTn id="1" dur="indefinite" restart="never" nodeType="tmRoot"/>
+      </p:par>
+    </p:tnLst>
+  </p:timing>
+</p:sld>
+</file>
+
+<file path=ppt/slides/slide18.xml><?xml version="1.0" encoding="utf-8"?>
+<p:sld xmlns:a="http://schemas.openxmlformats.org/drawingml/2006/main" xmlns:r="http://schemas.openxmlformats.org/officeDocument/2006/relationships" xmlns:p="http://schemas.openxmlformats.org/presentationml/2006/main">
+  <p:cSld>
+    <p:spTree>
+      <p:nvGrpSpPr>
+        <p:cNvPr id="1" name=""/>
+        <p:cNvGrpSpPr/>
+        <p:nvPr/>
+      </p:nvGrpSpPr>
+      <p:grpSpPr>
+        <a:xfrm>
+          <a:off x="0" y="0"/>
+          <a:ext cx="0" cy="0"/>
+          <a:chOff x="0" y="0"/>
+          <a:chExt cx="0" cy="0"/>
+        </a:xfrm>
+      </p:grpSpPr>
+      <p:sp>
+        <p:nvSpPr>
+          <p:cNvPr id="2" name="Title 1"/>
+          <p:cNvSpPr>
+            <a:spLocks noGrp="1"/>
+          </p:cNvSpPr>
+          <p:nvPr>
+            <p:ph type="title"/>
+          </p:nvPr>
+        </p:nvSpPr>
+        <p:spPr/>
+        <p:txBody>
+          <a:bodyPr/>
+          <a:lstStyle/>
+          <a:p>
+            <a:r>
+              <a:rPr lang="en-US" dirty="0" smtClean="0"/>
+              <a:t>Introduction to </a:t>
+            </a:r>
+            <a:r>
+              <a:rPr lang="en-US" dirty="0" err="1" smtClean="0"/>
+              <a:t>Async</a:t>
+            </a:r>
+            <a:endParaRPr lang="en-US" dirty="0"/>
+          </a:p>
+        </p:txBody>
+      </p:sp>
+      <p:sp>
+        <p:nvSpPr>
+          <p:cNvPr id="3" name="Text Placeholder 2"/>
+          <p:cNvSpPr>
+            <a:spLocks noGrp="1"/>
+          </p:cNvSpPr>
+          <p:nvPr>
+            <p:ph type="body" sz="quarter" idx="10"/>
+          </p:nvPr>
+        </p:nvSpPr>
+        <p:spPr>
+          <a:xfrm>
+            <a:off x="269239" y="1197322"/>
+            <a:ext cx="11653522" cy="2468368"/>
+          </a:xfrm>
+        </p:spPr>
+        <p:txBody>
+          <a:bodyPr/>
+          <a:lstStyle/>
+          <a:p>
+            <a:r>
+              <a:rPr lang="en-US" sz="2800" dirty="0" err="1">
+                <a:solidFill>
+                  <a:schemeClr val="accent1"/>
+                </a:solidFill>
+                <a:latin typeface="Consolas" panose="020B0609020204030204" pitchFamily="49" charset="0"/>
+                <a:cs typeface="Consolas" panose="020B0609020204030204" pitchFamily="49" charset="0"/>
+              </a:rPr>
+              <a:t>async</a:t>
+            </a:r>
+            <a:r>
+              <a:rPr lang="en-US" sz="2800" dirty="0">
+                <a:solidFill>
+                  <a:schemeClr val="accent1"/>
+                </a:solidFill>
+                <a:latin typeface="Consolas" panose="020B0609020204030204" pitchFamily="49" charset="0"/>
+                <a:cs typeface="Consolas" panose="020B0609020204030204" pitchFamily="49" charset="0"/>
+              </a:rPr>
+              <a:t> </a:t>
+            </a:r>
+            <a:r>
+              <a:rPr lang="en-US" sz="2800" dirty="0">
+                <a:solidFill>
+                  <a:schemeClr val="tx2"/>
+                </a:solidFill>
+                <a:latin typeface="Consolas" panose="020B0609020204030204" pitchFamily="49" charset="0"/>
+                <a:cs typeface="Consolas" panose="020B0609020204030204" pitchFamily="49" charset="0"/>
+              </a:rPr>
+              <a:t>Task </a:t>
+            </a:r>
+            <a:r>
+              <a:rPr lang="en-US" sz="2800" dirty="0" err="1" smtClean="0">
+                <a:latin typeface="Consolas" panose="020B0609020204030204" pitchFamily="49" charset="0"/>
+                <a:cs typeface="Consolas" panose="020B0609020204030204" pitchFamily="49" charset="0"/>
+              </a:rPr>
+              <a:t>DoNothingAsync</a:t>
+            </a:r>
+            <a:r>
+              <a:rPr lang="en-US" sz="2800" dirty="0">
+                <a:latin typeface="Consolas" panose="020B0609020204030204" pitchFamily="49" charset="0"/>
+                <a:cs typeface="Consolas" panose="020B0609020204030204" pitchFamily="49" charset="0"/>
+              </a:rPr>
+              <a:t>()</a:t>
+            </a:r>
+          </a:p>
+          <a:p>
+            <a:r>
+              <a:rPr lang="en-US" sz="2800" dirty="0" smtClean="0">
+                <a:latin typeface="Consolas" panose="020B0609020204030204" pitchFamily="49" charset="0"/>
+                <a:cs typeface="Consolas" panose="020B0609020204030204" pitchFamily="49" charset="0"/>
+              </a:rPr>
+              <a:t>{</a:t>
+            </a:r>
+          </a:p>
+          <a:p>
+            <a:r>
+              <a:rPr lang="en-US" sz="2800" dirty="0">
+                <a:latin typeface="Consolas" panose="020B0609020204030204" pitchFamily="49" charset="0"/>
+                <a:cs typeface="Consolas" panose="020B0609020204030204" pitchFamily="49" charset="0"/>
+              </a:rPr>
+              <a:t>  </a:t>
+            </a:r>
+            <a:r>
+              <a:rPr lang="en-US" sz="2800" dirty="0">
+                <a:solidFill>
+                  <a:schemeClr val="accent2"/>
+                </a:solidFill>
+                <a:latin typeface="Consolas" panose="020B0609020204030204" pitchFamily="49" charset="0"/>
+                <a:cs typeface="Consolas" panose="020B0609020204030204" pitchFamily="49" charset="0"/>
+              </a:rPr>
+              <a:t>// In the Real World, we would actually do something...</a:t>
+            </a:r>
+          </a:p>
+          <a:p>
+            <a:r>
+              <a:rPr lang="en-US" sz="2800" dirty="0">
+                <a:latin typeface="Consolas" panose="020B0609020204030204" pitchFamily="49" charset="0"/>
+                <a:cs typeface="Consolas" panose="020B0609020204030204" pitchFamily="49" charset="0"/>
+              </a:rPr>
+              <a:t>  </a:t>
+            </a:r>
+            <a:r>
+              <a:rPr lang="en-US" sz="2800" dirty="0">
+                <a:solidFill>
+                  <a:schemeClr val="accent1"/>
+                </a:solidFill>
+                <a:latin typeface="Consolas" panose="020B0609020204030204" pitchFamily="49" charset="0"/>
+                <a:cs typeface="Consolas" panose="020B0609020204030204" pitchFamily="49" charset="0"/>
+              </a:rPr>
+              <a:t>await</a:t>
+            </a:r>
+            <a:r>
+              <a:rPr lang="en-US" sz="2800" dirty="0">
+                <a:latin typeface="Consolas" panose="020B0609020204030204" pitchFamily="49" charset="0"/>
+                <a:cs typeface="Consolas" panose="020B0609020204030204" pitchFamily="49" charset="0"/>
+              </a:rPr>
+              <a:t> </a:t>
+            </a:r>
+            <a:r>
+              <a:rPr lang="en-US" sz="2800" dirty="0" err="1" smtClean="0">
+                <a:solidFill>
+                  <a:schemeClr val="tx2"/>
+                </a:solidFill>
+                <a:latin typeface="Consolas" panose="020B0609020204030204" pitchFamily="49" charset="0"/>
+                <a:cs typeface="Consolas" panose="020B0609020204030204" pitchFamily="49" charset="0"/>
+              </a:rPr>
+              <a:t>Task</a:t>
+            </a:r>
+            <a:r>
+              <a:rPr lang="en-US" sz="2800" dirty="0" err="1" smtClean="0">
+                <a:latin typeface="Consolas" panose="020B0609020204030204" pitchFamily="49" charset="0"/>
+                <a:cs typeface="Consolas" panose="020B0609020204030204" pitchFamily="49" charset="0"/>
+              </a:rPr>
+              <a:t>.Delay</a:t>
+            </a:r>
+            <a:r>
+              <a:rPr lang="en-US" sz="2800" dirty="0" smtClean="0">
+                <a:latin typeface="Consolas" panose="020B0609020204030204" pitchFamily="49" charset="0"/>
+                <a:cs typeface="Consolas" panose="020B0609020204030204" pitchFamily="49" charset="0"/>
+              </a:rPr>
+              <a:t>(100);</a:t>
+            </a:r>
+            <a:endParaRPr lang="en-US" sz="2800" dirty="0">
+              <a:latin typeface="Consolas" panose="020B0609020204030204" pitchFamily="49" charset="0"/>
+              <a:cs typeface="Consolas" panose="020B0609020204030204" pitchFamily="49" charset="0"/>
+            </a:endParaRPr>
+          </a:p>
+          <a:p>
+            <a:r>
+              <a:rPr lang="en-US" sz="2800" dirty="0" smtClean="0">
+                <a:latin typeface="Consolas" panose="020B0609020204030204" pitchFamily="49" charset="0"/>
+                <a:cs typeface="Consolas" panose="020B0609020204030204" pitchFamily="49" charset="0"/>
+              </a:rPr>
+              <a:t>}</a:t>
+            </a:r>
+            <a:endParaRPr lang="en-US" sz="2800" dirty="0">
+              <a:latin typeface="Consolas" panose="020B0609020204030204" pitchFamily="49" charset="0"/>
+              <a:cs typeface="Consolas" panose="020B0609020204030204" pitchFamily="49" charset="0"/>
+            </a:endParaRPr>
+          </a:p>
+        </p:txBody>
+      </p:sp>
+      <p:sp>
+        <p:nvSpPr>
+          <p:cNvPr id="6" name="Text Placeholder 2"/>
+          <p:cNvSpPr txBox="1">
+            <a:spLocks/>
+          </p:cNvSpPr>
+          <p:nvPr/>
+        </p:nvSpPr>
+        <p:spPr>
+          <a:xfrm>
+            <a:off x="269239" y="3665690"/>
+            <a:ext cx="11653522" cy="2524537"/>
+          </a:xfrm>
+          <a:prstGeom prst="rect">
+            <a:avLst/>
+          </a:prstGeom>
+        </p:spPr>
+        <p:txBody>
+          <a:bodyPr vert="horz" wrap="square" lIns="146304" tIns="91440" rIns="146304" bIns="91440" rtlCol="0">
+            <a:spAutoFit/>
+          </a:bodyPr>
+          <a:lstStyle>
+            <a:lvl1pPr marL="0" marR="0" indent="0" algn="l" defTabSz="914367" rtl="0" eaLnBrk="1" fontAlgn="auto" latinLnBrk="0" hangingPunct="1">
+              <a:lnSpc>
+                <a:spcPct val="90000"/>
+              </a:lnSpc>
+              <a:spcBef>
+                <a:spcPct val="20000"/>
+              </a:spcBef>
+              <a:spcAft>
+                <a:spcPts val="0"/>
+              </a:spcAft>
+              <a:buClrTx/>
+              <a:buSzPct val="90000"/>
+              <a:buFont typeface="Arial" pitchFamily="34" charset="0"/>
+              <a:buNone/>
+              <a:tabLst/>
+              <a:defRPr sz="3235" kern="1200" spc="0" baseline="0">
+                <a:gradFill>
+                  <a:gsLst>
+                    <a:gs pos="1250">
+                      <a:srgbClr val="000000"/>
+                    </a:gs>
+                    <a:gs pos="100000">
+                      <a:srgbClr val="000000"/>
+                    </a:gs>
+                  </a:gsLst>
+                  <a:lin ang="5400000" scaled="0"/>
+                </a:gradFill>
+                <a:latin typeface="Segoe UI" pitchFamily="34" charset="0"/>
+                <a:ea typeface="+mn-ea"/>
+                <a:cs typeface="Segoe UI" pitchFamily="34" charset="0"/>
+              </a:defRPr>
+            </a:lvl1pPr>
+            <a:lvl2pPr marL="339726" marR="0" indent="0" algn="l" defTabSz="914367" rtl="0" eaLnBrk="1" fontAlgn="auto" latinLnBrk="0" hangingPunct="1">
+              <a:lnSpc>
+                <a:spcPct val="90000"/>
+              </a:lnSpc>
+              <a:spcBef>
+                <a:spcPct val="20000"/>
+              </a:spcBef>
+              <a:spcAft>
+                <a:spcPts val="0"/>
+              </a:spcAft>
+              <a:buClrTx/>
+              <a:buSzPct val="90000"/>
+              <a:buFont typeface="Arial" pitchFamily="34" charset="0"/>
+              <a:buNone/>
+              <a:tabLst/>
+              <a:defRPr sz="2353" kern="1200" spc="0" baseline="0">
+                <a:gradFill>
+                  <a:gsLst>
+                    <a:gs pos="1250">
+                      <a:srgbClr val="000000"/>
+                    </a:gs>
+                    <a:gs pos="100000">
+                      <a:srgbClr val="000000"/>
+                    </a:gs>
+                  </a:gsLst>
+                  <a:lin ang="5400000" scaled="0"/>
+                </a:gradFill>
+                <a:latin typeface="Segoe UI" pitchFamily="34" charset="0"/>
+                <a:ea typeface="+mn-ea"/>
+                <a:cs typeface="Segoe UI" pitchFamily="34" charset="0"/>
+              </a:defRPr>
+            </a:lvl2pPr>
+            <a:lvl3pPr marL="573090" marR="0" indent="0" algn="l" defTabSz="914367" rtl="0" eaLnBrk="1" fontAlgn="auto" latinLnBrk="0" hangingPunct="1">
+              <a:lnSpc>
+                <a:spcPct val="90000"/>
+              </a:lnSpc>
+              <a:spcBef>
+                <a:spcPct val="20000"/>
+              </a:spcBef>
+              <a:spcAft>
+                <a:spcPts val="0"/>
+              </a:spcAft>
+              <a:buClrTx/>
+              <a:buSzPct val="90000"/>
+              <a:buFont typeface="Arial" pitchFamily="34" charset="0"/>
+              <a:buNone/>
+              <a:tabLst/>
+              <a:defRPr sz="1961" kern="1200" spc="0" baseline="0">
+                <a:gradFill>
+                  <a:gsLst>
+                    <a:gs pos="1250">
+                      <a:srgbClr val="000000"/>
+                    </a:gs>
+                    <a:gs pos="100000">
+                      <a:srgbClr val="000000"/>
+                    </a:gs>
+                  </a:gsLst>
+                  <a:lin ang="5400000" scaled="0"/>
+                </a:gradFill>
+                <a:latin typeface="Segoe UI" pitchFamily="34" charset="0"/>
+                <a:ea typeface="+mn-ea"/>
+                <a:cs typeface="Segoe UI" pitchFamily="34" charset="0"/>
+              </a:defRPr>
+            </a:lvl3pPr>
+            <a:lvl4pPr marL="798516" marR="0" indent="0" algn="l" defTabSz="914367" rtl="0" eaLnBrk="1" fontAlgn="auto" latinLnBrk="0" hangingPunct="1">
+              <a:lnSpc>
+                <a:spcPct val="90000"/>
+              </a:lnSpc>
+              <a:spcBef>
+                <a:spcPct val="20000"/>
+              </a:spcBef>
+              <a:spcAft>
+                <a:spcPts val="0"/>
+              </a:spcAft>
+              <a:buClrTx/>
+              <a:buSzPct val="90000"/>
+              <a:buFont typeface="Arial" pitchFamily="34" charset="0"/>
+              <a:buNone/>
+              <a:tabLst/>
+              <a:defRPr sz="1765" kern="1200" spc="0" baseline="0">
+                <a:gradFill>
+                  <a:gsLst>
+                    <a:gs pos="1250">
+                      <a:srgbClr val="000000"/>
+                    </a:gs>
+                    <a:gs pos="100000">
+                      <a:srgbClr val="000000"/>
+                    </a:gs>
+                  </a:gsLst>
+                  <a:lin ang="5400000" scaled="0"/>
+                </a:gradFill>
+                <a:latin typeface="Segoe UI" pitchFamily="34" charset="0"/>
+                <a:ea typeface="+mn-ea"/>
+                <a:cs typeface="Segoe UI" pitchFamily="34" charset="0"/>
+              </a:defRPr>
+            </a:lvl4pPr>
+            <a:lvl5pPr marL="1030292" marR="0" indent="0" algn="l" defTabSz="914367" rtl="0" eaLnBrk="1" fontAlgn="auto" latinLnBrk="0" hangingPunct="1">
+              <a:lnSpc>
+                <a:spcPct val="90000"/>
+              </a:lnSpc>
+              <a:spcBef>
+                <a:spcPct val="20000"/>
+              </a:spcBef>
+              <a:spcAft>
+                <a:spcPts val="0"/>
+              </a:spcAft>
+              <a:buClrTx/>
+              <a:buSzPct val="90000"/>
+              <a:buFont typeface="Arial" pitchFamily="34" charset="0"/>
+              <a:buNone/>
+              <a:tabLst/>
+              <a:defRPr sz="1765" kern="1200" spc="0" baseline="0">
+                <a:gradFill>
+                  <a:gsLst>
+                    <a:gs pos="1250">
+                      <a:srgbClr val="000000"/>
+                    </a:gs>
+                    <a:gs pos="100000">
+                      <a:srgbClr val="000000"/>
+                    </a:gs>
+                  </a:gsLst>
+                  <a:lin ang="5400000" scaled="0"/>
+                </a:gradFill>
+                <a:latin typeface="Segoe UI" pitchFamily="34" charset="0"/>
+                <a:ea typeface="+mn-ea"/>
+                <a:cs typeface="Segoe UI" pitchFamily="34" charset="0"/>
+              </a:defRPr>
+            </a:lvl5pPr>
+            <a:lvl6pPr marL="2514509" indent="-228592" algn="l" defTabSz="914367" rtl="0" eaLnBrk="1" latinLnBrk="0" hangingPunct="1">
+              <a:spcBef>
+                <a:spcPct val="20000"/>
+              </a:spcBef>
+              <a:buFont typeface="Arial" pitchFamily="34" charset="0"/>
+              <a:buChar char="•"/>
+              <a:defRPr sz="1961" kern="1200">
+                <a:solidFill>
+                  <a:schemeClr val="tx1"/>
+                </a:solidFill>
+                <a:latin typeface="+mn-lt"/>
+                <a:ea typeface="+mn-ea"/>
+                <a:cs typeface="+mn-cs"/>
+              </a:defRPr>
+            </a:lvl6pPr>
+            <a:lvl7pPr marL="2971693" indent="-228592" algn="l" defTabSz="914367" rtl="0" eaLnBrk="1" latinLnBrk="0" hangingPunct="1">
+              <a:spcBef>
+                <a:spcPct val="20000"/>
+              </a:spcBef>
+              <a:buFont typeface="Arial" pitchFamily="34" charset="0"/>
+              <a:buChar char="•"/>
+              <a:defRPr sz="1961" kern="1200">
+                <a:solidFill>
+                  <a:schemeClr val="tx1"/>
+                </a:solidFill>
+                <a:latin typeface="+mn-lt"/>
+                <a:ea typeface="+mn-ea"/>
+                <a:cs typeface="+mn-cs"/>
+              </a:defRPr>
+            </a:lvl7pPr>
+            <a:lvl8pPr marL="3428877" indent="-228592" algn="l" defTabSz="914367" rtl="0" eaLnBrk="1" latinLnBrk="0" hangingPunct="1">
+              <a:spcBef>
+                <a:spcPct val="20000"/>
+              </a:spcBef>
+              <a:buFont typeface="Arial" pitchFamily="34" charset="0"/>
+              <a:buChar char="•"/>
+              <a:defRPr sz="1961" kern="1200">
+                <a:solidFill>
+                  <a:schemeClr val="tx1"/>
+                </a:solidFill>
+                <a:latin typeface="+mn-lt"/>
+                <a:ea typeface="+mn-ea"/>
+                <a:cs typeface="+mn-cs"/>
+              </a:defRPr>
+            </a:lvl8pPr>
+            <a:lvl9pPr marL="3886061" indent="-228592" algn="l" defTabSz="914367" rtl="0" eaLnBrk="1" latinLnBrk="0" hangingPunct="1">
+              <a:spcBef>
+                <a:spcPct val="20000"/>
+              </a:spcBef>
+              <a:buFont typeface="Arial" pitchFamily="34" charset="0"/>
+              <a:buChar char="•"/>
+              <a:defRPr sz="1961" kern="1200">
+                <a:solidFill>
+                  <a:schemeClr val="tx1"/>
+                </a:solidFill>
+                <a:latin typeface="+mn-lt"/>
+                <a:ea typeface="+mn-ea"/>
+                <a:cs typeface="+mn-cs"/>
+              </a:defRPr>
+            </a:lvl9pPr>
+          </a:lstStyle>
+          <a:p>
+            <a:r>
+              <a:rPr lang="en-US" dirty="0" smtClean="0">
+                <a:solidFill>
+                  <a:schemeClr val="bg2"/>
+                </a:solidFill>
+                <a:latin typeface="Consolas" panose="020B0609020204030204" pitchFamily="49" charset="0"/>
+                <a:cs typeface="Consolas" panose="020B0609020204030204" pitchFamily="49" charset="0"/>
+              </a:rPr>
+              <a:t>await</a:t>
+            </a:r>
+            <a:r>
+              <a:rPr lang="en-US" dirty="0" smtClean="0"/>
+              <a:t> behavior:</a:t>
+            </a:r>
+          </a:p>
+          <a:p>
+            <a:pPr marL="457200" indent="-457200">
+              <a:buFont typeface="Arial" panose="020B0604020202020204" pitchFamily="34" charset="0"/>
+              <a:buChar char="•"/>
+            </a:pPr>
+            <a:r>
+              <a:rPr lang="en-US" dirty="0" smtClean="0"/>
+              <a:t>If </a:t>
+            </a:r>
+            <a:r>
+              <a:rPr lang="en-US" dirty="0" err="1" smtClean="0"/>
+              <a:t>awaitable</a:t>
+            </a:r>
+            <a:r>
+              <a:rPr lang="en-US" dirty="0" smtClean="0"/>
+              <a:t> (task) is complete, continues synchronously.</a:t>
+            </a:r>
+          </a:p>
+          <a:p>
+            <a:pPr marL="457200" indent="-457200">
+              <a:buFont typeface="Arial" panose="020B0604020202020204" pitchFamily="34" charset="0"/>
+              <a:buChar char="•"/>
+            </a:pPr>
+            <a:r>
+              <a:rPr lang="en-US" dirty="0" smtClean="0"/>
+              <a:t>Otherwise:</a:t>
+            </a:r>
+          </a:p>
+          <a:p>
+            <a:pPr marL="796926" lvl="1" indent="-457200">
+              <a:buFont typeface="Arial" panose="020B0604020202020204" pitchFamily="34" charset="0"/>
+              <a:buChar char="•"/>
+            </a:pPr>
+            <a:r>
+              <a:rPr lang="en-US" i="1" dirty="0" smtClean="0"/>
+              <a:t>Pauses</a:t>
+            </a:r>
+            <a:r>
+              <a:rPr lang="en-US" dirty="0" smtClean="0"/>
+              <a:t> the method and registers it with the </a:t>
+            </a:r>
+            <a:r>
+              <a:rPr lang="en-US" dirty="0" err="1" smtClean="0"/>
+              <a:t>awaitable</a:t>
+            </a:r>
+            <a:r>
+              <a:rPr lang="en-US" dirty="0" smtClean="0"/>
+              <a:t>.</a:t>
+            </a:r>
+          </a:p>
+          <a:p>
+            <a:pPr marL="796926" lvl="1" indent="-457200">
+              <a:buFont typeface="Arial" panose="020B0604020202020204" pitchFamily="34" charset="0"/>
+              <a:buChar char="•"/>
+            </a:pPr>
+            <a:r>
+              <a:rPr lang="en-US" dirty="0" smtClean="0"/>
+              <a:t>Then </a:t>
+            </a:r>
+            <a:r>
+              <a:rPr lang="en-US" i="1" dirty="0" smtClean="0"/>
+              <a:t>returns</a:t>
+            </a:r>
+            <a:r>
+              <a:rPr lang="en-US" dirty="0" smtClean="0"/>
+              <a:t>.</a:t>
+            </a:r>
+          </a:p>
+        </p:txBody>
+      </p:sp>
+    </p:spTree>
+    <p:extLst>
+      <p:ext uri="{BB962C8B-B14F-4D97-AF65-F5344CB8AC3E}">
+        <p14:creationId xmlns:p14="http://schemas.microsoft.com/office/powerpoint/2010/main" val="2539915045"/>
+      </p:ext>
+    </p:extLst>
+  </p:cSld>
+  <p:clrMapOvr>
+    <a:masterClrMapping/>
+  </p:clrMapOvr>
+  <p:transition>
+    <p:fade/>
+  </p:transition>
+  <p:timing>
+    <p:tnLst>
+      <p:par>
+        <p:cTn id="1" dur="indefinite" restart="never" nodeType="tmRoot"/>
+      </p:par>
+    </p:tnLst>
+  </p:timing>
+</p:sld>
+</file>
+
+<file path=ppt/slides/slide19.xml><?xml version="1.0" encoding="utf-8"?>
+<p:sld xmlns:a="http://schemas.openxmlformats.org/drawingml/2006/main" xmlns:r="http://schemas.openxmlformats.org/officeDocument/2006/relationships" xmlns:p="http://schemas.openxmlformats.org/presentationml/2006/main">
+  <p:cSld>
+    <p:spTree>
+      <p:nvGrpSpPr>
+        <p:cNvPr id="1" name=""/>
+        <p:cNvGrpSpPr/>
+        <p:nvPr/>
+      </p:nvGrpSpPr>
+      <p:grpSpPr>
+        <a:xfrm>
+          <a:off x="0" y="0"/>
+          <a:ext cx="0" cy="0"/>
+          <a:chOff x="0" y="0"/>
+          <a:chExt cx="0" cy="0"/>
+        </a:xfrm>
+      </p:grpSpPr>
+      <p:sp>
+        <p:nvSpPr>
+          <p:cNvPr id="2" name="Title 1"/>
+          <p:cNvSpPr>
+            <a:spLocks noGrp="1"/>
+          </p:cNvSpPr>
+          <p:nvPr>
+            <p:ph type="title"/>
+          </p:nvPr>
+        </p:nvSpPr>
+        <p:spPr/>
+        <p:txBody>
+          <a:bodyPr/>
+          <a:lstStyle/>
+          <a:p>
+            <a:r>
+              <a:rPr lang="en-US" dirty="0" smtClean="0"/>
+              <a:t>Introduction to </a:t>
+            </a:r>
+            <a:r>
+              <a:rPr lang="en-US" dirty="0" err="1" smtClean="0"/>
+              <a:t>Async</a:t>
+            </a:r>
+            <a:endParaRPr lang="en-US" dirty="0"/>
+          </a:p>
+        </p:txBody>
+      </p:sp>
+      <p:sp>
+        <p:nvSpPr>
+          <p:cNvPr id="3" name="Text Placeholder 2"/>
+          <p:cNvSpPr>
+            <a:spLocks noGrp="1"/>
+          </p:cNvSpPr>
+          <p:nvPr>
+            <p:ph type="body" sz="quarter" idx="10"/>
+          </p:nvPr>
+        </p:nvSpPr>
+        <p:spPr>
+          <a:xfrm>
+            <a:off x="269239" y="1197322"/>
+            <a:ext cx="11653522" cy="2468368"/>
+          </a:xfrm>
+        </p:spPr>
+        <p:txBody>
+          <a:bodyPr/>
+          <a:lstStyle/>
+          <a:p>
+            <a:r>
+              <a:rPr lang="en-US" sz="2800" dirty="0" err="1">
+                <a:solidFill>
+                  <a:schemeClr val="accent1"/>
+                </a:solidFill>
+                <a:latin typeface="Consolas" panose="020B0609020204030204" pitchFamily="49" charset="0"/>
+                <a:cs typeface="Consolas" panose="020B0609020204030204" pitchFamily="49" charset="0"/>
+              </a:rPr>
+              <a:t>async</a:t>
+            </a:r>
+            <a:r>
+              <a:rPr lang="en-US" sz="2800" dirty="0">
+                <a:solidFill>
+                  <a:schemeClr val="accent1"/>
+                </a:solidFill>
+                <a:latin typeface="Consolas" panose="020B0609020204030204" pitchFamily="49" charset="0"/>
+                <a:cs typeface="Consolas" panose="020B0609020204030204" pitchFamily="49" charset="0"/>
+              </a:rPr>
+              <a:t> </a:t>
+            </a:r>
+            <a:r>
+              <a:rPr lang="en-US" sz="2800" dirty="0">
+                <a:solidFill>
+                  <a:schemeClr val="tx2"/>
+                </a:solidFill>
+                <a:latin typeface="Consolas" panose="020B0609020204030204" pitchFamily="49" charset="0"/>
+                <a:cs typeface="Consolas" panose="020B0609020204030204" pitchFamily="49" charset="0"/>
+              </a:rPr>
+              <a:t>Task </a:t>
+            </a:r>
+            <a:r>
+              <a:rPr lang="en-US" sz="2800" dirty="0" err="1" smtClean="0">
+                <a:latin typeface="Consolas" panose="020B0609020204030204" pitchFamily="49" charset="0"/>
+                <a:cs typeface="Consolas" panose="020B0609020204030204" pitchFamily="49" charset="0"/>
+              </a:rPr>
+              <a:t>DoNothingAsync</a:t>
+            </a:r>
+            <a:r>
+              <a:rPr lang="en-US" sz="2800" dirty="0">
+                <a:latin typeface="Consolas" panose="020B0609020204030204" pitchFamily="49" charset="0"/>
+                <a:cs typeface="Consolas" panose="020B0609020204030204" pitchFamily="49" charset="0"/>
+              </a:rPr>
+              <a:t>()</a:t>
+            </a:r>
+          </a:p>
+          <a:p>
+            <a:r>
+              <a:rPr lang="en-US" sz="2800" dirty="0" smtClean="0">
+                <a:latin typeface="Consolas" panose="020B0609020204030204" pitchFamily="49" charset="0"/>
+                <a:cs typeface="Consolas" panose="020B0609020204030204" pitchFamily="49" charset="0"/>
+              </a:rPr>
+              <a:t>{</a:t>
+            </a:r>
+          </a:p>
+          <a:p>
+            <a:r>
+              <a:rPr lang="en-US" sz="2800" dirty="0">
+                <a:latin typeface="Consolas" panose="020B0609020204030204" pitchFamily="49" charset="0"/>
+                <a:cs typeface="Consolas" panose="020B0609020204030204" pitchFamily="49" charset="0"/>
+              </a:rPr>
+              <a:t>  </a:t>
+            </a:r>
+            <a:r>
+              <a:rPr lang="en-US" sz="2800" dirty="0">
+                <a:solidFill>
+                  <a:schemeClr val="accent2"/>
+                </a:solidFill>
+                <a:latin typeface="Consolas" panose="020B0609020204030204" pitchFamily="49" charset="0"/>
+                <a:cs typeface="Consolas" panose="020B0609020204030204" pitchFamily="49" charset="0"/>
+              </a:rPr>
+              <a:t>// In the Real World, we would actually do something...</a:t>
+            </a:r>
+          </a:p>
+          <a:p>
+            <a:r>
+              <a:rPr lang="en-US" sz="2800" dirty="0">
+                <a:latin typeface="Consolas" panose="020B0609020204030204" pitchFamily="49" charset="0"/>
+                <a:cs typeface="Consolas" panose="020B0609020204030204" pitchFamily="49" charset="0"/>
+              </a:rPr>
+              <a:t>  </a:t>
+            </a:r>
+            <a:r>
+              <a:rPr lang="en-US" sz="2800" dirty="0">
+                <a:solidFill>
+                  <a:schemeClr val="accent1"/>
+                </a:solidFill>
+                <a:latin typeface="Consolas" panose="020B0609020204030204" pitchFamily="49" charset="0"/>
+                <a:cs typeface="Consolas" panose="020B0609020204030204" pitchFamily="49" charset="0"/>
+              </a:rPr>
+              <a:t>await</a:t>
+            </a:r>
+            <a:r>
+              <a:rPr lang="en-US" sz="2800" dirty="0">
+                <a:latin typeface="Consolas" panose="020B0609020204030204" pitchFamily="49" charset="0"/>
+                <a:cs typeface="Consolas" panose="020B0609020204030204" pitchFamily="49" charset="0"/>
+              </a:rPr>
+              <a:t> </a:t>
+            </a:r>
+            <a:r>
+              <a:rPr lang="en-US" sz="2800" dirty="0" err="1" smtClean="0">
+                <a:solidFill>
+                  <a:schemeClr val="tx2"/>
+                </a:solidFill>
+                <a:latin typeface="Consolas" panose="020B0609020204030204" pitchFamily="49" charset="0"/>
+                <a:cs typeface="Consolas" panose="020B0609020204030204" pitchFamily="49" charset="0"/>
+              </a:rPr>
+              <a:t>Task</a:t>
+            </a:r>
+            <a:r>
+              <a:rPr lang="en-US" sz="2800" dirty="0" err="1" smtClean="0">
+                <a:latin typeface="Consolas" panose="020B0609020204030204" pitchFamily="49" charset="0"/>
+                <a:cs typeface="Consolas" panose="020B0609020204030204" pitchFamily="49" charset="0"/>
+              </a:rPr>
+              <a:t>.Delay</a:t>
+            </a:r>
+            <a:r>
+              <a:rPr lang="en-US" sz="2800" dirty="0" smtClean="0">
+                <a:latin typeface="Consolas" panose="020B0609020204030204" pitchFamily="49" charset="0"/>
+                <a:cs typeface="Consolas" panose="020B0609020204030204" pitchFamily="49" charset="0"/>
+              </a:rPr>
+              <a:t>(100);</a:t>
+            </a:r>
+            <a:endParaRPr lang="en-US" sz="2800" dirty="0">
+              <a:latin typeface="Consolas" panose="020B0609020204030204" pitchFamily="49" charset="0"/>
+              <a:cs typeface="Consolas" panose="020B0609020204030204" pitchFamily="49" charset="0"/>
+            </a:endParaRPr>
+          </a:p>
+          <a:p>
+            <a:r>
+              <a:rPr lang="en-US" sz="2800" dirty="0" smtClean="0">
+                <a:latin typeface="Consolas" panose="020B0609020204030204" pitchFamily="49" charset="0"/>
+                <a:cs typeface="Consolas" panose="020B0609020204030204" pitchFamily="49" charset="0"/>
+              </a:rPr>
+              <a:t>}</a:t>
+            </a:r>
+            <a:endParaRPr lang="en-US" sz="2800" dirty="0">
+              <a:latin typeface="Consolas" panose="020B0609020204030204" pitchFamily="49" charset="0"/>
+              <a:cs typeface="Consolas" panose="020B0609020204030204" pitchFamily="49" charset="0"/>
+            </a:endParaRPr>
+          </a:p>
+        </p:txBody>
+      </p:sp>
+      <p:sp>
+        <p:nvSpPr>
+          <p:cNvPr id="6" name="Text Placeholder 2"/>
+          <p:cNvSpPr txBox="1">
+            <a:spLocks/>
+          </p:cNvSpPr>
+          <p:nvPr/>
+        </p:nvSpPr>
+        <p:spPr>
+          <a:xfrm>
+            <a:off x="269239" y="3665690"/>
+            <a:ext cx="11653522" cy="2524537"/>
+          </a:xfrm>
+          <a:prstGeom prst="rect">
+            <a:avLst/>
+          </a:prstGeom>
+        </p:spPr>
+        <p:txBody>
+          <a:bodyPr vert="horz" wrap="square" lIns="146304" tIns="91440" rIns="146304" bIns="91440" rtlCol="0">
+            <a:spAutoFit/>
+          </a:bodyPr>
+          <a:lstStyle>
+            <a:lvl1pPr marL="0" marR="0" indent="0" algn="l" defTabSz="914367" rtl="0" eaLnBrk="1" fontAlgn="auto" latinLnBrk="0" hangingPunct="1">
+              <a:lnSpc>
+                <a:spcPct val="90000"/>
+              </a:lnSpc>
+              <a:spcBef>
+                <a:spcPct val="20000"/>
+              </a:spcBef>
+              <a:spcAft>
+                <a:spcPts val="0"/>
+              </a:spcAft>
+              <a:buClrTx/>
+              <a:buSzPct val="90000"/>
+              <a:buFont typeface="Arial" pitchFamily="34" charset="0"/>
+              <a:buNone/>
+              <a:tabLst/>
+              <a:defRPr sz="3235" kern="1200" spc="0" baseline="0">
+                <a:gradFill>
+                  <a:gsLst>
+                    <a:gs pos="1250">
+                      <a:srgbClr val="000000"/>
+                    </a:gs>
+                    <a:gs pos="100000">
+                      <a:srgbClr val="000000"/>
+                    </a:gs>
+                  </a:gsLst>
+                  <a:lin ang="5400000" scaled="0"/>
+                </a:gradFill>
+                <a:latin typeface="Segoe UI" pitchFamily="34" charset="0"/>
+                <a:ea typeface="+mn-ea"/>
+                <a:cs typeface="Segoe UI" pitchFamily="34" charset="0"/>
+              </a:defRPr>
+            </a:lvl1pPr>
+            <a:lvl2pPr marL="339726" marR="0" indent="0" algn="l" defTabSz="914367" rtl="0" eaLnBrk="1" fontAlgn="auto" latinLnBrk="0" hangingPunct="1">
+              <a:lnSpc>
+                <a:spcPct val="90000"/>
+              </a:lnSpc>
+              <a:spcBef>
+                <a:spcPct val="20000"/>
+              </a:spcBef>
+              <a:spcAft>
+                <a:spcPts val="0"/>
+              </a:spcAft>
+              <a:buClrTx/>
+              <a:buSzPct val="90000"/>
+              <a:buFont typeface="Arial" pitchFamily="34" charset="0"/>
+              <a:buNone/>
+              <a:tabLst/>
+              <a:defRPr sz="2353" kern="1200" spc="0" baseline="0">
+                <a:gradFill>
+                  <a:gsLst>
+                    <a:gs pos="1250">
+                      <a:srgbClr val="000000"/>
+                    </a:gs>
+                    <a:gs pos="100000">
+                      <a:srgbClr val="000000"/>
+                    </a:gs>
+                  </a:gsLst>
+                  <a:lin ang="5400000" scaled="0"/>
+                </a:gradFill>
+                <a:latin typeface="Segoe UI" pitchFamily="34" charset="0"/>
+                <a:ea typeface="+mn-ea"/>
+                <a:cs typeface="Segoe UI" pitchFamily="34" charset="0"/>
+              </a:defRPr>
+            </a:lvl2pPr>
+            <a:lvl3pPr marL="573090" marR="0" indent="0" algn="l" defTabSz="914367" rtl="0" eaLnBrk="1" fontAlgn="auto" latinLnBrk="0" hangingPunct="1">
+              <a:lnSpc>
+                <a:spcPct val="90000"/>
+              </a:lnSpc>
+              <a:spcBef>
+                <a:spcPct val="20000"/>
+              </a:spcBef>
+              <a:spcAft>
+                <a:spcPts val="0"/>
+              </a:spcAft>
+              <a:buClrTx/>
+              <a:buSzPct val="90000"/>
+              <a:buFont typeface="Arial" pitchFamily="34" charset="0"/>
+              <a:buNone/>
+              <a:tabLst/>
+              <a:defRPr sz="1961" kern="1200" spc="0" baseline="0">
+                <a:gradFill>
+                  <a:gsLst>
+                    <a:gs pos="1250">
+                      <a:srgbClr val="000000"/>
+                    </a:gs>
+                    <a:gs pos="100000">
+                      <a:srgbClr val="000000"/>
+                    </a:gs>
+                  </a:gsLst>
+                  <a:lin ang="5400000" scaled="0"/>
+                </a:gradFill>
+                <a:latin typeface="Segoe UI" pitchFamily="34" charset="0"/>
+                <a:ea typeface="+mn-ea"/>
+                <a:cs typeface="Segoe UI" pitchFamily="34" charset="0"/>
+              </a:defRPr>
+            </a:lvl3pPr>
+            <a:lvl4pPr marL="798516" marR="0" indent="0" algn="l" defTabSz="914367" rtl="0" eaLnBrk="1" fontAlgn="auto" latinLnBrk="0" hangingPunct="1">
+              <a:lnSpc>
+                <a:spcPct val="90000"/>
+              </a:lnSpc>
+              <a:spcBef>
+                <a:spcPct val="20000"/>
+              </a:spcBef>
+              <a:spcAft>
+                <a:spcPts val="0"/>
+              </a:spcAft>
+              <a:buClrTx/>
+              <a:buSzPct val="90000"/>
+              <a:buFont typeface="Arial" pitchFamily="34" charset="0"/>
+              <a:buNone/>
+              <a:tabLst/>
+              <a:defRPr sz="1765" kern="1200" spc="0" baseline="0">
+                <a:gradFill>
+                  <a:gsLst>
+                    <a:gs pos="1250">
+                      <a:srgbClr val="000000"/>
+                    </a:gs>
+                    <a:gs pos="100000">
+                      <a:srgbClr val="000000"/>
+                    </a:gs>
+                  </a:gsLst>
+                  <a:lin ang="5400000" scaled="0"/>
+                </a:gradFill>
+                <a:latin typeface="Segoe UI" pitchFamily="34" charset="0"/>
+                <a:ea typeface="+mn-ea"/>
+                <a:cs typeface="Segoe UI" pitchFamily="34" charset="0"/>
+              </a:defRPr>
+            </a:lvl4pPr>
+            <a:lvl5pPr marL="1030292" marR="0" indent="0" algn="l" defTabSz="914367" rtl="0" eaLnBrk="1" fontAlgn="auto" latinLnBrk="0" hangingPunct="1">
+              <a:lnSpc>
+                <a:spcPct val="90000"/>
+              </a:lnSpc>
+              <a:spcBef>
+                <a:spcPct val="20000"/>
+              </a:spcBef>
+              <a:spcAft>
+                <a:spcPts val="0"/>
+              </a:spcAft>
+              <a:buClrTx/>
+              <a:buSzPct val="90000"/>
+              <a:buFont typeface="Arial" pitchFamily="34" charset="0"/>
+              <a:buNone/>
+              <a:tabLst/>
+              <a:defRPr sz="1765" kern="1200" spc="0" baseline="0">
+                <a:gradFill>
+                  <a:gsLst>
+                    <a:gs pos="1250">
+                      <a:srgbClr val="000000"/>
+                    </a:gs>
+                    <a:gs pos="100000">
+                      <a:srgbClr val="000000"/>
+                    </a:gs>
+                  </a:gsLst>
+                  <a:lin ang="5400000" scaled="0"/>
+                </a:gradFill>
+                <a:latin typeface="Segoe UI" pitchFamily="34" charset="0"/>
+                <a:ea typeface="+mn-ea"/>
+                <a:cs typeface="Segoe UI" pitchFamily="34" charset="0"/>
+              </a:defRPr>
+            </a:lvl5pPr>
+            <a:lvl6pPr marL="2514509" indent="-228592" algn="l" defTabSz="914367" rtl="0" eaLnBrk="1" latinLnBrk="0" hangingPunct="1">
+              <a:spcBef>
+                <a:spcPct val="20000"/>
+              </a:spcBef>
+              <a:buFont typeface="Arial" pitchFamily="34" charset="0"/>
+              <a:buChar char="•"/>
+              <a:defRPr sz="1961" kern="1200">
+                <a:solidFill>
+                  <a:schemeClr val="tx1"/>
+                </a:solidFill>
+                <a:latin typeface="+mn-lt"/>
+                <a:ea typeface="+mn-ea"/>
+                <a:cs typeface="+mn-cs"/>
+              </a:defRPr>
+            </a:lvl6pPr>
+            <a:lvl7pPr marL="2971693" indent="-228592" algn="l" defTabSz="914367" rtl="0" eaLnBrk="1" latinLnBrk="0" hangingPunct="1">
+              <a:spcBef>
+                <a:spcPct val="20000"/>
+              </a:spcBef>
+              <a:buFont typeface="Arial" pitchFamily="34" charset="0"/>
+              <a:buChar char="•"/>
+              <a:defRPr sz="1961" kern="1200">
+                <a:solidFill>
+                  <a:schemeClr val="tx1"/>
+                </a:solidFill>
+                <a:latin typeface="+mn-lt"/>
+                <a:ea typeface="+mn-ea"/>
+                <a:cs typeface="+mn-cs"/>
+              </a:defRPr>
+            </a:lvl7pPr>
+            <a:lvl8pPr marL="3428877" indent="-228592" algn="l" defTabSz="914367" rtl="0" eaLnBrk="1" latinLnBrk="0" hangingPunct="1">
+              <a:spcBef>
+                <a:spcPct val="20000"/>
+              </a:spcBef>
+              <a:buFont typeface="Arial" pitchFamily="34" charset="0"/>
+              <a:buChar char="•"/>
+              <a:defRPr sz="1961" kern="1200">
+                <a:solidFill>
+                  <a:schemeClr val="tx1"/>
+                </a:solidFill>
+                <a:latin typeface="+mn-lt"/>
+                <a:ea typeface="+mn-ea"/>
+                <a:cs typeface="+mn-cs"/>
+              </a:defRPr>
+            </a:lvl8pPr>
+            <a:lvl9pPr marL="3886061" indent="-228592" algn="l" defTabSz="914367" rtl="0" eaLnBrk="1" latinLnBrk="0" hangingPunct="1">
+              <a:spcBef>
+                <a:spcPct val="20000"/>
+              </a:spcBef>
+              <a:buFont typeface="Arial" pitchFamily="34" charset="0"/>
+              <a:buChar char="•"/>
+              <a:defRPr sz="1961" kern="1200">
+                <a:solidFill>
+                  <a:schemeClr val="tx1"/>
+                </a:solidFill>
+                <a:latin typeface="+mn-lt"/>
+                <a:ea typeface="+mn-ea"/>
+                <a:cs typeface="+mn-cs"/>
+              </a:defRPr>
+            </a:lvl9pPr>
+          </a:lstStyle>
+          <a:p>
+            <a:r>
+              <a:rPr lang="en-US" dirty="0" smtClean="0"/>
+              <a:t>Pausing and Resuming (when awaiting tasks)</a:t>
+            </a:r>
+          </a:p>
+          <a:p>
+            <a:pPr marL="457200" indent="-457200">
+              <a:buFont typeface="Arial" panose="020B0604020202020204" pitchFamily="34" charset="0"/>
+              <a:buChar char="•"/>
+            </a:pPr>
+            <a:r>
+              <a:rPr lang="en-US" dirty="0" smtClean="0"/>
+              <a:t>A “context” is captured and used to resume.</a:t>
+            </a:r>
+          </a:p>
+          <a:p>
+            <a:pPr marL="457200" indent="-457200">
+              <a:buFont typeface="Arial" panose="020B0604020202020204" pitchFamily="34" charset="0"/>
+              <a:buChar char="•"/>
+            </a:pPr>
+            <a:r>
+              <a:rPr lang="en-US" dirty="0" smtClean="0"/>
+              <a:t>“await” = “asynchronous wait”</a:t>
+            </a:r>
+          </a:p>
+          <a:p>
+            <a:pPr marL="796926" lvl="1" indent="-457200">
+              <a:buFont typeface="Arial" panose="020B0604020202020204" pitchFamily="34" charset="0"/>
+              <a:buChar char="•"/>
+            </a:pPr>
+            <a:r>
+              <a:rPr lang="en-US" dirty="0" smtClean="0"/>
+              <a:t>Thread </a:t>
+            </a:r>
+            <a:r>
+              <a:rPr lang="en-US" dirty="0"/>
+              <a:t>is not blocked (asynchronous</a:t>
+            </a:r>
+            <a:r>
+              <a:rPr lang="en-US" dirty="0" smtClean="0"/>
+              <a:t>).</a:t>
+            </a:r>
+          </a:p>
+          <a:p>
+            <a:pPr marL="796926" lvl="1" indent="-457200">
+              <a:buFont typeface="Arial" panose="020B0604020202020204" pitchFamily="34" charset="0"/>
+              <a:buChar char="•"/>
+            </a:pPr>
+            <a:r>
+              <a:rPr lang="en-US" dirty="0" smtClean="0"/>
+              <a:t>Method is paused (waits).</a:t>
+            </a:r>
+          </a:p>
+        </p:txBody>
+      </p:sp>
+    </p:spTree>
+    <p:extLst>
+      <p:ext uri="{BB962C8B-B14F-4D97-AF65-F5344CB8AC3E}">
+        <p14:creationId xmlns:p14="http://schemas.microsoft.com/office/powerpoint/2010/main" val="3694409412"/>
+      </p:ext>
+    </p:extLst>
+  </p:cSld>
+  <p:clrMapOvr>
+    <a:masterClrMapping/>
+  </p:clrMapOvr>
+  <p:transition>
+    <p:fade/>
+  </p:transition>
+  <p:timing>
+    <p:tnLst>
+      <p:par>
+        <p:cTn id="1" dur="indefinite" restart="never" nodeType="tmRoot"/>
+      </p:par>
+    </p:tnLst>
+  </p:timing>
+</p:sld>
+</file>
+
+<file path=ppt/slides/slide2.xml><?xml version="1.0" encoding="utf-8"?>
+<p:sld xmlns:a="http://schemas.openxmlformats.org/drawingml/2006/main" xmlns:r="http://schemas.openxmlformats.org/officeDocument/2006/relationships" xmlns:p="http://schemas.openxmlformats.org/presentationml/2006/main">
+  <p:cSld>
+    <p:spTree>
+      <p:nvGrpSpPr>
+        <p:cNvPr id="1" name=""/>
+        <p:cNvGrpSpPr/>
+        <p:nvPr/>
+      </p:nvGrpSpPr>
+      <p:grpSpPr>
+        <a:xfrm>
+          <a:off x="0" y="0"/>
+          <a:ext cx="0" cy="0"/>
+          <a:chOff x="0" y="0"/>
+          <a:chExt cx="0" cy="0"/>
+        </a:xfrm>
+      </p:grpSpPr>
+      <p:sp>
+        <p:nvSpPr>
+          <p:cNvPr id="4" name="Title 3"/>
+          <p:cNvSpPr>
+            <a:spLocks noGrp="1"/>
+          </p:cNvSpPr>
+          <p:nvPr>
+            <p:ph type="title"/>
+          </p:nvPr>
+        </p:nvSpPr>
+        <p:spPr/>
+        <p:txBody>
+          <a:bodyPr/>
+          <a:lstStyle/>
+          <a:p>
+            <a:r>
+              <a:rPr lang="en-US" dirty="0" smtClean="0"/>
+              <a:t>Who is this guy?</a:t>
+            </a:r>
+            <a:endParaRPr lang="en-US" dirty="0"/>
+          </a:p>
+        </p:txBody>
+      </p:sp>
+    </p:spTree>
+    <p:extLst>
+      <p:ext uri="{BB962C8B-B14F-4D97-AF65-F5344CB8AC3E}">
+        <p14:creationId xmlns:p14="http://schemas.microsoft.com/office/powerpoint/2010/main" val="223290894"/>
+      </p:ext>
+    </p:extLst>
+  </p:cSld>
+  <p:clrMapOvr>
+    <a:masterClrMapping/>
+  </p:clrMapOvr>
+  <p:transition>
+    <p:fade/>
+  </p:transition>
+  <p:timing>
+    <p:tnLst>
+      <p:par>
+        <p:cTn id="1" dur="indefinite" restart="never" nodeType="tmRoot"/>
+      </p:par>
+    </p:tnLst>
+  </p:timing>
+</p:sld>
+</file>
+
+<file path=ppt/slides/slide20.xml><?xml version="1.0" encoding="utf-8"?>
+<p:sld xmlns:a="http://schemas.openxmlformats.org/drawingml/2006/main" xmlns:r="http://schemas.openxmlformats.org/officeDocument/2006/relationships" xmlns:p="http://schemas.openxmlformats.org/presentationml/2006/main">
+  <p:cSld>
+    <p:spTree>
+      <p:nvGrpSpPr>
+        <p:cNvPr id="1" name=""/>
+        <p:cNvGrpSpPr/>
+        <p:nvPr/>
+      </p:nvGrpSpPr>
+      <p:grpSpPr>
+        <a:xfrm>
+          <a:off x="0" y="0"/>
+          <a:ext cx="0" cy="0"/>
+          <a:chOff x="0" y="0"/>
+          <a:chExt cx="0" cy="0"/>
+        </a:xfrm>
+      </p:grpSpPr>
+      <p:sp>
+        <p:nvSpPr>
+          <p:cNvPr id="2" name="Title 1"/>
+          <p:cNvSpPr>
+            <a:spLocks noGrp="1"/>
+          </p:cNvSpPr>
+          <p:nvPr>
+            <p:ph type="title"/>
+          </p:nvPr>
+        </p:nvSpPr>
+        <p:spPr/>
+        <p:txBody>
+          <a:bodyPr/>
+          <a:lstStyle/>
+          <a:p>
+            <a:r>
+              <a:rPr lang="en-US" dirty="0" smtClean="0"/>
+              <a:t>Introduction to </a:t>
+            </a:r>
+            <a:r>
+              <a:rPr lang="en-US" dirty="0" err="1" smtClean="0"/>
+              <a:t>Async</a:t>
+            </a:r>
+            <a:endParaRPr lang="en-US" dirty="0"/>
+          </a:p>
+        </p:txBody>
+      </p:sp>
+      <p:sp>
+        <p:nvSpPr>
+          <p:cNvPr id="3" name="Text Placeholder 2"/>
+          <p:cNvSpPr>
+            <a:spLocks noGrp="1"/>
+          </p:cNvSpPr>
+          <p:nvPr>
+            <p:ph type="body" sz="quarter" idx="10"/>
+          </p:nvPr>
+        </p:nvSpPr>
+        <p:spPr>
+          <a:xfrm>
+            <a:off x="269239" y="3516281"/>
+            <a:ext cx="4836162" cy="1735860"/>
+          </a:xfrm>
+          <a:ln>
+            <a:solidFill>
+              <a:schemeClr val="accent1"/>
+            </a:solidFill>
+          </a:ln>
+        </p:spPr>
+        <p:txBody>
+          <a:bodyPr/>
+          <a:lstStyle/>
+          <a:p>
+            <a:r>
+              <a:rPr lang="en-US" sz="2400" dirty="0" err="1">
+                <a:solidFill>
+                  <a:schemeClr val="accent1"/>
+                </a:solidFill>
+                <a:latin typeface="Consolas" panose="020B0609020204030204" pitchFamily="49" charset="0"/>
+                <a:cs typeface="Consolas" panose="020B0609020204030204" pitchFamily="49" charset="0"/>
+              </a:rPr>
+              <a:t>async</a:t>
+            </a:r>
+            <a:r>
+              <a:rPr lang="en-US" sz="2400" dirty="0">
+                <a:solidFill>
+                  <a:schemeClr val="accent1"/>
+                </a:solidFill>
+                <a:latin typeface="Consolas" panose="020B0609020204030204" pitchFamily="49" charset="0"/>
+                <a:cs typeface="Consolas" panose="020B0609020204030204" pitchFamily="49" charset="0"/>
+              </a:rPr>
+              <a:t> </a:t>
+            </a:r>
+            <a:r>
+              <a:rPr lang="en-US" sz="2400" dirty="0">
+                <a:solidFill>
+                  <a:schemeClr val="tx2"/>
+                </a:solidFill>
+                <a:latin typeface="Consolas" panose="020B0609020204030204" pitchFamily="49" charset="0"/>
+                <a:cs typeface="Consolas" panose="020B0609020204030204" pitchFamily="49" charset="0"/>
+              </a:rPr>
+              <a:t>Task </a:t>
+            </a:r>
+            <a:r>
+              <a:rPr lang="en-US" sz="2400" dirty="0" err="1" smtClean="0">
+                <a:latin typeface="Consolas" panose="020B0609020204030204" pitchFamily="49" charset="0"/>
+                <a:cs typeface="Consolas" panose="020B0609020204030204" pitchFamily="49" charset="0"/>
+              </a:rPr>
+              <a:t>DoNothingAsync</a:t>
+            </a:r>
+            <a:r>
+              <a:rPr lang="en-US" sz="2400" dirty="0">
+                <a:latin typeface="Consolas" panose="020B0609020204030204" pitchFamily="49" charset="0"/>
+                <a:cs typeface="Consolas" panose="020B0609020204030204" pitchFamily="49" charset="0"/>
+              </a:rPr>
+              <a:t>()</a:t>
+            </a:r>
+          </a:p>
+          <a:p>
+            <a:r>
+              <a:rPr lang="en-US" sz="2400" dirty="0" smtClean="0">
+                <a:latin typeface="Consolas" panose="020B0609020204030204" pitchFamily="49" charset="0"/>
+                <a:cs typeface="Consolas" panose="020B0609020204030204" pitchFamily="49" charset="0"/>
+              </a:rPr>
+              <a:t>{</a:t>
+            </a:r>
+          </a:p>
+          <a:p>
+            <a:r>
+              <a:rPr lang="en-US" sz="2400" dirty="0" smtClean="0">
+                <a:solidFill>
+                  <a:schemeClr val="accent1"/>
+                </a:solidFill>
+                <a:latin typeface="Consolas" panose="020B0609020204030204" pitchFamily="49" charset="0"/>
+                <a:cs typeface="Consolas" panose="020B0609020204030204" pitchFamily="49" charset="0"/>
+              </a:rPr>
+              <a:t>  await</a:t>
+            </a:r>
+            <a:r>
+              <a:rPr lang="en-US" sz="2400" dirty="0" smtClean="0">
+                <a:latin typeface="Consolas" panose="020B0609020204030204" pitchFamily="49" charset="0"/>
+                <a:cs typeface="Consolas" panose="020B0609020204030204" pitchFamily="49" charset="0"/>
+              </a:rPr>
+              <a:t> </a:t>
+            </a:r>
+            <a:r>
+              <a:rPr lang="en-US" sz="2400" dirty="0" err="1" smtClean="0">
+                <a:solidFill>
+                  <a:schemeClr val="tx2"/>
+                </a:solidFill>
+                <a:latin typeface="Consolas" panose="020B0609020204030204" pitchFamily="49" charset="0"/>
+                <a:cs typeface="Consolas" panose="020B0609020204030204" pitchFamily="49" charset="0"/>
+              </a:rPr>
+              <a:t>Task</a:t>
+            </a:r>
+            <a:r>
+              <a:rPr lang="en-US" sz="2400" dirty="0" err="1" smtClean="0">
+                <a:latin typeface="Consolas" panose="020B0609020204030204" pitchFamily="49" charset="0"/>
+                <a:cs typeface="Consolas" panose="020B0609020204030204" pitchFamily="49" charset="0"/>
+              </a:rPr>
+              <a:t>.Delay</a:t>
+            </a:r>
+            <a:r>
+              <a:rPr lang="en-US" sz="2400" dirty="0" smtClean="0">
+                <a:latin typeface="Consolas" panose="020B0609020204030204" pitchFamily="49" charset="0"/>
+                <a:cs typeface="Consolas" panose="020B0609020204030204" pitchFamily="49" charset="0"/>
+              </a:rPr>
+              <a:t>(100);</a:t>
+            </a:r>
+            <a:endParaRPr lang="en-US" sz="2400" dirty="0">
+              <a:latin typeface="Consolas" panose="020B0609020204030204" pitchFamily="49" charset="0"/>
+              <a:cs typeface="Consolas" panose="020B0609020204030204" pitchFamily="49" charset="0"/>
+            </a:endParaRPr>
+          </a:p>
+          <a:p>
+            <a:r>
+              <a:rPr lang="en-US" sz="2400" dirty="0" smtClean="0">
+                <a:latin typeface="Consolas" panose="020B0609020204030204" pitchFamily="49" charset="0"/>
+                <a:cs typeface="Consolas" panose="020B0609020204030204" pitchFamily="49" charset="0"/>
+              </a:rPr>
+              <a:t>}</a:t>
+            </a:r>
+            <a:endParaRPr lang="en-US" sz="2400" dirty="0">
+              <a:latin typeface="Consolas" panose="020B0609020204030204" pitchFamily="49" charset="0"/>
+              <a:cs typeface="Consolas" panose="020B0609020204030204" pitchFamily="49" charset="0"/>
+            </a:endParaRPr>
+          </a:p>
+        </p:txBody>
+      </p:sp>
+      <p:sp>
+        <p:nvSpPr>
+          <p:cNvPr id="5" name="Text Placeholder 2"/>
+          <p:cNvSpPr txBox="1">
+            <a:spLocks/>
+          </p:cNvSpPr>
+          <p:nvPr/>
+        </p:nvSpPr>
+        <p:spPr>
+          <a:xfrm>
+            <a:off x="6242295" y="3313149"/>
+            <a:ext cx="5682784" cy="2142125"/>
+          </a:xfrm>
+          <a:prstGeom prst="rect">
+            <a:avLst/>
+          </a:prstGeom>
+          <a:ln>
+            <a:solidFill>
+              <a:schemeClr val="accent1"/>
+            </a:solidFill>
+          </a:ln>
+        </p:spPr>
+        <p:txBody>
+          <a:bodyPr vert="horz" wrap="square" lIns="146304" tIns="91440" rIns="146304" bIns="91440" rtlCol="0">
+            <a:spAutoFit/>
+          </a:bodyPr>
+          <a:lstStyle>
+            <a:lvl1pPr marL="0" marR="0" indent="0" algn="l" defTabSz="914367" rtl="0" eaLnBrk="1" fontAlgn="auto" latinLnBrk="0" hangingPunct="1">
+              <a:lnSpc>
+                <a:spcPct val="90000"/>
+              </a:lnSpc>
+              <a:spcBef>
+                <a:spcPct val="20000"/>
+              </a:spcBef>
+              <a:spcAft>
+                <a:spcPts val="0"/>
+              </a:spcAft>
+              <a:buClrTx/>
+              <a:buSzPct val="90000"/>
+              <a:buFont typeface="Arial" pitchFamily="34" charset="0"/>
+              <a:buNone/>
+              <a:tabLst/>
+              <a:defRPr sz="3235" kern="1200" spc="0" baseline="0">
+                <a:gradFill>
+                  <a:gsLst>
+                    <a:gs pos="1250">
+                      <a:srgbClr val="000000"/>
+                    </a:gs>
+                    <a:gs pos="100000">
+                      <a:srgbClr val="000000"/>
+                    </a:gs>
+                  </a:gsLst>
+                  <a:lin ang="5400000" scaled="0"/>
+                </a:gradFill>
+                <a:latin typeface="Segoe UI" pitchFamily="34" charset="0"/>
+                <a:ea typeface="+mn-ea"/>
+                <a:cs typeface="Segoe UI" pitchFamily="34" charset="0"/>
+              </a:defRPr>
+            </a:lvl1pPr>
+            <a:lvl2pPr marL="339726" marR="0" indent="0" algn="l" defTabSz="914367" rtl="0" eaLnBrk="1" fontAlgn="auto" latinLnBrk="0" hangingPunct="1">
+              <a:lnSpc>
+                <a:spcPct val="90000"/>
+              </a:lnSpc>
+              <a:spcBef>
+                <a:spcPct val="20000"/>
+              </a:spcBef>
+              <a:spcAft>
+                <a:spcPts val="0"/>
+              </a:spcAft>
+              <a:buClrTx/>
+              <a:buSzPct val="90000"/>
+              <a:buFont typeface="Arial" pitchFamily="34" charset="0"/>
+              <a:buNone/>
+              <a:tabLst/>
+              <a:defRPr sz="2353" kern="1200" spc="0" baseline="0">
+                <a:gradFill>
+                  <a:gsLst>
+                    <a:gs pos="1250">
+                      <a:srgbClr val="000000"/>
+                    </a:gs>
+                    <a:gs pos="100000">
+                      <a:srgbClr val="000000"/>
+                    </a:gs>
+                  </a:gsLst>
+                  <a:lin ang="5400000" scaled="0"/>
+                </a:gradFill>
+                <a:latin typeface="Segoe UI" pitchFamily="34" charset="0"/>
+                <a:ea typeface="+mn-ea"/>
+                <a:cs typeface="Segoe UI" pitchFamily="34" charset="0"/>
+              </a:defRPr>
+            </a:lvl2pPr>
+            <a:lvl3pPr marL="573090" marR="0" indent="0" algn="l" defTabSz="914367" rtl="0" eaLnBrk="1" fontAlgn="auto" latinLnBrk="0" hangingPunct="1">
+              <a:lnSpc>
+                <a:spcPct val="90000"/>
+              </a:lnSpc>
+              <a:spcBef>
+                <a:spcPct val="20000"/>
+              </a:spcBef>
+              <a:spcAft>
+                <a:spcPts val="0"/>
+              </a:spcAft>
+              <a:buClrTx/>
+              <a:buSzPct val="90000"/>
+              <a:buFont typeface="Arial" pitchFamily="34" charset="0"/>
+              <a:buNone/>
+              <a:tabLst/>
+              <a:defRPr sz="1961" kern="1200" spc="0" baseline="0">
+                <a:gradFill>
+                  <a:gsLst>
+                    <a:gs pos="1250">
+                      <a:srgbClr val="000000"/>
+                    </a:gs>
+                    <a:gs pos="100000">
+                      <a:srgbClr val="000000"/>
+                    </a:gs>
+                  </a:gsLst>
+                  <a:lin ang="5400000" scaled="0"/>
+                </a:gradFill>
+                <a:latin typeface="Segoe UI" pitchFamily="34" charset="0"/>
+                <a:ea typeface="+mn-ea"/>
+                <a:cs typeface="Segoe UI" pitchFamily="34" charset="0"/>
+              </a:defRPr>
+            </a:lvl3pPr>
+            <a:lvl4pPr marL="798516" marR="0" indent="0" algn="l" defTabSz="914367" rtl="0" eaLnBrk="1" fontAlgn="auto" latinLnBrk="0" hangingPunct="1">
+              <a:lnSpc>
+                <a:spcPct val="90000"/>
+              </a:lnSpc>
+              <a:spcBef>
+                <a:spcPct val="20000"/>
+              </a:spcBef>
+              <a:spcAft>
+                <a:spcPts val="0"/>
+              </a:spcAft>
+              <a:buClrTx/>
+              <a:buSzPct val="90000"/>
+              <a:buFont typeface="Arial" pitchFamily="34" charset="0"/>
+              <a:buNone/>
+              <a:tabLst/>
+              <a:defRPr sz="1765" kern="1200" spc="0" baseline="0">
+                <a:gradFill>
+                  <a:gsLst>
+                    <a:gs pos="1250">
+                      <a:srgbClr val="000000"/>
+                    </a:gs>
+                    <a:gs pos="100000">
+                      <a:srgbClr val="000000"/>
+                    </a:gs>
+                  </a:gsLst>
+                  <a:lin ang="5400000" scaled="0"/>
+                </a:gradFill>
+                <a:latin typeface="Segoe UI" pitchFamily="34" charset="0"/>
+                <a:ea typeface="+mn-ea"/>
+                <a:cs typeface="Segoe UI" pitchFamily="34" charset="0"/>
+              </a:defRPr>
+            </a:lvl4pPr>
+            <a:lvl5pPr marL="1030292" marR="0" indent="0" algn="l" defTabSz="914367" rtl="0" eaLnBrk="1" fontAlgn="auto" latinLnBrk="0" hangingPunct="1">
+              <a:lnSpc>
+                <a:spcPct val="90000"/>
+              </a:lnSpc>
+              <a:spcBef>
+                <a:spcPct val="20000"/>
+              </a:spcBef>
+              <a:spcAft>
+                <a:spcPts val="0"/>
+              </a:spcAft>
+              <a:buClrTx/>
+              <a:buSzPct val="90000"/>
+              <a:buFont typeface="Arial" pitchFamily="34" charset="0"/>
+              <a:buNone/>
+              <a:tabLst/>
+              <a:defRPr sz="1765" kern="1200" spc="0" baseline="0">
+                <a:gradFill>
+                  <a:gsLst>
+                    <a:gs pos="1250">
+                      <a:srgbClr val="000000"/>
+                    </a:gs>
+                    <a:gs pos="100000">
+                      <a:srgbClr val="000000"/>
+                    </a:gs>
+                  </a:gsLst>
+                  <a:lin ang="5400000" scaled="0"/>
+                </a:gradFill>
+                <a:latin typeface="Segoe UI" pitchFamily="34" charset="0"/>
+                <a:ea typeface="+mn-ea"/>
+                <a:cs typeface="Segoe UI" pitchFamily="34" charset="0"/>
+              </a:defRPr>
+            </a:lvl5pPr>
+            <a:lvl6pPr marL="2514509" indent="-228592" algn="l" defTabSz="914367" rtl="0" eaLnBrk="1" latinLnBrk="0" hangingPunct="1">
+              <a:spcBef>
+                <a:spcPct val="20000"/>
+              </a:spcBef>
+              <a:buFont typeface="Arial" pitchFamily="34" charset="0"/>
+              <a:buChar char="•"/>
+              <a:defRPr sz="1961" kern="1200">
+                <a:solidFill>
+                  <a:schemeClr val="tx1"/>
+                </a:solidFill>
+                <a:latin typeface="+mn-lt"/>
+                <a:ea typeface="+mn-ea"/>
+                <a:cs typeface="+mn-cs"/>
+              </a:defRPr>
+            </a:lvl6pPr>
+            <a:lvl7pPr marL="2971693" indent="-228592" algn="l" defTabSz="914367" rtl="0" eaLnBrk="1" latinLnBrk="0" hangingPunct="1">
+              <a:spcBef>
+                <a:spcPct val="20000"/>
+              </a:spcBef>
+              <a:buFont typeface="Arial" pitchFamily="34" charset="0"/>
+              <a:buChar char="•"/>
+              <a:defRPr sz="1961" kern="1200">
+                <a:solidFill>
+                  <a:schemeClr val="tx1"/>
+                </a:solidFill>
+                <a:latin typeface="+mn-lt"/>
+                <a:ea typeface="+mn-ea"/>
+                <a:cs typeface="+mn-cs"/>
+              </a:defRPr>
+            </a:lvl7pPr>
+            <a:lvl8pPr marL="3428877" indent="-228592" algn="l" defTabSz="914367" rtl="0" eaLnBrk="1" latinLnBrk="0" hangingPunct="1">
+              <a:spcBef>
+                <a:spcPct val="20000"/>
+              </a:spcBef>
+              <a:buFont typeface="Arial" pitchFamily="34" charset="0"/>
+              <a:buChar char="•"/>
+              <a:defRPr sz="1961" kern="1200">
+                <a:solidFill>
+                  <a:schemeClr val="tx1"/>
+                </a:solidFill>
+                <a:latin typeface="+mn-lt"/>
+                <a:ea typeface="+mn-ea"/>
+                <a:cs typeface="+mn-cs"/>
+              </a:defRPr>
+            </a:lvl8pPr>
+            <a:lvl9pPr marL="3886061" indent="-228592" algn="l" defTabSz="914367" rtl="0" eaLnBrk="1" latinLnBrk="0" hangingPunct="1">
+              <a:spcBef>
+                <a:spcPct val="20000"/>
+              </a:spcBef>
+              <a:buFont typeface="Arial" pitchFamily="34" charset="0"/>
+              <a:buChar char="•"/>
+              <a:defRPr sz="1961" kern="1200">
+                <a:solidFill>
+                  <a:schemeClr val="tx1"/>
+                </a:solidFill>
+                <a:latin typeface="+mn-lt"/>
+                <a:ea typeface="+mn-ea"/>
+                <a:cs typeface="+mn-cs"/>
+              </a:defRPr>
+            </a:lvl9pPr>
+          </a:lstStyle>
+          <a:p>
+            <a:r>
+              <a:rPr lang="en-US" sz="2400" dirty="0" err="1" smtClean="0">
+                <a:solidFill>
+                  <a:schemeClr val="accent1"/>
+                </a:solidFill>
+                <a:latin typeface="Consolas" panose="020B0609020204030204" pitchFamily="49" charset="0"/>
+                <a:cs typeface="Consolas" panose="020B0609020204030204" pitchFamily="49" charset="0"/>
+              </a:rPr>
+              <a:t>async</a:t>
+            </a:r>
+            <a:r>
+              <a:rPr lang="en-US" sz="2400" dirty="0" smtClean="0">
+                <a:solidFill>
+                  <a:schemeClr val="accent1"/>
+                </a:solidFill>
+                <a:latin typeface="Consolas" panose="020B0609020204030204" pitchFamily="49" charset="0"/>
+                <a:cs typeface="Consolas" panose="020B0609020204030204" pitchFamily="49" charset="0"/>
+              </a:rPr>
+              <a:t> </a:t>
+            </a:r>
+            <a:r>
+              <a:rPr lang="en-US" sz="2400" dirty="0" smtClean="0">
+                <a:solidFill>
+                  <a:schemeClr val="tx2"/>
+                </a:solidFill>
+                <a:latin typeface="Consolas" panose="020B0609020204030204" pitchFamily="49" charset="0"/>
+                <a:cs typeface="Consolas" panose="020B0609020204030204" pitchFamily="49" charset="0"/>
+              </a:rPr>
+              <a:t>Task</a:t>
+            </a:r>
+            <a:r>
+              <a:rPr lang="en-US" sz="2400" dirty="0" smtClean="0">
+                <a:solidFill>
+                  <a:schemeClr val="bg1"/>
+                </a:solidFill>
+                <a:latin typeface="Consolas" panose="020B0609020204030204" pitchFamily="49" charset="0"/>
+                <a:cs typeface="Consolas" panose="020B0609020204030204" pitchFamily="49" charset="0"/>
+              </a:rPr>
+              <a:t>&lt;</a:t>
+            </a:r>
+            <a:r>
+              <a:rPr lang="en-US" sz="2400" dirty="0" err="1" smtClean="0">
+                <a:solidFill>
+                  <a:schemeClr val="bg2"/>
+                </a:solidFill>
+                <a:latin typeface="Consolas" panose="020B0609020204030204" pitchFamily="49" charset="0"/>
+                <a:cs typeface="Consolas" panose="020B0609020204030204" pitchFamily="49" charset="0"/>
+              </a:rPr>
+              <a:t>int</a:t>
+            </a:r>
+            <a:r>
+              <a:rPr lang="en-US" sz="2400" dirty="0" smtClean="0">
+                <a:solidFill>
+                  <a:schemeClr val="bg1"/>
+                </a:solidFill>
+                <a:latin typeface="Consolas" panose="020B0609020204030204" pitchFamily="49" charset="0"/>
+                <a:cs typeface="Consolas" panose="020B0609020204030204" pitchFamily="49" charset="0"/>
+              </a:rPr>
+              <a:t>&gt;</a:t>
+            </a:r>
+            <a:r>
+              <a:rPr lang="en-US" sz="2400" dirty="0" smtClean="0">
+                <a:solidFill>
+                  <a:schemeClr val="tx2"/>
+                </a:solidFill>
+                <a:latin typeface="Consolas" panose="020B0609020204030204" pitchFamily="49" charset="0"/>
+                <a:cs typeface="Consolas" panose="020B0609020204030204" pitchFamily="49" charset="0"/>
+              </a:rPr>
+              <a:t> </a:t>
+            </a:r>
+            <a:r>
+              <a:rPr lang="en-US" sz="2400" dirty="0" err="1" smtClean="0">
+                <a:latin typeface="Consolas" panose="020B0609020204030204" pitchFamily="49" charset="0"/>
+                <a:cs typeface="Consolas" panose="020B0609020204030204" pitchFamily="49" charset="0"/>
+              </a:rPr>
+              <a:t>DoNothingAsync</a:t>
+            </a:r>
+            <a:r>
+              <a:rPr lang="en-US" sz="2400" dirty="0" smtClean="0">
+                <a:latin typeface="Consolas" panose="020B0609020204030204" pitchFamily="49" charset="0"/>
+                <a:cs typeface="Consolas" panose="020B0609020204030204" pitchFamily="49" charset="0"/>
+              </a:rPr>
+              <a:t>()</a:t>
+            </a:r>
+          </a:p>
+          <a:p>
+            <a:r>
+              <a:rPr lang="en-US" sz="2400" dirty="0" smtClean="0">
+                <a:latin typeface="Consolas" panose="020B0609020204030204" pitchFamily="49" charset="0"/>
+                <a:cs typeface="Consolas" panose="020B0609020204030204" pitchFamily="49" charset="0"/>
+              </a:rPr>
+              <a:t>{</a:t>
+            </a:r>
+          </a:p>
+          <a:p>
+            <a:r>
+              <a:rPr lang="en-US" sz="2400" dirty="0" smtClean="0">
+                <a:solidFill>
+                  <a:schemeClr val="accent1"/>
+                </a:solidFill>
+                <a:latin typeface="Consolas" panose="020B0609020204030204" pitchFamily="49" charset="0"/>
+                <a:cs typeface="Consolas" panose="020B0609020204030204" pitchFamily="49" charset="0"/>
+              </a:rPr>
+              <a:t>  await</a:t>
+            </a:r>
+            <a:r>
+              <a:rPr lang="en-US" sz="2400" dirty="0" smtClean="0">
+                <a:latin typeface="Consolas" panose="020B0609020204030204" pitchFamily="49" charset="0"/>
+                <a:cs typeface="Consolas" panose="020B0609020204030204" pitchFamily="49" charset="0"/>
+              </a:rPr>
+              <a:t> </a:t>
+            </a:r>
+            <a:r>
+              <a:rPr lang="en-US" sz="2400" dirty="0" err="1" smtClean="0">
+                <a:solidFill>
+                  <a:schemeClr val="tx2"/>
+                </a:solidFill>
+                <a:latin typeface="Consolas" panose="020B0609020204030204" pitchFamily="49" charset="0"/>
+                <a:cs typeface="Consolas" panose="020B0609020204030204" pitchFamily="49" charset="0"/>
+              </a:rPr>
+              <a:t>Task</a:t>
+            </a:r>
+            <a:r>
+              <a:rPr lang="en-US" sz="2400" dirty="0" err="1" smtClean="0">
+                <a:latin typeface="Consolas" panose="020B0609020204030204" pitchFamily="49" charset="0"/>
+                <a:cs typeface="Consolas" panose="020B0609020204030204" pitchFamily="49" charset="0"/>
+              </a:rPr>
+              <a:t>.Delay</a:t>
+            </a:r>
+            <a:r>
+              <a:rPr lang="en-US" sz="2400" dirty="0" smtClean="0">
+                <a:latin typeface="Consolas" panose="020B0609020204030204" pitchFamily="49" charset="0"/>
+                <a:cs typeface="Consolas" panose="020B0609020204030204" pitchFamily="49" charset="0"/>
+              </a:rPr>
+              <a:t>(100);</a:t>
+            </a:r>
+          </a:p>
+          <a:p>
+            <a:r>
+              <a:rPr lang="en-US" sz="2400" dirty="0">
+                <a:latin typeface="Consolas" panose="020B0609020204030204" pitchFamily="49" charset="0"/>
+                <a:cs typeface="Consolas" panose="020B0609020204030204" pitchFamily="49" charset="0"/>
+              </a:rPr>
+              <a:t> </a:t>
+            </a:r>
+            <a:r>
+              <a:rPr lang="en-US" sz="2400" dirty="0" smtClean="0">
+                <a:latin typeface="Consolas" panose="020B0609020204030204" pitchFamily="49" charset="0"/>
+                <a:cs typeface="Consolas" panose="020B0609020204030204" pitchFamily="49" charset="0"/>
+              </a:rPr>
+              <a:t> </a:t>
+            </a:r>
+            <a:r>
+              <a:rPr lang="en-US" sz="2400" dirty="0" smtClean="0">
+                <a:solidFill>
+                  <a:schemeClr val="accent1"/>
+                </a:solidFill>
+                <a:latin typeface="Consolas" panose="020B0609020204030204" pitchFamily="49" charset="0"/>
+                <a:cs typeface="Consolas" panose="020B0609020204030204" pitchFamily="49" charset="0"/>
+              </a:rPr>
+              <a:t>return</a:t>
+            </a:r>
+            <a:r>
+              <a:rPr lang="en-US" sz="2400" dirty="0" smtClean="0">
+                <a:latin typeface="Consolas" panose="020B0609020204030204" pitchFamily="49" charset="0"/>
+                <a:cs typeface="Consolas" panose="020B0609020204030204" pitchFamily="49" charset="0"/>
+              </a:rPr>
+              <a:t> 42;</a:t>
+            </a:r>
+          </a:p>
+          <a:p>
+            <a:r>
+              <a:rPr lang="en-US" sz="2400" dirty="0" smtClean="0">
+                <a:latin typeface="Consolas" panose="020B0609020204030204" pitchFamily="49" charset="0"/>
+                <a:cs typeface="Consolas" panose="020B0609020204030204" pitchFamily="49" charset="0"/>
+              </a:rPr>
+              <a:t>}</a:t>
+            </a:r>
+            <a:endParaRPr lang="en-US" sz="2400" dirty="0">
+              <a:latin typeface="Consolas" panose="020B0609020204030204" pitchFamily="49" charset="0"/>
+              <a:cs typeface="Consolas" panose="020B0609020204030204" pitchFamily="49" charset="0"/>
+            </a:endParaRPr>
+          </a:p>
+        </p:txBody>
+      </p:sp>
+      <p:sp>
+        <p:nvSpPr>
+          <p:cNvPr id="7" name="Text Placeholder 2"/>
+          <p:cNvSpPr txBox="1">
+            <a:spLocks/>
+          </p:cNvSpPr>
+          <p:nvPr/>
+        </p:nvSpPr>
+        <p:spPr>
+          <a:xfrm>
+            <a:off x="269238" y="1189176"/>
+            <a:ext cx="11655841" cy="1520416"/>
+          </a:xfrm>
+          <a:prstGeom prst="rect">
+            <a:avLst/>
+          </a:prstGeom>
+          <a:ln>
+            <a:noFill/>
+          </a:ln>
+        </p:spPr>
+        <p:txBody>
+          <a:bodyPr vert="horz" wrap="square" lIns="146304" tIns="91440" rIns="146304" bIns="91440" rtlCol="0">
+            <a:spAutoFit/>
+          </a:bodyPr>
+          <a:lstStyle>
+            <a:lvl1pPr marL="0" marR="0" indent="0" algn="l" defTabSz="914367" rtl="0" eaLnBrk="1" fontAlgn="auto" latinLnBrk="0" hangingPunct="1">
+              <a:lnSpc>
+                <a:spcPct val="90000"/>
+              </a:lnSpc>
+              <a:spcBef>
+                <a:spcPct val="20000"/>
+              </a:spcBef>
+              <a:spcAft>
+                <a:spcPts val="0"/>
+              </a:spcAft>
+              <a:buClrTx/>
+              <a:buSzPct val="90000"/>
+              <a:buFont typeface="Arial" pitchFamily="34" charset="0"/>
+              <a:buNone/>
+              <a:tabLst/>
+              <a:defRPr sz="3235" kern="1200" spc="0" baseline="0">
+                <a:gradFill>
+                  <a:gsLst>
+                    <a:gs pos="1250">
+                      <a:srgbClr val="000000"/>
+                    </a:gs>
+                    <a:gs pos="100000">
+                      <a:srgbClr val="000000"/>
+                    </a:gs>
+                  </a:gsLst>
+                  <a:lin ang="5400000" scaled="0"/>
+                </a:gradFill>
+                <a:latin typeface="Segoe UI" pitchFamily="34" charset="0"/>
+                <a:ea typeface="+mn-ea"/>
+                <a:cs typeface="Segoe UI" pitchFamily="34" charset="0"/>
+              </a:defRPr>
+            </a:lvl1pPr>
+            <a:lvl2pPr marL="339726" marR="0" indent="0" algn="l" defTabSz="914367" rtl="0" eaLnBrk="1" fontAlgn="auto" latinLnBrk="0" hangingPunct="1">
+              <a:lnSpc>
+                <a:spcPct val="90000"/>
+              </a:lnSpc>
+              <a:spcBef>
+                <a:spcPct val="20000"/>
+              </a:spcBef>
+              <a:spcAft>
+                <a:spcPts val="0"/>
+              </a:spcAft>
+              <a:buClrTx/>
+              <a:buSzPct val="90000"/>
+              <a:buFont typeface="Arial" pitchFamily="34" charset="0"/>
+              <a:buNone/>
+              <a:tabLst/>
+              <a:defRPr sz="2353" kern="1200" spc="0" baseline="0">
+                <a:gradFill>
+                  <a:gsLst>
+                    <a:gs pos="1250">
+                      <a:srgbClr val="000000"/>
+                    </a:gs>
+                    <a:gs pos="100000">
+                      <a:srgbClr val="000000"/>
+                    </a:gs>
+                  </a:gsLst>
+                  <a:lin ang="5400000" scaled="0"/>
+                </a:gradFill>
+                <a:latin typeface="Segoe UI" pitchFamily="34" charset="0"/>
+                <a:ea typeface="+mn-ea"/>
+                <a:cs typeface="Segoe UI" pitchFamily="34" charset="0"/>
+              </a:defRPr>
+            </a:lvl2pPr>
+            <a:lvl3pPr marL="573090" marR="0" indent="0" algn="l" defTabSz="914367" rtl="0" eaLnBrk="1" fontAlgn="auto" latinLnBrk="0" hangingPunct="1">
+              <a:lnSpc>
+                <a:spcPct val="90000"/>
+              </a:lnSpc>
+              <a:spcBef>
+                <a:spcPct val="20000"/>
+              </a:spcBef>
+              <a:spcAft>
+                <a:spcPts val="0"/>
+              </a:spcAft>
+              <a:buClrTx/>
+              <a:buSzPct val="90000"/>
+              <a:buFont typeface="Arial" pitchFamily="34" charset="0"/>
+              <a:buNone/>
+              <a:tabLst/>
+              <a:defRPr sz="1961" kern="1200" spc="0" baseline="0">
+                <a:gradFill>
+                  <a:gsLst>
+                    <a:gs pos="1250">
+                      <a:srgbClr val="000000"/>
+                    </a:gs>
+                    <a:gs pos="100000">
+                      <a:srgbClr val="000000"/>
+                    </a:gs>
+                  </a:gsLst>
+                  <a:lin ang="5400000" scaled="0"/>
+                </a:gradFill>
+                <a:latin typeface="Segoe UI" pitchFamily="34" charset="0"/>
+                <a:ea typeface="+mn-ea"/>
+                <a:cs typeface="Segoe UI" pitchFamily="34" charset="0"/>
+              </a:defRPr>
+            </a:lvl3pPr>
+            <a:lvl4pPr marL="798516" marR="0" indent="0" algn="l" defTabSz="914367" rtl="0" eaLnBrk="1" fontAlgn="auto" latinLnBrk="0" hangingPunct="1">
+              <a:lnSpc>
+                <a:spcPct val="90000"/>
+              </a:lnSpc>
+              <a:spcBef>
+                <a:spcPct val="20000"/>
+              </a:spcBef>
+              <a:spcAft>
+                <a:spcPts val="0"/>
+              </a:spcAft>
+              <a:buClrTx/>
+              <a:buSzPct val="90000"/>
+              <a:buFont typeface="Arial" pitchFamily="34" charset="0"/>
+              <a:buNone/>
+              <a:tabLst/>
+              <a:defRPr sz="1765" kern="1200" spc="0" baseline="0">
+                <a:gradFill>
+                  <a:gsLst>
+                    <a:gs pos="1250">
+                      <a:srgbClr val="000000"/>
+                    </a:gs>
+                    <a:gs pos="100000">
+                      <a:srgbClr val="000000"/>
+                    </a:gs>
+                  </a:gsLst>
+                  <a:lin ang="5400000" scaled="0"/>
+                </a:gradFill>
+                <a:latin typeface="Segoe UI" pitchFamily="34" charset="0"/>
+                <a:ea typeface="+mn-ea"/>
+                <a:cs typeface="Segoe UI" pitchFamily="34" charset="0"/>
+              </a:defRPr>
+            </a:lvl4pPr>
+            <a:lvl5pPr marL="1030292" marR="0" indent="0" algn="l" defTabSz="914367" rtl="0" eaLnBrk="1" fontAlgn="auto" latinLnBrk="0" hangingPunct="1">
+              <a:lnSpc>
+                <a:spcPct val="90000"/>
+              </a:lnSpc>
+              <a:spcBef>
+                <a:spcPct val="20000"/>
+              </a:spcBef>
+              <a:spcAft>
+                <a:spcPts val="0"/>
+              </a:spcAft>
+              <a:buClrTx/>
+              <a:buSzPct val="90000"/>
+              <a:buFont typeface="Arial" pitchFamily="34" charset="0"/>
+              <a:buNone/>
+              <a:tabLst/>
+              <a:defRPr sz="1765" kern="1200" spc="0" baseline="0">
+                <a:gradFill>
+                  <a:gsLst>
+                    <a:gs pos="1250">
+                      <a:srgbClr val="000000"/>
+                    </a:gs>
+                    <a:gs pos="100000">
+                      <a:srgbClr val="000000"/>
+                    </a:gs>
+                  </a:gsLst>
+                  <a:lin ang="5400000" scaled="0"/>
+                </a:gradFill>
+                <a:latin typeface="Segoe UI" pitchFamily="34" charset="0"/>
+                <a:ea typeface="+mn-ea"/>
+                <a:cs typeface="Segoe UI" pitchFamily="34" charset="0"/>
+              </a:defRPr>
+            </a:lvl5pPr>
+            <a:lvl6pPr marL="2514509" indent="-228592" algn="l" defTabSz="914367" rtl="0" eaLnBrk="1" latinLnBrk="0" hangingPunct="1">
+              <a:spcBef>
+                <a:spcPct val="20000"/>
+              </a:spcBef>
+              <a:buFont typeface="Arial" pitchFamily="34" charset="0"/>
+              <a:buChar char="•"/>
+              <a:defRPr sz="1961" kern="1200">
+                <a:solidFill>
+                  <a:schemeClr val="tx1"/>
+                </a:solidFill>
+                <a:latin typeface="+mn-lt"/>
+                <a:ea typeface="+mn-ea"/>
+                <a:cs typeface="+mn-cs"/>
+              </a:defRPr>
+            </a:lvl6pPr>
+            <a:lvl7pPr marL="2971693" indent="-228592" algn="l" defTabSz="914367" rtl="0" eaLnBrk="1" latinLnBrk="0" hangingPunct="1">
+              <a:spcBef>
+                <a:spcPct val="20000"/>
+              </a:spcBef>
+              <a:buFont typeface="Arial" pitchFamily="34" charset="0"/>
+              <a:buChar char="•"/>
+              <a:defRPr sz="1961" kern="1200">
+                <a:solidFill>
+                  <a:schemeClr val="tx1"/>
+                </a:solidFill>
+                <a:latin typeface="+mn-lt"/>
+                <a:ea typeface="+mn-ea"/>
+                <a:cs typeface="+mn-cs"/>
+              </a:defRPr>
+            </a:lvl7pPr>
+            <a:lvl8pPr marL="3428877" indent="-228592" algn="l" defTabSz="914367" rtl="0" eaLnBrk="1" latinLnBrk="0" hangingPunct="1">
+              <a:spcBef>
+                <a:spcPct val="20000"/>
+              </a:spcBef>
+              <a:buFont typeface="Arial" pitchFamily="34" charset="0"/>
+              <a:buChar char="•"/>
+              <a:defRPr sz="1961" kern="1200">
+                <a:solidFill>
+                  <a:schemeClr val="tx1"/>
+                </a:solidFill>
+                <a:latin typeface="+mn-lt"/>
+                <a:ea typeface="+mn-ea"/>
+                <a:cs typeface="+mn-cs"/>
+              </a:defRPr>
+            </a:lvl8pPr>
+            <a:lvl9pPr marL="3886061" indent="-228592" algn="l" defTabSz="914367" rtl="0" eaLnBrk="1" latinLnBrk="0" hangingPunct="1">
+              <a:spcBef>
+                <a:spcPct val="20000"/>
+              </a:spcBef>
+              <a:buFont typeface="Arial" pitchFamily="34" charset="0"/>
+              <a:buChar char="•"/>
+              <a:defRPr sz="1961" kern="1200">
+                <a:solidFill>
+                  <a:schemeClr val="tx1"/>
+                </a:solidFill>
+                <a:latin typeface="+mn-lt"/>
+                <a:ea typeface="+mn-ea"/>
+                <a:cs typeface="+mn-cs"/>
+              </a:defRPr>
+            </a:lvl9pPr>
+          </a:lstStyle>
+          <a:p>
+            <a:endParaRPr lang="en-US" sz="2800" dirty="0" smtClean="0">
+              <a:latin typeface="+mn-lt"/>
+              <a:cs typeface="Consolas" panose="020B0609020204030204" pitchFamily="49" charset="0"/>
+            </a:endParaRPr>
+          </a:p>
+          <a:p>
+            <a:r>
+              <a:rPr lang="en-US" sz="2800" dirty="0" smtClean="0">
+                <a:latin typeface="+mn-lt"/>
+                <a:cs typeface="Consolas" panose="020B0609020204030204" pitchFamily="49" charset="0"/>
+              </a:rPr>
+              <a:t>Return types for </a:t>
+            </a:r>
+            <a:r>
+              <a:rPr lang="en-US" sz="2800" dirty="0" err="1" smtClean="0">
+                <a:solidFill>
+                  <a:schemeClr val="accent1"/>
+                </a:solidFill>
+                <a:latin typeface="Consolas" panose="020B0609020204030204" pitchFamily="49" charset="0"/>
+                <a:cs typeface="Consolas" panose="020B0609020204030204" pitchFamily="49" charset="0"/>
+              </a:rPr>
+              <a:t>async</a:t>
+            </a:r>
+            <a:r>
+              <a:rPr lang="en-US" sz="2800" dirty="0" smtClean="0">
+                <a:latin typeface="+mn-lt"/>
+                <a:cs typeface="Consolas" panose="020B0609020204030204" pitchFamily="49" charset="0"/>
+              </a:rPr>
+              <a:t> methods: </a:t>
+            </a:r>
+            <a:r>
+              <a:rPr lang="en-US" sz="2800" dirty="0" smtClean="0">
+                <a:solidFill>
+                  <a:schemeClr val="tx2"/>
+                </a:solidFill>
+                <a:latin typeface="Consolas" panose="020B0609020204030204" pitchFamily="49" charset="0"/>
+                <a:cs typeface="Consolas" panose="020B0609020204030204" pitchFamily="49" charset="0"/>
+              </a:rPr>
+              <a:t>Task</a:t>
+            </a:r>
+            <a:r>
+              <a:rPr lang="en-US" sz="2800" dirty="0" smtClean="0">
+                <a:latin typeface="+mn-lt"/>
+                <a:cs typeface="Consolas" panose="020B0609020204030204" pitchFamily="49" charset="0"/>
+              </a:rPr>
+              <a:t> or </a:t>
+            </a:r>
+            <a:r>
+              <a:rPr lang="en-US" sz="2800" dirty="0" smtClean="0">
+                <a:solidFill>
+                  <a:schemeClr val="tx2"/>
+                </a:solidFill>
+                <a:latin typeface="Consolas" panose="020B0609020204030204" pitchFamily="49" charset="0"/>
+                <a:cs typeface="Consolas" panose="020B0609020204030204" pitchFamily="49" charset="0"/>
+              </a:rPr>
+              <a:t>Task</a:t>
+            </a:r>
+            <a:r>
+              <a:rPr lang="en-US" sz="2800" dirty="0" smtClean="0">
+                <a:latin typeface="Consolas" panose="020B0609020204030204" pitchFamily="49" charset="0"/>
+                <a:cs typeface="Consolas" panose="020B0609020204030204" pitchFamily="49" charset="0"/>
+              </a:rPr>
+              <a:t>&lt;T&gt;</a:t>
+            </a:r>
+            <a:r>
+              <a:rPr lang="en-US" sz="2800" dirty="0" smtClean="0">
+                <a:latin typeface="+mn-lt"/>
+                <a:cs typeface="Consolas" panose="020B0609020204030204" pitchFamily="49" charset="0"/>
+              </a:rPr>
+              <a:t> (or </a:t>
+            </a:r>
+            <a:r>
+              <a:rPr lang="en-US" sz="2800" dirty="0" smtClean="0">
+                <a:solidFill>
+                  <a:schemeClr val="accent1"/>
+                </a:solidFill>
+                <a:latin typeface="Consolas" panose="020B0609020204030204" pitchFamily="49" charset="0"/>
+                <a:cs typeface="Consolas" panose="020B0609020204030204" pitchFamily="49" charset="0"/>
+              </a:rPr>
+              <a:t>void</a:t>
+            </a:r>
+            <a:r>
+              <a:rPr lang="en-US" sz="2800" dirty="0" smtClean="0">
+                <a:latin typeface="+mn-lt"/>
+                <a:cs typeface="Consolas" panose="020B0609020204030204" pitchFamily="49" charset="0"/>
+              </a:rPr>
+              <a:t>)</a:t>
+            </a:r>
+          </a:p>
+          <a:p>
+            <a:r>
+              <a:rPr lang="en-US" sz="2800" dirty="0" smtClean="0">
+                <a:latin typeface="+mn-lt"/>
+                <a:cs typeface="Consolas" panose="020B0609020204030204" pitchFamily="49" charset="0"/>
+              </a:rPr>
+              <a:t>Avoid</a:t>
+            </a:r>
+            <a:r>
+              <a:rPr lang="en-US" sz="2800" dirty="0" smtClean="0">
+                <a:latin typeface="Consolas" panose="020B0609020204030204" pitchFamily="49" charset="0"/>
+                <a:cs typeface="Consolas" panose="020B0609020204030204" pitchFamily="49" charset="0"/>
+              </a:rPr>
+              <a:t> </a:t>
+            </a:r>
+            <a:r>
+              <a:rPr lang="en-US" sz="2800" dirty="0" err="1" smtClean="0">
+                <a:solidFill>
+                  <a:schemeClr val="accent1"/>
+                </a:solidFill>
+                <a:latin typeface="Consolas" panose="020B0609020204030204" pitchFamily="49" charset="0"/>
+                <a:cs typeface="Consolas" panose="020B0609020204030204" pitchFamily="49" charset="0"/>
+              </a:rPr>
+              <a:t>async</a:t>
+            </a:r>
+            <a:r>
+              <a:rPr lang="en-US" sz="2800" dirty="0" smtClean="0">
+                <a:solidFill>
+                  <a:schemeClr val="accent1"/>
+                </a:solidFill>
+                <a:latin typeface="Consolas" panose="020B0609020204030204" pitchFamily="49" charset="0"/>
+                <a:cs typeface="Consolas" panose="020B0609020204030204" pitchFamily="49" charset="0"/>
+              </a:rPr>
+              <a:t> void</a:t>
+            </a:r>
+            <a:r>
+              <a:rPr lang="en-US" sz="2800" dirty="0" smtClean="0">
+                <a:latin typeface="+mn-lt"/>
+                <a:cs typeface="Consolas" panose="020B0609020204030204" pitchFamily="49" charset="0"/>
+              </a:rPr>
+              <a:t>.</a:t>
+            </a:r>
+            <a:endParaRPr lang="en-US" sz="2800" dirty="0">
+              <a:latin typeface="+mn-lt"/>
+              <a:cs typeface="Consolas" panose="020B0609020204030204" pitchFamily="49" charset="0"/>
+            </a:endParaRPr>
+          </a:p>
+        </p:txBody>
+      </p:sp>
+    </p:spTree>
+    <p:extLst>
+      <p:ext uri="{BB962C8B-B14F-4D97-AF65-F5344CB8AC3E}">
+        <p14:creationId xmlns:p14="http://schemas.microsoft.com/office/powerpoint/2010/main" val="1249763923"/>
+      </p:ext>
+    </p:extLst>
+  </p:cSld>
+  <p:clrMapOvr>
+    <a:masterClrMapping/>
+  </p:clrMapOvr>
+  <p:transition>
+    <p:fade/>
+  </p:transition>
+  <p:timing>
+    <p:tnLst>
+      <p:par>
+        <p:cTn id="1" dur="indefinite" restart="never" nodeType="tmRoot"/>
+      </p:par>
+    </p:tnLst>
+  </p:timing>
+</p:sld>
+</file>
+
+<file path=ppt/slides/slide21.xml><?xml version="1.0" encoding="utf-8"?>
+<p:sld xmlns:a="http://schemas.openxmlformats.org/drawingml/2006/main" xmlns:r="http://schemas.openxmlformats.org/officeDocument/2006/relationships" xmlns:p="http://schemas.openxmlformats.org/presentationml/2006/main" show="0">
+  <p:cSld>
+    <p:spTree>
+      <p:nvGrpSpPr>
+        <p:cNvPr id="1" name=""/>
+        <p:cNvGrpSpPr/>
+        <p:nvPr/>
+      </p:nvGrpSpPr>
+      <p:grpSpPr>
+        <a:xfrm>
+          <a:off x="0" y="0"/>
+          <a:ext cx="0" cy="0"/>
+          <a:chOff x="0" y="0"/>
+          <a:chExt cx="0" cy="0"/>
+        </a:xfrm>
+      </p:grpSpPr>
+      <p:sp>
+        <p:nvSpPr>
+          <p:cNvPr id="2" name="Title 1"/>
+          <p:cNvSpPr>
+            <a:spLocks noGrp="1"/>
+          </p:cNvSpPr>
+          <p:nvPr>
+            <p:ph type="title"/>
+          </p:nvPr>
+        </p:nvSpPr>
+        <p:spPr/>
+        <p:txBody>
+          <a:bodyPr/>
+          <a:lstStyle/>
+          <a:p>
+            <a:r>
+              <a:rPr lang="en-US" dirty="0" smtClean="0"/>
+              <a:t>Introduction to </a:t>
+            </a:r>
+            <a:r>
+              <a:rPr lang="en-US" dirty="0" err="1" smtClean="0"/>
+              <a:t>Async</a:t>
+            </a:r>
+            <a:endParaRPr lang="en-US" dirty="0"/>
+          </a:p>
+        </p:txBody>
+      </p:sp>
+      <p:sp>
+        <p:nvSpPr>
+          <p:cNvPr id="7" name="Text Placeholder 2"/>
+          <p:cNvSpPr txBox="1">
+            <a:spLocks/>
+          </p:cNvSpPr>
+          <p:nvPr/>
+        </p:nvSpPr>
+        <p:spPr>
+          <a:xfrm>
+            <a:off x="269238" y="1189176"/>
+            <a:ext cx="11655841" cy="4228850"/>
+          </a:xfrm>
+          <a:prstGeom prst="rect">
+            <a:avLst/>
+          </a:prstGeom>
+          <a:ln>
+            <a:noFill/>
+          </a:ln>
+        </p:spPr>
+        <p:txBody>
+          <a:bodyPr vert="horz" wrap="square" lIns="146304" tIns="91440" rIns="146304" bIns="91440" rtlCol="0">
+            <a:spAutoFit/>
+          </a:bodyPr>
+          <a:lstStyle>
+            <a:lvl1pPr marL="0" marR="0" indent="0" algn="l" defTabSz="914367" rtl="0" eaLnBrk="1" fontAlgn="auto" latinLnBrk="0" hangingPunct="1">
+              <a:lnSpc>
+                <a:spcPct val="90000"/>
+              </a:lnSpc>
+              <a:spcBef>
+                <a:spcPct val="20000"/>
+              </a:spcBef>
+              <a:spcAft>
+                <a:spcPts val="0"/>
+              </a:spcAft>
+              <a:buClrTx/>
+              <a:buSzPct val="90000"/>
+              <a:buFont typeface="Arial" pitchFamily="34" charset="0"/>
+              <a:buNone/>
+              <a:tabLst/>
+              <a:defRPr sz="3235" kern="1200" spc="0" baseline="0">
+                <a:gradFill>
+                  <a:gsLst>
+                    <a:gs pos="1250">
+                      <a:srgbClr val="000000"/>
+                    </a:gs>
+                    <a:gs pos="100000">
+                      <a:srgbClr val="000000"/>
+                    </a:gs>
+                  </a:gsLst>
+                  <a:lin ang="5400000" scaled="0"/>
+                </a:gradFill>
+                <a:latin typeface="Segoe UI" pitchFamily="34" charset="0"/>
+                <a:ea typeface="+mn-ea"/>
+                <a:cs typeface="Segoe UI" pitchFamily="34" charset="0"/>
+              </a:defRPr>
+            </a:lvl1pPr>
+            <a:lvl2pPr marL="339726" marR="0" indent="0" algn="l" defTabSz="914367" rtl="0" eaLnBrk="1" fontAlgn="auto" latinLnBrk="0" hangingPunct="1">
+              <a:lnSpc>
+                <a:spcPct val="90000"/>
+              </a:lnSpc>
+              <a:spcBef>
+                <a:spcPct val="20000"/>
+              </a:spcBef>
+              <a:spcAft>
+                <a:spcPts val="0"/>
+              </a:spcAft>
+              <a:buClrTx/>
+              <a:buSzPct val="90000"/>
+              <a:buFont typeface="Arial" pitchFamily="34" charset="0"/>
+              <a:buNone/>
+              <a:tabLst/>
+              <a:defRPr sz="2353" kern="1200" spc="0" baseline="0">
+                <a:gradFill>
+                  <a:gsLst>
+                    <a:gs pos="1250">
+                      <a:srgbClr val="000000"/>
+                    </a:gs>
+                    <a:gs pos="100000">
+                      <a:srgbClr val="000000"/>
+                    </a:gs>
+                  </a:gsLst>
+                  <a:lin ang="5400000" scaled="0"/>
+                </a:gradFill>
+                <a:latin typeface="Segoe UI" pitchFamily="34" charset="0"/>
+                <a:ea typeface="+mn-ea"/>
+                <a:cs typeface="Segoe UI" pitchFamily="34" charset="0"/>
+              </a:defRPr>
+            </a:lvl2pPr>
+            <a:lvl3pPr marL="573090" marR="0" indent="0" algn="l" defTabSz="914367" rtl="0" eaLnBrk="1" fontAlgn="auto" latinLnBrk="0" hangingPunct="1">
+              <a:lnSpc>
+                <a:spcPct val="90000"/>
+              </a:lnSpc>
+              <a:spcBef>
+                <a:spcPct val="20000"/>
+              </a:spcBef>
+              <a:spcAft>
+                <a:spcPts val="0"/>
+              </a:spcAft>
+              <a:buClrTx/>
+              <a:buSzPct val="90000"/>
+              <a:buFont typeface="Arial" pitchFamily="34" charset="0"/>
+              <a:buNone/>
+              <a:tabLst/>
+              <a:defRPr sz="1961" kern="1200" spc="0" baseline="0">
+                <a:gradFill>
+                  <a:gsLst>
+                    <a:gs pos="1250">
+                      <a:srgbClr val="000000"/>
+                    </a:gs>
+                    <a:gs pos="100000">
+                      <a:srgbClr val="000000"/>
+                    </a:gs>
+                  </a:gsLst>
+                  <a:lin ang="5400000" scaled="0"/>
+                </a:gradFill>
+                <a:latin typeface="Segoe UI" pitchFamily="34" charset="0"/>
+                <a:ea typeface="+mn-ea"/>
+                <a:cs typeface="Segoe UI" pitchFamily="34" charset="0"/>
+              </a:defRPr>
+            </a:lvl3pPr>
+            <a:lvl4pPr marL="798516" marR="0" indent="0" algn="l" defTabSz="914367" rtl="0" eaLnBrk="1" fontAlgn="auto" latinLnBrk="0" hangingPunct="1">
+              <a:lnSpc>
+                <a:spcPct val="90000"/>
+              </a:lnSpc>
+              <a:spcBef>
+                <a:spcPct val="20000"/>
+              </a:spcBef>
+              <a:spcAft>
+                <a:spcPts val="0"/>
+              </a:spcAft>
+              <a:buClrTx/>
+              <a:buSzPct val="90000"/>
+              <a:buFont typeface="Arial" pitchFamily="34" charset="0"/>
+              <a:buNone/>
+              <a:tabLst/>
+              <a:defRPr sz="1765" kern="1200" spc="0" baseline="0">
+                <a:gradFill>
+                  <a:gsLst>
+                    <a:gs pos="1250">
+                      <a:srgbClr val="000000"/>
+                    </a:gs>
+                    <a:gs pos="100000">
+                      <a:srgbClr val="000000"/>
+                    </a:gs>
+                  </a:gsLst>
+                  <a:lin ang="5400000" scaled="0"/>
+                </a:gradFill>
+                <a:latin typeface="Segoe UI" pitchFamily="34" charset="0"/>
+                <a:ea typeface="+mn-ea"/>
+                <a:cs typeface="Segoe UI" pitchFamily="34" charset="0"/>
+              </a:defRPr>
+            </a:lvl4pPr>
+            <a:lvl5pPr marL="1030292" marR="0" indent="0" algn="l" defTabSz="914367" rtl="0" eaLnBrk="1" fontAlgn="auto" latinLnBrk="0" hangingPunct="1">
+              <a:lnSpc>
+                <a:spcPct val="90000"/>
+              </a:lnSpc>
+              <a:spcBef>
+                <a:spcPct val="20000"/>
+              </a:spcBef>
+              <a:spcAft>
+                <a:spcPts val="0"/>
+              </a:spcAft>
+              <a:buClrTx/>
+              <a:buSzPct val="90000"/>
+              <a:buFont typeface="Arial" pitchFamily="34" charset="0"/>
+              <a:buNone/>
+              <a:tabLst/>
+              <a:defRPr sz="1765" kern="1200" spc="0" baseline="0">
+                <a:gradFill>
+                  <a:gsLst>
+                    <a:gs pos="1250">
+                      <a:srgbClr val="000000"/>
+                    </a:gs>
+                    <a:gs pos="100000">
+                      <a:srgbClr val="000000"/>
+                    </a:gs>
+                  </a:gsLst>
+                  <a:lin ang="5400000" scaled="0"/>
+                </a:gradFill>
+                <a:latin typeface="Segoe UI" pitchFamily="34" charset="0"/>
+                <a:ea typeface="+mn-ea"/>
+                <a:cs typeface="Segoe UI" pitchFamily="34" charset="0"/>
+              </a:defRPr>
+            </a:lvl5pPr>
+            <a:lvl6pPr marL="2514509" indent="-228592" algn="l" defTabSz="914367" rtl="0" eaLnBrk="1" latinLnBrk="0" hangingPunct="1">
+              <a:spcBef>
+                <a:spcPct val="20000"/>
+              </a:spcBef>
+              <a:buFont typeface="Arial" pitchFamily="34" charset="0"/>
+              <a:buChar char="•"/>
+              <a:defRPr sz="1961" kern="1200">
+                <a:solidFill>
+                  <a:schemeClr val="tx1"/>
+                </a:solidFill>
+                <a:latin typeface="+mn-lt"/>
+                <a:ea typeface="+mn-ea"/>
+                <a:cs typeface="+mn-cs"/>
+              </a:defRPr>
+            </a:lvl6pPr>
+            <a:lvl7pPr marL="2971693" indent="-228592" algn="l" defTabSz="914367" rtl="0" eaLnBrk="1" latinLnBrk="0" hangingPunct="1">
+              <a:spcBef>
+                <a:spcPct val="20000"/>
+              </a:spcBef>
+              <a:buFont typeface="Arial" pitchFamily="34" charset="0"/>
+              <a:buChar char="•"/>
+              <a:defRPr sz="1961" kern="1200">
+                <a:solidFill>
+                  <a:schemeClr val="tx1"/>
+                </a:solidFill>
+                <a:latin typeface="+mn-lt"/>
+                <a:ea typeface="+mn-ea"/>
+                <a:cs typeface="+mn-cs"/>
+              </a:defRPr>
+            </a:lvl7pPr>
+            <a:lvl8pPr marL="3428877" indent="-228592" algn="l" defTabSz="914367" rtl="0" eaLnBrk="1" latinLnBrk="0" hangingPunct="1">
+              <a:spcBef>
+                <a:spcPct val="20000"/>
+              </a:spcBef>
+              <a:buFont typeface="Arial" pitchFamily="34" charset="0"/>
+              <a:buChar char="•"/>
+              <a:defRPr sz="1961" kern="1200">
+                <a:solidFill>
+                  <a:schemeClr val="tx1"/>
+                </a:solidFill>
+                <a:latin typeface="+mn-lt"/>
+                <a:ea typeface="+mn-ea"/>
+                <a:cs typeface="+mn-cs"/>
+              </a:defRPr>
+            </a:lvl8pPr>
+            <a:lvl9pPr marL="3886061" indent="-228592" algn="l" defTabSz="914367" rtl="0" eaLnBrk="1" latinLnBrk="0" hangingPunct="1">
+              <a:spcBef>
+                <a:spcPct val="20000"/>
+              </a:spcBef>
+              <a:buFont typeface="Arial" pitchFamily="34" charset="0"/>
+              <a:buChar char="•"/>
+              <a:defRPr sz="1961" kern="1200">
+                <a:solidFill>
+                  <a:schemeClr val="tx1"/>
+                </a:solidFill>
+                <a:latin typeface="+mn-lt"/>
+                <a:ea typeface="+mn-ea"/>
+                <a:cs typeface="+mn-cs"/>
+              </a:defRPr>
+            </a:lvl9pPr>
+          </a:lstStyle>
+          <a:p>
+            <a:endParaRPr lang="en-US" sz="2800" dirty="0" smtClean="0">
+              <a:latin typeface="+mn-lt"/>
+              <a:cs typeface="Consolas" panose="020B0609020204030204" pitchFamily="49" charset="0"/>
+            </a:endParaRPr>
+          </a:p>
+          <a:p>
+            <a:r>
+              <a:rPr lang="en-US" sz="2800" dirty="0" smtClean="0">
+                <a:latin typeface="+mn-lt"/>
+                <a:cs typeface="Consolas" panose="020B0609020204030204" pitchFamily="49" charset="0"/>
+              </a:rPr>
+              <a:t>Follow the Task-based Asynchronous Pattern (TAP):</a:t>
+            </a:r>
+          </a:p>
+          <a:p>
+            <a:pPr lvl="1"/>
+            <a:r>
+              <a:rPr lang="en-US" sz="2000" dirty="0">
+                <a:hlinkClick r:id="rId3"/>
+              </a:rPr>
+              <a:t>http://</a:t>
+            </a:r>
+            <a:r>
+              <a:rPr lang="en-US" sz="2000" dirty="0" smtClean="0">
+                <a:hlinkClick r:id="rId3"/>
+              </a:rPr>
+              <a:t>msdn.microsoft.com/en-us/library/hh873175.aspx</a:t>
+            </a:r>
+            <a:endParaRPr lang="en-US" sz="2000" dirty="0" smtClean="0"/>
+          </a:p>
+          <a:p>
+            <a:endParaRPr lang="en-US" sz="2800" dirty="0" smtClean="0">
+              <a:latin typeface="+mn-lt"/>
+              <a:cs typeface="Consolas" panose="020B0609020204030204" pitchFamily="49" charset="0"/>
+            </a:endParaRPr>
+          </a:p>
+          <a:p>
+            <a:r>
+              <a:rPr lang="en-US" sz="2800" dirty="0" smtClean="0">
+                <a:latin typeface="+mn-lt"/>
+                <a:cs typeface="Consolas" panose="020B0609020204030204" pitchFamily="49" charset="0"/>
+              </a:rPr>
+              <a:t>Nam</a:t>
+            </a:r>
+            <a:r>
+              <a:rPr lang="en-US" sz="2800" dirty="0" smtClean="0">
+                <a:cs typeface="Consolas" panose="020B0609020204030204" pitchFamily="49" charset="0"/>
+              </a:rPr>
+              <a:t>ing:	</a:t>
+            </a:r>
+            <a:r>
+              <a:rPr lang="en-US" sz="2800" dirty="0" err="1" smtClean="0">
+                <a:latin typeface="Consolas" panose="020B0609020204030204" pitchFamily="49" charset="0"/>
+                <a:cs typeface="Consolas" panose="020B0609020204030204" pitchFamily="49" charset="0"/>
+              </a:rPr>
+              <a:t>MyMethod</a:t>
+            </a:r>
+            <a:r>
+              <a:rPr lang="en-US" sz="2800" b="1" dirty="0" err="1" smtClean="0">
+                <a:latin typeface="Consolas" panose="020B0609020204030204" pitchFamily="49" charset="0"/>
+                <a:cs typeface="Consolas" panose="020B0609020204030204" pitchFamily="49" charset="0"/>
+              </a:rPr>
+              <a:t>Async</a:t>
+            </a:r>
+            <a:endParaRPr lang="en-US" sz="2800" dirty="0" smtClean="0">
+              <a:latin typeface="+mn-lt"/>
+              <a:cs typeface="Consolas" panose="020B0609020204030204" pitchFamily="49" charset="0"/>
+            </a:endParaRPr>
+          </a:p>
+          <a:p>
+            <a:endParaRPr lang="en-US" sz="2800" b="1" dirty="0">
+              <a:latin typeface="+mn-lt"/>
+              <a:cs typeface="Consolas" panose="020B0609020204030204" pitchFamily="49" charset="0"/>
+            </a:endParaRPr>
+          </a:p>
+          <a:p>
+            <a:r>
+              <a:rPr lang="en-US" sz="2800" dirty="0" smtClean="0">
+                <a:latin typeface="+mn-lt"/>
+                <a:cs typeface="Consolas" panose="020B0609020204030204" pitchFamily="49" charset="0"/>
+              </a:rPr>
+              <a:t>Cancellation:</a:t>
+            </a:r>
+          </a:p>
+          <a:p>
+            <a:pPr marL="457200" indent="-457200">
+              <a:buFont typeface="Arial" panose="020B0604020202020204" pitchFamily="34" charset="0"/>
+              <a:buChar char="•"/>
+            </a:pPr>
+            <a:r>
+              <a:rPr lang="en-US" sz="2800" dirty="0" smtClean="0">
+                <a:latin typeface="+mn-lt"/>
+                <a:cs typeface="Consolas" panose="020B0609020204030204" pitchFamily="49" charset="0"/>
+              </a:rPr>
+              <a:t>Take a </a:t>
+            </a:r>
+            <a:r>
+              <a:rPr lang="en-US" sz="2800" dirty="0" err="1" smtClean="0">
+                <a:solidFill>
+                  <a:schemeClr val="tx2"/>
+                </a:solidFill>
+                <a:latin typeface="Consolas" panose="020B0609020204030204" pitchFamily="49" charset="0"/>
+                <a:cs typeface="Consolas" panose="020B0609020204030204" pitchFamily="49" charset="0"/>
+              </a:rPr>
+              <a:t>CancellationToken</a:t>
+            </a:r>
+            <a:r>
+              <a:rPr lang="en-US" sz="2800" dirty="0" smtClean="0">
+                <a:solidFill>
+                  <a:schemeClr val="tx2"/>
+                </a:solidFill>
+                <a:latin typeface="+mn-lt"/>
+                <a:cs typeface="Consolas" panose="020B0609020204030204" pitchFamily="49" charset="0"/>
+              </a:rPr>
+              <a:t> </a:t>
+            </a:r>
+            <a:r>
+              <a:rPr lang="en-US" sz="2800" dirty="0" smtClean="0">
+                <a:latin typeface="+mn-lt"/>
+                <a:cs typeface="Consolas" panose="020B0609020204030204" pitchFamily="49" charset="0"/>
+              </a:rPr>
+              <a:t>parameter.</a:t>
+            </a:r>
+          </a:p>
+          <a:p>
+            <a:pPr marL="457200" indent="-457200">
+              <a:buFont typeface="Arial" panose="020B0604020202020204" pitchFamily="34" charset="0"/>
+              <a:buChar char="•"/>
+            </a:pPr>
+            <a:r>
+              <a:rPr lang="en-US" sz="2800" dirty="0" smtClean="0">
+                <a:latin typeface="+mn-lt"/>
+                <a:cs typeface="Consolas" panose="020B0609020204030204" pitchFamily="49" charset="0"/>
+              </a:rPr>
+              <a:t>Pass the token through to other methods.</a:t>
+            </a:r>
+            <a:endParaRPr lang="en-US" sz="2800" dirty="0" smtClean="0">
+              <a:latin typeface="Consolas" panose="020B0609020204030204" pitchFamily="49" charset="0"/>
+              <a:cs typeface="Consolas" panose="020B0609020204030204" pitchFamily="49" charset="0"/>
+            </a:endParaRPr>
+          </a:p>
+        </p:txBody>
+      </p:sp>
+    </p:spTree>
+    <p:extLst>
+      <p:ext uri="{BB962C8B-B14F-4D97-AF65-F5344CB8AC3E}">
+        <p14:creationId xmlns:p14="http://schemas.microsoft.com/office/powerpoint/2010/main" val="3024743213"/>
+      </p:ext>
+    </p:extLst>
+  </p:cSld>
+  <p:clrMapOvr>
+    <a:masterClrMapping/>
+  </p:clrMapOvr>
+  <p:transition>
+    <p:fade/>
+  </p:transition>
+  <p:timing>
+    <p:tnLst>
+      <p:par>
+        <p:cTn id="1" dur="indefinite" restart="never" nodeType="tmRoot"/>
+      </p:par>
+    </p:tnLst>
+  </p:timing>
+</p:sld>
+</file>
+
+<file path=ppt/slides/slide22.xml><?xml version="1.0" encoding="utf-8"?>
 <p:sld xmlns:a="http://schemas.openxmlformats.org/drawingml/2006/main" xmlns:r="http://schemas.openxmlformats.org/officeDocument/2006/relationships" xmlns:p="http://schemas.openxmlformats.org/presentationml/2006/main">
   <p:cSld>
     <p:spTree>
@@ -13610,7 +19161,7 @@
 </p:sld>
 </file>
 
-<file path=ppt/slides/slide16.xml><?xml version="1.0" encoding="utf-8"?>
+<file path=ppt/slides/slide23.xml><?xml version="1.0" encoding="utf-8"?>
 <p:sld xmlns:a="http://schemas.openxmlformats.org/drawingml/2006/main" xmlns:r="http://schemas.openxmlformats.org/officeDocument/2006/relationships" xmlns:p="http://schemas.openxmlformats.org/presentationml/2006/main">
   <p:cSld>
     <p:spTree>
@@ -14776,7 +20327,7 @@
 </p:sld>
 </file>
 
-<file path=ppt/slides/slide17.xml><?xml version="1.0" encoding="utf-8"?>
+<file path=ppt/slides/slide24.xml><?xml version="1.0" encoding="utf-8"?>
 <p:sld xmlns:a="http://schemas.openxmlformats.org/drawingml/2006/main" xmlns:r="http://schemas.openxmlformats.org/officeDocument/2006/relationships" xmlns:p="http://schemas.openxmlformats.org/presentationml/2006/main">
   <p:cSld>
     <p:spTree>
@@ -14919,7 +20470,7 @@
 </p:sld>
 </file>
 
-<file path=ppt/slides/slide18.xml><?xml version="1.0" encoding="utf-8"?>
+<file path=ppt/slides/slide25.xml><?xml version="1.0" encoding="utf-8"?>
 <p:sld xmlns:a="http://schemas.openxmlformats.org/drawingml/2006/main" xmlns:r="http://schemas.openxmlformats.org/officeDocument/2006/relationships" xmlns:p="http://schemas.openxmlformats.org/presentationml/2006/main">
   <p:cSld>
     <p:spTree>
@@ -14982,7 +20533,7 @@
 </p:sld>
 </file>
 
-<file path=ppt/slides/slide19.xml><?xml version="1.0" encoding="utf-8"?>
+<file path=ppt/slides/slide26.xml><?xml version="1.0" encoding="utf-8"?>
 <p:sld xmlns:a="http://schemas.openxmlformats.org/drawingml/2006/main" xmlns:r="http://schemas.openxmlformats.org/officeDocument/2006/relationships" xmlns:p="http://schemas.openxmlformats.org/presentationml/2006/main">
   <p:cSld>
     <p:spTree>
@@ -15907,70 +21458,7 @@
 </p:sld>
 </file>
 
-<file path=ppt/slides/slide2.xml><?xml version="1.0" encoding="utf-8"?>
-<p:sld xmlns:a="http://schemas.openxmlformats.org/drawingml/2006/main" xmlns:r="http://schemas.openxmlformats.org/officeDocument/2006/relationships" xmlns:p="http://schemas.openxmlformats.org/presentationml/2006/main">
-  <p:cSld>
-    <p:spTree>
-      <p:nvGrpSpPr>
-        <p:cNvPr id="1" name=""/>
-        <p:cNvGrpSpPr/>
-        <p:nvPr/>
-      </p:nvGrpSpPr>
-      <p:grpSpPr>
-        <a:xfrm>
-          <a:off x="0" y="0"/>
-          <a:ext cx="0" cy="0"/>
-          <a:chOff x="0" y="0"/>
-          <a:chExt cx="0" cy="0"/>
-        </a:xfrm>
-      </p:grpSpPr>
-      <p:sp>
-        <p:nvSpPr>
-          <p:cNvPr id="4" name="Title 3"/>
-          <p:cNvSpPr>
-            <a:spLocks noGrp="1"/>
-          </p:cNvSpPr>
-          <p:nvPr>
-            <p:ph type="title"/>
-          </p:nvPr>
-        </p:nvSpPr>
-        <p:spPr/>
-        <p:txBody>
-          <a:bodyPr/>
-          <a:lstStyle/>
-          <a:p>
-            <a:r>
-              <a:rPr lang="en-US" dirty="0" smtClean="0"/>
-              <a:t>Who is this guy?</a:t>
-            </a:r>
-            <a:endParaRPr lang="en-US" dirty="0"/>
-          </a:p>
-        </p:txBody>
-      </p:sp>
-    </p:spTree>
-    <p:extLst>
-      <p:ext uri="{BB962C8B-B14F-4D97-AF65-F5344CB8AC3E}">
-        <p14:creationId xmlns:p14="http://schemas.microsoft.com/office/powerpoint/2010/main" val="223290894"/>
-      </p:ext>
-    </p:extLst>
-  </p:cSld>
-  <p:clrMapOvr>
-    <a:masterClrMapping/>
-  </p:clrMapOvr>
-  <p:transition>
-    <p:fade/>
-  </p:transition>
-  <p:timing>
-    <p:tnLst>
-      <p:par>
-        <p:cTn id="1" dur="indefinite" restart="never" nodeType="tmRoot"/>
-      </p:par>
-    </p:tnLst>
-  </p:timing>
-</p:sld>
-</file>
-
-<file path=ppt/slides/slide20.xml><?xml version="1.0" encoding="utf-8"?>
+<file path=ppt/slides/slide27.xml><?xml version="1.0" encoding="utf-8"?>
 <p:sld xmlns:a="http://schemas.openxmlformats.org/drawingml/2006/main" xmlns:r="http://schemas.openxmlformats.org/officeDocument/2006/relationships" xmlns:p="http://schemas.openxmlformats.org/presentationml/2006/main">
   <p:cSld>
     <p:spTree>
@@ -16105,7 +21593,7 @@
 </p:sld>
 </file>
 
-<file path=ppt/slides/slide21.xml><?xml version="1.0" encoding="utf-8"?>
+<file path=ppt/slides/slide28.xml><?xml version="1.0" encoding="utf-8"?>
 <p:sld xmlns:a="http://schemas.openxmlformats.org/drawingml/2006/main" xmlns:r="http://schemas.openxmlformats.org/officeDocument/2006/relationships" xmlns:p="http://schemas.openxmlformats.org/presentationml/2006/main">
   <p:cSld>
     <p:spTree>
@@ -17194,7 +22682,7 @@
 </p:sld>
 </file>
 
-<file path=ppt/slides/slide22.xml><?xml version="1.0" encoding="utf-8"?>
+<file path=ppt/slides/slide29.xml><?xml version="1.0" encoding="utf-8"?>
 <p:sld xmlns:a="http://schemas.openxmlformats.org/drawingml/2006/main" xmlns:r="http://schemas.openxmlformats.org/officeDocument/2006/relationships" xmlns:p="http://schemas.openxmlformats.org/presentationml/2006/main">
   <p:cSld>
     <p:spTree>
@@ -17381,7 +22869,77 @@
 </p:sld>
 </file>
 
-<file path=ppt/slides/slide23.xml><?xml version="1.0" encoding="utf-8"?>
+<file path=ppt/slides/slide3.xml><?xml version="1.0" encoding="utf-8"?>
+<p:sld xmlns:a="http://schemas.openxmlformats.org/drawingml/2006/main" xmlns:r="http://schemas.openxmlformats.org/officeDocument/2006/relationships" xmlns:p="http://schemas.openxmlformats.org/presentationml/2006/main" showMasterSp="0">
+  <p:cSld>
+    <p:spTree>
+      <p:nvGrpSpPr>
+        <p:cNvPr id="1" name=""/>
+        <p:cNvGrpSpPr/>
+        <p:nvPr/>
+      </p:nvGrpSpPr>
+      <p:grpSpPr>
+        <a:xfrm>
+          <a:off x="0" y="0"/>
+          <a:ext cx="0" cy="0"/>
+          <a:chOff x="0" y="0"/>
+          <a:chExt cx="0" cy="0"/>
+        </a:xfrm>
+      </p:grpSpPr>
+      <p:pic>
+        <p:nvPicPr>
+          <p:cNvPr id="4" name="Picture 3"/>
+          <p:cNvPicPr>
+            <a:picLocks noChangeAspect="1"/>
+          </p:cNvPicPr>
+          <p:nvPr/>
+        </p:nvPicPr>
+        <p:blipFill>
+          <a:blip r:embed="rId2">
+            <a:extLst>
+              <a:ext uri="{28A0092B-C50C-407E-A947-70E740481C1C}">
+                <a14:useLocalDpi xmlns:a14="http://schemas.microsoft.com/office/drawing/2010/main" val="0"/>
+              </a:ext>
+            </a:extLst>
+          </a:blip>
+          <a:stretch>
+            <a:fillRect/>
+          </a:stretch>
+        </p:blipFill>
+        <p:spPr>
+          <a:xfrm>
+            <a:off x="3482788" y="0"/>
+            <a:ext cx="5226423" cy="6858000"/>
+          </a:xfrm>
+          <a:prstGeom prst="rect">
+            <a:avLst/>
+          </a:prstGeom>
+        </p:spPr>
+      </p:pic>
+    </p:spTree>
+    <p:extLst>
+      <p:ext uri="{BB962C8B-B14F-4D97-AF65-F5344CB8AC3E}">
+        <p14:creationId xmlns:p14="http://schemas.microsoft.com/office/powerpoint/2010/main" val="393857517"/>
+      </p:ext>
+    </p:extLst>
+  </p:cSld>
+  <p:clrMapOvr>
+    <a:masterClrMapping/>
+  </p:clrMapOvr>
+  <p:transition>
+    <p:fade/>
+  </p:transition>
+  <p:timing>
+    <p:tnLst>
+      <p:par>
+        <p:cTn id="1" dur="indefinite" restart="never" nodeType="tmRoot"/>
+      </p:par>
+    </p:tnLst>
+  </p:timing>
+</p:sld>
+</file>
+
+<file path=ppt/slides/slide30.xml><?xml version="1.0" encoding="utf-8"?>
 <p:sld xmlns:a="http://schemas.openxmlformats.org/drawingml/2006/main" xmlns:r="http://schemas.openxmlformats.org/officeDocument/2006/relationships" xmlns:p="http://schemas.openxmlformats.org/presentationml/2006/main">
   <p:cSld>
     <p:spTree>
@@ -17524,7 +23082,7 @@
 </p:sld>
 </file>
 
-<file path=ppt/slides/slide24.xml><?xml version="1.0" encoding="utf-8"?>
+<file path=ppt/slides/slide31.xml><?xml version="1.0" encoding="utf-8"?>
 <p:sld xmlns:a="http://schemas.openxmlformats.org/drawingml/2006/main" xmlns:r="http://schemas.openxmlformats.org/officeDocument/2006/relationships" xmlns:p="http://schemas.openxmlformats.org/presentationml/2006/main">
   <p:cSld>
     <p:spTree>
@@ -17587,7 +23145,7 @@
 </p:sld>
 </file>
 
-<file path=ppt/slides/slide25.xml><?xml version="1.0" encoding="utf-8"?>
+<file path=ppt/slides/slide32.xml><?xml version="1.0" encoding="utf-8"?>
 <p:sld xmlns:a="http://schemas.openxmlformats.org/drawingml/2006/main" xmlns:r="http://schemas.openxmlformats.org/officeDocument/2006/relationships" xmlns:p="http://schemas.openxmlformats.org/presentationml/2006/main">
   <p:cSld>
     <p:spTree>
@@ -18182,7 +23740,7 @@
 </p:sld>
 </file>
 
-<file path=ppt/slides/slide26.xml><?xml version="1.0" encoding="utf-8"?>
+<file path=ppt/slides/slide33.xml><?xml version="1.0" encoding="utf-8"?>
 <p:sld xmlns:a="http://schemas.openxmlformats.org/drawingml/2006/main" xmlns:r="http://schemas.openxmlformats.org/officeDocument/2006/relationships" xmlns:p="http://schemas.openxmlformats.org/presentationml/2006/main">
   <p:cSld>
     <p:spTree>
@@ -18429,7 +23987,7 @@
 </p:sld>
 </file>
 
-<file path=ppt/slides/slide27.xml><?xml version="1.0" encoding="utf-8"?>
+<file path=ppt/slides/slide34.xml><?xml version="1.0" encoding="utf-8"?>
 <p:sld xmlns:a="http://schemas.openxmlformats.org/drawingml/2006/main" xmlns:r="http://schemas.openxmlformats.org/officeDocument/2006/relationships" xmlns:p="http://schemas.openxmlformats.org/presentationml/2006/main">
   <p:cSld>
     <p:spTree>
@@ -18604,7 +24162,7 @@
 </p:sld>
 </file>
 
-<file path=ppt/slides/slide28.xml><?xml version="1.0" encoding="utf-8"?>
+<file path=ppt/slides/slide35.xml><?xml version="1.0" encoding="utf-8"?>
 <p:sld xmlns:a="http://schemas.openxmlformats.org/drawingml/2006/main" xmlns:r="http://schemas.openxmlformats.org/officeDocument/2006/relationships" xmlns:p="http://schemas.openxmlformats.org/presentationml/2006/main">
   <p:cSld>
     <p:spTree>
@@ -18751,7 +24309,7 @@
 </p:sld>
 </file>
 
-<file path=ppt/slides/slide29.xml><?xml version="1.0" encoding="utf-8"?>
+<file path=ppt/slides/slide36.xml><?xml version="1.0" encoding="utf-8"?>
 <p:sld xmlns:a="http://schemas.openxmlformats.org/drawingml/2006/main" xmlns:r="http://schemas.openxmlformats.org/officeDocument/2006/relationships" xmlns:p="http://schemas.openxmlformats.org/presentationml/2006/main">
   <p:cSld>
     <p:spTree>
@@ -19046,77 +24604,7 @@
 </p:sld>
 </file>
 
-<file path=ppt/slides/slide3.xml><?xml version="1.0" encoding="utf-8"?>
-<p:sld xmlns:a="http://schemas.openxmlformats.org/drawingml/2006/main" xmlns:r="http://schemas.openxmlformats.org/officeDocument/2006/relationships" xmlns:p="http://schemas.openxmlformats.org/presentationml/2006/main" showMasterSp="0">
-  <p:cSld>
-    <p:spTree>
-      <p:nvGrpSpPr>
-        <p:cNvPr id="1" name=""/>
-        <p:cNvGrpSpPr/>
-        <p:nvPr/>
-      </p:nvGrpSpPr>
-      <p:grpSpPr>
-        <a:xfrm>
-          <a:off x="0" y="0"/>
-          <a:ext cx="0" cy="0"/>
-          <a:chOff x="0" y="0"/>
-          <a:chExt cx="0" cy="0"/>
-        </a:xfrm>
-      </p:grpSpPr>
-      <p:pic>
-        <p:nvPicPr>
-          <p:cNvPr id="4" name="Picture 3"/>
-          <p:cNvPicPr>
-            <a:picLocks noChangeAspect="1"/>
-          </p:cNvPicPr>
-          <p:nvPr/>
-        </p:nvPicPr>
-        <p:blipFill>
-          <a:blip r:embed="rId2">
-            <a:extLst>
-              <a:ext uri="{28A0092B-C50C-407E-A947-70E740481C1C}">
-                <a14:useLocalDpi xmlns:a14="http://schemas.microsoft.com/office/drawing/2010/main" val="0"/>
-              </a:ext>
-            </a:extLst>
-          </a:blip>
-          <a:stretch>
-            <a:fillRect/>
-          </a:stretch>
-        </p:blipFill>
-        <p:spPr>
-          <a:xfrm>
-            <a:off x="3482788" y="0"/>
-            <a:ext cx="5226423" cy="6858000"/>
-          </a:xfrm>
-          <a:prstGeom prst="rect">
-            <a:avLst/>
-          </a:prstGeom>
-        </p:spPr>
-      </p:pic>
-    </p:spTree>
-    <p:extLst>
-      <p:ext uri="{BB962C8B-B14F-4D97-AF65-F5344CB8AC3E}">
-        <p14:creationId xmlns:p14="http://schemas.microsoft.com/office/powerpoint/2010/main" val="393857517"/>
-      </p:ext>
-    </p:extLst>
-  </p:cSld>
-  <p:clrMapOvr>
-    <a:masterClrMapping/>
-  </p:clrMapOvr>
-  <p:transition>
-    <p:fade/>
-  </p:transition>
-  <p:timing>
-    <p:tnLst>
-      <p:par>
-        <p:cTn id="1" dur="indefinite" restart="never" nodeType="tmRoot"/>
-      </p:par>
-    </p:tnLst>
-  </p:timing>
-</p:sld>
-</file>
-
-<file path=ppt/slides/slide30.xml><?xml version="1.0" encoding="utf-8"?>
+<file path=ppt/slides/slide37.xml><?xml version="1.0" encoding="utf-8"?>
 <p:sld xmlns:a="http://schemas.openxmlformats.org/drawingml/2006/main" xmlns:r="http://schemas.openxmlformats.org/officeDocument/2006/relationships" xmlns:p="http://schemas.openxmlformats.org/presentationml/2006/main">
   <p:cSld>
     <p:spTree>
@@ -19263,7 +24751,7 @@
 </p:sld>
 </file>
 
-<file path=ppt/slides/slide31.xml><?xml version="1.0" encoding="utf-8"?>
+<file path=ppt/slides/slide38.xml><?xml version="1.0" encoding="utf-8"?>
 <p:sld xmlns:a="http://schemas.openxmlformats.org/drawingml/2006/main" xmlns:r="http://schemas.openxmlformats.org/officeDocument/2006/relationships" xmlns:p="http://schemas.openxmlformats.org/presentationml/2006/main">
   <p:cSld>
     <p:spTree>
@@ -19422,7 +24910,7 @@
 </p:sld>
 </file>
 
-<file path=ppt/slides/slide32.xml><?xml version="1.0" encoding="utf-8"?>
+<file path=ppt/slides/slide39.xml><?xml version="1.0" encoding="utf-8"?>
 <p:sld xmlns:a="http://schemas.openxmlformats.org/drawingml/2006/main" xmlns:r="http://schemas.openxmlformats.org/officeDocument/2006/relationships" xmlns:p="http://schemas.openxmlformats.org/presentationml/2006/main">
   <p:cSld>
     <p:spTree>
@@ -19547,7 +25035,70 @@
 </p:sld>
 </file>
 
-<file path=ppt/slides/slide33.xml><?xml version="1.0" encoding="utf-8"?>
+<file path=ppt/slides/slide4.xml><?xml version="1.0" encoding="utf-8"?>
+<p:sld xmlns:a="http://schemas.openxmlformats.org/drawingml/2006/main" xmlns:r="http://schemas.openxmlformats.org/officeDocument/2006/relationships" xmlns:p="http://schemas.openxmlformats.org/presentationml/2006/main">
+  <p:cSld>
+    <p:spTree>
+      <p:nvGrpSpPr>
+        <p:cNvPr id="1" name=""/>
+        <p:cNvGrpSpPr/>
+        <p:nvPr/>
+      </p:nvGrpSpPr>
+      <p:grpSpPr>
+        <a:xfrm>
+          <a:off x="0" y="0"/>
+          <a:ext cx="0" cy="0"/>
+          <a:chOff x="0" y="0"/>
+          <a:chExt cx="0" cy="0"/>
+        </a:xfrm>
+      </p:grpSpPr>
+      <p:sp>
+        <p:nvSpPr>
+          <p:cNvPr id="2" name="Title 1"/>
+          <p:cNvSpPr>
+            <a:spLocks noGrp="1"/>
+          </p:cNvSpPr>
+          <p:nvPr>
+            <p:ph type="title"/>
+          </p:nvPr>
+        </p:nvSpPr>
+        <p:spPr/>
+        <p:txBody>
+          <a:bodyPr/>
+          <a:lstStyle/>
+          <a:p>
+            <a:r>
+              <a:rPr lang="en-US" dirty="0" smtClean="0"/>
+              <a:t>Concurrent Terminology</a:t>
+            </a:r>
+            <a:endParaRPr lang="en-US" dirty="0"/>
+          </a:p>
+        </p:txBody>
+      </p:sp>
+    </p:spTree>
+    <p:extLst>
+      <p:ext uri="{BB962C8B-B14F-4D97-AF65-F5344CB8AC3E}">
+        <p14:creationId xmlns:p14="http://schemas.microsoft.com/office/powerpoint/2010/main" val="3206326163"/>
+      </p:ext>
+    </p:extLst>
+  </p:cSld>
+  <p:clrMapOvr>
+    <a:masterClrMapping/>
+  </p:clrMapOvr>
+  <p:transition>
+    <p:fade/>
+  </p:transition>
+  <p:timing>
+    <p:tnLst>
+      <p:par>
+        <p:cTn id="1" dur="indefinite" restart="never" nodeType="tmRoot"/>
+      </p:par>
+    </p:tnLst>
+  </p:timing>
+</p:sld>
+</file>
+
+<file path=ppt/slides/slide40.xml><?xml version="1.0" encoding="utf-8"?>
 <p:sld xmlns:a="http://schemas.openxmlformats.org/drawingml/2006/main" xmlns:r="http://schemas.openxmlformats.org/officeDocument/2006/relationships" xmlns:p="http://schemas.openxmlformats.org/presentationml/2006/main" show="0">
   <p:cSld>
     <p:spTree>
@@ -19640,7 +25191,7 @@
 </p:sld>
 </file>
 
-<file path=ppt/slides/slide34.xml><?xml version="1.0" encoding="utf-8"?>
+<file path=ppt/slides/slide41.xml><?xml version="1.0" encoding="utf-8"?>
 <p:sld xmlns:a="http://schemas.openxmlformats.org/drawingml/2006/main" xmlns:r="http://schemas.openxmlformats.org/officeDocument/2006/relationships" xmlns:p="http://schemas.openxmlformats.org/presentationml/2006/main" show="0">
   <p:cSld>
     <p:spTree>
@@ -19780,7 +25331,7 @@
 </p:sld>
 </file>
 
-<file path=ppt/slides/slide35.xml><?xml version="1.0" encoding="utf-8"?>
+<file path=ppt/slides/slide42.xml><?xml version="1.0" encoding="utf-8"?>
 <p:sld xmlns:a="http://schemas.openxmlformats.org/drawingml/2006/main" xmlns:r="http://schemas.openxmlformats.org/officeDocument/2006/relationships" xmlns:p="http://schemas.openxmlformats.org/presentationml/2006/main" show="0">
   <p:cSld>
     <p:spTree>
@@ -19998,7 +25549,7 @@
 </p:sld>
 </file>
 
-<file path=ppt/slides/slide36.xml><?xml version="1.0" encoding="utf-8"?>
+<file path=ppt/slides/slide43.xml><?xml version="1.0" encoding="utf-8"?>
 <p:sld xmlns:a="http://schemas.openxmlformats.org/drawingml/2006/main" xmlns:r="http://schemas.openxmlformats.org/officeDocument/2006/relationships" xmlns:p="http://schemas.openxmlformats.org/presentationml/2006/main">
   <p:cSld>
     <p:spTree>
@@ -20061,7 +25612,7 @@
 </p:sld>
 </file>
 
-<file path=ppt/slides/slide37.xml><?xml version="1.0" encoding="utf-8"?>
+<file path=ppt/slides/slide44.xml><?xml version="1.0" encoding="utf-8"?>
 <p:sld xmlns:a="http://schemas.openxmlformats.org/drawingml/2006/main" xmlns:r="http://schemas.openxmlformats.org/officeDocument/2006/relationships" xmlns:p="http://schemas.openxmlformats.org/presentationml/2006/main">
   <p:cSld>
     <p:spTree>
@@ -20656,7 +26207,7 @@
 </p:sld>
 </file>
 
-<file path=ppt/slides/slide38.xml><?xml version="1.0" encoding="utf-8"?>
+<file path=ppt/slides/slide45.xml><?xml version="1.0" encoding="utf-8"?>
 <p:sld xmlns:a="http://schemas.openxmlformats.org/drawingml/2006/main" xmlns:r="http://schemas.openxmlformats.org/officeDocument/2006/relationships" xmlns:p="http://schemas.openxmlformats.org/presentationml/2006/main">
   <p:cSld>
     <p:spTree>
@@ -20851,7 +26402,7 @@
 </p:sld>
 </file>
 
-<file path=ppt/slides/slide39.xml><?xml version="1.0" encoding="utf-8"?>
+<file path=ppt/slides/slide46.xml><?xml version="1.0" encoding="utf-8"?>
 <p:sld xmlns:a="http://schemas.openxmlformats.org/drawingml/2006/main" xmlns:r="http://schemas.openxmlformats.org/officeDocument/2006/relationships" xmlns:p="http://schemas.openxmlformats.org/presentationml/2006/main">
   <p:cSld>
     <p:spTree>
@@ -21065,70 +26616,7 @@
 </p:sld>
 </file>
 
-<file path=ppt/slides/slide4.xml><?xml version="1.0" encoding="utf-8"?>
-<p:sld xmlns:a="http://schemas.openxmlformats.org/drawingml/2006/main" xmlns:r="http://schemas.openxmlformats.org/officeDocument/2006/relationships" xmlns:p="http://schemas.openxmlformats.org/presentationml/2006/main">
-  <p:cSld>
-    <p:spTree>
-      <p:nvGrpSpPr>
-        <p:cNvPr id="1" name=""/>
-        <p:cNvGrpSpPr/>
-        <p:nvPr/>
-      </p:nvGrpSpPr>
-      <p:grpSpPr>
-        <a:xfrm>
-          <a:off x="0" y="0"/>
-          <a:ext cx="0" cy="0"/>
-          <a:chOff x="0" y="0"/>
-          <a:chExt cx="0" cy="0"/>
-        </a:xfrm>
-      </p:grpSpPr>
-      <p:sp>
-        <p:nvSpPr>
-          <p:cNvPr id="2" name="Title 1"/>
-          <p:cNvSpPr>
-            <a:spLocks noGrp="1"/>
-          </p:cNvSpPr>
-          <p:nvPr>
-            <p:ph type="title"/>
-          </p:nvPr>
-        </p:nvSpPr>
-        <p:spPr/>
-        <p:txBody>
-          <a:bodyPr/>
-          <a:lstStyle/>
-          <a:p>
-            <a:r>
-              <a:rPr lang="en-US" dirty="0" smtClean="0"/>
-              <a:t>Concurrent Terminology</a:t>
-            </a:r>
-            <a:endParaRPr lang="en-US" dirty="0"/>
-          </a:p>
-        </p:txBody>
-      </p:sp>
-    </p:spTree>
-    <p:extLst>
-      <p:ext uri="{BB962C8B-B14F-4D97-AF65-F5344CB8AC3E}">
-        <p14:creationId xmlns:p14="http://schemas.microsoft.com/office/powerpoint/2010/main" val="3206326163"/>
-      </p:ext>
-    </p:extLst>
-  </p:cSld>
-  <p:clrMapOvr>
-    <a:masterClrMapping/>
-  </p:clrMapOvr>
-  <p:transition>
-    <p:fade/>
-  </p:transition>
-  <p:timing>
-    <p:tnLst>
-      <p:par>
-        <p:cTn id="1" dur="indefinite" restart="never" nodeType="tmRoot"/>
-      </p:par>
-    </p:tnLst>
-  </p:timing>
-</p:sld>
-</file>
-
-<file path=ppt/slides/slide40.xml><?xml version="1.0" encoding="utf-8"?>
+<file path=ppt/slides/slide47.xml><?xml version="1.0" encoding="utf-8"?>
 <p:sld xmlns:a="http://schemas.openxmlformats.org/drawingml/2006/main" xmlns:r="http://schemas.openxmlformats.org/officeDocument/2006/relationships" xmlns:p="http://schemas.openxmlformats.org/presentationml/2006/main">
   <p:cSld>
     <p:spTree>
@@ -21309,7 +26797,7 @@
 </p:sld>
 </file>
 
-<file path=ppt/slides/slide41.xml><?xml version="1.0" encoding="utf-8"?>
+<file path=ppt/slides/slide48.xml><?xml version="1.0" encoding="utf-8"?>
 <p:sld xmlns:a="http://schemas.openxmlformats.org/drawingml/2006/main" xmlns:r="http://schemas.openxmlformats.org/officeDocument/2006/relationships" xmlns:p="http://schemas.openxmlformats.org/presentationml/2006/main">
   <p:cSld>
     <p:spTree>

--- a/Asynchronous Parallel Reactive - HELP!/Asynchronous Parallel Reactive Help - 16.9.pptx
+++ b/Asynchronous Parallel Reactive - HELP!/Asynchronous Parallel Reactive Help - 16.9.pptx
@@ -13319,7 +13319,7 @@
 </file>
 
 <file path=ppt/slides/slide10.xml><?xml version="1.0" encoding="utf-8"?>
-<p:sld xmlns:a="http://schemas.openxmlformats.org/drawingml/2006/main" xmlns:r="http://schemas.openxmlformats.org/officeDocument/2006/relationships" xmlns:p="http://schemas.openxmlformats.org/presentationml/2006/main">
+<p:sld xmlns:a="http://schemas.openxmlformats.org/drawingml/2006/main" xmlns:r="http://schemas.openxmlformats.org/officeDocument/2006/relationships" xmlns:p="http://schemas.openxmlformats.org/presentationml/2006/main" show="0">
   <p:cSld>
     <p:spTree>
       <p:nvGrpSpPr>
@@ -13459,7 +13459,7 @@
 </file>
 
 <file path=ppt/slides/slide11.xml><?xml version="1.0" encoding="utf-8"?>
-<p:sld xmlns:a="http://schemas.openxmlformats.org/drawingml/2006/main" xmlns:r="http://schemas.openxmlformats.org/officeDocument/2006/relationships" xmlns:p="http://schemas.openxmlformats.org/presentationml/2006/main">
+<p:sld xmlns:a="http://schemas.openxmlformats.org/drawingml/2006/main" xmlns:r="http://schemas.openxmlformats.org/officeDocument/2006/relationships" xmlns:p="http://schemas.openxmlformats.org/presentationml/2006/main" show="0">
   <p:cSld>
     <p:spTree>
       <p:nvGrpSpPr>
